--- a/Block Diagram_edited.pptx
+++ b/Block Diagram_edited.pptx
@@ -270,7 +270,7 @@
           <a:p>
             <a:fld id="{C0F70495-36A0-443F-8916-32C5B1CCA509}" type="datetimeFigureOut">
               <a:rPr lang="en-US" smtClean="0"/>
-              <a:t>3/30/2020</a:t>
+              <a:t>3/31/2020</a:t>
             </a:fld>
             <a:endParaRPr lang="en-US"/>
           </a:p>
@@ -468,7 +468,7 @@
           <a:p>
             <a:fld id="{C0F70495-36A0-443F-8916-32C5B1CCA509}" type="datetimeFigureOut">
               <a:rPr lang="en-US" smtClean="0"/>
-              <a:t>3/30/2020</a:t>
+              <a:t>3/31/2020</a:t>
             </a:fld>
             <a:endParaRPr lang="en-US"/>
           </a:p>
@@ -676,7 +676,7 @@
           <a:p>
             <a:fld id="{C0F70495-36A0-443F-8916-32C5B1CCA509}" type="datetimeFigureOut">
               <a:rPr lang="en-US" smtClean="0"/>
-              <a:t>3/30/2020</a:t>
+              <a:t>3/31/2020</a:t>
             </a:fld>
             <a:endParaRPr lang="en-US"/>
           </a:p>
@@ -874,7 +874,7 @@
           <a:p>
             <a:fld id="{C0F70495-36A0-443F-8916-32C5B1CCA509}" type="datetimeFigureOut">
               <a:rPr lang="en-US" smtClean="0"/>
-              <a:t>3/30/2020</a:t>
+              <a:t>3/31/2020</a:t>
             </a:fld>
             <a:endParaRPr lang="en-US"/>
           </a:p>
@@ -1149,7 +1149,7 @@
           <a:p>
             <a:fld id="{C0F70495-36A0-443F-8916-32C5B1CCA509}" type="datetimeFigureOut">
               <a:rPr lang="en-US" smtClean="0"/>
-              <a:t>3/30/2020</a:t>
+              <a:t>3/31/2020</a:t>
             </a:fld>
             <a:endParaRPr lang="en-US"/>
           </a:p>
@@ -1414,7 +1414,7 @@
           <a:p>
             <a:fld id="{C0F70495-36A0-443F-8916-32C5B1CCA509}" type="datetimeFigureOut">
               <a:rPr lang="en-US" smtClean="0"/>
-              <a:t>3/30/2020</a:t>
+              <a:t>3/31/2020</a:t>
             </a:fld>
             <a:endParaRPr lang="en-US"/>
           </a:p>
@@ -1826,7 +1826,7 @@
           <a:p>
             <a:fld id="{C0F70495-36A0-443F-8916-32C5B1CCA509}" type="datetimeFigureOut">
               <a:rPr lang="en-US" smtClean="0"/>
-              <a:t>3/30/2020</a:t>
+              <a:t>3/31/2020</a:t>
             </a:fld>
             <a:endParaRPr lang="en-US"/>
           </a:p>
@@ -1967,7 +1967,7 @@
           <a:p>
             <a:fld id="{C0F70495-36A0-443F-8916-32C5B1CCA509}" type="datetimeFigureOut">
               <a:rPr lang="en-US" smtClean="0"/>
-              <a:t>3/30/2020</a:t>
+              <a:t>3/31/2020</a:t>
             </a:fld>
             <a:endParaRPr lang="en-US"/>
           </a:p>
@@ -2080,7 +2080,7 @@
           <a:p>
             <a:fld id="{C0F70495-36A0-443F-8916-32C5B1CCA509}" type="datetimeFigureOut">
               <a:rPr lang="en-US" smtClean="0"/>
-              <a:t>3/30/2020</a:t>
+              <a:t>3/31/2020</a:t>
             </a:fld>
             <a:endParaRPr lang="en-US"/>
           </a:p>
@@ -2391,7 +2391,7 @@
           <a:p>
             <a:fld id="{C0F70495-36A0-443F-8916-32C5B1CCA509}" type="datetimeFigureOut">
               <a:rPr lang="en-US" smtClean="0"/>
-              <a:t>3/30/2020</a:t>
+              <a:t>3/31/2020</a:t>
             </a:fld>
             <a:endParaRPr lang="en-US"/>
           </a:p>
@@ -2679,7 +2679,7 @@
           <a:p>
             <a:fld id="{C0F70495-36A0-443F-8916-32C5B1CCA509}" type="datetimeFigureOut">
               <a:rPr lang="en-US" smtClean="0"/>
-              <a:t>3/30/2020</a:t>
+              <a:t>3/31/2020</a:t>
             </a:fld>
             <a:endParaRPr lang="en-US"/>
           </a:p>
@@ -2920,7 +2920,7 @@
           <a:p>
             <a:fld id="{C0F70495-36A0-443F-8916-32C5B1CCA509}" type="datetimeFigureOut">
               <a:rPr lang="en-US" smtClean="0"/>
-              <a:t>3/30/2020</a:t>
+              <a:t>3/31/2020</a:t>
             </a:fld>
             <a:endParaRPr lang="en-US"/>
           </a:p>
@@ -5317,10 +5317,9 @@
           <a:p>
             <a:pPr algn="ctr"/>
             <a:r>
-              <a:rPr lang="en-US" dirty="0" err="1"/>
+              <a:rPr lang="en-US" dirty="0"/>
               <a:t>Leon_Dut</a:t>
             </a:r>
-            <a:endParaRPr lang="en-US" dirty="0"/>
           </a:p>
         </p:txBody>
       </p:sp>
@@ -5391,10 +5390,9 @@
           <a:p>
             <a:pPr algn="ctr"/>
             <a:r>
-              <a:rPr lang="en-US" dirty="0" err="1"/>
+              <a:rPr lang="en-US" dirty="0"/>
               <a:t>Amber_Dut</a:t>
             </a:r>
-            <a:endParaRPr lang="en-US" dirty="0"/>
           </a:p>
         </p:txBody>
       </p:sp>
@@ -5465,10 +5463,9 @@
           <a:p>
             <a:pPr algn="ctr"/>
             <a:r>
-              <a:rPr lang="en-US" dirty="0" err="1"/>
+              <a:rPr lang="en-US" dirty="0"/>
               <a:t>Riscy_Dut</a:t>
             </a:r>
-            <a:endParaRPr lang="en-US" dirty="0"/>
           </a:p>
         </p:txBody>
       </p:sp>
@@ -6105,10 +6102,10 @@
       </p:cxnSp>
       <p:sp>
         <p:nvSpPr>
-          <p:cNvPr id="2" name="Rectangle 1">
-            <a:extLst>
-              <a:ext uri="{FF2B5EF4-FFF2-40B4-BE49-F238E27FC236}">
-                <a16:creationId xmlns:a16="http://schemas.microsoft.com/office/drawing/2014/main" id="{3AA82073-77D6-4F67-8739-0D3EF11E8B1F}"/>
+          <p:cNvPr id="45" name="Rectangle 44">
+            <a:extLst>
+              <a:ext uri="{FF2B5EF4-FFF2-40B4-BE49-F238E27FC236}">
+                <a16:creationId xmlns:a16="http://schemas.microsoft.com/office/drawing/2014/main" id="{69BE614E-5706-4C35-A105-1315C9BA2A6C}"/>
               </a:ext>
             </a:extLst>
           </p:cNvPr>
@@ -6117,7 +6114,7 @@
         </p:nvSpPr>
         <p:spPr>
           <a:xfrm>
-            <a:off x="2625213" y="4025900"/>
+            <a:off x="6349784" y="3994278"/>
             <a:ext cx="378158" cy="213479"/>
           </a:xfrm>
           <a:prstGeom prst="rect">
@@ -6154,10 +6151,10 @@
       </p:sp>
       <p:sp>
         <p:nvSpPr>
-          <p:cNvPr id="3" name="TextBox 2">
-            <a:extLst>
-              <a:ext uri="{FF2B5EF4-FFF2-40B4-BE49-F238E27FC236}">
-                <a16:creationId xmlns:a16="http://schemas.microsoft.com/office/drawing/2014/main" id="{1809CC05-9DBB-435F-B02E-755E6A43F394}"/>
+          <p:cNvPr id="46" name="TextBox 45">
+            <a:extLst>
+              <a:ext uri="{FF2B5EF4-FFF2-40B4-BE49-F238E27FC236}">
+                <a16:creationId xmlns:a16="http://schemas.microsoft.com/office/drawing/2014/main" id="{6F11598B-D1B1-43D1-BFAD-725368648FFB}"/>
               </a:ext>
             </a:extLst>
           </p:cNvPr>
@@ -6166,8 +6163,8 @@
         </p:nvSpPr>
         <p:spPr>
           <a:xfrm>
-            <a:off x="1484872" y="3953621"/>
-            <a:ext cx="1286052" cy="338554"/>
+            <a:off x="4938760" y="3933200"/>
+            <a:ext cx="1425527" cy="307777"/>
           </a:xfrm>
           <a:prstGeom prst="rect">
             <a:avLst/>
@@ -6181,18 +6178,18 @@
           <a:lstStyle/>
           <a:p>
             <a:r>
-              <a:rPr lang="en-US" sz="1600" dirty="0"/>
-              <a:t>Transaction</a:t>
-            </a:r>
-          </a:p>
-        </p:txBody>
-      </p:sp>
-      <p:sp>
-        <p:nvSpPr>
-          <p:cNvPr id="45" name="Rectangle 44">
-            <a:extLst>
-              <a:ext uri="{FF2B5EF4-FFF2-40B4-BE49-F238E27FC236}">
-                <a16:creationId xmlns:a16="http://schemas.microsoft.com/office/drawing/2014/main" id="{69BE614E-5706-4C35-A105-1315C9BA2A6C}"/>
+              <a:rPr lang="en-US" sz="1400" dirty="0"/>
+              <a:t>Target_Seq_item</a:t>
+            </a:r>
+          </a:p>
+        </p:txBody>
+      </p:sp>
+      <p:sp>
+        <p:nvSpPr>
+          <p:cNvPr id="48" name="Rectangle 47">
+            <a:extLst>
+              <a:ext uri="{FF2B5EF4-FFF2-40B4-BE49-F238E27FC236}">
+                <a16:creationId xmlns:a16="http://schemas.microsoft.com/office/drawing/2014/main" id="{29735513-B8D5-41FD-B80E-DA7D475B9B97}"/>
               </a:ext>
             </a:extLst>
           </p:cNvPr>
@@ -6201,7 +6198,7 @@
         </p:nvSpPr>
         <p:spPr>
           <a:xfrm>
-            <a:off x="6349784" y="3994278"/>
+            <a:off x="7642025" y="1825390"/>
             <a:ext cx="378158" cy="213479"/>
           </a:xfrm>
           <a:prstGeom prst="rect">
@@ -6238,10 +6235,10 @@
       </p:sp>
       <p:sp>
         <p:nvSpPr>
-          <p:cNvPr id="46" name="TextBox 45">
-            <a:extLst>
-              <a:ext uri="{FF2B5EF4-FFF2-40B4-BE49-F238E27FC236}">
-                <a16:creationId xmlns:a16="http://schemas.microsoft.com/office/drawing/2014/main" id="{6F11598B-D1B1-43D1-BFAD-725368648FFB}"/>
+          <p:cNvPr id="50" name="TextBox 49">
+            <a:extLst>
+              <a:ext uri="{FF2B5EF4-FFF2-40B4-BE49-F238E27FC236}">
+                <a16:creationId xmlns:a16="http://schemas.microsoft.com/office/drawing/2014/main" id="{C4B34864-6CED-45E2-A37F-22AD59F6203F}"/>
               </a:ext>
             </a:extLst>
           </p:cNvPr>
@@ -6250,8 +6247,8 @@
         </p:nvSpPr>
         <p:spPr>
           <a:xfrm>
-            <a:off x="5043828" y="3933200"/>
-            <a:ext cx="1320459" cy="307777"/>
+            <a:off x="6231001" y="1764312"/>
+            <a:ext cx="1425527" cy="307777"/>
           </a:xfrm>
           <a:prstGeom prst="rect">
             <a:avLst/>
@@ -6265,10 +6262,212 @@
           <a:lstStyle/>
           <a:p>
             <a:r>
-              <a:rPr lang="en-US" sz="1400" dirty="0" err="1"/>
-              <a:t>Sequence_item</a:t>
-            </a:r>
-            <a:endParaRPr lang="en-US" sz="1400" dirty="0"/>
+              <a:rPr lang="en-US" sz="1400" dirty="0"/>
+              <a:t>Target_Seq_item</a:t>
+            </a:r>
+          </a:p>
+        </p:txBody>
+      </p:sp>
+      <p:sp>
+        <p:nvSpPr>
+          <p:cNvPr id="52" name="Rectangle 51">
+            <a:extLst>
+              <a:ext uri="{FF2B5EF4-FFF2-40B4-BE49-F238E27FC236}">
+                <a16:creationId xmlns:a16="http://schemas.microsoft.com/office/drawing/2014/main" id="{6AC2B0AA-25B4-43C8-8D28-F25067098F1E}"/>
+              </a:ext>
+            </a:extLst>
+          </p:cNvPr>
+          <p:cNvSpPr/>
+          <p:nvPr/>
+        </p:nvSpPr>
+        <p:spPr>
+          <a:xfrm>
+            <a:off x="8248033" y="2303820"/>
+            <a:ext cx="378158" cy="213479"/>
+          </a:xfrm>
+          <a:prstGeom prst="rect">
+            <a:avLst/>
+          </a:prstGeom>
+          <a:solidFill>
+            <a:srgbClr val="FF0000"/>
+          </a:solidFill>
+        </p:spPr>
+        <p:style>
+          <a:lnRef idx="2">
+            <a:schemeClr val="accent1">
+              <a:shade val="50000"/>
+            </a:schemeClr>
+          </a:lnRef>
+          <a:fillRef idx="1">
+            <a:schemeClr val="accent1"/>
+          </a:fillRef>
+          <a:effectRef idx="0">
+            <a:schemeClr val="accent1"/>
+          </a:effectRef>
+          <a:fontRef idx="minor">
+            <a:schemeClr val="lt1"/>
+          </a:fontRef>
+        </p:style>
+        <p:txBody>
+          <a:bodyPr rtlCol="0" anchor="ctr"/>
+          <a:lstStyle/>
+          <a:p>
+            <a:pPr algn="ctr"/>
+            <a:endParaRPr lang="en-US"/>
+          </a:p>
+        </p:txBody>
+      </p:sp>
+      <p:sp>
+        <p:nvSpPr>
+          <p:cNvPr id="55" name="TextBox 54">
+            <a:extLst>
+              <a:ext uri="{FF2B5EF4-FFF2-40B4-BE49-F238E27FC236}">
+                <a16:creationId xmlns:a16="http://schemas.microsoft.com/office/drawing/2014/main" id="{E13B0438-9C39-46D7-9507-7729E723BB5D}"/>
+              </a:ext>
+            </a:extLst>
+          </p:cNvPr>
+          <p:cNvSpPr txBox="1"/>
+          <p:nvPr/>
+        </p:nvSpPr>
+        <p:spPr>
+          <a:xfrm>
+            <a:off x="6837009" y="2242742"/>
+            <a:ext cx="1425527" cy="307777"/>
+          </a:xfrm>
+          <a:prstGeom prst="rect">
+            <a:avLst/>
+          </a:prstGeom>
+          <a:noFill/>
+        </p:spPr>
+        <p:txBody>
+          <a:bodyPr wrap="square" rtlCol="0">
+            <a:spAutoFit/>
+          </a:bodyPr>
+          <a:lstStyle/>
+          <a:p>
+            <a:r>
+              <a:rPr lang="en-US" sz="1400" dirty="0"/>
+              <a:t>Target_Seq_item</a:t>
+            </a:r>
+          </a:p>
+        </p:txBody>
+      </p:sp>
+      <p:sp>
+        <p:nvSpPr>
+          <p:cNvPr id="57" name="Rectangle 56">
+            <a:extLst>
+              <a:ext uri="{FF2B5EF4-FFF2-40B4-BE49-F238E27FC236}">
+                <a16:creationId xmlns:a16="http://schemas.microsoft.com/office/drawing/2014/main" id="{5B2338F9-FA56-4944-AA3C-A1855BCEB10B}"/>
+              </a:ext>
+            </a:extLst>
+          </p:cNvPr>
+          <p:cNvSpPr/>
+          <p:nvPr/>
+        </p:nvSpPr>
+        <p:spPr>
+          <a:xfrm>
+            <a:off x="2791963" y="1925931"/>
+            <a:ext cx="378158" cy="213479"/>
+          </a:xfrm>
+          <a:prstGeom prst="rect">
+            <a:avLst/>
+          </a:prstGeom>
+          <a:solidFill>
+            <a:srgbClr val="FF0000"/>
+          </a:solidFill>
+        </p:spPr>
+        <p:style>
+          <a:lnRef idx="2">
+            <a:schemeClr val="accent1">
+              <a:shade val="50000"/>
+            </a:schemeClr>
+          </a:lnRef>
+          <a:fillRef idx="1">
+            <a:schemeClr val="accent1"/>
+          </a:fillRef>
+          <a:effectRef idx="0">
+            <a:schemeClr val="accent1"/>
+          </a:effectRef>
+          <a:fontRef idx="minor">
+            <a:schemeClr val="lt1"/>
+          </a:fontRef>
+        </p:style>
+        <p:txBody>
+          <a:bodyPr rtlCol="0" anchor="ctr"/>
+          <a:lstStyle/>
+          <a:p>
+            <a:pPr algn="ctr"/>
+            <a:endParaRPr lang="en-US"/>
+          </a:p>
+        </p:txBody>
+      </p:sp>
+      <p:sp>
+        <p:nvSpPr>
+          <p:cNvPr id="61" name="TextBox 60">
+            <a:extLst>
+              <a:ext uri="{FF2B5EF4-FFF2-40B4-BE49-F238E27FC236}">
+                <a16:creationId xmlns:a16="http://schemas.microsoft.com/office/drawing/2014/main" id="{EB6EA40C-6868-4CCC-B490-8D4773156E4E}"/>
+              </a:ext>
+            </a:extLst>
+          </p:cNvPr>
+          <p:cNvSpPr txBox="1"/>
+          <p:nvPr/>
+        </p:nvSpPr>
+        <p:spPr>
+          <a:xfrm>
+            <a:off x="1276006" y="1869679"/>
+            <a:ext cx="1760129" cy="307777"/>
+          </a:xfrm>
+          <a:prstGeom prst="rect">
+            <a:avLst/>
+          </a:prstGeom>
+          <a:noFill/>
+        </p:spPr>
+        <p:txBody>
+          <a:bodyPr wrap="square" rtlCol="0">
+            <a:spAutoFit/>
+          </a:bodyPr>
+          <a:lstStyle/>
+          <a:p>
+            <a:r>
+              <a:rPr lang="en-US" sz="1400" dirty="0"/>
+              <a:t>Result_transaction</a:t>
+            </a:r>
+          </a:p>
+        </p:txBody>
+      </p:sp>
+      <p:sp>
+        <p:nvSpPr>
+          <p:cNvPr id="14" name="TextBox 13">
+            <a:extLst>
+              <a:ext uri="{FF2B5EF4-FFF2-40B4-BE49-F238E27FC236}">
+                <a16:creationId xmlns:a16="http://schemas.microsoft.com/office/drawing/2014/main" id="{186430CB-8303-4E98-82FC-AE4158AF80C4}"/>
+              </a:ext>
+            </a:extLst>
+          </p:cNvPr>
+          <p:cNvSpPr txBox="1"/>
+          <p:nvPr/>
+        </p:nvSpPr>
+        <p:spPr>
+          <a:xfrm>
+            <a:off x="2500175" y="4683490"/>
+            <a:ext cx="2320508" cy="307777"/>
+          </a:xfrm>
+          <a:prstGeom prst="rect">
+            <a:avLst/>
+          </a:prstGeom>
+          <a:noFill/>
+        </p:spPr>
+        <p:txBody>
+          <a:bodyPr wrap="square" rtlCol="0">
+            <a:spAutoFit/>
+          </a:bodyPr>
+          <a:lstStyle/>
+          <a:p>
+            <a:r>
+              <a:rPr lang="en-US" sz="1400" dirty="0"/>
+              <a:t>Write_to_monitor_function</a:t>
+            </a:r>
           </a:p>
         </p:txBody>
       </p:sp>

--- a/Block Diagram_edited.pptx
+++ b/Block Diagram_edited.pptx
@@ -270,7 +270,7 @@
           <a:p>
             <a:fld id="{C0F70495-36A0-443F-8916-32C5B1CCA509}" type="datetimeFigureOut">
               <a:rPr lang="en-US" smtClean="0"/>
-              <a:t>3/31/2020</a:t>
+              <a:t>31-Mar-20</a:t>
             </a:fld>
             <a:endParaRPr lang="en-US"/>
           </a:p>
@@ -468,7 +468,7 @@
           <a:p>
             <a:fld id="{C0F70495-36A0-443F-8916-32C5B1CCA509}" type="datetimeFigureOut">
               <a:rPr lang="en-US" smtClean="0"/>
-              <a:t>3/31/2020</a:t>
+              <a:t>31-Mar-20</a:t>
             </a:fld>
             <a:endParaRPr lang="en-US"/>
           </a:p>
@@ -676,7 +676,7 @@
           <a:p>
             <a:fld id="{C0F70495-36A0-443F-8916-32C5B1CCA509}" type="datetimeFigureOut">
               <a:rPr lang="en-US" smtClean="0"/>
-              <a:t>3/31/2020</a:t>
+              <a:t>31-Mar-20</a:t>
             </a:fld>
             <a:endParaRPr lang="en-US"/>
           </a:p>
@@ -874,7 +874,7 @@
           <a:p>
             <a:fld id="{C0F70495-36A0-443F-8916-32C5B1CCA509}" type="datetimeFigureOut">
               <a:rPr lang="en-US" smtClean="0"/>
-              <a:t>3/31/2020</a:t>
+              <a:t>31-Mar-20</a:t>
             </a:fld>
             <a:endParaRPr lang="en-US"/>
           </a:p>
@@ -1149,7 +1149,7 @@
           <a:p>
             <a:fld id="{C0F70495-36A0-443F-8916-32C5B1CCA509}" type="datetimeFigureOut">
               <a:rPr lang="en-US" smtClean="0"/>
-              <a:t>3/31/2020</a:t>
+              <a:t>31-Mar-20</a:t>
             </a:fld>
             <a:endParaRPr lang="en-US"/>
           </a:p>
@@ -1414,7 +1414,7 @@
           <a:p>
             <a:fld id="{C0F70495-36A0-443F-8916-32C5B1CCA509}" type="datetimeFigureOut">
               <a:rPr lang="en-US" smtClean="0"/>
-              <a:t>3/31/2020</a:t>
+              <a:t>31-Mar-20</a:t>
             </a:fld>
             <a:endParaRPr lang="en-US"/>
           </a:p>
@@ -1826,7 +1826,7 @@
           <a:p>
             <a:fld id="{C0F70495-36A0-443F-8916-32C5B1CCA509}" type="datetimeFigureOut">
               <a:rPr lang="en-US" smtClean="0"/>
-              <a:t>3/31/2020</a:t>
+              <a:t>31-Mar-20</a:t>
             </a:fld>
             <a:endParaRPr lang="en-US"/>
           </a:p>
@@ -1967,7 +1967,7 @@
           <a:p>
             <a:fld id="{C0F70495-36A0-443F-8916-32C5B1CCA509}" type="datetimeFigureOut">
               <a:rPr lang="en-US" smtClean="0"/>
-              <a:t>3/31/2020</a:t>
+              <a:t>31-Mar-20</a:t>
             </a:fld>
             <a:endParaRPr lang="en-US"/>
           </a:p>
@@ -2080,7 +2080,7 @@
           <a:p>
             <a:fld id="{C0F70495-36A0-443F-8916-32C5B1CCA509}" type="datetimeFigureOut">
               <a:rPr lang="en-US" smtClean="0"/>
-              <a:t>3/31/2020</a:t>
+              <a:t>31-Mar-20</a:t>
             </a:fld>
             <a:endParaRPr lang="en-US"/>
           </a:p>
@@ -2391,7 +2391,7 @@
           <a:p>
             <a:fld id="{C0F70495-36A0-443F-8916-32C5B1CCA509}" type="datetimeFigureOut">
               <a:rPr lang="en-US" smtClean="0"/>
-              <a:t>3/31/2020</a:t>
+              <a:t>31-Mar-20</a:t>
             </a:fld>
             <a:endParaRPr lang="en-US"/>
           </a:p>
@@ -2679,7 +2679,7 @@
           <a:p>
             <a:fld id="{C0F70495-36A0-443F-8916-32C5B1CCA509}" type="datetimeFigureOut">
               <a:rPr lang="en-US" smtClean="0"/>
-              <a:t>3/31/2020</a:t>
+              <a:t>31-Mar-20</a:t>
             </a:fld>
             <a:endParaRPr lang="en-US"/>
           </a:p>
@@ -2920,7 +2920,7 @@
           <a:p>
             <a:fld id="{C0F70495-36A0-443F-8916-32C5B1CCA509}" type="datetimeFigureOut">
               <a:rPr lang="en-US" smtClean="0"/>
-              <a:t>3/31/2020</a:t>
+              <a:t>31-Mar-20</a:t>
             </a:fld>
             <a:endParaRPr lang="en-US"/>
           </a:p>
@@ -3702,10 +3702,10 @@
       </p:grpSpPr>
       <p:sp>
         <p:nvSpPr>
-          <p:cNvPr id="4" name="Rectangle: Rounded Corners 3">
-            <a:extLst>
-              <a:ext uri="{FF2B5EF4-FFF2-40B4-BE49-F238E27FC236}">
-                <a16:creationId xmlns:a16="http://schemas.microsoft.com/office/drawing/2014/main" id="{C9880182-A091-44A5-9C1B-78F3C753A45C}"/>
+          <p:cNvPr id="62" name="Rectangle: Rounded Corners 61">
+            <a:extLst>
+              <a:ext uri="{FF2B5EF4-FFF2-40B4-BE49-F238E27FC236}">
+                <a16:creationId xmlns:a16="http://schemas.microsoft.com/office/drawing/2014/main" id="{95E322B5-5DC6-4CCE-AB11-E2649C737D62}"/>
               </a:ext>
             </a:extLst>
           </p:cNvPr>
@@ -3714,7 +3714,7 @@
         </p:nvSpPr>
         <p:spPr>
           <a:xfrm>
-            <a:off x="5861504" y="2879453"/>
+            <a:off x="3441770" y="3182823"/>
             <a:ext cx="1983013" cy="1038860"/>
           </a:xfrm>
           <a:prstGeom prst="roundRect">
@@ -3767,7 +3767,7 @@
           <a:p>
             <a:pPr algn="ctr"/>
             <a:r>
-              <a:rPr lang="en-US" dirty="0"/>
+              <a:rPr lang="en-US" b="1" dirty="0"/>
               <a:t>GUVM_Driver</a:t>
             </a:r>
           </a:p>
@@ -3775,10 +3775,10 @@
       </p:sp>
       <p:sp>
         <p:nvSpPr>
-          <p:cNvPr id="5" name="Rectangle: Rounded Corners 4">
-            <a:extLst>
-              <a:ext uri="{FF2B5EF4-FFF2-40B4-BE49-F238E27FC236}">
-                <a16:creationId xmlns:a16="http://schemas.microsoft.com/office/drawing/2014/main" id="{29152CBD-12FE-4DAF-94EC-E062D8D5F584}"/>
+          <p:cNvPr id="63" name="Rectangle: Rounded Corners 62">
+            <a:extLst>
+              <a:ext uri="{FF2B5EF4-FFF2-40B4-BE49-F238E27FC236}">
+                <a16:creationId xmlns:a16="http://schemas.microsoft.com/office/drawing/2014/main" id="{07C1A4FD-5844-4C33-BCFE-99232128391C}"/>
               </a:ext>
             </a:extLst>
           </p:cNvPr>
@@ -3787,14 +3787,14 @@
         </p:nvSpPr>
         <p:spPr>
           <a:xfrm>
-            <a:off x="188685" y="377931"/>
+            <a:off x="188685" y="691117"/>
             <a:ext cx="11814629" cy="4078178"/>
           </a:xfrm>
           <a:prstGeom prst="roundRect">
             <a:avLst/>
           </a:prstGeom>
           <a:noFill/>
-          <a:ln w="9525" cap="flat" cmpd="sng" algn="ctr">
+          <a:ln w="19050" cap="flat" cmpd="sng" algn="ctr">
             <a:solidFill>
               <a:schemeClr val="accent2"/>
             </a:solidFill>
@@ -3823,16 +3823,16 @@
           <a:lstStyle/>
           <a:p>
             <a:pPr algn="ctr"/>
-            <a:endParaRPr lang="en-US" dirty="0"/>
-          </a:p>
-        </p:txBody>
-      </p:sp>
-      <p:sp>
-        <p:nvSpPr>
-          <p:cNvPr id="6" name="Rectangle: Rounded Corners 5">
-            <a:extLst>
-              <a:ext uri="{FF2B5EF4-FFF2-40B4-BE49-F238E27FC236}">
-                <a16:creationId xmlns:a16="http://schemas.microsoft.com/office/drawing/2014/main" id="{24A04ECF-71C1-4615-8C18-F00007D1D9DD}"/>
+            <a:endParaRPr lang="en-US" b="1" dirty="0"/>
+          </a:p>
+        </p:txBody>
+      </p:sp>
+      <p:sp>
+        <p:nvSpPr>
+          <p:cNvPr id="64" name="Rectangle: Rounded Corners 63">
+            <a:extLst>
+              <a:ext uri="{FF2B5EF4-FFF2-40B4-BE49-F238E27FC236}">
+                <a16:creationId xmlns:a16="http://schemas.microsoft.com/office/drawing/2014/main" id="{53D3E0E9-21C1-4A1B-8463-09BDCEE231E7}"/>
               </a:ext>
             </a:extLst>
           </p:cNvPr>
@@ -3841,14 +3841,14 @@
         </p:nvSpPr>
         <p:spPr>
           <a:xfrm>
-            <a:off x="0" y="73353"/>
-            <a:ext cx="12192000" cy="6784647"/>
+            <a:off x="0" y="327700"/>
+            <a:ext cx="12192000" cy="6530300"/>
           </a:xfrm>
           <a:prstGeom prst="roundRect">
             <a:avLst/>
           </a:prstGeom>
           <a:noFill/>
-          <a:ln w="9525" cap="flat" cmpd="sng" algn="ctr">
+          <a:ln w="19050" cap="flat" cmpd="sng" algn="ctr">
             <a:solidFill>
               <a:schemeClr val="dk1"/>
             </a:solidFill>
@@ -3883,10 +3883,10 @@
       </p:sp>
       <p:sp>
         <p:nvSpPr>
-          <p:cNvPr id="7" name="Rectangle: Rounded Corners 6">
-            <a:extLst>
-              <a:ext uri="{FF2B5EF4-FFF2-40B4-BE49-F238E27FC236}">
-                <a16:creationId xmlns:a16="http://schemas.microsoft.com/office/drawing/2014/main" id="{3CC58F8A-8389-4FD7-8456-54BB2865F1D3}"/>
+          <p:cNvPr id="65" name="Rectangle: Rounded Corners 64">
+            <a:extLst>
+              <a:ext uri="{FF2B5EF4-FFF2-40B4-BE49-F238E27FC236}">
+                <a16:creationId xmlns:a16="http://schemas.microsoft.com/office/drawing/2014/main" id="{3CB68EDF-A6F3-4A25-8B0B-34BC7E374F8C}"/>
               </a:ext>
             </a:extLst>
           </p:cNvPr>
@@ -3895,14 +3895,14 @@
         </p:nvSpPr>
         <p:spPr>
           <a:xfrm>
-            <a:off x="473314" y="692788"/>
+            <a:off x="473314" y="1005974"/>
             <a:ext cx="11335657" cy="3686628"/>
           </a:xfrm>
           <a:prstGeom prst="roundRect">
             <a:avLst/>
           </a:prstGeom>
           <a:noFill/>
-          <a:ln w="9525" cap="flat" cmpd="sng" algn="ctr">
+          <a:ln w="19050" cap="flat" cmpd="sng" algn="ctr">
             <a:solidFill>
               <a:schemeClr val="accent1"/>
             </a:solidFill>
@@ -3931,16 +3931,16 @@
           <a:lstStyle/>
           <a:p>
             <a:pPr algn="ctr"/>
-            <a:endParaRPr lang="en-US"/>
-          </a:p>
-        </p:txBody>
-      </p:sp>
-      <p:sp>
-        <p:nvSpPr>
-          <p:cNvPr id="8" name="Rectangle: Rounded Corners 7">
-            <a:extLst>
-              <a:ext uri="{FF2B5EF4-FFF2-40B4-BE49-F238E27FC236}">
-                <a16:creationId xmlns:a16="http://schemas.microsoft.com/office/drawing/2014/main" id="{89B36A7B-B182-48E7-9481-038C8F0C5BDA}"/>
+            <a:endParaRPr lang="en-US" b="1"/>
+          </a:p>
+        </p:txBody>
+      </p:sp>
+      <p:sp>
+        <p:nvSpPr>
+          <p:cNvPr id="66" name="Rectangle: Rounded Corners 65">
+            <a:extLst>
+              <a:ext uri="{FF2B5EF4-FFF2-40B4-BE49-F238E27FC236}">
+                <a16:creationId xmlns:a16="http://schemas.microsoft.com/office/drawing/2014/main" id="{0D71DD74-4C19-43A4-B0EB-F4EC3CF5F829}"/>
               </a:ext>
             </a:extLst>
           </p:cNvPr>
@@ -3949,14 +3949,14 @@
         </p:nvSpPr>
         <p:spPr>
           <a:xfrm>
-            <a:off x="203200" y="4760686"/>
-            <a:ext cx="11814629" cy="1017905"/>
+            <a:off x="215695" y="4932641"/>
+            <a:ext cx="11814629" cy="958060"/>
           </a:xfrm>
           <a:prstGeom prst="roundRect">
             <a:avLst/>
           </a:prstGeom>
           <a:noFill/>
-          <a:ln w="9525" cap="flat" cmpd="sng" algn="ctr">
+          <a:ln w="19050" cap="flat" cmpd="sng" algn="ctr">
             <a:solidFill>
               <a:schemeClr val="accent2"/>
             </a:solidFill>
@@ -3985,16 +3985,16 @@
           <a:lstStyle/>
           <a:p>
             <a:pPr algn="ctr"/>
-            <a:endParaRPr lang="en-US"/>
-          </a:p>
-        </p:txBody>
-      </p:sp>
-      <p:sp>
-        <p:nvSpPr>
-          <p:cNvPr id="9" name="TextBox 8">
-            <a:extLst>
-              <a:ext uri="{FF2B5EF4-FFF2-40B4-BE49-F238E27FC236}">
-                <a16:creationId xmlns:a16="http://schemas.microsoft.com/office/drawing/2014/main" id="{F513C37D-5A3C-427D-A097-04E5EEA135B3}"/>
+            <a:endParaRPr lang="en-US" b="1"/>
+          </a:p>
+        </p:txBody>
+      </p:sp>
+      <p:sp>
+        <p:nvSpPr>
+          <p:cNvPr id="67" name="TextBox 66">
+            <a:extLst>
+              <a:ext uri="{FF2B5EF4-FFF2-40B4-BE49-F238E27FC236}">
+                <a16:creationId xmlns:a16="http://schemas.microsoft.com/office/drawing/2014/main" id="{B311FBCC-9736-4AB5-9A7C-D753F8FAB3A5}"/>
               </a:ext>
             </a:extLst>
           </p:cNvPr>
@@ -4003,8 +4003,8 @@
         </p:nvSpPr>
         <p:spPr>
           <a:xfrm>
-            <a:off x="1016000" y="0"/>
-            <a:ext cx="520014" cy="369332"/>
+            <a:off x="926488" y="327700"/>
+            <a:ext cx="525400" cy="369332"/>
           </a:xfrm>
           <a:prstGeom prst="rect">
             <a:avLst/>
@@ -4018,7 +4018,7 @@
           <a:lstStyle/>
           <a:p>
             <a:r>
-              <a:rPr lang="en-US" dirty="0"/>
+              <a:rPr lang="en-US" b="1" dirty="0"/>
               <a:t>Top</a:t>
             </a:r>
           </a:p>
@@ -4026,10 +4026,10 @@
       </p:sp>
       <p:sp>
         <p:nvSpPr>
-          <p:cNvPr id="10" name="TextBox 9">
-            <a:extLst>
-              <a:ext uri="{FF2B5EF4-FFF2-40B4-BE49-F238E27FC236}">
-                <a16:creationId xmlns:a16="http://schemas.microsoft.com/office/drawing/2014/main" id="{C348827A-E361-4C3D-8397-38CA07CD7533}"/>
+          <p:cNvPr id="68" name="TextBox 67">
+            <a:extLst>
+              <a:ext uri="{FF2B5EF4-FFF2-40B4-BE49-F238E27FC236}">
+                <a16:creationId xmlns:a16="http://schemas.microsoft.com/office/drawing/2014/main" id="{B8E2D7E1-F8AD-430A-BB02-0FB6AB56BC6F}"/>
               </a:ext>
             </a:extLst>
           </p:cNvPr>
@@ -4038,8 +4038,8 @@
         </p:nvSpPr>
         <p:spPr>
           <a:xfrm>
-            <a:off x="998046" y="326963"/>
-            <a:ext cx="555921" cy="369332"/>
+            <a:off x="720086" y="646345"/>
+            <a:ext cx="562911" cy="369332"/>
           </a:xfrm>
           <a:prstGeom prst="rect">
             <a:avLst/>
@@ -4053,7 +4053,7 @@
           <a:lstStyle/>
           <a:p>
             <a:r>
-              <a:rPr lang="en-US" dirty="0">
+              <a:rPr lang="en-US" b="1" dirty="0">
                 <a:solidFill>
                   <a:srgbClr val="ED7D31"/>
                 </a:solidFill>
@@ -4065,10 +4065,10 @@
       </p:sp>
       <p:sp>
         <p:nvSpPr>
-          <p:cNvPr id="11" name="TextBox 10">
-            <a:extLst>
-              <a:ext uri="{FF2B5EF4-FFF2-40B4-BE49-F238E27FC236}">
-                <a16:creationId xmlns:a16="http://schemas.microsoft.com/office/drawing/2014/main" id="{C6F6A715-C6FE-4C8E-B4D1-F406105BEFEA}"/>
+          <p:cNvPr id="69" name="TextBox 68">
+            <a:extLst>
+              <a:ext uri="{FF2B5EF4-FFF2-40B4-BE49-F238E27FC236}">
+                <a16:creationId xmlns:a16="http://schemas.microsoft.com/office/drawing/2014/main" id="{07CBE6ED-1C99-4A47-9183-2AA3A64D27FC}"/>
               </a:ext>
             </a:extLst>
           </p:cNvPr>
@@ -4077,8 +4077,8 @@
         </p:nvSpPr>
         <p:spPr>
           <a:xfrm>
-            <a:off x="1016000" y="620486"/>
-            <a:ext cx="557845" cy="369332"/>
+            <a:off x="1016000" y="933672"/>
+            <a:ext cx="570605" cy="369332"/>
           </a:xfrm>
           <a:prstGeom prst="rect">
             <a:avLst/>
@@ -4092,7 +4092,7 @@
           <a:lstStyle/>
           <a:p>
             <a:r>
-              <a:rPr lang="en-US" dirty="0">
+              <a:rPr lang="en-US" b="1" dirty="0">
                 <a:solidFill>
                   <a:srgbClr val="0070C0"/>
                 </a:solidFill>
@@ -4104,10 +4104,10 @@
       </p:sp>
       <p:sp>
         <p:nvSpPr>
-          <p:cNvPr id="12" name="Rectangle: Rounded Corners 11">
-            <a:extLst>
-              <a:ext uri="{FF2B5EF4-FFF2-40B4-BE49-F238E27FC236}">
-                <a16:creationId xmlns:a16="http://schemas.microsoft.com/office/drawing/2014/main" id="{711061F4-0FDD-4127-89FE-75922CE57292}"/>
+          <p:cNvPr id="70" name="Rectangle: Rounded Corners 69">
+            <a:extLst>
+              <a:ext uri="{FF2B5EF4-FFF2-40B4-BE49-F238E27FC236}">
+                <a16:creationId xmlns:a16="http://schemas.microsoft.com/office/drawing/2014/main" id="{D906B302-99B9-4545-A814-CB6DC3CA19DD}"/>
               </a:ext>
             </a:extLst>
           </p:cNvPr>
@@ -4116,14 +4116,14 @@
         </p:nvSpPr>
         <p:spPr>
           <a:xfrm>
-            <a:off x="4636894" y="1775989"/>
-            <a:ext cx="6919203" cy="2507733"/>
+            <a:off x="3247356" y="2089175"/>
+            <a:ext cx="8308741" cy="2507733"/>
           </a:xfrm>
           <a:prstGeom prst="roundRect">
             <a:avLst/>
           </a:prstGeom>
           <a:noFill/>
-          <a:ln w="9525" cap="flat" cmpd="sng" algn="ctr">
+          <a:ln w="19050" cap="flat" cmpd="sng" algn="ctr">
             <a:solidFill>
               <a:schemeClr val="accent6"/>
             </a:solidFill>
@@ -4152,16 +4152,16 @@
           <a:lstStyle/>
           <a:p>
             <a:pPr algn="ctr"/>
-            <a:endParaRPr lang="en-US"/>
-          </a:p>
-        </p:txBody>
-      </p:sp>
-      <p:sp>
-        <p:nvSpPr>
-          <p:cNvPr id="13" name="TextBox 12">
-            <a:extLst>
-              <a:ext uri="{FF2B5EF4-FFF2-40B4-BE49-F238E27FC236}">
-                <a16:creationId xmlns:a16="http://schemas.microsoft.com/office/drawing/2014/main" id="{789641C8-549F-4932-AAA2-7C6B7AC9BED3}"/>
+            <a:endParaRPr lang="en-US" b="1"/>
+          </a:p>
+        </p:txBody>
+      </p:sp>
+      <p:sp>
+        <p:nvSpPr>
+          <p:cNvPr id="71" name="TextBox 70">
+            <a:extLst>
+              <a:ext uri="{FF2B5EF4-FFF2-40B4-BE49-F238E27FC236}">
+                <a16:creationId xmlns:a16="http://schemas.microsoft.com/office/drawing/2014/main" id="{F0CDD646-2D0E-4D45-B79A-2838A74BBA8D}"/>
               </a:ext>
             </a:extLst>
           </p:cNvPr>
@@ -4170,8 +4170,8 @@
         </p:nvSpPr>
         <p:spPr>
           <a:xfrm>
-            <a:off x="4874562" y="1667151"/>
-            <a:ext cx="736868" cy="369332"/>
+            <a:off x="3537626" y="2037071"/>
+            <a:ext cx="747512" cy="369332"/>
           </a:xfrm>
           <a:prstGeom prst="rect">
             <a:avLst/>
@@ -4185,7 +4185,7 @@
           <a:lstStyle/>
           <a:p>
             <a:r>
-              <a:rPr lang="en-US" dirty="0">
+              <a:rPr lang="en-US" b="1" dirty="0">
                 <a:solidFill>
                   <a:srgbClr val="70AD47"/>
                 </a:solidFill>
@@ -4197,10 +4197,10 @@
       </p:sp>
       <p:sp>
         <p:nvSpPr>
-          <p:cNvPr id="15" name="Rectangle 14">
-            <a:extLst>
-              <a:ext uri="{FF2B5EF4-FFF2-40B4-BE49-F238E27FC236}">
-                <a16:creationId xmlns:a16="http://schemas.microsoft.com/office/drawing/2014/main" id="{79BBD433-7AD9-40C4-9B75-74D040233D10}"/>
+          <p:cNvPr id="72" name="Rectangle 71">
+            <a:extLst>
+              <a:ext uri="{FF2B5EF4-FFF2-40B4-BE49-F238E27FC236}">
+                <a16:creationId xmlns:a16="http://schemas.microsoft.com/office/drawing/2014/main" id="{D6D9980F-77D0-4C5C-9C5E-F1075F2538E8}"/>
               </a:ext>
             </a:extLst>
           </p:cNvPr>
@@ -4209,7 +4209,7 @@
         </p:nvSpPr>
         <p:spPr>
           <a:xfrm>
-            <a:off x="1591799" y="926959"/>
+            <a:off x="1591799" y="1240145"/>
             <a:ext cx="9233855" cy="664811"/>
           </a:xfrm>
           <a:prstGeom prst="rect">
@@ -4270,10 +4270,10 @@
       </p:sp>
       <p:sp>
         <p:nvSpPr>
-          <p:cNvPr id="16" name="TextBox 15">
-            <a:extLst>
-              <a:ext uri="{FF2B5EF4-FFF2-40B4-BE49-F238E27FC236}">
-                <a16:creationId xmlns:a16="http://schemas.microsoft.com/office/drawing/2014/main" id="{94CE29EE-2AE7-43E5-8F62-AD22997BA48A}"/>
+          <p:cNvPr id="73" name="TextBox 72">
+            <a:extLst>
+              <a:ext uri="{FF2B5EF4-FFF2-40B4-BE49-F238E27FC236}">
+                <a16:creationId xmlns:a16="http://schemas.microsoft.com/office/drawing/2014/main" id="{C2E040D4-5A19-43CD-B9DD-68B8C2DCD30B}"/>
               </a:ext>
             </a:extLst>
           </p:cNvPr>
@@ -4282,8 +4282,8 @@
         </p:nvSpPr>
         <p:spPr>
           <a:xfrm>
-            <a:off x="783949" y="4701542"/>
-            <a:ext cx="1754519" cy="369332"/>
+            <a:off x="276841" y="4902894"/>
+            <a:ext cx="1788631" cy="369332"/>
           </a:xfrm>
           <a:prstGeom prst="rect">
             <a:avLst/>
@@ -4297,7 +4297,7 @@
           <a:lstStyle/>
           <a:p>
             <a:r>
-              <a:rPr lang="en-US" dirty="0">
+              <a:rPr lang="en-US" b="1" dirty="0">
                 <a:solidFill>
                   <a:srgbClr val="ED7D31"/>
                 </a:solidFill>
@@ -4309,10 +4309,10 @@
       </p:sp>
       <p:sp>
         <p:nvSpPr>
-          <p:cNvPr id="17" name="Rectangle: Rounded Corners 16">
-            <a:extLst>
-              <a:ext uri="{FF2B5EF4-FFF2-40B4-BE49-F238E27FC236}">
-                <a16:creationId xmlns:a16="http://schemas.microsoft.com/office/drawing/2014/main" id="{D2060C67-4633-442E-9478-6C579F203E08}"/>
+          <p:cNvPr id="74" name="Rectangle: Rounded Corners 73">
+            <a:extLst>
+              <a:ext uri="{FF2B5EF4-FFF2-40B4-BE49-F238E27FC236}">
+                <a16:creationId xmlns:a16="http://schemas.microsoft.com/office/drawing/2014/main" id="{9FACDB7C-86EC-4686-832A-2E9D44A0667C}"/>
               </a:ext>
             </a:extLst>
           </p:cNvPr>
@@ -4321,14 +4321,14 @@
         </p:nvSpPr>
         <p:spPr>
           <a:xfrm>
-            <a:off x="8788400" y="1794970"/>
-            <a:ext cx="2679700" cy="2230930"/>
+            <a:off x="7223458" y="2263431"/>
+            <a:ext cx="4179548" cy="2160815"/>
           </a:xfrm>
           <a:prstGeom prst="roundRect">
             <a:avLst/>
           </a:prstGeom>
           <a:noFill/>
-          <a:ln w="9525" cap="flat" cmpd="sng" algn="ctr">
+          <a:ln w="19050" cap="flat" cmpd="sng" algn="ctr">
             <a:solidFill>
               <a:schemeClr val="accent5"/>
             </a:solidFill>
@@ -4357,16 +4357,16 @@
           <a:lstStyle/>
           <a:p>
             <a:pPr algn="ctr"/>
-            <a:endParaRPr lang="en-US" dirty="0"/>
-          </a:p>
-        </p:txBody>
-      </p:sp>
-      <p:sp>
-        <p:nvSpPr>
-          <p:cNvPr id="18" name="Rectangle: Rounded Corners 17">
-            <a:extLst>
-              <a:ext uri="{FF2B5EF4-FFF2-40B4-BE49-F238E27FC236}">
-                <a16:creationId xmlns:a16="http://schemas.microsoft.com/office/drawing/2014/main" id="{3747DD2D-C4D4-425D-8C9A-773DD4E11C75}"/>
+            <a:endParaRPr lang="en-US" b="1" dirty="0"/>
+          </a:p>
+        </p:txBody>
+      </p:sp>
+      <p:sp>
+        <p:nvSpPr>
+          <p:cNvPr id="75" name="Rectangle: Rounded Corners 74">
+            <a:extLst>
+              <a:ext uri="{FF2B5EF4-FFF2-40B4-BE49-F238E27FC236}">
+                <a16:creationId xmlns:a16="http://schemas.microsoft.com/office/drawing/2014/main" id="{153CD6ED-BAEB-4434-B775-B1AEC3A5264E}"/>
               </a:ext>
             </a:extLst>
           </p:cNvPr>
@@ -4375,8 +4375,8 @@
         </p:nvSpPr>
         <p:spPr>
           <a:xfrm>
-            <a:off x="8986846" y="2256581"/>
-            <a:ext cx="2341554" cy="838200"/>
+            <a:off x="8059658" y="2530309"/>
+            <a:ext cx="2510829" cy="745602"/>
           </a:xfrm>
           <a:prstGeom prst="roundRect">
             <a:avLst/>
@@ -4428,7 +4428,7 @@
           <a:p>
             <a:pPr algn="ctr"/>
             <a:r>
-              <a:rPr lang="en-US" dirty="0"/>
+              <a:rPr lang="en-US" b="1" dirty="0"/>
               <a:t>GUVM_Sequence</a:t>
             </a:r>
           </a:p>
@@ -4436,10 +4436,10 @@
       </p:sp>
       <p:sp>
         <p:nvSpPr>
-          <p:cNvPr id="19" name="Rectangle: Rounded Corners 18">
-            <a:extLst>
-              <a:ext uri="{FF2B5EF4-FFF2-40B4-BE49-F238E27FC236}">
-                <a16:creationId xmlns:a16="http://schemas.microsoft.com/office/drawing/2014/main" id="{B31B8177-3A05-41C9-94EF-934BC0147720}"/>
+          <p:cNvPr id="76" name="Rectangle: Rounded Corners 75">
+            <a:extLst>
+              <a:ext uri="{FF2B5EF4-FFF2-40B4-BE49-F238E27FC236}">
+                <a16:creationId xmlns:a16="http://schemas.microsoft.com/office/drawing/2014/main" id="{C9A68ED2-E786-4269-B231-87B47726C66D}"/>
               </a:ext>
             </a:extLst>
           </p:cNvPr>
@@ -4448,8 +4448,8 @@
         </p:nvSpPr>
         <p:spPr>
           <a:xfrm>
-            <a:off x="10179050" y="3166611"/>
-            <a:ext cx="1120241" cy="747983"/>
+            <a:off x="10095069" y="3385321"/>
+            <a:ext cx="1120241" cy="888744"/>
           </a:xfrm>
           <a:prstGeom prst="roundRect">
             <a:avLst/>
@@ -4501,7 +4501,7 @@
           <a:p>
             <a:pPr algn="ctr"/>
             <a:r>
-              <a:rPr lang="en-US" sz="1400" dirty="0"/>
+              <a:rPr lang="en-US" sz="1400" b="1" dirty="0"/>
               <a:t>GUVM_seq_item</a:t>
             </a:r>
           </a:p>
@@ -4509,10 +4509,10 @@
       </p:sp>
       <p:sp>
         <p:nvSpPr>
-          <p:cNvPr id="20" name="Rectangle: Rounded Corners 19">
-            <a:extLst>
-              <a:ext uri="{FF2B5EF4-FFF2-40B4-BE49-F238E27FC236}">
-                <a16:creationId xmlns:a16="http://schemas.microsoft.com/office/drawing/2014/main" id="{802C5A8F-29E8-414D-8D82-C5D931562EA1}"/>
+          <p:cNvPr id="77" name="Rectangle: Rounded Corners 76">
+            <a:extLst>
+              <a:ext uri="{FF2B5EF4-FFF2-40B4-BE49-F238E27FC236}">
+                <a16:creationId xmlns:a16="http://schemas.microsoft.com/office/drawing/2014/main" id="{7F66A694-C607-40DD-8603-8A9FBD09AEA5}"/>
               </a:ext>
             </a:extLst>
           </p:cNvPr>
@@ -4521,14 +4521,14 @@
         </p:nvSpPr>
         <p:spPr>
           <a:xfrm>
-            <a:off x="8986846" y="3166611"/>
-            <a:ext cx="1126323" cy="760669"/>
+            <a:off x="7470315" y="3378252"/>
+            <a:ext cx="2432487" cy="909653"/>
           </a:xfrm>
           <a:prstGeom prst="roundRect">
             <a:avLst/>
           </a:prstGeom>
           <a:noFill/>
-          <a:ln w="9525" cap="flat" cmpd="sng" algn="ctr">
+          <a:ln w="19050" cap="flat" cmpd="sng" algn="ctr">
             <a:solidFill>
               <a:schemeClr val="accent3"/>
             </a:solidFill>
@@ -4557,16 +4557,16 @@
           <a:lstStyle/>
           <a:p>
             <a:pPr algn="ctr"/>
-            <a:endParaRPr lang="en-US" sz="1400" dirty="0"/>
-          </a:p>
-        </p:txBody>
-      </p:sp>
-      <p:sp>
-        <p:nvSpPr>
-          <p:cNvPr id="21" name="TextBox 20">
-            <a:extLst>
-              <a:ext uri="{FF2B5EF4-FFF2-40B4-BE49-F238E27FC236}">
-                <a16:creationId xmlns:a16="http://schemas.microsoft.com/office/drawing/2014/main" id="{0A2F9836-EEE7-4591-B172-704959D51AF2}"/>
+            <a:endParaRPr lang="en-US" sz="1400" b="1" dirty="0"/>
+          </a:p>
+        </p:txBody>
+      </p:sp>
+      <p:sp>
+        <p:nvSpPr>
+          <p:cNvPr id="78" name="TextBox 77">
+            <a:extLst>
+              <a:ext uri="{FF2B5EF4-FFF2-40B4-BE49-F238E27FC236}">
+                <a16:creationId xmlns:a16="http://schemas.microsoft.com/office/drawing/2014/main" id="{AD57D451-409F-4D40-B467-F9B06BABFEB5}"/>
               </a:ext>
             </a:extLst>
           </p:cNvPr>
@@ -4575,7 +4575,7 @@
         </p:nvSpPr>
         <p:spPr>
           <a:xfrm>
-            <a:off x="8926956" y="1785649"/>
+            <a:off x="7440918" y="2219813"/>
             <a:ext cx="1180131" cy="369332"/>
           </a:xfrm>
           <a:prstGeom prst="rect">
@@ -4590,7 +4590,7 @@
           <a:lstStyle/>
           <a:p>
             <a:r>
-              <a:rPr lang="en-US" dirty="0">
+              <a:rPr lang="en-US" b="1" dirty="0">
                 <a:solidFill>
                   <a:srgbClr val="5B9BD5"/>
                 </a:solidFill>
@@ -4602,10 +4602,10 @@
       </p:sp>
       <p:sp>
         <p:nvSpPr>
-          <p:cNvPr id="22" name="TextBox 21">
-            <a:extLst>
-              <a:ext uri="{FF2B5EF4-FFF2-40B4-BE49-F238E27FC236}">
-                <a16:creationId xmlns:a16="http://schemas.microsoft.com/office/drawing/2014/main" id="{3471BF0A-C0E7-4915-B9C1-2507F357B8E7}"/>
+          <p:cNvPr id="79" name="TextBox 78">
+            <a:extLst>
+              <a:ext uri="{FF2B5EF4-FFF2-40B4-BE49-F238E27FC236}">
+                <a16:creationId xmlns:a16="http://schemas.microsoft.com/office/drawing/2014/main" id="{DF0E859B-6692-4357-A7A2-87002815767C}"/>
               </a:ext>
             </a:extLst>
           </p:cNvPr>
@@ -4614,8 +4614,8 @@
         </p:nvSpPr>
         <p:spPr>
           <a:xfrm>
-            <a:off x="9081617" y="3152662"/>
-            <a:ext cx="625492" cy="246221"/>
+            <a:off x="7536054" y="3344911"/>
+            <a:ext cx="1175322" cy="338554"/>
           </a:xfrm>
           <a:prstGeom prst="rect">
             <a:avLst/>
@@ -4629,7 +4629,7 @@
           <a:lstStyle/>
           <a:p>
             <a:r>
-              <a:rPr lang="en-US" sz="500" dirty="0">
+              <a:rPr lang="en-US" sz="1100" b="1" dirty="0">
                 <a:solidFill>
                   <a:srgbClr val="A5A5A5"/>
                 </a:solidFill>
@@ -4638,7 +4638,7 @@
             </a:r>
           </a:p>
           <a:p>
-            <a:endParaRPr lang="en-US" sz="500" dirty="0">
+            <a:endParaRPr lang="en-US" sz="500" b="1" dirty="0">
               <a:solidFill>
                 <a:srgbClr val="A5A5A5"/>
               </a:solidFill>
@@ -4648,10 +4648,10 @@
       </p:sp>
       <p:sp>
         <p:nvSpPr>
-          <p:cNvPr id="23" name="Rectangle: Rounded Corners 22">
-            <a:extLst>
-              <a:ext uri="{FF2B5EF4-FFF2-40B4-BE49-F238E27FC236}">
-                <a16:creationId xmlns:a16="http://schemas.microsoft.com/office/drawing/2014/main" id="{39CCD6E2-3D8E-4408-8B7B-5434EB6AA1B3}"/>
+          <p:cNvPr id="80" name="Rectangle: Rounded Corners 79">
+            <a:extLst>
+              <a:ext uri="{FF2B5EF4-FFF2-40B4-BE49-F238E27FC236}">
+                <a16:creationId xmlns:a16="http://schemas.microsoft.com/office/drawing/2014/main" id="{857F1680-D209-47E2-A427-477B1A80F6FB}"/>
               </a:ext>
             </a:extLst>
           </p:cNvPr>
@@ -4660,8 +4660,8 @@
         </p:nvSpPr>
         <p:spPr>
           <a:xfrm>
-            <a:off x="8996698" y="3515354"/>
-            <a:ext cx="363879" cy="286934"/>
+            <a:off x="7595871" y="3608206"/>
+            <a:ext cx="655241" cy="615393"/>
           </a:xfrm>
           <a:prstGeom prst="roundRect">
             <a:avLst/>
@@ -4713,7 +4713,7 @@
           <a:p>
             <a:pPr algn="ctr"/>
             <a:r>
-              <a:rPr lang="en-US" sz="300" dirty="0"/>
+              <a:rPr lang="en-US" sz="800" b="1" dirty="0"/>
               <a:t>Leon_seq_item</a:t>
             </a:r>
           </a:p>
@@ -4721,10 +4721,10 @@
       </p:sp>
       <p:sp>
         <p:nvSpPr>
-          <p:cNvPr id="24" name="Rectangle: Rounded Corners 23">
-            <a:extLst>
-              <a:ext uri="{FF2B5EF4-FFF2-40B4-BE49-F238E27FC236}">
-                <a16:creationId xmlns:a16="http://schemas.microsoft.com/office/drawing/2014/main" id="{670421F7-5BC8-4CE8-8B89-AE4A2191F801}"/>
+          <p:cNvPr id="81" name="Rectangle: Rounded Corners 80">
+            <a:extLst>
+              <a:ext uri="{FF2B5EF4-FFF2-40B4-BE49-F238E27FC236}">
+                <a16:creationId xmlns:a16="http://schemas.microsoft.com/office/drawing/2014/main" id="{E8978FF0-B517-4CDC-B742-0F686FCE12FB}"/>
               </a:ext>
             </a:extLst>
           </p:cNvPr>
@@ -4733,8 +4733,8 @@
         </p:nvSpPr>
         <p:spPr>
           <a:xfrm>
-            <a:off x="9371572" y="3515354"/>
-            <a:ext cx="363878" cy="286934"/>
+            <a:off x="8372659" y="3617428"/>
+            <a:ext cx="655241" cy="609306"/>
           </a:xfrm>
           <a:prstGeom prst="roundRect">
             <a:avLst/>
@@ -4786,7 +4786,7 @@
           <a:p>
             <a:pPr algn="ctr"/>
             <a:r>
-              <a:rPr lang="en-US" sz="300" dirty="0"/>
+              <a:rPr lang="en-US" sz="800" b="1" dirty="0"/>
               <a:t>Amber_seq_item</a:t>
             </a:r>
           </a:p>
@@ -4794,10 +4794,10 @@
       </p:sp>
       <p:sp>
         <p:nvSpPr>
-          <p:cNvPr id="25" name="Rectangle: Rounded Corners 24">
-            <a:extLst>
-              <a:ext uri="{FF2B5EF4-FFF2-40B4-BE49-F238E27FC236}">
-                <a16:creationId xmlns:a16="http://schemas.microsoft.com/office/drawing/2014/main" id="{E8176A45-BB88-4350-B043-B7BCA85FBF4F}"/>
+          <p:cNvPr id="82" name="Rectangle: Rounded Corners 81">
+            <a:extLst>
+              <a:ext uri="{FF2B5EF4-FFF2-40B4-BE49-F238E27FC236}">
+                <a16:creationId xmlns:a16="http://schemas.microsoft.com/office/drawing/2014/main" id="{803A02E0-7FE3-4BC8-97E8-E709F4F4591D}"/>
               </a:ext>
             </a:extLst>
           </p:cNvPr>
@@ -4806,8 +4806,8 @@
         </p:nvSpPr>
         <p:spPr>
           <a:xfrm>
-            <a:off x="9745303" y="3515353"/>
-            <a:ext cx="356406" cy="286934"/>
+            <a:off x="9149447" y="3617427"/>
+            <a:ext cx="650427" cy="606171"/>
           </a:xfrm>
           <a:prstGeom prst="roundRect">
             <a:avLst/>
@@ -4859,7 +4859,7 @@
           <a:p>
             <a:pPr algn="ctr"/>
             <a:r>
-              <a:rPr lang="en-US" sz="300" dirty="0"/>
+              <a:rPr lang="en-US" sz="800" b="1" dirty="0"/>
               <a:t>Riscy_seq_item</a:t>
             </a:r>
           </a:p>
@@ -4867,10 +4867,10 @@
       </p:sp>
       <p:sp>
         <p:nvSpPr>
-          <p:cNvPr id="26" name="Rectangle: Rounded Corners 25">
-            <a:extLst>
-              <a:ext uri="{FF2B5EF4-FFF2-40B4-BE49-F238E27FC236}">
-                <a16:creationId xmlns:a16="http://schemas.microsoft.com/office/drawing/2014/main" id="{73468DE6-9A4B-49FA-9C8E-F5D59C0837B7}"/>
+          <p:cNvPr id="83" name="Rectangle: Rounded Corners 82">
+            <a:extLst>
+              <a:ext uri="{FF2B5EF4-FFF2-40B4-BE49-F238E27FC236}">
+                <a16:creationId xmlns:a16="http://schemas.microsoft.com/office/drawing/2014/main" id="{379FCDD3-22F0-4E3C-9BCF-A45C28B736AC}"/>
               </a:ext>
             </a:extLst>
           </p:cNvPr>
@@ -4879,7 +4879,7 @@
         </p:nvSpPr>
         <p:spPr>
           <a:xfrm>
-            <a:off x="2251359" y="2875734"/>
+            <a:off x="979714" y="3187506"/>
             <a:ext cx="1983013" cy="1038860"/>
           </a:xfrm>
           <a:prstGeom prst="roundRect">
@@ -4932,7 +4932,7 @@
           <a:p>
             <a:pPr algn="ctr"/>
             <a:r>
-              <a:rPr lang="en-US" dirty="0"/>
+              <a:rPr lang="en-US" b="1" dirty="0"/>
               <a:t>GUVM_Monitor</a:t>
             </a:r>
           </a:p>
@@ -4940,10 +4940,10 @@
       </p:sp>
       <p:sp>
         <p:nvSpPr>
-          <p:cNvPr id="27" name="Rectangle: Rounded Corners 26">
-            <a:extLst>
-              <a:ext uri="{FF2B5EF4-FFF2-40B4-BE49-F238E27FC236}">
-                <a16:creationId xmlns:a16="http://schemas.microsoft.com/office/drawing/2014/main" id="{D31940CF-AB17-45EE-A211-C97529036FBF}"/>
+          <p:cNvPr id="84" name="Rectangle: Rounded Corners 83">
+            <a:extLst>
+              <a:ext uri="{FF2B5EF4-FFF2-40B4-BE49-F238E27FC236}">
+                <a16:creationId xmlns:a16="http://schemas.microsoft.com/office/drawing/2014/main" id="{43C501E0-9095-4810-8F3C-8CAE031F5476}"/>
               </a:ext>
             </a:extLst>
           </p:cNvPr>
@@ -4952,7 +4952,7 @@
         </p:nvSpPr>
         <p:spPr>
           <a:xfrm>
-            <a:off x="723900" y="5060378"/>
+            <a:off x="1153304" y="5241294"/>
             <a:ext cx="2658372" cy="546155"/>
           </a:xfrm>
           <a:prstGeom prst="roundRect">
@@ -5005,7 +5005,7 @@
           <a:p>
             <a:pPr algn="ctr"/>
             <a:r>
-              <a:rPr lang="en-US" dirty="0"/>
+              <a:rPr lang="en-US" b="1" dirty="0"/>
               <a:t>Leon_Interface</a:t>
             </a:r>
           </a:p>
@@ -5013,10 +5013,10 @@
       </p:sp>
       <p:sp>
         <p:nvSpPr>
-          <p:cNvPr id="29" name="Rectangle: Rounded Corners 28">
-            <a:extLst>
-              <a:ext uri="{FF2B5EF4-FFF2-40B4-BE49-F238E27FC236}">
-                <a16:creationId xmlns:a16="http://schemas.microsoft.com/office/drawing/2014/main" id="{7DFA644F-AFCE-435E-8CFA-AFA3559B7A03}"/>
+          <p:cNvPr id="85" name="Rectangle: Rounded Corners 84">
+            <a:extLst>
+              <a:ext uri="{FF2B5EF4-FFF2-40B4-BE49-F238E27FC236}">
+                <a16:creationId xmlns:a16="http://schemas.microsoft.com/office/drawing/2014/main" id="{E912CCFD-6130-4707-B213-97560DEDB1EE}"/>
               </a:ext>
             </a:extLst>
           </p:cNvPr>
@@ -5025,7 +5025,7 @@
         </p:nvSpPr>
         <p:spPr>
           <a:xfrm>
-            <a:off x="4736789" y="5051308"/>
+            <a:off x="4749285" y="5205955"/>
             <a:ext cx="2658372" cy="546155"/>
           </a:xfrm>
           <a:prstGeom prst="roundRect">
@@ -5078,7 +5078,7 @@
           <a:p>
             <a:pPr algn="ctr"/>
             <a:r>
-              <a:rPr lang="en-US" dirty="0"/>
+              <a:rPr lang="en-US" b="1" dirty="0"/>
               <a:t>Amber_Interface</a:t>
             </a:r>
           </a:p>
@@ -5086,10 +5086,10 @@
       </p:sp>
       <p:sp>
         <p:nvSpPr>
-          <p:cNvPr id="30" name="Rectangle: Rounded Corners 29">
-            <a:extLst>
-              <a:ext uri="{FF2B5EF4-FFF2-40B4-BE49-F238E27FC236}">
-                <a16:creationId xmlns:a16="http://schemas.microsoft.com/office/drawing/2014/main" id="{20441466-90AC-4EC1-893D-96F007037A84}"/>
+          <p:cNvPr id="86" name="Rectangle: Rounded Corners 85">
+            <a:extLst>
+              <a:ext uri="{FF2B5EF4-FFF2-40B4-BE49-F238E27FC236}">
+                <a16:creationId xmlns:a16="http://schemas.microsoft.com/office/drawing/2014/main" id="{8DA6E5B6-65C3-4F5B-B689-7487B8E2EB5C}"/>
               </a:ext>
             </a:extLst>
           </p:cNvPr>
@@ -5098,7 +5098,7 @@
         </p:nvSpPr>
         <p:spPr>
           <a:xfrm>
-            <a:off x="8749679" y="5040031"/>
+            <a:off x="8473974" y="5194353"/>
             <a:ext cx="2658372" cy="546155"/>
           </a:xfrm>
           <a:prstGeom prst="roundRect">
@@ -5151,7 +5151,7 @@
           <a:p>
             <a:pPr algn="ctr"/>
             <a:r>
-              <a:rPr lang="en-US" dirty="0"/>
+              <a:rPr lang="en-US" b="1" dirty="0"/>
               <a:t>Riscy_Interface</a:t>
             </a:r>
           </a:p>
@@ -5159,10 +5159,10 @@
       </p:sp>
       <p:sp>
         <p:nvSpPr>
-          <p:cNvPr id="31" name="Rectangle: Rounded Corners 30">
-            <a:extLst>
-              <a:ext uri="{FF2B5EF4-FFF2-40B4-BE49-F238E27FC236}">
-                <a16:creationId xmlns:a16="http://schemas.microsoft.com/office/drawing/2014/main" id="{8224E80C-56F9-4F9C-AE12-FFB01043ADEB}"/>
+          <p:cNvPr id="87" name="Rectangle: Rounded Corners 86">
+            <a:extLst>
+              <a:ext uri="{FF2B5EF4-FFF2-40B4-BE49-F238E27FC236}">
+                <a16:creationId xmlns:a16="http://schemas.microsoft.com/office/drawing/2014/main" id="{EA24DB3D-B02D-45E4-91E2-B00EF2C6BDC5}"/>
               </a:ext>
             </a:extLst>
           </p:cNvPr>
@@ -5171,14 +5171,14 @@
         </p:nvSpPr>
         <p:spPr>
           <a:xfrm>
-            <a:off x="926488" y="5778591"/>
-            <a:ext cx="10372803" cy="1006055"/>
+            <a:off x="926488" y="5890110"/>
+            <a:ext cx="10372803" cy="894536"/>
           </a:xfrm>
           <a:prstGeom prst="roundRect">
             <a:avLst/>
           </a:prstGeom>
           <a:noFill/>
-          <a:ln w="9525" cap="flat" cmpd="sng" algn="ctr">
+          <a:ln w="19050" cap="flat" cmpd="sng" algn="ctr">
             <a:solidFill>
               <a:schemeClr val="accent2"/>
             </a:solidFill>
@@ -5207,16 +5207,16 @@
           <a:lstStyle/>
           <a:p>
             <a:pPr algn="ctr"/>
-            <a:endParaRPr lang="en-US"/>
-          </a:p>
-        </p:txBody>
-      </p:sp>
-      <p:sp>
-        <p:nvSpPr>
-          <p:cNvPr id="32" name="TextBox 31">
-            <a:extLst>
-              <a:ext uri="{FF2B5EF4-FFF2-40B4-BE49-F238E27FC236}">
-                <a16:creationId xmlns:a16="http://schemas.microsoft.com/office/drawing/2014/main" id="{358B8196-B949-4D50-9B4A-4407524D330D}"/>
+            <a:endParaRPr lang="en-US" b="1"/>
+          </a:p>
+        </p:txBody>
+      </p:sp>
+      <p:sp>
+        <p:nvSpPr>
+          <p:cNvPr id="88" name="TextBox 87">
+            <a:extLst>
+              <a:ext uri="{FF2B5EF4-FFF2-40B4-BE49-F238E27FC236}">
+                <a16:creationId xmlns:a16="http://schemas.microsoft.com/office/drawing/2014/main" id="{D74EC7A3-DAE9-469F-AEEF-F49D5779AB44}"/>
               </a:ext>
             </a:extLst>
           </p:cNvPr>
@@ -5225,8 +5225,8 @@
         </p:nvSpPr>
         <p:spPr>
           <a:xfrm>
-            <a:off x="1398155" y="5835076"/>
-            <a:ext cx="526106" cy="369332"/>
+            <a:off x="966947" y="5820352"/>
+            <a:ext cx="595035" cy="369332"/>
           </a:xfrm>
           <a:prstGeom prst="rect">
             <a:avLst/>
@@ -5240,22 +5240,22 @@
           <a:lstStyle/>
           <a:p>
             <a:r>
-              <a:rPr lang="en-US" dirty="0">
+              <a:rPr lang="en-US" b="1" dirty="0">
                 <a:solidFill>
                   <a:srgbClr val="ED7D31"/>
                 </a:solidFill>
               </a:rPr>
-              <a:t>Dut</a:t>
-            </a:r>
-          </a:p>
-        </p:txBody>
-      </p:sp>
-      <p:sp>
-        <p:nvSpPr>
-          <p:cNvPr id="33" name="Rectangle: Rounded Corners 32">
-            <a:extLst>
-              <a:ext uri="{FF2B5EF4-FFF2-40B4-BE49-F238E27FC236}">
-                <a16:creationId xmlns:a16="http://schemas.microsoft.com/office/drawing/2014/main" id="{5777DFA5-EDE4-417C-ADE4-179C981CFEF0}"/>
+              <a:t>DUT</a:t>
+            </a:r>
+          </a:p>
+        </p:txBody>
+      </p:sp>
+      <p:sp>
+        <p:nvSpPr>
+          <p:cNvPr id="89" name="Rectangle: Rounded Corners 88">
+            <a:extLst>
+              <a:ext uri="{FF2B5EF4-FFF2-40B4-BE49-F238E27FC236}">
+                <a16:creationId xmlns:a16="http://schemas.microsoft.com/office/drawing/2014/main" id="{9F7EB154-D8C1-47B7-93D4-7B9516354131}"/>
               </a:ext>
             </a:extLst>
           </p:cNvPr>
@@ -5317,18 +5317,19 @@
           <a:p>
             <a:pPr algn="ctr"/>
             <a:r>
-              <a:rPr lang="en-US" dirty="0"/>
-              <a:t>Leon_Dut</a:t>
-            </a:r>
-          </a:p>
-        </p:txBody>
-      </p:sp>
-      <p:sp>
-        <p:nvSpPr>
-          <p:cNvPr id="34" name="Rectangle: Rounded Corners 33">
-            <a:extLst>
-              <a:ext uri="{FF2B5EF4-FFF2-40B4-BE49-F238E27FC236}">
-                <a16:creationId xmlns:a16="http://schemas.microsoft.com/office/drawing/2014/main" id="{AD6DBA4B-753D-4BCF-8E2D-E75A297FE25E}"/>
+              <a:rPr lang="en-US" b="1" dirty="0" err="1"/>
+              <a:t>Leon_DUT</a:t>
+            </a:r>
+            <a:endParaRPr lang="en-US" b="1" dirty="0"/>
+          </a:p>
+        </p:txBody>
+      </p:sp>
+      <p:sp>
+        <p:nvSpPr>
+          <p:cNvPr id="90" name="Rectangle: Rounded Corners 89">
+            <a:extLst>
+              <a:ext uri="{FF2B5EF4-FFF2-40B4-BE49-F238E27FC236}">
+                <a16:creationId xmlns:a16="http://schemas.microsoft.com/office/drawing/2014/main" id="{8E147C67-A43F-493C-ADD8-AD3BCA27218E}"/>
               </a:ext>
             </a:extLst>
           </p:cNvPr>
@@ -5390,18 +5391,19 @@
           <a:p>
             <a:pPr algn="ctr"/>
             <a:r>
-              <a:rPr lang="en-US" dirty="0"/>
-              <a:t>Amber_Dut</a:t>
-            </a:r>
-          </a:p>
-        </p:txBody>
-      </p:sp>
-      <p:sp>
-        <p:nvSpPr>
-          <p:cNvPr id="35" name="Rectangle: Rounded Corners 34">
-            <a:extLst>
-              <a:ext uri="{FF2B5EF4-FFF2-40B4-BE49-F238E27FC236}">
-                <a16:creationId xmlns:a16="http://schemas.microsoft.com/office/drawing/2014/main" id="{75284E74-6675-4055-BE10-69ACE9159557}"/>
+              <a:rPr lang="en-US" b="1" dirty="0" err="1"/>
+              <a:t>Amber_DUT</a:t>
+            </a:r>
+            <a:endParaRPr lang="en-US" b="1" dirty="0"/>
+          </a:p>
+        </p:txBody>
+      </p:sp>
+      <p:sp>
+        <p:nvSpPr>
+          <p:cNvPr id="91" name="Rectangle: Rounded Corners 90">
+            <a:extLst>
+              <a:ext uri="{FF2B5EF4-FFF2-40B4-BE49-F238E27FC236}">
+                <a16:creationId xmlns:a16="http://schemas.microsoft.com/office/drawing/2014/main" id="{4E87A75D-788C-4D98-A582-B1AC10191810}"/>
               </a:ext>
             </a:extLst>
           </p:cNvPr>
@@ -5463,18 +5465,19 @@
           <a:p>
             <a:pPr algn="ctr"/>
             <a:r>
-              <a:rPr lang="en-US" dirty="0"/>
-              <a:t>Riscy_Dut</a:t>
-            </a:r>
-          </a:p>
-        </p:txBody>
-      </p:sp>
-      <p:sp>
-        <p:nvSpPr>
-          <p:cNvPr id="36" name="Flowchart: Connector 35">
-            <a:extLst>
-              <a:ext uri="{FF2B5EF4-FFF2-40B4-BE49-F238E27FC236}">
-                <a16:creationId xmlns:a16="http://schemas.microsoft.com/office/drawing/2014/main" id="{917A1B1E-58CA-41CB-BBA1-C2CB84A2A553}"/>
+              <a:rPr lang="en-US" b="1" dirty="0" err="1"/>
+              <a:t>Riscy_DUT</a:t>
+            </a:r>
+            <a:endParaRPr lang="en-US" b="1" dirty="0"/>
+          </a:p>
+        </p:txBody>
+      </p:sp>
+      <p:sp>
+        <p:nvSpPr>
+          <p:cNvPr id="92" name="Flowchart: Connector 91">
+            <a:extLst>
+              <a:ext uri="{FF2B5EF4-FFF2-40B4-BE49-F238E27FC236}">
+                <a16:creationId xmlns:a16="http://schemas.microsoft.com/office/drawing/2014/main" id="{46C6ED13-CACD-4EBF-BD2E-921A3BA5C307}"/>
               </a:ext>
             </a:extLst>
           </p:cNvPr>
@@ -5483,7 +5486,7 @@
         </p:nvSpPr>
         <p:spPr>
           <a:xfrm>
-            <a:off x="8693187" y="2118556"/>
+            <a:off x="7110307" y="2694719"/>
             <a:ext cx="217460" cy="208391"/>
           </a:xfrm>
           <a:prstGeom prst="flowChartConnector">
@@ -5535,31 +5538,34 @@
           <a:lstStyle/>
           <a:p>
             <a:pPr algn="ctr"/>
-            <a:endParaRPr lang="en-US"/>
+            <a:endParaRPr lang="en-US" b="1"/>
           </a:p>
         </p:txBody>
       </p:sp>
       <p:cxnSp>
         <p:nvCxnSpPr>
-          <p:cNvPr id="42" name="Connector: Elbow 41">
-            <a:extLst>
-              <a:ext uri="{FF2B5EF4-FFF2-40B4-BE49-F238E27FC236}">
-                <a16:creationId xmlns:a16="http://schemas.microsoft.com/office/drawing/2014/main" id="{10D35428-AE32-4506-9F2B-47F6DF3E6CC3}"/>
+          <p:cNvPr id="93" name="Connector: Elbow 92">
+            <a:extLst>
+              <a:ext uri="{FF2B5EF4-FFF2-40B4-BE49-F238E27FC236}">
+                <a16:creationId xmlns:a16="http://schemas.microsoft.com/office/drawing/2014/main" id="{6233D8AB-5399-43C7-BDCC-1C8861DD422B}"/>
               </a:ext>
             </a:extLst>
           </p:cNvPr>
           <p:cNvCxnSpPr>
             <a:cxnSpLocks/>
+            <a:stCxn id="92" idx="2"/>
           </p:cNvCxnSpPr>
           <p:nvPr/>
         </p:nvCxnSpPr>
         <p:spPr>
           <a:xfrm rot="10800000" flipV="1">
-            <a:off x="6853011" y="2222752"/>
-            <a:ext cx="1825515" cy="628593"/>
-          </a:xfrm>
-          <a:prstGeom prst="bentConnector2">
-            <a:avLst/>
+            <a:off x="4704539" y="2798915"/>
+            <a:ext cx="2405769" cy="323110"/>
+          </a:xfrm>
+          <a:prstGeom prst="bentConnector3">
+            <a:avLst>
+              <a:gd name="adj1" fmla="val 100045"/>
+            </a:avLst>
           </a:prstGeom>
           <a:ln>
             <a:tailEnd type="triangle"/>
@@ -5582,10 +5588,10 @@
       </p:cxnSp>
       <p:sp>
         <p:nvSpPr>
-          <p:cNvPr id="47" name="Rectangle: Rounded Corners 46">
-            <a:extLst>
-              <a:ext uri="{FF2B5EF4-FFF2-40B4-BE49-F238E27FC236}">
-                <a16:creationId xmlns:a16="http://schemas.microsoft.com/office/drawing/2014/main" id="{A9DA5731-50F2-46D4-AAD9-3B5E26862172}"/>
+          <p:cNvPr id="94" name="Rectangle: Rounded Corners 93">
+            <a:extLst>
+              <a:ext uri="{FF2B5EF4-FFF2-40B4-BE49-F238E27FC236}">
+                <a16:creationId xmlns:a16="http://schemas.microsoft.com/office/drawing/2014/main" id="{D7F258CA-859E-40B1-80B5-BF752AFFF912}"/>
               </a:ext>
             </a:extLst>
           </p:cNvPr>
@@ -5594,7 +5600,7 @@
         </p:nvSpPr>
         <p:spPr>
           <a:xfrm>
-            <a:off x="6759664" y="2826959"/>
+            <a:off x="4609316" y="3118737"/>
             <a:ext cx="186695" cy="126758"/>
           </a:xfrm>
           <a:prstGeom prst="roundRect">
@@ -5646,28 +5652,28 @@
           <a:lstStyle/>
           <a:p>
             <a:pPr algn="ctr"/>
-            <a:endParaRPr lang="en-US"/>
+            <a:endParaRPr lang="en-US" b="1"/>
           </a:p>
         </p:txBody>
       </p:sp>
       <p:cxnSp>
         <p:nvCxnSpPr>
-          <p:cNvPr id="49" name="Straight Arrow Connector 48">
-            <a:extLst>
-              <a:ext uri="{FF2B5EF4-FFF2-40B4-BE49-F238E27FC236}">
-                <a16:creationId xmlns:a16="http://schemas.microsoft.com/office/drawing/2014/main" id="{DE0E4E1A-62A3-45EF-9262-898BC2E0798C}"/>
+          <p:cNvPr id="95" name="Straight Arrow Connector 94">
+            <a:extLst>
+              <a:ext uri="{FF2B5EF4-FFF2-40B4-BE49-F238E27FC236}">
+                <a16:creationId xmlns:a16="http://schemas.microsoft.com/office/drawing/2014/main" id="{FB61DDF7-34BD-4436-B4A1-614B53D57FD2}"/>
               </a:ext>
             </a:extLst>
           </p:cNvPr>
           <p:cNvCxnSpPr>
-            <a:stCxn id="4" idx="2"/>
+            <a:cxnSpLocks/>
           </p:cNvCxnSpPr>
           <p:nvPr/>
         </p:nvCxnSpPr>
         <p:spPr>
-          <a:xfrm flipH="1">
-            <a:off x="6853010" y="3918313"/>
-            <a:ext cx="1" cy="842373"/>
+          <a:xfrm>
+            <a:off x="4737560" y="4210719"/>
+            <a:ext cx="0" cy="692175"/>
           </a:xfrm>
           <a:prstGeom prst="straightConnector1">
             <a:avLst/>
@@ -5694,23 +5700,22 @@
       </p:cxnSp>
       <p:cxnSp>
         <p:nvCxnSpPr>
-          <p:cNvPr id="51" name="Straight Arrow Connector 50">
-            <a:extLst>
-              <a:ext uri="{FF2B5EF4-FFF2-40B4-BE49-F238E27FC236}">
-                <a16:creationId xmlns:a16="http://schemas.microsoft.com/office/drawing/2014/main" id="{89BF9FE4-2C2D-4DF1-BACC-502B3D839B4F}"/>
+          <p:cNvPr id="96" name="Straight Arrow Connector 95">
+            <a:extLst>
+              <a:ext uri="{FF2B5EF4-FFF2-40B4-BE49-F238E27FC236}">
+                <a16:creationId xmlns:a16="http://schemas.microsoft.com/office/drawing/2014/main" id="{C3658588-3192-405C-96D1-7794D4ED0279}"/>
               </a:ext>
             </a:extLst>
           </p:cNvPr>
           <p:cNvCxnSpPr>
             <a:cxnSpLocks/>
-            <a:endCxn id="26" idx="2"/>
           </p:cNvCxnSpPr>
           <p:nvPr/>
         </p:nvCxnSpPr>
         <p:spPr>
           <a:xfrm flipV="1">
-            <a:off x="3242865" y="3914594"/>
-            <a:ext cx="1" cy="842373"/>
+            <a:off x="2664765" y="4226366"/>
+            <a:ext cx="3467" cy="704861"/>
           </a:xfrm>
           <a:prstGeom prst="straightConnector1">
             <a:avLst/>
@@ -5736,10 +5741,10 @@
       </p:cxnSp>
       <p:sp>
         <p:nvSpPr>
-          <p:cNvPr id="53" name="Diamond 52">
-            <a:extLst>
-              <a:ext uri="{FF2B5EF4-FFF2-40B4-BE49-F238E27FC236}">
-                <a16:creationId xmlns:a16="http://schemas.microsoft.com/office/drawing/2014/main" id="{7F79E900-494B-496E-A131-1EED792EA719}"/>
+          <p:cNvPr id="97" name="Diamond 96">
+            <a:extLst>
+              <a:ext uri="{FF2B5EF4-FFF2-40B4-BE49-F238E27FC236}">
+                <a16:creationId xmlns:a16="http://schemas.microsoft.com/office/drawing/2014/main" id="{BFB6D7DB-0ACF-461A-AB32-5B8256639D13}"/>
               </a:ext>
             </a:extLst>
           </p:cNvPr>
@@ -5748,7 +5753,7 @@
         </p:nvSpPr>
         <p:spPr>
           <a:xfrm>
-            <a:off x="3158459" y="2799634"/>
+            <a:off x="1920012" y="3101589"/>
             <a:ext cx="162040" cy="177418"/>
           </a:xfrm>
           <a:prstGeom prst="diamond">
@@ -5800,16 +5805,16 @@
           <a:lstStyle/>
           <a:p>
             <a:pPr algn="ctr"/>
-            <a:endParaRPr lang="en-US"/>
-          </a:p>
-        </p:txBody>
-      </p:sp>
-      <p:sp>
-        <p:nvSpPr>
-          <p:cNvPr id="54" name="Flowchart: Connector 53">
-            <a:extLst>
-              <a:ext uri="{FF2B5EF4-FFF2-40B4-BE49-F238E27FC236}">
-                <a16:creationId xmlns:a16="http://schemas.microsoft.com/office/drawing/2014/main" id="{FF9FFA4A-78EB-46DB-A0E7-18EDAF0A82F9}"/>
+            <a:endParaRPr lang="en-US" b="1"/>
+          </a:p>
+        </p:txBody>
+      </p:sp>
+      <p:sp>
+        <p:nvSpPr>
+          <p:cNvPr id="98" name="Flowchart: Connector 97">
+            <a:extLst>
+              <a:ext uri="{FF2B5EF4-FFF2-40B4-BE49-F238E27FC236}">
+                <a16:creationId xmlns:a16="http://schemas.microsoft.com/office/drawing/2014/main" id="{D5741648-46A4-4223-B7A0-FFC13F142B2D}"/>
               </a:ext>
             </a:extLst>
           </p:cNvPr>
@@ -5818,7 +5823,7 @@
         </p:nvSpPr>
         <p:spPr>
           <a:xfrm>
-            <a:off x="3130749" y="1442523"/>
+            <a:off x="1892302" y="1764610"/>
             <a:ext cx="217460" cy="208391"/>
           </a:xfrm>
           <a:prstGeom prst="flowChartConnector">
@@ -5870,30 +5875,29 @@
           <a:lstStyle/>
           <a:p>
             <a:pPr algn="ctr"/>
-            <a:endParaRPr lang="en-US"/>
+            <a:endParaRPr lang="en-US" b="1"/>
           </a:p>
         </p:txBody>
       </p:sp>
       <p:cxnSp>
         <p:nvCxnSpPr>
-          <p:cNvPr id="56" name="Straight Arrow Connector 55">
-            <a:extLst>
-              <a:ext uri="{FF2B5EF4-FFF2-40B4-BE49-F238E27FC236}">
-                <a16:creationId xmlns:a16="http://schemas.microsoft.com/office/drawing/2014/main" id="{C5C4E147-05DD-4FEF-A8BF-20A3CC2DB56F}"/>
+          <p:cNvPr id="99" name="Straight Arrow Connector 98">
+            <a:extLst>
+              <a:ext uri="{FF2B5EF4-FFF2-40B4-BE49-F238E27FC236}">
+                <a16:creationId xmlns:a16="http://schemas.microsoft.com/office/drawing/2014/main" id="{B88B0A71-A014-48A7-A85C-513594EB2B2C}"/>
               </a:ext>
             </a:extLst>
           </p:cNvPr>
           <p:cNvCxnSpPr>
             <a:cxnSpLocks/>
-            <a:stCxn id="53" idx="2"/>
-            <a:endCxn id="54" idx="4"/>
+            <a:endCxn id="98" idx="4"/>
           </p:cNvCxnSpPr>
           <p:nvPr/>
         </p:nvCxnSpPr>
         <p:spPr>
           <a:xfrm flipV="1">
-            <a:off x="3239479" y="1650914"/>
-            <a:ext cx="0" cy="1326138"/>
+            <a:off x="2001032" y="1973001"/>
+            <a:ext cx="0" cy="1258094"/>
           </a:xfrm>
           <a:prstGeom prst="straightConnector1">
             <a:avLst/>
@@ -5919,10 +5923,10 @@
       </p:cxnSp>
       <p:sp>
         <p:nvSpPr>
-          <p:cNvPr id="58" name="Diamond 57">
-            <a:extLst>
-              <a:ext uri="{FF2B5EF4-FFF2-40B4-BE49-F238E27FC236}">
-                <a16:creationId xmlns:a16="http://schemas.microsoft.com/office/drawing/2014/main" id="{E65ADC04-23A7-4FAB-AD54-2169513BDB61}"/>
+          <p:cNvPr id="100" name="Diamond 99">
+            <a:extLst>
+              <a:ext uri="{FF2B5EF4-FFF2-40B4-BE49-F238E27FC236}">
+                <a16:creationId xmlns:a16="http://schemas.microsoft.com/office/drawing/2014/main" id="{A90AD2B0-25D1-4091-AC04-3642AFD41833}"/>
               </a:ext>
             </a:extLst>
           </p:cNvPr>
@@ -5931,7 +5935,7 @@
         </p:nvSpPr>
         <p:spPr>
           <a:xfrm>
-            <a:off x="6168853" y="2813061"/>
+            <a:off x="4256631" y="3101589"/>
             <a:ext cx="162040" cy="177418"/>
           </a:xfrm>
           <a:prstGeom prst="diamond">
@@ -5983,16 +5987,16 @@
           <a:lstStyle/>
           <a:p>
             <a:pPr algn="ctr"/>
-            <a:endParaRPr lang="en-US"/>
-          </a:p>
-        </p:txBody>
-      </p:sp>
-      <p:sp>
-        <p:nvSpPr>
-          <p:cNvPr id="59" name="Flowchart: Connector 58">
-            <a:extLst>
-              <a:ext uri="{FF2B5EF4-FFF2-40B4-BE49-F238E27FC236}">
-                <a16:creationId xmlns:a16="http://schemas.microsoft.com/office/drawing/2014/main" id="{D5CE3A5C-2188-44F0-B65F-1FF691B19DC3}"/>
+            <a:endParaRPr lang="en-US" b="1"/>
+          </a:p>
+        </p:txBody>
+      </p:sp>
+      <p:sp>
+        <p:nvSpPr>
+          <p:cNvPr id="101" name="Flowchart: Connector 100">
+            <a:extLst>
+              <a:ext uri="{FF2B5EF4-FFF2-40B4-BE49-F238E27FC236}">
+                <a16:creationId xmlns:a16="http://schemas.microsoft.com/office/drawing/2014/main" id="{98C059AE-972D-4D00-8C86-93C1179E193D}"/>
               </a:ext>
             </a:extLst>
           </p:cNvPr>
@@ -6001,7 +6005,7 @@
         </p:nvSpPr>
         <p:spPr>
           <a:xfrm>
-            <a:off x="6141143" y="1455950"/>
+            <a:off x="4238620" y="1779177"/>
             <a:ext cx="217460" cy="208391"/>
           </a:xfrm>
           <a:prstGeom prst="flowChartConnector">
@@ -6053,30 +6057,28 @@
           <a:lstStyle/>
           <a:p>
             <a:pPr algn="ctr"/>
-            <a:endParaRPr lang="en-US"/>
+            <a:endParaRPr lang="en-US" b="1"/>
           </a:p>
         </p:txBody>
       </p:sp>
       <p:cxnSp>
         <p:nvCxnSpPr>
-          <p:cNvPr id="60" name="Straight Arrow Connector 59">
-            <a:extLst>
-              <a:ext uri="{FF2B5EF4-FFF2-40B4-BE49-F238E27FC236}">
-                <a16:creationId xmlns:a16="http://schemas.microsoft.com/office/drawing/2014/main" id="{AB263499-601D-49FB-8439-5C664F7B1EE3}"/>
+          <p:cNvPr id="102" name="Straight Arrow Connector 101">
+            <a:extLst>
+              <a:ext uri="{FF2B5EF4-FFF2-40B4-BE49-F238E27FC236}">
+                <a16:creationId xmlns:a16="http://schemas.microsoft.com/office/drawing/2014/main" id="{2497EB18-BCB4-46B8-A495-D2787E543848}"/>
               </a:ext>
             </a:extLst>
           </p:cNvPr>
           <p:cNvCxnSpPr>
             <a:cxnSpLocks/>
-            <a:stCxn id="58" idx="2"/>
-            <a:endCxn id="59" idx="4"/>
           </p:cNvCxnSpPr>
           <p:nvPr/>
         </p:nvCxnSpPr>
         <p:spPr>
           <a:xfrm flipV="1">
-            <a:off x="6249873" y="1664341"/>
-            <a:ext cx="0" cy="1326138"/>
+            <a:off x="4341713" y="1982696"/>
+            <a:ext cx="4296" cy="1222399"/>
           </a:xfrm>
           <a:prstGeom prst="straightConnector1">
             <a:avLst/>
@@ -6102,10 +6104,10 @@
       </p:cxnSp>
       <p:sp>
         <p:nvSpPr>
-          <p:cNvPr id="45" name="Rectangle 44">
-            <a:extLst>
-              <a:ext uri="{FF2B5EF4-FFF2-40B4-BE49-F238E27FC236}">
-                <a16:creationId xmlns:a16="http://schemas.microsoft.com/office/drawing/2014/main" id="{69BE614E-5706-4C35-A105-1315C9BA2A6C}"/>
+          <p:cNvPr id="103" name="Rectangle 102">
+            <a:extLst>
+              <a:ext uri="{FF2B5EF4-FFF2-40B4-BE49-F238E27FC236}">
+                <a16:creationId xmlns:a16="http://schemas.microsoft.com/office/drawing/2014/main" id="{DBE67841-6B52-4437-A417-8D41CBA167CF}"/>
               </a:ext>
             </a:extLst>
           </p:cNvPr>
@@ -6114,7 +6116,7 @@
         </p:nvSpPr>
         <p:spPr>
           <a:xfrm>
-            <a:off x="6349784" y="3994278"/>
+            <a:off x="2484537" y="4389712"/>
             <a:ext cx="378158" cy="213479"/>
           </a:xfrm>
           <a:prstGeom prst="rect">
@@ -6145,16 +6147,16 @@
           <a:lstStyle/>
           <a:p>
             <a:pPr algn="ctr"/>
-            <a:endParaRPr lang="en-US"/>
-          </a:p>
-        </p:txBody>
-      </p:sp>
-      <p:sp>
-        <p:nvSpPr>
-          <p:cNvPr id="46" name="TextBox 45">
-            <a:extLst>
-              <a:ext uri="{FF2B5EF4-FFF2-40B4-BE49-F238E27FC236}">
-                <a16:creationId xmlns:a16="http://schemas.microsoft.com/office/drawing/2014/main" id="{6F11598B-D1B1-43D1-BFAD-725368648FFB}"/>
+            <a:endParaRPr lang="en-US" b="1"/>
+          </a:p>
+        </p:txBody>
+      </p:sp>
+      <p:sp>
+        <p:nvSpPr>
+          <p:cNvPr id="104" name="TextBox 103">
+            <a:extLst>
+              <a:ext uri="{FF2B5EF4-FFF2-40B4-BE49-F238E27FC236}">
+                <a16:creationId xmlns:a16="http://schemas.microsoft.com/office/drawing/2014/main" id="{4C4A62BA-E50B-4469-A168-73A3FC7A7349}"/>
               </a:ext>
             </a:extLst>
           </p:cNvPr>
@@ -6163,8 +6165,8 @@
         </p:nvSpPr>
         <p:spPr>
           <a:xfrm>
-            <a:off x="4938760" y="3933200"/>
-            <a:ext cx="1425527" cy="307777"/>
+            <a:off x="1479593" y="4381130"/>
+            <a:ext cx="1286052" cy="307777"/>
           </a:xfrm>
           <a:prstGeom prst="rect">
             <a:avLst/>
@@ -6178,18 +6180,18 @@
           <a:lstStyle/>
           <a:p>
             <a:r>
-              <a:rPr lang="en-US" sz="1400" dirty="0"/>
-              <a:t>Target_Seq_item</a:t>
-            </a:r>
-          </a:p>
-        </p:txBody>
-      </p:sp>
-      <p:sp>
-        <p:nvSpPr>
-          <p:cNvPr id="48" name="Rectangle 47">
-            <a:extLst>
-              <a:ext uri="{FF2B5EF4-FFF2-40B4-BE49-F238E27FC236}">
-                <a16:creationId xmlns:a16="http://schemas.microsoft.com/office/drawing/2014/main" id="{29735513-B8D5-41FD-B80E-DA7D475B9B97}"/>
+              <a:rPr lang="en-US" sz="1400" b="1" dirty="0"/>
+              <a:t>Transaction</a:t>
+            </a:r>
+          </a:p>
+        </p:txBody>
+      </p:sp>
+      <p:sp>
+        <p:nvSpPr>
+          <p:cNvPr id="105" name="Rectangle 104">
+            <a:extLst>
+              <a:ext uri="{FF2B5EF4-FFF2-40B4-BE49-F238E27FC236}">
+                <a16:creationId xmlns:a16="http://schemas.microsoft.com/office/drawing/2014/main" id="{2F80DCB2-B7B0-4BB4-B631-E44F5B36BFB2}"/>
               </a:ext>
             </a:extLst>
           </p:cNvPr>
@@ -6198,7 +6200,7 @@
         </p:nvSpPr>
         <p:spPr>
           <a:xfrm>
-            <a:off x="7642025" y="1825390"/>
+            <a:off x="4536831" y="4329957"/>
             <a:ext cx="378158" cy="213479"/>
           </a:xfrm>
           <a:prstGeom prst="rect">
@@ -6229,16 +6231,16 @@
           <a:lstStyle/>
           <a:p>
             <a:pPr algn="ctr"/>
-            <a:endParaRPr lang="en-US"/>
-          </a:p>
-        </p:txBody>
-      </p:sp>
-      <p:sp>
-        <p:nvSpPr>
-          <p:cNvPr id="50" name="TextBox 49">
-            <a:extLst>
-              <a:ext uri="{FF2B5EF4-FFF2-40B4-BE49-F238E27FC236}">
-                <a16:creationId xmlns:a16="http://schemas.microsoft.com/office/drawing/2014/main" id="{C4B34864-6CED-45E2-A37F-22AD59F6203F}"/>
+            <a:endParaRPr lang="en-US" b="1"/>
+          </a:p>
+        </p:txBody>
+      </p:sp>
+      <p:sp>
+        <p:nvSpPr>
+          <p:cNvPr id="106" name="TextBox 105">
+            <a:extLst>
+              <a:ext uri="{FF2B5EF4-FFF2-40B4-BE49-F238E27FC236}">
+                <a16:creationId xmlns:a16="http://schemas.microsoft.com/office/drawing/2014/main" id="{7CBF0A3C-2ABB-485A-9AB9-19B82E0DB49E}"/>
               </a:ext>
             </a:extLst>
           </p:cNvPr>
@@ -6247,8 +6249,8 @@
         </p:nvSpPr>
         <p:spPr>
           <a:xfrm>
-            <a:off x="6231001" y="1764312"/>
-            <a:ext cx="1425527" cy="307777"/>
+            <a:off x="4878831" y="4305382"/>
+            <a:ext cx="1508924" cy="307777"/>
           </a:xfrm>
           <a:prstGeom prst="rect">
             <a:avLst/>
@@ -6262,18 +6264,54 @@
           <a:lstStyle/>
           <a:p>
             <a:r>
-              <a:rPr lang="en-US" sz="1400" dirty="0"/>
-              <a:t>Target_Seq_item</a:t>
-            </a:r>
-          </a:p>
-        </p:txBody>
-      </p:sp>
-      <p:sp>
-        <p:nvSpPr>
-          <p:cNvPr id="52" name="Rectangle 51">
-            <a:extLst>
-              <a:ext uri="{FF2B5EF4-FFF2-40B4-BE49-F238E27FC236}">
-                <a16:creationId xmlns:a16="http://schemas.microsoft.com/office/drawing/2014/main" id="{6AC2B0AA-25B4-43C8-8D28-F25067098F1E}"/>
+              <a:rPr lang="en-US" sz="1400" b="1" dirty="0" err="1"/>
+              <a:t>GUVM_seq_item</a:t>
+            </a:r>
+            <a:endParaRPr lang="en-US" sz="1400" b="1" dirty="0"/>
+          </a:p>
+        </p:txBody>
+      </p:sp>
+      <p:sp>
+        <p:nvSpPr>
+          <p:cNvPr id="107" name="TextBox 106">
+            <a:extLst>
+              <a:ext uri="{FF2B5EF4-FFF2-40B4-BE49-F238E27FC236}">
+                <a16:creationId xmlns:a16="http://schemas.microsoft.com/office/drawing/2014/main" id="{22E44B12-2F1E-457C-ADBF-A62E79ED46EC}"/>
+              </a:ext>
+            </a:extLst>
+          </p:cNvPr>
+          <p:cNvSpPr txBox="1"/>
+          <p:nvPr/>
+        </p:nvSpPr>
+        <p:spPr>
+          <a:xfrm>
+            <a:off x="2017143" y="4918614"/>
+            <a:ext cx="2320508" cy="307777"/>
+          </a:xfrm>
+          <a:prstGeom prst="rect">
+            <a:avLst/>
+          </a:prstGeom>
+          <a:noFill/>
+        </p:spPr>
+        <p:txBody>
+          <a:bodyPr wrap="square" rtlCol="0">
+            <a:spAutoFit/>
+          </a:bodyPr>
+          <a:lstStyle/>
+          <a:p>
+            <a:r>
+              <a:rPr lang="en-US" sz="1400" b="1" dirty="0"/>
+              <a:t>Write_to_monitor_function</a:t>
+            </a:r>
+          </a:p>
+        </p:txBody>
+      </p:sp>
+      <p:sp>
+        <p:nvSpPr>
+          <p:cNvPr id="108" name="Rectangle 107">
+            <a:extLst>
+              <a:ext uri="{FF2B5EF4-FFF2-40B4-BE49-F238E27FC236}">
+                <a16:creationId xmlns:a16="http://schemas.microsoft.com/office/drawing/2014/main" id="{C0AA2776-BCC7-430A-A79B-A5DC1E9991F1}"/>
               </a:ext>
             </a:extLst>
           </p:cNvPr>
@@ -6282,7 +6320,7 @@
         </p:nvSpPr>
         <p:spPr>
           <a:xfrm>
-            <a:off x="8248033" y="2303820"/>
+            <a:off x="6233700" y="2686796"/>
             <a:ext cx="378158" cy="213479"/>
           </a:xfrm>
           <a:prstGeom prst="rect">
@@ -6313,51 +6351,16 @@
           <a:lstStyle/>
           <a:p>
             <a:pPr algn="ctr"/>
-            <a:endParaRPr lang="en-US"/>
-          </a:p>
-        </p:txBody>
-      </p:sp>
-      <p:sp>
-        <p:nvSpPr>
-          <p:cNvPr id="55" name="TextBox 54">
-            <a:extLst>
-              <a:ext uri="{FF2B5EF4-FFF2-40B4-BE49-F238E27FC236}">
-                <a16:creationId xmlns:a16="http://schemas.microsoft.com/office/drawing/2014/main" id="{E13B0438-9C39-46D7-9507-7729E723BB5D}"/>
-              </a:ext>
-            </a:extLst>
-          </p:cNvPr>
-          <p:cNvSpPr txBox="1"/>
-          <p:nvPr/>
-        </p:nvSpPr>
-        <p:spPr>
-          <a:xfrm>
-            <a:off x="6837009" y="2242742"/>
-            <a:ext cx="1425527" cy="307777"/>
-          </a:xfrm>
-          <a:prstGeom prst="rect">
-            <a:avLst/>
-          </a:prstGeom>
-          <a:noFill/>
-        </p:spPr>
-        <p:txBody>
-          <a:bodyPr wrap="square" rtlCol="0">
-            <a:spAutoFit/>
-          </a:bodyPr>
-          <a:lstStyle/>
-          <a:p>
-            <a:r>
-              <a:rPr lang="en-US" sz="1400" dirty="0"/>
-              <a:t>Target_Seq_item</a:t>
-            </a:r>
-          </a:p>
-        </p:txBody>
-      </p:sp>
-      <p:sp>
-        <p:nvSpPr>
-          <p:cNvPr id="57" name="Rectangle 56">
-            <a:extLst>
-              <a:ext uri="{FF2B5EF4-FFF2-40B4-BE49-F238E27FC236}">
-                <a16:creationId xmlns:a16="http://schemas.microsoft.com/office/drawing/2014/main" id="{5B2338F9-FA56-4944-AA3C-A1855BCEB10B}"/>
+            <a:endParaRPr lang="en-US" b="1"/>
+          </a:p>
+        </p:txBody>
+      </p:sp>
+      <p:sp>
+        <p:nvSpPr>
+          <p:cNvPr id="109" name="Rectangle 108">
+            <a:extLst>
+              <a:ext uri="{FF2B5EF4-FFF2-40B4-BE49-F238E27FC236}">
+                <a16:creationId xmlns:a16="http://schemas.microsoft.com/office/drawing/2014/main" id="{101EB5CD-9165-4E8E-BED3-B2A60515DBAF}"/>
               </a:ext>
             </a:extLst>
           </p:cNvPr>
@@ -6366,7 +6369,7 @@
         </p:nvSpPr>
         <p:spPr>
           <a:xfrm>
-            <a:off x="2791963" y="1925931"/>
+            <a:off x="4156930" y="2360547"/>
             <a:ext cx="378158" cy="213479"/>
           </a:xfrm>
           <a:prstGeom prst="rect">
@@ -6397,16 +6400,16 @@
           <a:lstStyle/>
           <a:p>
             <a:pPr algn="ctr"/>
-            <a:endParaRPr lang="en-US"/>
-          </a:p>
-        </p:txBody>
-      </p:sp>
-      <p:sp>
-        <p:nvSpPr>
-          <p:cNvPr id="61" name="TextBox 60">
-            <a:extLst>
-              <a:ext uri="{FF2B5EF4-FFF2-40B4-BE49-F238E27FC236}">
-                <a16:creationId xmlns:a16="http://schemas.microsoft.com/office/drawing/2014/main" id="{EB6EA40C-6868-4CCC-B490-8D4773156E4E}"/>
+            <a:endParaRPr lang="en-US" b="1"/>
+          </a:p>
+        </p:txBody>
+      </p:sp>
+      <p:sp>
+        <p:nvSpPr>
+          <p:cNvPr id="110" name="TextBox 109">
+            <a:extLst>
+              <a:ext uri="{FF2B5EF4-FFF2-40B4-BE49-F238E27FC236}">
+                <a16:creationId xmlns:a16="http://schemas.microsoft.com/office/drawing/2014/main" id="{E885AA97-396A-4024-BA1B-6BC2328BABFB}"/>
               </a:ext>
             </a:extLst>
           </p:cNvPr>
@@ -6415,8 +6418,8 @@
         </p:nvSpPr>
         <p:spPr>
           <a:xfrm>
-            <a:off x="1276006" y="1869679"/>
-            <a:ext cx="1760129" cy="307777"/>
+            <a:off x="5573264" y="2888752"/>
+            <a:ext cx="1508924" cy="307777"/>
           </a:xfrm>
           <a:prstGeom prst="rect">
             <a:avLst/>
@@ -6430,18 +6433,19 @@
           <a:lstStyle/>
           <a:p>
             <a:r>
-              <a:rPr lang="en-US" sz="1400" dirty="0"/>
-              <a:t>Result_transaction</a:t>
-            </a:r>
-          </a:p>
-        </p:txBody>
-      </p:sp>
-      <p:sp>
-        <p:nvSpPr>
-          <p:cNvPr id="14" name="TextBox 13">
-            <a:extLst>
-              <a:ext uri="{FF2B5EF4-FFF2-40B4-BE49-F238E27FC236}">
-                <a16:creationId xmlns:a16="http://schemas.microsoft.com/office/drawing/2014/main" id="{186430CB-8303-4E98-82FC-AE4158AF80C4}"/>
+              <a:rPr lang="en-US" sz="1400" b="1" dirty="0" err="1"/>
+              <a:t>GUVM_seq_item</a:t>
+            </a:r>
+            <a:endParaRPr lang="en-US" sz="1400" b="1" dirty="0"/>
+          </a:p>
+        </p:txBody>
+      </p:sp>
+      <p:sp>
+        <p:nvSpPr>
+          <p:cNvPr id="111" name="TextBox 110">
+            <a:extLst>
+              <a:ext uri="{FF2B5EF4-FFF2-40B4-BE49-F238E27FC236}">
+                <a16:creationId xmlns:a16="http://schemas.microsoft.com/office/drawing/2014/main" id="{C14FA416-9CFD-43A6-BD23-C4A86344279E}"/>
               </a:ext>
             </a:extLst>
           </p:cNvPr>
@@ -6450,8 +6454,8 @@
         </p:nvSpPr>
         <p:spPr>
           <a:xfrm>
-            <a:off x="2500175" y="4683490"/>
-            <a:ext cx="2320508" cy="307777"/>
+            <a:off x="4502598" y="2302108"/>
+            <a:ext cx="1508924" cy="307777"/>
           </a:xfrm>
           <a:prstGeom prst="rect">
             <a:avLst/>
@@ -6465,8 +6469,45 @@
           <a:lstStyle/>
           <a:p>
             <a:r>
-              <a:rPr lang="en-US" sz="1400" dirty="0"/>
-              <a:t>Write_to_monitor_function</a:t>
+              <a:rPr lang="en-US" sz="1400" b="1" dirty="0" err="1"/>
+              <a:t>GUVM_seq_item</a:t>
+            </a:r>
+            <a:endParaRPr lang="en-US" sz="1400" b="1" dirty="0"/>
+          </a:p>
+        </p:txBody>
+      </p:sp>
+      <p:sp>
+        <p:nvSpPr>
+          <p:cNvPr id="112" name="TextBox 111">
+            <a:extLst>
+              <a:ext uri="{FF2B5EF4-FFF2-40B4-BE49-F238E27FC236}">
+                <a16:creationId xmlns:a16="http://schemas.microsoft.com/office/drawing/2014/main" id="{A5D9A50F-42CB-4483-859A-6CBDA325FD62}"/>
+              </a:ext>
+            </a:extLst>
+          </p:cNvPr>
+          <p:cNvSpPr txBox="1"/>
+          <p:nvPr/>
+        </p:nvSpPr>
+        <p:spPr>
+          <a:xfrm>
+            <a:off x="3818250" y="1949"/>
+            <a:ext cx="4386544" cy="369332"/>
+          </a:xfrm>
+          <a:prstGeom prst="rect">
+            <a:avLst/>
+          </a:prstGeom>
+          <a:noFill/>
+        </p:spPr>
+        <p:txBody>
+          <a:bodyPr wrap="square" rtlCol="0">
+            <a:spAutoFit/>
+          </a:bodyPr>
+          <a:lstStyle/>
+          <a:p>
+            <a:pPr algn="ctr"/>
+            <a:r>
+              <a:rPr lang="en-US" b="1" dirty="0"/>
+              <a:t>Generic UVM for Soft Processors</a:t>
             </a:r>
           </a:p>
         </p:txBody>

--- a/Block Diagram_edited.pptx
+++ b/Block Diagram_edited.pptx
@@ -3702,10 +3702,10 @@
       </p:grpSpPr>
       <p:sp>
         <p:nvSpPr>
-          <p:cNvPr id="62" name="Rectangle: Rounded Corners 61">
-            <a:extLst>
-              <a:ext uri="{FF2B5EF4-FFF2-40B4-BE49-F238E27FC236}">
-                <a16:creationId xmlns:a16="http://schemas.microsoft.com/office/drawing/2014/main" id="{95E322B5-5DC6-4CCE-AB11-E2649C737D62}"/>
+          <p:cNvPr id="53" name="Rectangle: Rounded Corners 52">
+            <a:extLst>
+              <a:ext uri="{FF2B5EF4-FFF2-40B4-BE49-F238E27FC236}">
+                <a16:creationId xmlns:a16="http://schemas.microsoft.com/office/drawing/2014/main" id="{C9880182-A091-44A5-9C1B-78F3C753A45C}"/>
               </a:ext>
             </a:extLst>
           </p:cNvPr>
@@ -3714,7 +3714,7 @@
         </p:nvSpPr>
         <p:spPr>
           <a:xfrm>
-            <a:off x="3441770" y="3182823"/>
+            <a:off x="3441770" y="3181849"/>
             <a:ext cx="1983013" cy="1038860"/>
           </a:xfrm>
           <a:prstGeom prst="roundRect">
@@ -3763,7 +3763,101 @@
         </p:style>
         <p:txBody>
           <a:bodyPr rtlCol="0" anchor="ctr"/>
-          <a:lstStyle/>
+          <a:lstStyle>
+            <a:defPPr>
+              <a:defRPr lang="en-US"/>
+            </a:defPPr>
+            <a:lvl1pPr marL="0" algn="l" defTabSz="914400" rtl="0" eaLnBrk="1" latinLnBrk="0" hangingPunct="1">
+              <a:defRPr sz="1800" kern="1200">
+                <a:solidFill>
+                  <a:schemeClr val="lt1"/>
+                </a:solidFill>
+                <a:latin typeface="+mn-lt"/>
+                <a:ea typeface="+mn-ea"/>
+                <a:cs typeface="+mn-cs"/>
+              </a:defRPr>
+            </a:lvl1pPr>
+            <a:lvl2pPr marL="457200" algn="l" defTabSz="914400" rtl="0" eaLnBrk="1" latinLnBrk="0" hangingPunct="1">
+              <a:defRPr sz="1800" kern="1200">
+                <a:solidFill>
+                  <a:schemeClr val="lt1"/>
+                </a:solidFill>
+                <a:latin typeface="+mn-lt"/>
+                <a:ea typeface="+mn-ea"/>
+                <a:cs typeface="+mn-cs"/>
+              </a:defRPr>
+            </a:lvl2pPr>
+            <a:lvl3pPr marL="914400" algn="l" defTabSz="914400" rtl="0" eaLnBrk="1" latinLnBrk="0" hangingPunct="1">
+              <a:defRPr sz="1800" kern="1200">
+                <a:solidFill>
+                  <a:schemeClr val="lt1"/>
+                </a:solidFill>
+                <a:latin typeface="+mn-lt"/>
+                <a:ea typeface="+mn-ea"/>
+                <a:cs typeface="+mn-cs"/>
+              </a:defRPr>
+            </a:lvl3pPr>
+            <a:lvl4pPr marL="1371600" algn="l" defTabSz="914400" rtl="0" eaLnBrk="1" latinLnBrk="0" hangingPunct="1">
+              <a:defRPr sz="1800" kern="1200">
+                <a:solidFill>
+                  <a:schemeClr val="lt1"/>
+                </a:solidFill>
+                <a:latin typeface="+mn-lt"/>
+                <a:ea typeface="+mn-ea"/>
+                <a:cs typeface="+mn-cs"/>
+              </a:defRPr>
+            </a:lvl4pPr>
+            <a:lvl5pPr marL="1828800" algn="l" defTabSz="914400" rtl="0" eaLnBrk="1" latinLnBrk="0" hangingPunct="1">
+              <a:defRPr sz="1800" kern="1200">
+                <a:solidFill>
+                  <a:schemeClr val="lt1"/>
+                </a:solidFill>
+                <a:latin typeface="+mn-lt"/>
+                <a:ea typeface="+mn-ea"/>
+                <a:cs typeface="+mn-cs"/>
+              </a:defRPr>
+            </a:lvl5pPr>
+            <a:lvl6pPr marL="2286000" algn="l" defTabSz="914400" rtl="0" eaLnBrk="1" latinLnBrk="0" hangingPunct="1">
+              <a:defRPr sz="1800" kern="1200">
+                <a:solidFill>
+                  <a:schemeClr val="lt1"/>
+                </a:solidFill>
+                <a:latin typeface="+mn-lt"/>
+                <a:ea typeface="+mn-ea"/>
+                <a:cs typeface="+mn-cs"/>
+              </a:defRPr>
+            </a:lvl6pPr>
+            <a:lvl7pPr marL="2743200" algn="l" defTabSz="914400" rtl="0" eaLnBrk="1" latinLnBrk="0" hangingPunct="1">
+              <a:defRPr sz="1800" kern="1200">
+                <a:solidFill>
+                  <a:schemeClr val="lt1"/>
+                </a:solidFill>
+                <a:latin typeface="+mn-lt"/>
+                <a:ea typeface="+mn-ea"/>
+                <a:cs typeface="+mn-cs"/>
+              </a:defRPr>
+            </a:lvl7pPr>
+            <a:lvl8pPr marL="3200400" algn="l" defTabSz="914400" rtl="0" eaLnBrk="1" latinLnBrk="0" hangingPunct="1">
+              <a:defRPr sz="1800" kern="1200">
+                <a:solidFill>
+                  <a:schemeClr val="lt1"/>
+                </a:solidFill>
+                <a:latin typeface="+mn-lt"/>
+                <a:ea typeface="+mn-ea"/>
+                <a:cs typeface="+mn-cs"/>
+              </a:defRPr>
+            </a:lvl8pPr>
+            <a:lvl9pPr marL="3657600" algn="l" defTabSz="914400" rtl="0" eaLnBrk="1" latinLnBrk="0" hangingPunct="1">
+              <a:defRPr sz="1800" kern="1200">
+                <a:solidFill>
+                  <a:schemeClr val="lt1"/>
+                </a:solidFill>
+                <a:latin typeface="+mn-lt"/>
+                <a:ea typeface="+mn-ea"/>
+                <a:cs typeface="+mn-cs"/>
+              </a:defRPr>
+            </a:lvl9pPr>
+          </a:lstStyle>
           <a:p>
             <a:pPr algn="ctr"/>
             <a:r>
@@ -3775,10 +3869,10 @@
       </p:sp>
       <p:sp>
         <p:nvSpPr>
-          <p:cNvPr id="63" name="Rectangle: Rounded Corners 62">
-            <a:extLst>
-              <a:ext uri="{FF2B5EF4-FFF2-40B4-BE49-F238E27FC236}">
-                <a16:creationId xmlns:a16="http://schemas.microsoft.com/office/drawing/2014/main" id="{07C1A4FD-5844-4C33-BCFE-99232128391C}"/>
+          <p:cNvPr id="54" name="Rectangle: Rounded Corners 53">
+            <a:extLst>
+              <a:ext uri="{FF2B5EF4-FFF2-40B4-BE49-F238E27FC236}">
+                <a16:creationId xmlns:a16="http://schemas.microsoft.com/office/drawing/2014/main" id="{29152CBD-12FE-4DAF-94EC-E062D8D5F584}"/>
               </a:ext>
             </a:extLst>
           </p:cNvPr>
@@ -3787,7 +3881,7 @@
         </p:nvSpPr>
         <p:spPr>
           <a:xfrm>
-            <a:off x="188685" y="691117"/>
+            <a:off x="188685" y="690143"/>
             <a:ext cx="11814629" cy="4078178"/>
           </a:xfrm>
           <a:prstGeom prst="roundRect">
@@ -3820,7 +3914,101 @@
         </p:style>
         <p:txBody>
           <a:bodyPr rtlCol="0" anchor="ctr"/>
-          <a:lstStyle/>
+          <a:lstStyle>
+            <a:defPPr>
+              <a:defRPr lang="en-US"/>
+            </a:defPPr>
+            <a:lvl1pPr marL="0" algn="l" defTabSz="914400" rtl="0" eaLnBrk="1" latinLnBrk="0" hangingPunct="1">
+              <a:defRPr sz="1800" kern="1200">
+                <a:solidFill>
+                  <a:schemeClr val="accent2"/>
+                </a:solidFill>
+                <a:latin typeface="+mn-lt"/>
+                <a:ea typeface="+mn-ea"/>
+                <a:cs typeface="+mn-cs"/>
+              </a:defRPr>
+            </a:lvl1pPr>
+            <a:lvl2pPr marL="457200" algn="l" defTabSz="914400" rtl="0" eaLnBrk="1" latinLnBrk="0" hangingPunct="1">
+              <a:defRPr sz="1800" kern="1200">
+                <a:solidFill>
+                  <a:schemeClr val="accent2"/>
+                </a:solidFill>
+                <a:latin typeface="+mn-lt"/>
+                <a:ea typeface="+mn-ea"/>
+                <a:cs typeface="+mn-cs"/>
+              </a:defRPr>
+            </a:lvl2pPr>
+            <a:lvl3pPr marL="914400" algn="l" defTabSz="914400" rtl="0" eaLnBrk="1" latinLnBrk="0" hangingPunct="1">
+              <a:defRPr sz="1800" kern="1200">
+                <a:solidFill>
+                  <a:schemeClr val="accent2"/>
+                </a:solidFill>
+                <a:latin typeface="+mn-lt"/>
+                <a:ea typeface="+mn-ea"/>
+                <a:cs typeface="+mn-cs"/>
+              </a:defRPr>
+            </a:lvl3pPr>
+            <a:lvl4pPr marL="1371600" algn="l" defTabSz="914400" rtl="0" eaLnBrk="1" latinLnBrk="0" hangingPunct="1">
+              <a:defRPr sz="1800" kern="1200">
+                <a:solidFill>
+                  <a:schemeClr val="accent2"/>
+                </a:solidFill>
+                <a:latin typeface="+mn-lt"/>
+                <a:ea typeface="+mn-ea"/>
+                <a:cs typeface="+mn-cs"/>
+              </a:defRPr>
+            </a:lvl4pPr>
+            <a:lvl5pPr marL="1828800" algn="l" defTabSz="914400" rtl="0" eaLnBrk="1" latinLnBrk="0" hangingPunct="1">
+              <a:defRPr sz="1800" kern="1200">
+                <a:solidFill>
+                  <a:schemeClr val="accent2"/>
+                </a:solidFill>
+                <a:latin typeface="+mn-lt"/>
+                <a:ea typeface="+mn-ea"/>
+                <a:cs typeface="+mn-cs"/>
+              </a:defRPr>
+            </a:lvl5pPr>
+            <a:lvl6pPr marL="2286000" algn="l" defTabSz="914400" rtl="0" eaLnBrk="1" latinLnBrk="0" hangingPunct="1">
+              <a:defRPr sz="1800" kern="1200">
+                <a:solidFill>
+                  <a:schemeClr val="accent2"/>
+                </a:solidFill>
+                <a:latin typeface="+mn-lt"/>
+                <a:ea typeface="+mn-ea"/>
+                <a:cs typeface="+mn-cs"/>
+              </a:defRPr>
+            </a:lvl6pPr>
+            <a:lvl7pPr marL="2743200" algn="l" defTabSz="914400" rtl="0" eaLnBrk="1" latinLnBrk="0" hangingPunct="1">
+              <a:defRPr sz="1800" kern="1200">
+                <a:solidFill>
+                  <a:schemeClr val="accent2"/>
+                </a:solidFill>
+                <a:latin typeface="+mn-lt"/>
+                <a:ea typeface="+mn-ea"/>
+                <a:cs typeface="+mn-cs"/>
+              </a:defRPr>
+            </a:lvl7pPr>
+            <a:lvl8pPr marL="3200400" algn="l" defTabSz="914400" rtl="0" eaLnBrk="1" latinLnBrk="0" hangingPunct="1">
+              <a:defRPr sz="1800" kern="1200">
+                <a:solidFill>
+                  <a:schemeClr val="accent2"/>
+                </a:solidFill>
+                <a:latin typeface="+mn-lt"/>
+                <a:ea typeface="+mn-ea"/>
+                <a:cs typeface="+mn-cs"/>
+              </a:defRPr>
+            </a:lvl8pPr>
+            <a:lvl9pPr marL="3657600" algn="l" defTabSz="914400" rtl="0" eaLnBrk="1" latinLnBrk="0" hangingPunct="1">
+              <a:defRPr sz="1800" kern="1200">
+                <a:solidFill>
+                  <a:schemeClr val="accent2"/>
+                </a:solidFill>
+                <a:latin typeface="+mn-lt"/>
+                <a:ea typeface="+mn-ea"/>
+                <a:cs typeface="+mn-cs"/>
+              </a:defRPr>
+            </a:lvl9pPr>
+          </a:lstStyle>
           <a:p>
             <a:pPr algn="ctr"/>
             <a:endParaRPr lang="en-US" b="1" dirty="0"/>
@@ -3829,10 +4017,10 @@
       </p:sp>
       <p:sp>
         <p:nvSpPr>
-          <p:cNvPr id="64" name="Rectangle: Rounded Corners 63">
-            <a:extLst>
-              <a:ext uri="{FF2B5EF4-FFF2-40B4-BE49-F238E27FC236}">
-                <a16:creationId xmlns:a16="http://schemas.microsoft.com/office/drawing/2014/main" id="{53D3E0E9-21C1-4A1B-8463-09BDCEE231E7}"/>
+          <p:cNvPr id="55" name="Rectangle: Rounded Corners 54">
+            <a:extLst>
+              <a:ext uri="{FF2B5EF4-FFF2-40B4-BE49-F238E27FC236}">
+                <a16:creationId xmlns:a16="http://schemas.microsoft.com/office/drawing/2014/main" id="{24A04ECF-71C1-4615-8C18-F00007D1D9DD}"/>
               </a:ext>
             </a:extLst>
           </p:cNvPr>
@@ -3841,7 +4029,7 @@
         </p:nvSpPr>
         <p:spPr>
           <a:xfrm>
-            <a:off x="0" y="327700"/>
+            <a:off x="0" y="326726"/>
             <a:ext cx="12192000" cy="6530300"/>
           </a:xfrm>
           <a:prstGeom prst="roundRect">
@@ -3874,7 +4062,101 @@
         </p:style>
         <p:txBody>
           <a:bodyPr rtlCol="0" anchor="ctr"/>
-          <a:lstStyle/>
+          <a:lstStyle>
+            <a:defPPr>
+              <a:defRPr lang="en-US"/>
+            </a:defPPr>
+            <a:lvl1pPr marL="0" algn="l" defTabSz="914400" rtl="0" eaLnBrk="1" latinLnBrk="0" hangingPunct="1">
+              <a:defRPr sz="1800" kern="1200">
+                <a:solidFill>
+                  <a:schemeClr val="dk1"/>
+                </a:solidFill>
+                <a:latin typeface="+mn-lt"/>
+                <a:ea typeface="+mn-ea"/>
+                <a:cs typeface="+mn-cs"/>
+              </a:defRPr>
+            </a:lvl1pPr>
+            <a:lvl2pPr marL="457200" algn="l" defTabSz="914400" rtl="0" eaLnBrk="1" latinLnBrk="0" hangingPunct="1">
+              <a:defRPr sz="1800" kern="1200">
+                <a:solidFill>
+                  <a:schemeClr val="dk1"/>
+                </a:solidFill>
+                <a:latin typeface="+mn-lt"/>
+                <a:ea typeface="+mn-ea"/>
+                <a:cs typeface="+mn-cs"/>
+              </a:defRPr>
+            </a:lvl2pPr>
+            <a:lvl3pPr marL="914400" algn="l" defTabSz="914400" rtl="0" eaLnBrk="1" latinLnBrk="0" hangingPunct="1">
+              <a:defRPr sz="1800" kern="1200">
+                <a:solidFill>
+                  <a:schemeClr val="dk1"/>
+                </a:solidFill>
+                <a:latin typeface="+mn-lt"/>
+                <a:ea typeface="+mn-ea"/>
+                <a:cs typeface="+mn-cs"/>
+              </a:defRPr>
+            </a:lvl3pPr>
+            <a:lvl4pPr marL="1371600" algn="l" defTabSz="914400" rtl="0" eaLnBrk="1" latinLnBrk="0" hangingPunct="1">
+              <a:defRPr sz="1800" kern="1200">
+                <a:solidFill>
+                  <a:schemeClr val="dk1"/>
+                </a:solidFill>
+                <a:latin typeface="+mn-lt"/>
+                <a:ea typeface="+mn-ea"/>
+                <a:cs typeface="+mn-cs"/>
+              </a:defRPr>
+            </a:lvl4pPr>
+            <a:lvl5pPr marL="1828800" algn="l" defTabSz="914400" rtl="0" eaLnBrk="1" latinLnBrk="0" hangingPunct="1">
+              <a:defRPr sz="1800" kern="1200">
+                <a:solidFill>
+                  <a:schemeClr val="dk1"/>
+                </a:solidFill>
+                <a:latin typeface="+mn-lt"/>
+                <a:ea typeface="+mn-ea"/>
+                <a:cs typeface="+mn-cs"/>
+              </a:defRPr>
+            </a:lvl5pPr>
+            <a:lvl6pPr marL="2286000" algn="l" defTabSz="914400" rtl="0" eaLnBrk="1" latinLnBrk="0" hangingPunct="1">
+              <a:defRPr sz="1800" kern="1200">
+                <a:solidFill>
+                  <a:schemeClr val="dk1"/>
+                </a:solidFill>
+                <a:latin typeface="+mn-lt"/>
+                <a:ea typeface="+mn-ea"/>
+                <a:cs typeface="+mn-cs"/>
+              </a:defRPr>
+            </a:lvl6pPr>
+            <a:lvl7pPr marL="2743200" algn="l" defTabSz="914400" rtl="0" eaLnBrk="1" latinLnBrk="0" hangingPunct="1">
+              <a:defRPr sz="1800" kern="1200">
+                <a:solidFill>
+                  <a:schemeClr val="dk1"/>
+                </a:solidFill>
+                <a:latin typeface="+mn-lt"/>
+                <a:ea typeface="+mn-ea"/>
+                <a:cs typeface="+mn-cs"/>
+              </a:defRPr>
+            </a:lvl7pPr>
+            <a:lvl8pPr marL="3200400" algn="l" defTabSz="914400" rtl="0" eaLnBrk="1" latinLnBrk="0" hangingPunct="1">
+              <a:defRPr sz="1800" kern="1200">
+                <a:solidFill>
+                  <a:schemeClr val="dk1"/>
+                </a:solidFill>
+                <a:latin typeface="+mn-lt"/>
+                <a:ea typeface="+mn-ea"/>
+                <a:cs typeface="+mn-cs"/>
+              </a:defRPr>
+            </a:lvl8pPr>
+            <a:lvl9pPr marL="3657600" algn="l" defTabSz="914400" rtl="0" eaLnBrk="1" latinLnBrk="0" hangingPunct="1">
+              <a:defRPr sz="1800" kern="1200">
+                <a:solidFill>
+                  <a:schemeClr val="dk1"/>
+                </a:solidFill>
+                <a:latin typeface="+mn-lt"/>
+                <a:ea typeface="+mn-ea"/>
+                <a:cs typeface="+mn-cs"/>
+              </a:defRPr>
+            </a:lvl9pPr>
+          </a:lstStyle>
           <a:p>
             <a:pPr algn="ctr"/>
             <a:endParaRPr lang="en-US"/>
@@ -3883,10 +4165,10 @@
       </p:sp>
       <p:sp>
         <p:nvSpPr>
-          <p:cNvPr id="65" name="Rectangle: Rounded Corners 64">
-            <a:extLst>
-              <a:ext uri="{FF2B5EF4-FFF2-40B4-BE49-F238E27FC236}">
-                <a16:creationId xmlns:a16="http://schemas.microsoft.com/office/drawing/2014/main" id="{3CB68EDF-A6F3-4A25-8B0B-34BC7E374F8C}"/>
+          <p:cNvPr id="56" name="Rectangle: Rounded Corners 55">
+            <a:extLst>
+              <a:ext uri="{FF2B5EF4-FFF2-40B4-BE49-F238E27FC236}">
+                <a16:creationId xmlns:a16="http://schemas.microsoft.com/office/drawing/2014/main" id="{3CC58F8A-8389-4FD7-8456-54BB2865F1D3}"/>
               </a:ext>
             </a:extLst>
           </p:cNvPr>
@@ -3895,7 +4177,7 @@
         </p:nvSpPr>
         <p:spPr>
           <a:xfrm>
-            <a:off x="473314" y="1005974"/>
+            <a:off x="473314" y="1005000"/>
             <a:ext cx="11335657" cy="3686628"/>
           </a:xfrm>
           <a:prstGeom prst="roundRect">
@@ -3928,7 +4210,101 @@
         </p:style>
         <p:txBody>
           <a:bodyPr rtlCol="0" anchor="ctr"/>
-          <a:lstStyle/>
+          <a:lstStyle>
+            <a:defPPr>
+              <a:defRPr lang="en-US"/>
+            </a:defPPr>
+            <a:lvl1pPr marL="0" algn="l" defTabSz="914400" rtl="0" eaLnBrk="1" latinLnBrk="0" hangingPunct="1">
+              <a:defRPr sz="1800" kern="1200">
+                <a:solidFill>
+                  <a:schemeClr val="accent1"/>
+                </a:solidFill>
+                <a:latin typeface="+mn-lt"/>
+                <a:ea typeface="+mn-ea"/>
+                <a:cs typeface="+mn-cs"/>
+              </a:defRPr>
+            </a:lvl1pPr>
+            <a:lvl2pPr marL="457200" algn="l" defTabSz="914400" rtl="0" eaLnBrk="1" latinLnBrk="0" hangingPunct="1">
+              <a:defRPr sz="1800" kern="1200">
+                <a:solidFill>
+                  <a:schemeClr val="accent1"/>
+                </a:solidFill>
+                <a:latin typeface="+mn-lt"/>
+                <a:ea typeface="+mn-ea"/>
+                <a:cs typeface="+mn-cs"/>
+              </a:defRPr>
+            </a:lvl2pPr>
+            <a:lvl3pPr marL="914400" algn="l" defTabSz="914400" rtl="0" eaLnBrk="1" latinLnBrk="0" hangingPunct="1">
+              <a:defRPr sz="1800" kern="1200">
+                <a:solidFill>
+                  <a:schemeClr val="accent1"/>
+                </a:solidFill>
+                <a:latin typeface="+mn-lt"/>
+                <a:ea typeface="+mn-ea"/>
+                <a:cs typeface="+mn-cs"/>
+              </a:defRPr>
+            </a:lvl3pPr>
+            <a:lvl4pPr marL="1371600" algn="l" defTabSz="914400" rtl="0" eaLnBrk="1" latinLnBrk="0" hangingPunct="1">
+              <a:defRPr sz="1800" kern="1200">
+                <a:solidFill>
+                  <a:schemeClr val="accent1"/>
+                </a:solidFill>
+                <a:latin typeface="+mn-lt"/>
+                <a:ea typeface="+mn-ea"/>
+                <a:cs typeface="+mn-cs"/>
+              </a:defRPr>
+            </a:lvl4pPr>
+            <a:lvl5pPr marL="1828800" algn="l" defTabSz="914400" rtl="0" eaLnBrk="1" latinLnBrk="0" hangingPunct="1">
+              <a:defRPr sz="1800" kern="1200">
+                <a:solidFill>
+                  <a:schemeClr val="accent1"/>
+                </a:solidFill>
+                <a:latin typeface="+mn-lt"/>
+                <a:ea typeface="+mn-ea"/>
+                <a:cs typeface="+mn-cs"/>
+              </a:defRPr>
+            </a:lvl5pPr>
+            <a:lvl6pPr marL="2286000" algn="l" defTabSz="914400" rtl="0" eaLnBrk="1" latinLnBrk="0" hangingPunct="1">
+              <a:defRPr sz="1800" kern="1200">
+                <a:solidFill>
+                  <a:schemeClr val="accent1"/>
+                </a:solidFill>
+                <a:latin typeface="+mn-lt"/>
+                <a:ea typeface="+mn-ea"/>
+                <a:cs typeface="+mn-cs"/>
+              </a:defRPr>
+            </a:lvl6pPr>
+            <a:lvl7pPr marL="2743200" algn="l" defTabSz="914400" rtl="0" eaLnBrk="1" latinLnBrk="0" hangingPunct="1">
+              <a:defRPr sz="1800" kern="1200">
+                <a:solidFill>
+                  <a:schemeClr val="accent1"/>
+                </a:solidFill>
+                <a:latin typeface="+mn-lt"/>
+                <a:ea typeface="+mn-ea"/>
+                <a:cs typeface="+mn-cs"/>
+              </a:defRPr>
+            </a:lvl7pPr>
+            <a:lvl8pPr marL="3200400" algn="l" defTabSz="914400" rtl="0" eaLnBrk="1" latinLnBrk="0" hangingPunct="1">
+              <a:defRPr sz="1800" kern="1200">
+                <a:solidFill>
+                  <a:schemeClr val="accent1"/>
+                </a:solidFill>
+                <a:latin typeface="+mn-lt"/>
+                <a:ea typeface="+mn-ea"/>
+                <a:cs typeface="+mn-cs"/>
+              </a:defRPr>
+            </a:lvl8pPr>
+            <a:lvl9pPr marL="3657600" algn="l" defTabSz="914400" rtl="0" eaLnBrk="1" latinLnBrk="0" hangingPunct="1">
+              <a:defRPr sz="1800" kern="1200">
+                <a:solidFill>
+                  <a:schemeClr val="accent1"/>
+                </a:solidFill>
+                <a:latin typeface="+mn-lt"/>
+                <a:ea typeface="+mn-ea"/>
+                <a:cs typeface="+mn-cs"/>
+              </a:defRPr>
+            </a:lvl9pPr>
+          </a:lstStyle>
           <a:p>
             <a:pPr algn="ctr"/>
             <a:endParaRPr lang="en-US" b="1"/>
@@ -3937,10 +4313,10 @@
       </p:sp>
       <p:sp>
         <p:nvSpPr>
-          <p:cNvPr id="66" name="Rectangle: Rounded Corners 65">
-            <a:extLst>
-              <a:ext uri="{FF2B5EF4-FFF2-40B4-BE49-F238E27FC236}">
-                <a16:creationId xmlns:a16="http://schemas.microsoft.com/office/drawing/2014/main" id="{0D71DD74-4C19-43A4-B0EB-F4EC3CF5F829}"/>
+          <p:cNvPr id="57" name="Rectangle: Rounded Corners 56">
+            <a:extLst>
+              <a:ext uri="{FF2B5EF4-FFF2-40B4-BE49-F238E27FC236}">
+                <a16:creationId xmlns:a16="http://schemas.microsoft.com/office/drawing/2014/main" id="{89B36A7B-B182-48E7-9481-038C8F0C5BDA}"/>
               </a:ext>
             </a:extLst>
           </p:cNvPr>
@@ -3949,40 +4325,128 @@
         </p:nvSpPr>
         <p:spPr>
           <a:xfrm>
-            <a:off x="215695" y="4932641"/>
+            <a:off x="215695" y="4931667"/>
             <a:ext cx="11814629" cy="958060"/>
           </a:xfrm>
           <a:prstGeom prst="roundRect">
             <a:avLst/>
           </a:prstGeom>
-          <a:noFill/>
-          <a:ln w="19050" cap="flat" cmpd="sng" algn="ctr">
-            <a:solidFill>
-              <a:schemeClr val="accent2"/>
-            </a:solidFill>
-            <a:prstDash val="solid"/>
-            <a:round/>
+          <a:ln>
             <a:headEnd type="none" w="med" len="med"/>
             <a:tailEnd type="none" w="med" len="med"/>
           </a:ln>
         </p:spPr>
         <p:style>
-          <a:lnRef idx="0">
-            <a:scrgbClr r="0" g="0" b="0"/>
+          <a:lnRef idx="1">
+            <a:schemeClr val="accent2"/>
           </a:lnRef>
-          <a:fillRef idx="0">
-            <a:scrgbClr r="0" g="0" b="0"/>
+          <a:fillRef idx="2">
+            <a:schemeClr val="accent2"/>
           </a:fillRef>
-          <a:effectRef idx="0">
-            <a:scrgbClr r="0" g="0" b="0"/>
+          <a:effectRef idx="1">
+            <a:schemeClr val="accent2"/>
           </a:effectRef>
           <a:fontRef idx="minor">
-            <a:schemeClr val="accent2"/>
+            <a:schemeClr val="dk1"/>
           </a:fontRef>
         </p:style>
         <p:txBody>
           <a:bodyPr rtlCol="0" anchor="ctr"/>
-          <a:lstStyle/>
+          <a:lstStyle>
+            <a:defPPr>
+              <a:defRPr lang="en-US"/>
+            </a:defPPr>
+            <a:lvl1pPr marL="0" algn="l" defTabSz="914400" rtl="0" eaLnBrk="1" latinLnBrk="0" hangingPunct="1">
+              <a:defRPr sz="1800" kern="1200">
+                <a:solidFill>
+                  <a:schemeClr val="dk1"/>
+                </a:solidFill>
+                <a:latin typeface="+mn-lt"/>
+                <a:ea typeface="+mn-ea"/>
+                <a:cs typeface="+mn-cs"/>
+              </a:defRPr>
+            </a:lvl1pPr>
+            <a:lvl2pPr marL="457200" algn="l" defTabSz="914400" rtl="0" eaLnBrk="1" latinLnBrk="0" hangingPunct="1">
+              <a:defRPr sz="1800" kern="1200">
+                <a:solidFill>
+                  <a:schemeClr val="dk1"/>
+                </a:solidFill>
+                <a:latin typeface="+mn-lt"/>
+                <a:ea typeface="+mn-ea"/>
+                <a:cs typeface="+mn-cs"/>
+              </a:defRPr>
+            </a:lvl2pPr>
+            <a:lvl3pPr marL="914400" algn="l" defTabSz="914400" rtl="0" eaLnBrk="1" latinLnBrk="0" hangingPunct="1">
+              <a:defRPr sz="1800" kern="1200">
+                <a:solidFill>
+                  <a:schemeClr val="dk1"/>
+                </a:solidFill>
+                <a:latin typeface="+mn-lt"/>
+                <a:ea typeface="+mn-ea"/>
+                <a:cs typeface="+mn-cs"/>
+              </a:defRPr>
+            </a:lvl3pPr>
+            <a:lvl4pPr marL="1371600" algn="l" defTabSz="914400" rtl="0" eaLnBrk="1" latinLnBrk="0" hangingPunct="1">
+              <a:defRPr sz="1800" kern="1200">
+                <a:solidFill>
+                  <a:schemeClr val="dk1"/>
+                </a:solidFill>
+                <a:latin typeface="+mn-lt"/>
+                <a:ea typeface="+mn-ea"/>
+                <a:cs typeface="+mn-cs"/>
+              </a:defRPr>
+            </a:lvl4pPr>
+            <a:lvl5pPr marL="1828800" algn="l" defTabSz="914400" rtl="0" eaLnBrk="1" latinLnBrk="0" hangingPunct="1">
+              <a:defRPr sz="1800" kern="1200">
+                <a:solidFill>
+                  <a:schemeClr val="dk1"/>
+                </a:solidFill>
+                <a:latin typeface="+mn-lt"/>
+                <a:ea typeface="+mn-ea"/>
+                <a:cs typeface="+mn-cs"/>
+              </a:defRPr>
+            </a:lvl5pPr>
+            <a:lvl6pPr marL="2286000" algn="l" defTabSz="914400" rtl="0" eaLnBrk="1" latinLnBrk="0" hangingPunct="1">
+              <a:defRPr sz="1800" kern="1200">
+                <a:solidFill>
+                  <a:schemeClr val="dk1"/>
+                </a:solidFill>
+                <a:latin typeface="+mn-lt"/>
+                <a:ea typeface="+mn-ea"/>
+                <a:cs typeface="+mn-cs"/>
+              </a:defRPr>
+            </a:lvl6pPr>
+            <a:lvl7pPr marL="2743200" algn="l" defTabSz="914400" rtl="0" eaLnBrk="1" latinLnBrk="0" hangingPunct="1">
+              <a:defRPr sz="1800" kern="1200">
+                <a:solidFill>
+                  <a:schemeClr val="dk1"/>
+                </a:solidFill>
+                <a:latin typeface="+mn-lt"/>
+                <a:ea typeface="+mn-ea"/>
+                <a:cs typeface="+mn-cs"/>
+              </a:defRPr>
+            </a:lvl7pPr>
+            <a:lvl8pPr marL="3200400" algn="l" defTabSz="914400" rtl="0" eaLnBrk="1" latinLnBrk="0" hangingPunct="1">
+              <a:defRPr sz="1800" kern="1200">
+                <a:solidFill>
+                  <a:schemeClr val="dk1"/>
+                </a:solidFill>
+                <a:latin typeface="+mn-lt"/>
+                <a:ea typeface="+mn-ea"/>
+                <a:cs typeface="+mn-cs"/>
+              </a:defRPr>
+            </a:lvl8pPr>
+            <a:lvl9pPr marL="3657600" algn="l" defTabSz="914400" rtl="0" eaLnBrk="1" latinLnBrk="0" hangingPunct="1">
+              <a:defRPr sz="1800" kern="1200">
+                <a:solidFill>
+                  <a:schemeClr val="dk1"/>
+                </a:solidFill>
+                <a:latin typeface="+mn-lt"/>
+                <a:ea typeface="+mn-ea"/>
+                <a:cs typeface="+mn-cs"/>
+              </a:defRPr>
+            </a:lvl9pPr>
+          </a:lstStyle>
           <a:p>
             <a:pPr algn="ctr"/>
             <a:endParaRPr lang="en-US" b="1"/>
@@ -3991,10 +4455,10 @@
       </p:sp>
       <p:sp>
         <p:nvSpPr>
-          <p:cNvPr id="67" name="TextBox 66">
-            <a:extLst>
-              <a:ext uri="{FF2B5EF4-FFF2-40B4-BE49-F238E27FC236}">
-                <a16:creationId xmlns:a16="http://schemas.microsoft.com/office/drawing/2014/main" id="{B311FBCC-9736-4AB5-9A7C-D753F8FAB3A5}"/>
+          <p:cNvPr id="58" name="TextBox 8">
+            <a:extLst>
+              <a:ext uri="{FF2B5EF4-FFF2-40B4-BE49-F238E27FC236}">
+                <a16:creationId xmlns:a16="http://schemas.microsoft.com/office/drawing/2014/main" id="{F513C37D-5A3C-427D-A097-04E5EEA135B3}"/>
               </a:ext>
             </a:extLst>
           </p:cNvPr>
@@ -4003,7 +4467,7 @@
         </p:nvSpPr>
         <p:spPr>
           <a:xfrm>
-            <a:off x="926488" y="327700"/>
+            <a:off x="926488" y="326726"/>
             <a:ext cx="525400" cy="369332"/>
           </a:xfrm>
           <a:prstGeom prst="rect">
@@ -4015,7 +4479,101 @@
           <a:bodyPr wrap="none" rtlCol="0">
             <a:spAutoFit/>
           </a:bodyPr>
-          <a:lstStyle/>
+          <a:lstStyle>
+            <a:defPPr>
+              <a:defRPr lang="en-US"/>
+            </a:defPPr>
+            <a:lvl1pPr marL="0" algn="l" defTabSz="914400" rtl="0" eaLnBrk="1" latinLnBrk="0" hangingPunct="1">
+              <a:defRPr sz="1800" kern="1200">
+                <a:solidFill>
+                  <a:schemeClr val="tx1"/>
+                </a:solidFill>
+                <a:latin typeface="+mn-lt"/>
+                <a:ea typeface="+mn-ea"/>
+                <a:cs typeface="+mn-cs"/>
+              </a:defRPr>
+            </a:lvl1pPr>
+            <a:lvl2pPr marL="457200" algn="l" defTabSz="914400" rtl="0" eaLnBrk="1" latinLnBrk="0" hangingPunct="1">
+              <a:defRPr sz="1800" kern="1200">
+                <a:solidFill>
+                  <a:schemeClr val="tx1"/>
+                </a:solidFill>
+                <a:latin typeface="+mn-lt"/>
+                <a:ea typeface="+mn-ea"/>
+                <a:cs typeface="+mn-cs"/>
+              </a:defRPr>
+            </a:lvl2pPr>
+            <a:lvl3pPr marL="914400" algn="l" defTabSz="914400" rtl="0" eaLnBrk="1" latinLnBrk="0" hangingPunct="1">
+              <a:defRPr sz="1800" kern="1200">
+                <a:solidFill>
+                  <a:schemeClr val="tx1"/>
+                </a:solidFill>
+                <a:latin typeface="+mn-lt"/>
+                <a:ea typeface="+mn-ea"/>
+                <a:cs typeface="+mn-cs"/>
+              </a:defRPr>
+            </a:lvl3pPr>
+            <a:lvl4pPr marL="1371600" algn="l" defTabSz="914400" rtl="0" eaLnBrk="1" latinLnBrk="0" hangingPunct="1">
+              <a:defRPr sz="1800" kern="1200">
+                <a:solidFill>
+                  <a:schemeClr val="tx1"/>
+                </a:solidFill>
+                <a:latin typeface="+mn-lt"/>
+                <a:ea typeface="+mn-ea"/>
+                <a:cs typeface="+mn-cs"/>
+              </a:defRPr>
+            </a:lvl4pPr>
+            <a:lvl5pPr marL="1828800" algn="l" defTabSz="914400" rtl="0" eaLnBrk="1" latinLnBrk="0" hangingPunct="1">
+              <a:defRPr sz="1800" kern="1200">
+                <a:solidFill>
+                  <a:schemeClr val="tx1"/>
+                </a:solidFill>
+                <a:latin typeface="+mn-lt"/>
+                <a:ea typeface="+mn-ea"/>
+                <a:cs typeface="+mn-cs"/>
+              </a:defRPr>
+            </a:lvl5pPr>
+            <a:lvl6pPr marL="2286000" algn="l" defTabSz="914400" rtl="0" eaLnBrk="1" latinLnBrk="0" hangingPunct="1">
+              <a:defRPr sz="1800" kern="1200">
+                <a:solidFill>
+                  <a:schemeClr val="tx1"/>
+                </a:solidFill>
+                <a:latin typeface="+mn-lt"/>
+                <a:ea typeface="+mn-ea"/>
+                <a:cs typeface="+mn-cs"/>
+              </a:defRPr>
+            </a:lvl6pPr>
+            <a:lvl7pPr marL="2743200" algn="l" defTabSz="914400" rtl="0" eaLnBrk="1" latinLnBrk="0" hangingPunct="1">
+              <a:defRPr sz="1800" kern="1200">
+                <a:solidFill>
+                  <a:schemeClr val="tx1"/>
+                </a:solidFill>
+                <a:latin typeface="+mn-lt"/>
+                <a:ea typeface="+mn-ea"/>
+                <a:cs typeface="+mn-cs"/>
+              </a:defRPr>
+            </a:lvl7pPr>
+            <a:lvl8pPr marL="3200400" algn="l" defTabSz="914400" rtl="0" eaLnBrk="1" latinLnBrk="0" hangingPunct="1">
+              <a:defRPr sz="1800" kern="1200">
+                <a:solidFill>
+                  <a:schemeClr val="tx1"/>
+                </a:solidFill>
+                <a:latin typeface="+mn-lt"/>
+                <a:ea typeface="+mn-ea"/>
+                <a:cs typeface="+mn-cs"/>
+              </a:defRPr>
+            </a:lvl8pPr>
+            <a:lvl9pPr marL="3657600" algn="l" defTabSz="914400" rtl="0" eaLnBrk="1" latinLnBrk="0" hangingPunct="1">
+              <a:defRPr sz="1800" kern="1200">
+                <a:solidFill>
+                  <a:schemeClr val="tx1"/>
+                </a:solidFill>
+                <a:latin typeface="+mn-lt"/>
+                <a:ea typeface="+mn-ea"/>
+                <a:cs typeface="+mn-cs"/>
+              </a:defRPr>
+            </a:lvl9pPr>
+          </a:lstStyle>
           <a:p>
             <a:r>
               <a:rPr lang="en-US" b="1" dirty="0"/>
@@ -4026,10 +4584,10 @@
       </p:sp>
       <p:sp>
         <p:nvSpPr>
-          <p:cNvPr id="68" name="TextBox 67">
-            <a:extLst>
-              <a:ext uri="{FF2B5EF4-FFF2-40B4-BE49-F238E27FC236}">
-                <a16:creationId xmlns:a16="http://schemas.microsoft.com/office/drawing/2014/main" id="{B8E2D7E1-F8AD-430A-BB02-0FB6AB56BC6F}"/>
+          <p:cNvPr id="59" name="TextBox 9">
+            <a:extLst>
+              <a:ext uri="{FF2B5EF4-FFF2-40B4-BE49-F238E27FC236}">
+                <a16:creationId xmlns:a16="http://schemas.microsoft.com/office/drawing/2014/main" id="{C348827A-E361-4C3D-8397-38CA07CD7533}"/>
               </a:ext>
             </a:extLst>
           </p:cNvPr>
@@ -4038,7 +4596,7 @@
         </p:nvSpPr>
         <p:spPr>
           <a:xfrm>
-            <a:off x="720086" y="646345"/>
+            <a:off x="720086" y="645371"/>
             <a:ext cx="562911" cy="369332"/>
           </a:xfrm>
           <a:prstGeom prst="rect">
@@ -4050,7 +4608,101 @@
           <a:bodyPr wrap="none" rtlCol="0">
             <a:spAutoFit/>
           </a:bodyPr>
-          <a:lstStyle/>
+          <a:lstStyle>
+            <a:defPPr>
+              <a:defRPr lang="en-US"/>
+            </a:defPPr>
+            <a:lvl1pPr marL="0" algn="l" defTabSz="914400" rtl="0" eaLnBrk="1" latinLnBrk="0" hangingPunct="1">
+              <a:defRPr sz="1800" kern="1200">
+                <a:solidFill>
+                  <a:schemeClr val="tx1"/>
+                </a:solidFill>
+                <a:latin typeface="+mn-lt"/>
+                <a:ea typeface="+mn-ea"/>
+                <a:cs typeface="+mn-cs"/>
+              </a:defRPr>
+            </a:lvl1pPr>
+            <a:lvl2pPr marL="457200" algn="l" defTabSz="914400" rtl="0" eaLnBrk="1" latinLnBrk="0" hangingPunct="1">
+              <a:defRPr sz="1800" kern="1200">
+                <a:solidFill>
+                  <a:schemeClr val="tx1"/>
+                </a:solidFill>
+                <a:latin typeface="+mn-lt"/>
+                <a:ea typeface="+mn-ea"/>
+                <a:cs typeface="+mn-cs"/>
+              </a:defRPr>
+            </a:lvl2pPr>
+            <a:lvl3pPr marL="914400" algn="l" defTabSz="914400" rtl="0" eaLnBrk="1" latinLnBrk="0" hangingPunct="1">
+              <a:defRPr sz="1800" kern="1200">
+                <a:solidFill>
+                  <a:schemeClr val="tx1"/>
+                </a:solidFill>
+                <a:latin typeface="+mn-lt"/>
+                <a:ea typeface="+mn-ea"/>
+                <a:cs typeface="+mn-cs"/>
+              </a:defRPr>
+            </a:lvl3pPr>
+            <a:lvl4pPr marL="1371600" algn="l" defTabSz="914400" rtl="0" eaLnBrk="1" latinLnBrk="0" hangingPunct="1">
+              <a:defRPr sz="1800" kern="1200">
+                <a:solidFill>
+                  <a:schemeClr val="tx1"/>
+                </a:solidFill>
+                <a:latin typeface="+mn-lt"/>
+                <a:ea typeface="+mn-ea"/>
+                <a:cs typeface="+mn-cs"/>
+              </a:defRPr>
+            </a:lvl4pPr>
+            <a:lvl5pPr marL="1828800" algn="l" defTabSz="914400" rtl="0" eaLnBrk="1" latinLnBrk="0" hangingPunct="1">
+              <a:defRPr sz="1800" kern="1200">
+                <a:solidFill>
+                  <a:schemeClr val="tx1"/>
+                </a:solidFill>
+                <a:latin typeface="+mn-lt"/>
+                <a:ea typeface="+mn-ea"/>
+                <a:cs typeface="+mn-cs"/>
+              </a:defRPr>
+            </a:lvl5pPr>
+            <a:lvl6pPr marL="2286000" algn="l" defTabSz="914400" rtl="0" eaLnBrk="1" latinLnBrk="0" hangingPunct="1">
+              <a:defRPr sz="1800" kern="1200">
+                <a:solidFill>
+                  <a:schemeClr val="tx1"/>
+                </a:solidFill>
+                <a:latin typeface="+mn-lt"/>
+                <a:ea typeface="+mn-ea"/>
+                <a:cs typeface="+mn-cs"/>
+              </a:defRPr>
+            </a:lvl6pPr>
+            <a:lvl7pPr marL="2743200" algn="l" defTabSz="914400" rtl="0" eaLnBrk="1" latinLnBrk="0" hangingPunct="1">
+              <a:defRPr sz="1800" kern="1200">
+                <a:solidFill>
+                  <a:schemeClr val="tx1"/>
+                </a:solidFill>
+                <a:latin typeface="+mn-lt"/>
+                <a:ea typeface="+mn-ea"/>
+                <a:cs typeface="+mn-cs"/>
+              </a:defRPr>
+            </a:lvl7pPr>
+            <a:lvl8pPr marL="3200400" algn="l" defTabSz="914400" rtl="0" eaLnBrk="1" latinLnBrk="0" hangingPunct="1">
+              <a:defRPr sz="1800" kern="1200">
+                <a:solidFill>
+                  <a:schemeClr val="tx1"/>
+                </a:solidFill>
+                <a:latin typeface="+mn-lt"/>
+                <a:ea typeface="+mn-ea"/>
+                <a:cs typeface="+mn-cs"/>
+              </a:defRPr>
+            </a:lvl8pPr>
+            <a:lvl9pPr marL="3657600" algn="l" defTabSz="914400" rtl="0" eaLnBrk="1" latinLnBrk="0" hangingPunct="1">
+              <a:defRPr sz="1800" kern="1200">
+                <a:solidFill>
+                  <a:schemeClr val="tx1"/>
+                </a:solidFill>
+                <a:latin typeface="+mn-lt"/>
+                <a:ea typeface="+mn-ea"/>
+                <a:cs typeface="+mn-cs"/>
+              </a:defRPr>
+            </a:lvl9pPr>
+          </a:lstStyle>
           <a:p>
             <a:r>
               <a:rPr lang="en-US" b="1" dirty="0">
@@ -4065,10 +4717,10 @@
       </p:sp>
       <p:sp>
         <p:nvSpPr>
-          <p:cNvPr id="69" name="TextBox 68">
-            <a:extLst>
-              <a:ext uri="{FF2B5EF4-FFF2-40B4-BE49-F238E27FC236}">
-                <a16:creationId xmlns:a16="http://schemas.microsoft.com/office/drawing/2014/main" id="{07CBE6ED-1C99-4A47-9183-2AA3A64D27FC}"/>
+          <p:cNvPr id="60" name="TextBox 10">
+            <a:extLst>
+              <a:ext uri="{FF2B5EF4-FFF2-40B4-BE49-F238E27FC236}">
+                <a16:creationId xmlns:a16="http://schemas.microsoft.com/office/drawing/2014/main" id="{C6F6A715-C6FE-4C8E-B4D1-F406105BEFEA}"/>
               </a:ext>
             </a:extLst>
           </p:cNvPr>
@@ -4077,7 +4729,7 @@
         </p:nvSpPr>
         <p:spPr>
           <a:xfrm>
-            <a:off x="1016000" y="933672"/>
+            <a:off x="1016000" y="932698"/>
             <a:ext cx="570605" cy="369332"/>
           </a:xfrm>
           <a:prstGeom prst="rect">
@@ -4089,7 +4741,101 @@
           <a:bodyPr wrap="none" rtlCol="0">
             <a:spAutoFit/>
           </a:bodyPr>
-          <a:lstStyle/>
+          <a:lstStyle>
+            <a:defPPr>
+              <a:defRPr lang="en-US"/>
+            </a:defPPr>
+            <a:lvl1pPr marL="0" algn="l" defTabSz="914400" rtl="0" eaLnBrk="1" latinLnBrk="0" hangingPunct="1">
+              <a:defRPr sz="1800" kern="1200">
+                <a:solidFill>
+                  <a:schemeClr val="tx1"/>
+                </a:solidFill>
+                <a:latin typeface="+mn-lt"/>
+                <a:ea typeface="+mn-ea"/>
+                <a:cs typeface="+mn-cs"/>
+              </a:defRPr>
+            </a:lvl1pPr>
+            <a:lvl2pPr marL="457200" algn="l" defTabSz="914400" rtl="0" eaLnBrk="1" latinLnBrk="0" hangingPunct="1">
+              <a:defRPr sz="1800" kern="1200">
+                <a:solidFill>
+                  <a:schemeClr val="tx1"/>
+                </a:solidFill>
+                <a:latin typeface="+mn-lt"/>
+                <a:ea typeface="+mn-ea"/>
+                <a:cs typeface="+mn-cs"/>
+              </a:defRPr>
+            </a:lvl2pPr>
+            <a:lvl3pPr marL="914400" algn="l" defTabSz="914400" rtl="0" eaLnBrk="1" latinLnBrk="0" hangingPunct="1">
+              <a:defRPr sz="1800" kern="1200">
+                <a:solidFill>
+                  <a:schemeClr val="tx1"/>
+                </a:solidFill>
+                <a:latin typeface="+mn-lt"/>
+                <a:ea typeface="+mn-ea"/>
+                <a:cs typeface="+mn-cs"/>
+              </a:defRPr>
+            </a:lvl3pPr>
+            <a:lvl4pPr marL="1371600" algn="l" defTabSz="914400" rtl="0" eaLnBrk="1" latinLnBrk="0" hangingPunct="1">
+              <a:defRPr sz="1800" kern="1200">
+                <a:solidFill>
+                  <a:schemeClr val="tx1"/>
+                </a:solidFill>
+                <a:latin typeface="+mn-lt"/>
+                <a:ea typeface="+mn-ea"/>
+                <a:cs typeface="+mn-cs"/>
+              </a:defRPr>
+            </a:lvl4pPr>
+            <a:lvl5pPr marL="1828800" algn="l" defTabSz="914400" rtl="0" eaLnBrk="1" latinLnBrk="0" hangingPunct="1">
+              <a:defRPr sz="1800" kern="1200">
+                <a:solidFill>
+                  <a:schemeClr val="tx1"/>
+                </a:solidFill>
+                <a:latin typeface="+mn-lt"/>
+                <a:ea typeface="+mn-ea"/>
+                <a:cs typeface="+mn-cs"/>
+              </a:defRPr>
+            </a:lvl5pPr>
+            <a:lvl6pPr marL="2286000" algn="l" defTabSz="914400" rtl="0" eaLnBrk="1" latinLnBrk="0" hangingPunct="1">
+              <a:defRPr sz="1800" kern="1200">
+                <a:solidFill>
+                  <a:schemeClr val="tx1"/>
+                </a:solidFill>
+                <a:latin typeface="+mn-lt"/>
+                <a:ea typeface="+mn-ea"/>
+                <a:cs typeface="+mn-cs"/>
+              </a:defRPr>
+            </a:lvl6pPr>
+            <a:lvl7pPr marL="2743200" algn="l" defTabSz="914400" rtl="0" eaLnBrk="1" latinLnBrk="0" hangingPunct="1">
+              <a:defRPr sz="1800" kern="1200">
+                <a:solidFill>
+                  <a:schemeClr val="tx1"/>
+                </a:solidFill>
+                <a:latin typeface="+mn-lt"/>
+                <a:ea typeface="+mn-ea"/>
+                <a:cs typeface="+mn-cs"/>
+              </a:defRPr>
+            </a:lvl7pPr>
+            <a:lvl8pPr marL="3200400" algn="l" defTabSz="914400" rtl="0" eaLnBrk="1" latinLnBrk="0" hangingPunct="1">
+              <a:defRPr sz="1800" kern="1200">
+                <a:solidFill>
+                  <a:schemeClr val="tx1"/>
+                </a:solidFill>
+                <a:latin typeface="+mn-lt"/>
+                <a:ea typeface="+mn-ea"/>
+                <a:cs typeface="+mn-cs"/>
+              </a:defRPr>
+            </a:lvl8pPr>
+            <a:lvl9pPr marL="3657600" algn="l" defTabSz="914400" rtl="0" eaLnBrk="1" latinLnBrk="0" hangingPunct="1">
+              <a:defRPr sz="1800" kern="1200">
+                <a:solidFill>
+                  <a:schemeClr val="tx1"/>
+                </a:solidFill>
+                <a:latin typeface="+mn-lt"/>
+                <a:ea typeface="+mn-ea"/>
+                <a:cs typeface="+mn-cs"/>
+              </a:defRPr>
+            </a:lvl9pPr>
+          </a:lstStyle>
           <a:p>
             <a:r>
               <a:rPr lang="en-US" b="1" dirty="0">
@@ -4104,10 +4850,10 @@
       </p:sp>
       <p:sp>
         <p:nvSpPr>
-          <p:cNvPr id="70" name="Rectangle: Rounded Corners 69">
-            <a:extLst>
-              <a:ext uri="{FF2B5EF4-FFF2-40B4-BE49-F238E27FC236}">
-                <a16:creationId xmlns:a16="http://schemas.microsoft.com/office/drawing/2014/main" id="{D906B302-99B9-4545-A814-CB6DC3CA19DD}"/>
+          <p:cNvPr id="61" name="Rectangle: Rounded Corners 60">
+            <a:extLst>
+              <a:ext uri="{FF2B5EF4-FFF2-40B4-BE49-F238E27FC236}">
+                <a16:creationId xmlns:a16="http://schemas.microsoft.com/office/drawing/2014/main" id="{711061F4-0FDD-4127-89FE-75922CE57292}"/>
               </a:ext>
             </a:extLst>
           </p:cNvPr>
@@ -4116,7 +4862,7 @@
         </p:nvSpPr>
         <p:spPr>
           <a:xfrm>
-            <a:off x="3247356" y="2089175"/>
+            <a:off x="3247356" y="2088201"/>
             <a:ext cx="8308741" cy="2507733"/>
           </a:xfrm>
           <a:prstGeom prst="roundRect">
@@ -4149,7 +4895,101 @@
         </p:style>
         <p:txBody>
           <a:bodyPr rtlCol="0" anchor="ctr"/>
-          <a:lstStyle/>
+          <a:lstStyle>
+            <a:defPPr>
+              <a:defRPr lang="en-US"/>
+            </a:defPPr>
+            <a:lvl1pPr marL="0" algn="l" defTabSz="914400" rtl="0" eaLnBrk="1" latinLnBrk="0" hangingPunct="1">
+              <a:defRPr sz="1800" kern="1200">
+                <a:solidFill>
+                  <a:schemeClr val="accent6"/>
+                </a:solidFill>
+                <a:latin typeface="+mn-lt"/>
+                <a:ea typeface="+mn-ea"/>
+                <a:cs typeface="+mn-cs"/>
+              </a:defRPr>
+            </a:lvl1pPr>
+            <a:lvl2pPr marL="457200" algn="l" defTabSz="914400" rtl="0" eaLnBrk="1" latinLnBrk="0" hangingPunct="1">
+              <a:defRPr sz="1800" kern="1200">
+                <a:solidFill>
+                  <a:schemeClr val="accent6"/>
+                </a:solidFill>
+                <a:latin typeface="+mn-lt"/>
+                <a:ea typeface="+mn-ea"/>
+                <a:cs typeface="+mn-cs"/>
+              </a:defRPr>
+            </a:lvl2pPr>
+            <a:lvl3pPr marL="914400" algn="l" defTabSz="914400" rtl="0" eaLnBrk="1" latinLnBrk="0" hangingPunct="1">
+              <a:defRPr sz="1800" kern="1200">
+                <a:solidFill>
+                  <a:schemeClr val="accent6"/>
+                </a:solidFill>
+                <a:latin typeface="+mn-lt"/>
+                <a:ea typeface="+mn-ea"/>
+                <a:cs typeface="+mn-cs"/>
+              </a:defRPr>
+            </a:lvl3pPr>
+            <a:lvl4pPr marL="1371600" algn="l" defTabSz="914400" rtl="0" eaLnBrk="1" latinLnBrk="0" hangingPunct="1">
+              <a:defRPr sz="1800" kern="1200">
+                <a:solidFill>
+                  <a:schemeClr val="accent6"/>
+                </a:solidFill>
+                <a:latin typeface="+mn-lt"/>
+                <a:ea typeface="+mn-ea"/>
+                <a:cs typeface="+mn-cs"/>
+              </a:defRPr>
+            </a:lvl4pPr>
+            <a:lvl5pPr marL="1828800" algn="l" defTabSz="914400" rtl="0" eaLnBrk="1" latinLnBrk="0" hangingPunct="1">
+              <a:defRPr sz="1800" kern="1200">
+                <a:solidFill>
+                  <a:schemeClr val="accent6"/>
+                </a:solidFill>
+                <a:latin typeface="+mn-lt"/>
+                <a:ea typeface="+mn-ea"/>
+                <a:cs typeface="+mn-cs"/>
+              </a:defRPr>
+            </a:lvl5pPr>
+            <a:lvl6pPr marL="2286000" algn="l" defTabSz="914400" rtl="0" eaLnBrk="1" latinLnBrk="0" hangingPunct="1">
+              <a:defRPr sz="1800" kern="1200">
+                <a:solidFill>
+                  <a:schemeClr val="accent6"/>
+                </a:solidFill>
+                <a:latin typeface="+mn-lt"/>
+                <a:ea typeface="+mn-ea"/>
+                <a:cs typeface="+mn-cs"/>
+              </a:defRPr>
+            </a:lvl6pPr>
+            <a:lvl7pPr marL="2743200" algn="l" defTabSz="914400" rtl="0" eaLnBrk="1" latinLnBrk="0" hangingPunct="1">
+              <a:defRPr sz="1800" kern="1200">
+                <a:solidFill>
+                  <a:schemeClr val="accent6"/>
+                </a:solidFill>
+                <a:latin typeface="+mn-lt"/>
+                <a:ea typeface="+mn-ea"/>
+                <a:cs typeface="+mn-cs"/>
+              </a:defRPr>
+            </a:lvl7pPr>
+            <a:lvl8pPr marL="3200400" algn="l" defTabSz="914400" rtl="0" eaLnBrk="1" latinLnBrk="0" hangingPunct="1">
+              <a:defRPr sz="1800" kern="1200">
+                <a:solidFill>
+                  <a:schemeClr val="accent6"/>
+                </a:solidFill>
+                <a:latin typeface="+mn-lt"/>
+                <a:ea typeface="+mn-ea"/>
+                <a:cs typeface="+mn-cs"/>
+              </a:defRPr>
+            </a:lvl8pPr>
+            <a:lvl9pPr marL="3657600" algn="l" defTabSz="914400" rtl="0" eaLnBrk="1" latinLnBrk="0" hangingPunct="1">
+              <a:defRPr sz="1800" kern="1200">
+                <a:solidFill>
+                  <a:schemeClr val="accent6"/>
+                </a:solidFill>
+                <a:latin typeface="+mn-lt"/>
+                <a:ea typeface="+mn-ea"/>
+                <a:cs typeface="+mn-cs"/>
+              </a:defRPr>
+            </a:lvl9pPr>
+          </a:lstStyle>
           <a:p>
             <a:pPr algn="ctr"/>
             <a:endParaRPr lang="en-US" b="1"/>
@@ -4158,10 +4998,10 @@
       </p:sp>
       <p:sp>
         <p:nvSpPr>
-          <p:cNvPr id="71" name="TextBox 70">
-            <a:extLst>
-              <a:ext uri="{FF2B5EF4-FFF2-40B4-BE49-F238E27FC236}">
-                <a16:creationId xmlns:a16="http://schemas.microsoft.com/office/drawing/2014/main" id="{F0CDD646-2D0E-4D45-B79A-2838A74BBA8D}"/>
+          <p:cNvPr id="113" name="TextBox 12">
+            <a:extLst>
+              <a:ext uri="{FF2B5EF4-FFF2-40B4-BE49-F238E27FC236}">
+                <a16:creationId xmlns:a16="http://schemas.microsoft.com/office/drawing/2014/main" id="{789641C8-549F-4932-AAA2-7C6B7AC9BED3}"/>
               </a:ext>
             </a:extLst>
           </p:cNvPr>
@@ -4170,7 +5010,7 @@
         </p:nvSpPr>
         <p:spPr>
           <a:xfrm>
-            <a:off x="3537626" y="2037071"/>
+            <a:off x="3537626" y="2036097"/>
             <a:ext cx="747512" cy="369332"/>
           </a:xfrm>
           <a:prstGeom prst="rect">
@@ -4182,7 +5022,101 @@
           <a:bodyPr wrap="none" rtlCol="0">
             <a:spAutoFit/>
           </a:bodyPr>
-          <a:lstStyle/>
+          <a:lstStyle>
+            <a:defPPr>
+              <a:defRPr lang="en-US"/>
+            </a:defPPr>
+            <a:lvl1pPr marL="0" algn="l" defTabSz="914400" rtl="0" eaLnBrk="1" latinLnBrk="0" hangingPunct="1">
+              <a:defRPr sz="1800" kern="1200">
+                <a:solidFill>
+                  <a:schemeClr val="tx1"/>
+                </a:solidFill>
+                <a:latin typeface="+mn-lt"/>
+                <a:ea typeface="+mn-ea"/>
+                <a:cs typeface="+mn-cs"/>
+              </a:defRPr>
+            </a:lvl1pPr>
+            <a:lvl2pPr marL="457200" algn="l" defTabSz="914400" rtl="0" eaLnBrk="1" latinLnBrk="0" hangingPunct="1">
+              <a:defRPr sz="1800" kern="1200">
+                <a:solidFill>
+                  <a:schemeClr val="tx1"/>
+                </a:solidFill>
+                <a:latin typeface="+mn-lt"/>
+                <a:ea typeface="+mn-ea"/>
+                <a:cs typeface="+mn-cs"/>
+              </a:defRPr>
+            </a:lvl2pPr>
+            <a:lvl3pPr marL="914400" algn="l" defTabSz="914400" rtl="0" eaLnBrk="1" latinLnBrk="0" hangingPunct="1">
+              <a:defRPr sz="1800" kern="1200">
+                <a:solidFill>
+                  <a:schemeClr val="tx1"/>
+                </a:solidFill>
+                <a:latin typeface="+mn-lt"/>
+                <a:ea typeface="+mn-ea"/>
+                <a:cs typeface="+mn-cs"/>
+              </a:defRPr>
+            </a:lvl3pPr>
+            <a:lvl4pPr marL="1371600" algn="l" defTabSz="914400" rtl="0" eaLnBrk="1" latinLnBrk="0" hangingPunct="1">
+              <a:defRPr sz="1800" kern="1200">
+                <a:solidFill>
+                  <a:schemeClr val="tx1"/>
+                </a:solidFill>
+                <a:latin typeface="+mn-lt"/>
+                <a:ea typeface="+mn-ea"/>
+                <a:cs typeface="+mn-cs"/>
+              </a:defRPr>
+            </a:lvl4pPr>
+            <a:lvl5pPr marL="1828800" algn="l" defTabSz="914400" rtl="0" eaLnBrk="1" latinLnBrk="0" hangingPunct="1">
+              <a:defRPr sz="1800" kern="1200">
+                <a:solidFill>
+                  <a:schemeClr val="tx1"/>
+                </a:solidFill>
+                <a:latin typeface="+mn-lt"/>
+                <a:ea typeface="+mn-ea"/>
+                <a:cs typeface="+mn-cs"/>
+              </a:defRPr>
+            </a:lvl5pPr>
+            <a:lvl6pPr marL="2286000" algn="l" defTabSz="914400" rtl="0" eaLnBrk="1" latinLnBrk="0" hangingPunct="1">
+              <a:defRPr sz="1800" kern="1200">
+                <a:solidFill>
+                  <a:schemeClr val="tx1"/>
+                </a:solidFill>
+                <a:latin typeface="+mn-lt"/>
+                <a:ea typeface="+mn-ea"/>
+                <a:cs typeface="+mn-cs"/>
+              </a:defRPr>
+            </a:lvl6pPr>
+            <a:lvl7pPr marL="2743200" algn="l" defTabSz="914400" rtl="0" eaLnBrk="1" latinLnBrk="0" hangingPunct="1">
+              <a:defRPr sz="1800" kern="1200">
+                <a:solidFill>
+                  <a:schemeClr val="tx1"/>
+                </a:solidFill>
+                <a:latin typeface="+mn-lt"/>
+                <a:ea typeface="+mn-ea"/>
+                <a:cs typeface="+mn-cs"/>
+              </a:defRPr>
+            </a:lvl7pPr>
+            <a:lvl8pPr marL="3200400" algn="l" defTabSz="914400" rtl="0" eaLnBrk="1" latinLnBrk="0" hangingPunct="1">
+              <a:defRPr sz="1800" kern="1200">
+                <a:solidFill>
+                  <a:schemeClr val="tx1"/>
+                </a:solidFill>
+                <a:latin typeface="+mn-lt"/>
+                <a:ea typeface="+mn-ea"/>
+                <a:cs typeface="+mn-cs"/>
+              </a:defRPr>
+            </a:lvl8pPr>
+            <a:lvl9pPr marL="3657600" algn="l" defTabSz="914400" rtl="0" eaLnBrk="1" latinLnBrk="0" hangingPunct="1">
+              <a:defRPr sz="1800" kern="1200">
+                <a:solidFill>
+                  <a:schemeClr val="tx1"/>
+                </a:solidFill>
+                <a:latin typeface="+mn-lt"/>
+                <a:ea typeface="+mn-ea"/>
+                <a:cs typeface="+mn-cs"/>
+              </a:defRPr>
+            </a:lvl9pPr>
+          </a:lstStyle>
           <a:p>
             <a:r>
               <a:rPr lang="en-US" b="1" dirty="0">
@@ -4197,10 +5131,10 @@
       </p:sp>
       <p:sp>
         <p:nvSpPr>
-          <p:cNvPr id="72" name="Rectangle 71">
-            <a:extLst>
-              <a:ext uri="{FF2B5EF4-FFF2-40B4-BE49-F238E27FC236}">
-                <a16:creationId xmlns:a16="http://schemas.microsoft.com/office/drawing/2014/main" id="{D6D9980F-77D0-4C5C-9C5E-F1075F2538E8}"/>
+          <p:cNvPr id="114" name="Rectangle 113">
+            <a:extLst>
+              <a:ext uri="{FF2B5EF4-FFF2-40B4-BE49-F238E27FC236}">
+                <a16:creationId xmlns:a16="http://schemas.microsoft.com/office/drawing/2014/main" id="{79BBD433-7AD9-40C4-9B75-74D040233D10}"/>
               </a:ext>
             </a:extLst>
           </p:cNvPr>
@@ -4209,7 +5143,7 @@
         </p:nvSpPr>
         <p:spPr>
           <a:xfrm>
-            <a:off x="1591799" y="1240145"/>
+            <a:off x="1591799" y="1239171"/>
             <a:ext cx="9233855" cy="664811"/>
           </a:xfrm>
           <a:prstGeom prst="rect">
@@ -4258,7 +5192,101 @@
         </p:style>
         <p:txBody>
           <a:bodyPr rtlCol="0" anchor="ctr"/>
-          <a:lstStyle/>
+          <a:lstStyle>
+            <a:defPPr>
+              <a:defRPr lang="en-US"/>
+            </a:defPPr>
+            <a:lvl1pPr marL="0" algn="l" defTabSz="914400" rtl="0" eaLnBrk="1" latinLnBrk="0" hangingPunct="1">
+              <a:defRPr sz="1800" kern="1200">
+                <a:solidFill>
+                  <a:schemeClr val="lt1"/>
+                </a:solidFill>
+                <a:latin typeface="+mn-lt"/>
+                <a:ea typeface="+mn-ea"/>
+                <a:cs typeface="+mn-cs"/>
+              </a:defRPr>
+            </a:lvl1pPr>
+            <a:lvl2pPr marL="457200" algn="l" defTabSz="914400" rtl="0" eaLnBrk="1" latinLnBrk="0" hangingPunct="1">
+              <a:defRPr sz="1800" kern="1200">
+                <a:solidFill>
+                  <a:schemeClr val="lt1"/>
+                </a:solidFill>
+                <a:latin typeface="+mn-lt"/>
+                <a:ea typeface="+mn-ea"/>
+                <a:cs typeface="+mn-cs"/>
+              </a:defRPr>
+            </a:lvl2pPr>
+            <a:lvl3pPr marL="914400" algn="l" defTabSz="914400" rtl="0" eaLnBrk="1" latinLnBrk="0" hangingPunct="1">
+              <a:defRPr sz="1800" kern="1200">
+                <a:solidFill>
+                  <a:schemeClr val="lt1"/>
+                </a:solidFill>
+                <a:latin typeface="+mn-lt"/>
+                <a:ea typeface="+mn-ea"/>
+                <a:cs typeface="+mn-cs"/>
+              </a:defRPr>
+            </a:lvl3pPr>
+            <a:lvl4pPr marL="1371600" algn="l" defTabSz="914400" rtl="0" eaLnBrk="1" latinLnBrk="0" hangingPunct="1">
+              <a:defRPr sz="1800" kern="1200">
+                <a:solidFill>
+                  <a:schemeClr val="lt1"/>
+                </a:solidFill>
+                <a:latin typeface="+mn-lt"/>
+                <a:ea typeface="+mn-ea"/>
+                <a:cs typeface="+mn-cs"/>
+              </a:defRPr>
+            </a:lvl4pPr>
+            <a:lvl5pPr marL="1828800" algn="l" defTabSz="914400" rtl="0" eaLnBrk="1" latinLnBrk="0" hangingPunct="1">
+              <a:defRPr sz="1800" kern="1200">
+                <a:solidFill>
+                  <a:schemeClr val="lt1"/>
+                </a:solidFill>
+                <a:latin typeface="+mn-lt"/>
+                <a:ea typeface="+mn-ea"/>
+                <a:cs typeface="+mn-cs"/>
+              </a:defRPr>
+            </a:lvl5pPr>
+            <a:lvl6pPr marL="2286000" algn="l" defTabSz="914400" rtl="0" eaLnBrk="1" latinLnBrk="0" hangingPunct="1">
+              <a:defRPr sz="1800" kern="1200">
+                <a:solidFill>
+                  <a:schemeClr val="lt1"/>
+                </a:solidFill>
+                <a:latin typeface="+mn-lt"/>
+                <a:ea typeface="+mn-ea"/>
+                <a:cs typeface="+mn-cs"/>
+              </a:defRPr>
+            </a:lvl6pPr>
+            <a:lvl7pPr marL="2743200" algn="l" defTabSz="914400" rtl="0" eaLnBrk="1" latinLnBrk="0" hangingPunct="1">
+              <a:defRPr sz="1800" kern="1200">
+                <a:solidFill>
+                  <a:schemeClr val="lt1"/>
+                </a:solidFill>
+                <a:latin typeface="+mn-lt"/>
+                <a:ea typeface="+mn-ea"/>
+                <a:cs typeface="+mn-cs"/>
+              </a:defRPr>
+            </a:lvl7pPr>
+            <a:lvl8pPr marL="3200400" algn="l" defTabSz="914400" rtl="0" eaLnBrk="1" latinLnBrk="0" hangingPunct="1">
+              <a:defRPr sz="1800" kern="1200">
+                <a:solidFill>
+                  <a:schemeClr val="lt1"/>
+                </a:solidFill>
+                <a:latin typeface="+mn-lt"/>
+                <a:ea typeface="+mn-ea"/>
+                <a:cs typeface="+mn-cs"/>
+              </a:defRPr>
+            </a:lvl8pPr>
+            <a:lvl9pPr marL="3657600" algn="l" defTabSz="914400" rtl="0" eaLnBrk="1" latinLnBrk="0" hangingPunct="1">
+              <a:defRPr sz="1800" kern="1200">
+                <a:solidFill>
+                  <a:schemeClr val="lt1"/>
+                </a:solidFill>
+                <a:latin typeface="+mn-lt"/>
+                <a:ea typeface="+mn-ea"/>
+                <a:cs typeface="+mn-cs"/>
+              </a:defRPr>
+            </a:lvl9pPr>
+          </a:lstStyle>
           <a:p>
             <a:pPr algn="ctr"/>
             <a:r>
@@ -4270,10 +5298,10 @@
       </p:sp>
       <p:sp>
         <p:nvSpPr>
-          <p:cNvPr id="73" name="TextBox 72">
-            <a:extLst>
-              <a:ext uri="{FF2B5EF4-FFF2-40B4-BE49-F238E27FC236}">
-                <a16:creationId xmlns:a16="http://schemas.microsoft.com/office/drawing/2014/main" id="{C2E040D4-5A19-43CD-B9DD-68B8C2DCD30B}"/>
+          <p:cNvPr id="115" name="TextBox 15">
+            <a:extLst>
+              <a:ext uri="{FF2B5EF4-FFF2-40B4-BE49-F238E27FC236}">
+                <a16:creationId xmlns:a16="http://schemas.microsoft.com/office/drawing/2014/main" id="{94CE29EE-2AE7-43E5-8F62-AD22997BA48A}"/>
               </a:ext>
             </a:extLst>
           </p:cNvPr>
@@ -4282,7 +5310,7 @@
         </p:nvSpPr>
         <p:spPr>
           <a:xfrm>
-            <a:off x="276841" y="4902894"/>
+            <a:off x="276841" y="4901920"/>
             <a:ext cx="1788631" cy="369332"/>
           </a:xfrm>
           <a:prstGeom prst="rect">
@@ -4294,13 +5322,114 @@
           <a:bodyPr wrap="none" rtlCol="0">
             <a:spAutoFit/>
           </a:bodyPr>
-          <a:lstStyle/>
+          <a:lstStyle>
+            <a:defPPr>
+              <a:defRPr lang="en-US"/>
+            </a:defPPr>
+            <a:lvl1pPr marL="0" algn="l" defTabSz="914400" rtl="0" eaLnBrk="1" latinLnBrk="0" hangingPunct="1">
+              <a:defRPr sz="1800" kern="1200">
+                <a:solidFill>
+                  <a:schemeClr val="tx1"/>
+                </a:solidFill>
+                <a:latin typeface="+mn-lt"/>
+                <a:ea typeface="+mn-ea"/>
+                <a:cs typeface="+mn-cs"/>
+              </a:defRPr>
+            </a:lvl1pPr>
+            <a:lvl2pPr marL="457200" algn="l" defTabSz="914400" rtl="0" eaLnBrk="1" latinLnBrk="0" hangingPunct="1">
+              <a:defRPr sz="1800" kern="1200">
+                <a:solidFill>
+                  <a:schemeClr val="tx1"/>
+                </a:solidFill>
+                <a:latin typeface="+mn-lt"/>
+                <a:ea typeface="+mn-ea"/>
+                <a:cs typeface="+mn-cs"/>
+              </a:defRPr>
+            </a:lvl2pPr>
+            <a:lvl3pPr marL="914400" algn="l" defTabSz="914400" rtl="0" eaLnBrk="1" latinLnBrk="0" hangingPunct="1">
+              <a:defRPr sz="1800" kern="1200">
+                <a:solidFill>
+                  <a:schemeClr val="tx1"/>
+                </a:solidFill>
+                <a:latin typeface="+mn-lt"/>
+                <a:ea typeface="+mn-ea"/>
+                <a:cs typeface="+mn-cs"/>
+              </a:defRPr>
+            </a:lvl3pPr>
+            <a:lvl4pPr marL="1371600" algn="l" defTabSz="914400" rtl="0" eaLnBrk="1" latinLnBrk="0" hangingPunct="1">
+              <a:defRPr sz="1800" kern="1200">
+                <a:solidFill>
+                  <a:schemeClr val="tx1"/>
+                </a:solidFill>
+                <a:latin typeface="+mn-lt"/>
+                <a:ea typeface="+mn-ea"/>
+                <a:cs typeface="+mn-cs"/>
+              </a:defRPr>
+            </a:lvl4pPr>
+            <a:lvl5pPr marL="1828800" algn="l" defTabSz="914400" rtl="0" eaLnBrk="1" latinLnBrk="0" hangingPunct="1">
+              <a:defRPr sz="1800" kern="1200">
+                <a:solidFill>
+                  <a:schemeClr val="tx1"/>
+                </a:solidFill>
+                <a:latin typeface="+mn-lt"/>
+                <a:ea typeface="+mn-ea"/>
+                <a:cs typeface="+mn-cs"/>
+              </a:defRPr>
+            </a:lvl5pPr>
+            <a:lvl6pPr marL="2286000" algn="l" defTabSz="914400" rtl="0" eaLnBrk="1" latinLnBrk="0" hangingPunct="1">
+              <a:defRPr sz="1800" kern="1200">
+                <a:solidFill>
+                  <a:schemeClr val="tx1"/>
+                </a:solidFill>
+                <a:latin typeface="+mn-lt"/>
+                <a:ea typeface="+mn-ea"/>
+                <a:cs typeface="+mn-cs"/>
+              </a:defRPr>
+            </a:lvl6pPr>
+            <a:lvl7pPr marL="2743200" algn="l" defTabSz="914400" rtl="0" eaLnBrk="1" latinLnBrk="0" hangingPunct="1">
+              <a:defRPr sz="1800" kern="1200">
+                <a:solidFill>
+                  <a:schemeClr val="tx1"/>
+                </a:solidFill>
+                <a:latin typeface="+mn-lt"/>
+                <a:ea typeface="+mn-ea"/>
+                <a:cs typeface="+mn-cs"/>
+              </a:defRPr>
+            </a:lvl7pPr>
+            <a:lvl8pPr marL="3200400" algn="l" defTabSz="914400" rtl="0" eaLnBrk="1" latinLnBrk="0" hangingPunct="1">
+              <a:defRPr sz="1800" kern="1200">
+                <a:solidFill>
+                  <a:schemeClr val="tx1"/>
+                </a:solidFill>
+                <a:latin typeface="+mn-lt"/>
+                <a:ea typeface="+mn-ea"/>
+                <a:cs typeface="+mn-cs"/>
+              </a:defRPr>
+            </a:lvl8pPr>
+            <a:lvl9pPr marL="3657600" algn="l" defTabSz="914400" rtl="0" eaLnBrk="1" latinLnBrk="0" hangingPunct="1">
+              <a:defRPr sz="1800" kern="1200">
+                <a:solidFill>
+                  <a:schemeClr val="tx1"/>
+                </a:solidFill>
+                <a:latin typeface="+mn-lt"/>
+                <a:ea typeface="+mn-ea"/>
+                <a:cs typeface="+mn-cs"/>
+              </a:defRPr>
+            </a:lvl9pPr>
+          </a:lstStyle>
           <a:p>
             <a:r>
               <a:rPr lang="en-US" b="1" dirty="0">
                 <a:solidFill>
                   <a:srgbClr val="ED7D31"/>
                 </a:solidFill>
+                <a:effectLst>
+                  <a:outerShdw blurRad="38100" dist="38100" dir="2700000" algn="tl">
+                    <a:srgbClr val="000000">
+                      <a:alpha val="43137"/>
+                    </a:srgbClr>
+                  </a:outerShdw>
+                </a:effectLst>
               </a:rPr>
               <a:t>GUVM_Interface</a:t>
             </a:r>
@@ -4309,10 +5438,10 @@
       </p:sp>
       <p:sp>
         <p:nvSpPr>
-          <p:cNvPr id="74" name="Rectangle: Rounded Corners 73">
-            <a:extLst>
-              <a:ext uri="{FF2B5EF4-FFF2-40B4-BE49-F238E27FC236}">
-                <a16:creationId xmlns:a16="http://schemas.microsoft.com/office/drawing/2014/main" id="{9FACDB7C-86EC-4686-832A-2E9D44A0667C}"/>
+          <p:cNvPr id="116" name="Rectangle: Rounded Corners 115">
+            <a:extLst>
+              <a:ext uri="{FF2B5EF4-FFF2-40B4-BE49-F238E27FC236}">
+                <a16:creationId xmlns:a16="http://schemas.microsoft.com/office/drawing/2014/main" id="{D2060C67-4633-442E-9478-6C579F203E08}"/>
               </a:ext>
             </a:extLst>
           </p:cNvPr>
@@ -4321,7 +5450,7 @@
         </p:nvSpPr>
         <p:spPr>
           <a:xfrm>
-            <a:off x="7223458" y="2263431"/>
+            <a:off x="7223458" y="2262457"/>
             <a:ext cx="4179548" cy="2160815"/>
           </a:xfrm>
           <a:prstGeom prst="roundRect">
@@ -4354,7 +5483,101 @@
         </p:style>
         <p:txBody>
           <a:bodyPr rtlCol="0" anchor="ctr"/>
-          <a:lstStyle/>
+          <a:lstStyle>
+            <a:defPPr>
+              <a:defRPr lang="en-US"/>
+            </a:defPPr>
+            <a:lvl1pPr marL="0" algn="l" defTabSz="914400" rtl="0" eaLnBrk="1" latinLnBrk="0" hangingPunct="1">
+              <a:defRPr sz="1800" kern="1200">
+                <a:solidFill>
+                  <a:schemeClr val="accent5"/>
+                </a:solidFill>
+                <a:latin typeface="+mn-lt"/>
+                <a:ea typeface="+mn-ea"/>
+                <a:cs typeface="+mn-cs"/>
+              </a:defRPr>
+            </a:lvl1pPr>
+            <a:lvl2pPr marL="457200" algn="l" defTabSz="914400" rtl="0" eaLnBrk="1" latinLnBrk="0" hangingPunct="1">
+              <a:defRPr sz="1800" kern="1200">
+                <a:solidFill>
+                  <a:schemeClr val="accent5"/>
+                </a:solidFill>
+                <a:latin typeface="+mn-lt"/>
+                <a:ea typeface="+mn-ea"/>
+                <a:cs typeface="+mn-cs"/>
+              </a:defRPr>
+            </a:lvl2pPr>
+            <a:lvl3pPr marL="914400" algn="l" defTabSz="914400" rtl="0" eaLnBrk="1" latinLnBrk="0" hangingPunct="1">
+              <a:defRPr sz="1800" kern="1200">
+                <a:solidFill>
+                  <a:schemeClr val="accent5"/>
+                </a:solidFill>
+                <a:latin typeface="+mn-lt"/>
+                <a:ea typeface="+mn-ea"/>
+                <a:cs typeface="+mn-cs"/>
+              </a:defRPr>
+            </a:lvl3pPr>
+            <a:lvl4pPr marL="1371600" algn="l" defTabSz="914400" rtl="0" eaLnBrk="1" latinLnBrk="0" hangingPunct="1">
+              <a:defRPr sz="1800" kern="1200">
+                <a:solidFill>
+                  <a:schemeClr val="accent5"/>
+                </a:solidFill>
+                <a:latin typeface="+mn-lt"/>
+                <a:ea typeface="+mn-ea"/>
+                <a:cs typeface="+mn-cs"/>
+              </a:defRPr>
+            </a:lvl4pPr>
+            <a:lvl5pPr marL="1828800" algn="l" defTabSz="914400" rtl="0" eaLnBrk="1" latinLnBrk="0" hangingPunct="1">
+              <a:defRPr sz="1800" kern="1200">
+                <a:solidFill>
+                  <a:schemeClr val="accent5"/>
+                </a:solidFill>
+                <a:latin typeface="+mn-lt"/>
+                <a:ea typeface="+mn-ea"/>
+                <a:cs typeface="+mn-cs"/>
+              </a:defRPr>
+            </a:lvl5pPr>
+            <a:lvl6pPr marL="2286000" algn="l" defTabSz="914400" rtl="0" eaLnBrk="1" latinLnBrk="0" hangingPunct="1">
+              <a:defRPr sz="1800" kern="1200">
+                <a:solidFill>
+                  <a:schemeClr val="accent5"/>
+                </a:solidFill>
+                <a:latin typeface="+mn-lt"/>
+                <a:ea typeface="+mn-ea"/>
+                <a:cs typeface="+mn-cs"/>
+              </a:defRPr>
+            </a:lvl6pPr>
+            <a:lvl7pPr marL="2743200" algn="l" defTabSz="914400" rtl="0" eaLnBrk="1" latinLnBrk="0" hangingPunct="1">
+              <a:defRPr sz="1800" kern="1200">
+                <a:solidFill>
+                  <a:schemeClr val="accent5"/>
+                </a:solidFill>
+                <a:latin typeface="+mn-lt"/>
+                <a:ea typeface="+mn-ea"/>
+                <a:cs typeface="+mn-cs"/>
+              </a:defRPr>
+            </a:lvl7pPr>
+            <a:lvl8pPr marL="3200400" algn="l" defTabSz="914400" rtl="0" eaLnBrk="1" latinLnBrk="0" hangingPunct="1">
+              <a:defRPr sz="1800" kern="1200">
+                <a:solidFill>
+                  <a:schemeClr val="accent5"/>
+                </a:solidFill>
+                <a:latin typeface="+mn-lt"/>
+                <a:ea typeface="+mn-ea"/>
+                <a:cs typeface="+mn-cs"/>
+              </a:defRPr>
+            </a:lvl8pPr>
+            <a:lvl9pPr marL="3657600" algn="l" defTabSz="914400" rtl="0" eaLnBrk="1" latinLnBrk="0" hangingPunct="1">
+              <a:defRPr sz="1800" kern="1200">
+                <a:solidFill>
+                  <a:schemeClr val="accent5"/>
+                </a:solidFill>
+                <a:latin typeface="+mn-lt"/>
+                <a:ea typeface="+mn-ea"/>
+                <a:cs typeface="+mn-cs"/>
+              </a:defRPr>
+            </a:lvl9pPr>
+          </a:lstStyle>
           <a:p>
             <a:pPr algn="ctr"/>
             <a:endParaRPr lang="en-US" b="1" dirty="0"/>
@@ -4363,10 +5586,10 @@
       </p:sp>
       <p:sp>
         <p:nvSpPr>
-          <p:cNvPr id="75" name="Rectangle: Rounded Corners 74">
-            <a:extLst>
-              <a:ext uri="{FF2B5EF4-FFF2-40B4-BE49-F238E27FC236}">
-                <a16:creationId xmlns:a16="http://schemas.microsoft.com/office/drawing/2014/main" id="{153CD6ED-BAEB-4434-B775-B1AEC3A5264E}"/>
+          <p:cNvPr id="117" name="Rectangle: Rounded Corners 116">
+            <a:extLst>
+              <a:ext uri="{FF2B5EF4-FFF2-40B4-BE49-F238E27FC236}">
+                <a16:creationId xmlns:a16="http://schemas.microsoft.com/office/drawing/2014/main" id="{3747DD2D-C4D4-425D-8C9A-773DD4E11C75}"/>
               </a:ext>
             </a:extLst>
           </p:cNvPr>
@@ -4375,7 +5598,7 @@
         </p:nvSpPr>
         <p:spPr>
           <a:xfrm>
-            <a:off x="8059658" y="2530309"/>
+            <a:off x="8059658" y="2529335"/>
             <a:ext cx="2510829" cy="745602"/>
           </a:xfrm>
           <a:prstGeom prst="roundRect">
@@ -4424,7 +5647,101 @@
         </p:style>
         <p:txBody>
           <a:bodyPr rtlCol="0" anchor="ctr"/>
-          <a:lstStyle/>
+          <a:lstStyle>
+            <a:defPPr>
+              <a:defRPr lang="en-US"/>
+            </a:defPPr>
+            <a:lvl1pPr marL="0" algn="l" defTabSz="914400" rtl="0" eaLnBrk="1" latinLnBrk="0" hangingPunct="1">
+              <a:defRPr sz="1800" kern="1200">
+                <a:solidFill>
+                  <a:schemeClr val="lt1"/>
+                </a:solidFill>
+                <a:latin typeface="+mn-lt"/>
+                <a:ea typeface="+mn-ea"/>
+                <a:cs typeface="+mn-cs"/>
+              </a:defRPr>
+            </a:lvl1pPr>
+            <a:lvl2pPr marL="457200" algn="l" defTabSz="914400" rtl="0" eaLnBrk="1" latinLnBrk="0" hangingPunct="1">
+              <a:defRPr sz="1800" kern="1200">
+                <a:solidFill>
+                  <a:schemeClr val="lt1"/>
+                </a:solidFill>
+                <a:latin typeface="+mn-lt"/>
+                <a:ea typeface="+mn-ea"/>
+                <a:cs typeface="+mn-cs"/>
+              </a:defRPr>
+            </a:lvl2pPr>
+            <a:lvl3pPr marL="914400" algn="l" defTabSz="914400" rtl="0" eaLnBrk="1" latinLnBrk="0" hangingPunct="1">
+              <a:defRPr sz="1800" kern="1200">
+                <a:solidFill>
+                  <a:schemeClr val="lt1"/>
+                </a:solidFill>
+                <a:latin typeface="+mn-lt"/>
+                <a:ea typeface="+mn-ea"/>
+                <a:cs typeface="+mn-cs"/>
+              </a:defRPr>
+            </a:lvl3pPr>
+            <a:lvl4pPr marL="1371600" algn="l" defTabSz="914400" rtl="0" eaLnBrk="1" latinLnBrk="0" hangingPunct="1">
+              <a:defRPr sz="1800" kern="1200">
+                <a:solidFill>
+                  <a:schemeClr val="lt1"/>
+                </a:solidFill>
+                <a:latin typeface="+mn-lt"/>
+                <a:ea typeface="+mn-ea"/>
+                <a:cs typeface="+mn-cs"/>
+              </a:defRPr>
+            </a:lvl4pPr>
+            <a:lvl5pPr marL="1828800" algn="l" defTabSz="914400" rtl="0" eaLnBrk="1" latinLnBrk="0" hangingPunct="1">
+              <a:defRPr sz="1800" kern="1200">
+                <a:solidFill>
+                  <a:schemeClr val="lt1"/>
+                </a:solidFill>
+                <a:latin typeface="+mn-lt"/>
+                <a:ea typeface="+mn-ea"/>
+                <a:cs typeface="+mn-cs"/>
+              </a:defRPr>
+            </a:lvl5pPr>
+            <a:lvl6pPr marL="2286000" algn="l" defTabSz="914400" rtl="0" eaLnBrk="1" latinLnBrk="0" hangingPunct="1">
+              <a:defRPr sz="1800" kern="1200">
+                <a:solidFill>
+                  <a:schemeClr val="lt1"/>
+                </a:solidFill>
+                <a:latin typeface="+mn-lt"/>
+                <a:ea typeface="+mn-ea"/>
+                <a:cs typeface="+mn-cs"/>
+              </a:defRPr>
+            </a:lvl6pPr>
+            <a:lvl7pPr marL="2743200" algn="l" defTabSz="914400" rtl="0" eaLnBrk="1" latinLnBrk="0" hangingPunct="1">
+              <a:defRPr sz="1800" kern="1200">
+                <a:solidFill>
+                  <a:schemeClr val="lt1"/>
+                </a:solidFill>
+                <a:latin typeface="+mn-lt"/>
+                <a:ea typeface="+mn-ea"/>
+                <a:cs typeface="+mn-cs"/>
+              </a:defRPr>
+            </a:lvl7pPr>
+            <a:lvl8pPr marL="3200400" algn="l" defTabSz="914400" rtl="0" eaLnBrk="1" latinLnBrk="0" hangingPunct="1">
+              <a:defRPr sz="1800" kern="1200">
+                <a:solidFill>
+                  <a:schemeClr val="lt1"/>
+                </a:solidFill>
+                <a:latin typeface="+mn-lt"/>
+                <a:ea typeface="+mn-ea"/>
+                <a:cs typeface="+mn-cs"/>
+              </a:defRPr>
+            </a:lvl8pPr>
+            <a:lvl9pPr marL="3657600" algn="l" defTabSz="914400" rtl="0" eaLnBrk="1" latinLnBrk="0" hangingPunct="1">
+              <a:defRPr sz="1800" kern="1200">
+                <a:solidFill>
+                  <a:schemeClr val="lt1"/>
+                </a:solidFill>
+                <a:latin typeface="+mn-lt"/>
+                <a:ea typeface="+mn-ea"/>
+                <a:cs typeface="+mn-cs"/>
+              </a:defRPr>
+            </a:lvl9pPr>
+          </a:lstStyle>
           <a:p>
             <a:pPr algn="ctr"/>
             <a:r>
@@ -4436,10 +5753,10 @@
       </p:sp>
       <p:sp>
         <p:nvSpPr>
-          <p:cNvPr id="76" name="Rectangle: Rounded Corners 75">
-            <a:extLst>
-              <a:ext uri="{FF2B5EF4-FFF2-40B4-BE49-F238E27FC236}">
-                <a16:creationId xmlns:a16="http://schemas.microsoft.com/office/drawing/2014/main" id="{C9A68ED2-E786-4269-B231-87B47726C66D}"/>
+          <p:cNvPr id="118" name="Rectangle: Rounded Corners 117">
+            <a:extLst>
+              <a:ext uri="{FF2B5EF4-FFF2-40B4-BE49-F238E27FC236}">
+                <a16:creationId xmlns:a16="http://schemas.microsoft.com/office/drawing/2014/main" id="{B31B8177-3A05-41C9-94EF-934BC0147720}"/>
               </a:ext>
             </a:extLst>
           </p:cNvPr>
@@ -4448,7 +5765,7 @@
         </p:nvSpPr>
         <p:spPr>
           <a:xfrm>
-            <a:off x="10095069" y="3385321"/>
+            <a:off x="10095069" y="3384347"/>
             <a:ext cx="1120241" cy="888744"/>
           </a:xfrm>
           <a:prstGeom prst="roundRect">
@@ -4497,7 +5814,101 @@
         </p:style>
         <p:txBody>
           <a:bodyPr rtlCol="0" anchor="ctr"/>
-          <a:lstStyle/>
+          <a:lstStyle>
+            <a:defPPr>
+              <a:defRPr lang="en-US"/>
+            </a:defPPr>
+            <a:lvl1pPr marL="0" algn="l" defTabSz="914400" rtl="0" eaLnBrk="1" latinLnBrk="0" hangingPunct="1">
+              <a:defRPr sz="1800" kern="1200">
+                <a:solidFill>
+                  <a:schemeClr val="lt1"/>
+                </a:solidFill>
+                <a:latin typeface="+mn-lt"/>
+                <a:ea typeface="+mn-ea"/>
+                <a:cs typeface="+mn-cs"/>
+              </a:defRPr>
+            </a:lvl1pPr>
+            <a:lvl2pPr marL="457200" algn="l" defTabSz="914400" rtl="0" eaLnBrk="1" latinLnBrk="0" hangingPunct="1">
+              <a:defRPr sz="1800" kern="1200">
+                <a:solidFill>
+                  <a:schemeClr val="lt1"/>
+                </a:solidFill>
+                <a:latin typeface="+mn-lt"/>
+                <a:ea typeface="+mn-ea"/>
+                <a:cs typeface="+mn-cs"/>
+              </a:defRPr>
+            </a:lvl2pPr>
+            <a:lvl3pPr marL="914400" algn="l" defTabSz="914400" rtl="0" eaLnBrk="1" latinLnBrk="0" hangingPunct="1">
+              <a:defRPr sz="1800" kern="1200">
+                <a:solidFill>
+                  <a:schemeClr val="lt1"/>
+                </a:solidFill>
+                <a:latin typeface="+mn-lt"/>
+                <a:ea typeface="+mn-ea"/>
+                <a:cs typeface="+mn-cs"/>
+              </a:defRPr>
+            </a:lvl3pPr>
+            <a:lvl4pPr marL="1371600" algn="l" defTabSz="914400" rtl="0" eaLnBrk="1" latinLnBrk="0" hangingPunct="1">
+              <a:defRPr sz="1800" kern="1200">
+                <a:solidFill>
+                  <a:schemeClr val="lt1"/>
+                </a:solidFill>
+                <a:latin typeface="+mn-lt"/>
+                <a:ea typeface="+mn-ea"/>
+                <a:cs typeface="+mn-cs"/>
+              </a:defRPr>
+            </a:lvl4pPr>
+            <a:lvl5pPr marL="1828800" algn="l" defTabSz="914400" rtl="0" eaLnBrk="1" latinLnBrk="0" hangingPunct="1">
+              <a:defRPr sz="1800" kern="1200">
+                <a:solidFill>
+                  <a:schemeClr val="lt1"/>
+                </a:solidFill>
+                <a:latin typeface="+mn-lt"/>
+                <a:ea typeface="+mn-ea"/>
+                <a:cs typeface="+mn-cs"/>
+              </a:defRPr>
+            </a:lvl5pPr>
+            <a:lvl6pPr marL="2286000" algn="l" defTabSz="914400" rtl="0" eaLnBrk="1" latinLnBrk="0" hangingPunct="1">
+              <a:defRPr sz="1800" kern="1200">
+                <a:solidFill>
+                  <a:schemeClr val="lt1"/>
+                </a:solidFill>
+                <a:latin typeface="+mn-lt"/>
+                <a:ea typeface="+mn-ea"/>
+                <a:cs typeface="+mn-cs"/>
+              </a:defRPr>
+            </a:lvl6pPr>
+            <a:lvl7pPr marL="2743200" algn="l" defTabSz="914400" rtl="0" eaLnBrk="1" latinLnBrk="0" hangingPunct="1">
+              <a:defRPr sz="1800" kern="1200">
+                <a:solidFill>
+                  <a:schemeClr val="lt1"/>
+                </a:solidFill>
+                <a:latin typeface="+mn-lt"/>
+                <a:ea typeface="+mn-ea"/>
+                <a:cs typeface="+mn-cs"/>
+              </a:defRPr>
+            </a:lvl7pPr>
+            <a:lvl8pPr marL="3200400" algn="l" defTabSz="914400" rtl="0" eaLnBrk="1" latinLnBrk="0" hangingPunct="1">
+              <a:defRPr sz="1800" kern="1200">
+                <a:solidFill>
+                  <a:schemeClr val="lt1"/>
+                </a:solidFill>
+                <a:latin typeface="+mn-lt"/>
+                <a:ea typeface="+mn-ea"/>
+                <a:cs typeface="+mn-cs"/>
+              </a:defRPr>
+            </a:lvl8pPr>
+            <a:lvl9pPr marL="3657600" algn="l" defTabSz="914400" rtl="0" eaLnBrk="1" latinLnBrk="0" hangingPunct="1">
+              <a:defRPr sz="1800" kern="1200">
+                <a:solidFill>
+                  <a:schemeClr val="lt1"/>
+                </a:solidFill>
+                <a:latin typeface="+mn-lt"/>
+                <a:ea typeface="+mn-ea"/>
+                <a:cs typeface="+mn-cs"/>
+              </a:defRPr>
+            </a:lvl9pPr>
+          </a:lstStyle>
           <a:p>
             <a:pPr algn="ctr"/>
             <a:r>
@@ -4509,10 +5920,10 @@
       </p:sp>
       <p:sp>
         <p:nvSpPr>
-          <p:cNvPr id="77" name="Rectangle: Rounded Corners 76">
-            <a:extLst>
-              <a:ext uri="{FF2B5EF4-FFF2-40B4-BE49-F238E27FC236}">
-                <a16:creationId xmlns:a16="http://schemas.microsoft.com/office/drawing/2014/main" id="{7F66A694-C607-40DD-8603-8A9FBD09AEA5}"/>
+          <p:cNvPr id="119" name="Rectangle: Rounded Corners 118">
+            <a:extLst>
+              <a:ext uri="{FF2B5EF4-FFF2-40B4-BE49-F238E27FC236}">
+                <a16:creationId xmlns:a16="http://schemas.microsoft.com/office/drawing/2014/main" id="{802C5A8F-29E8-414D-8D82-C5D931562EA1}"/>
               </a:ext>
             </a:extLst>
           </p:cNvPr>
@@ -4521,7 +5932,7 @@
         </p:nvSpPr>
         <p:spPr>
           <a:xfrm>
-            <a:off x="7470315" y="3378252"/>
+            <a:off x="7470315" y="3377278"/>
             <a:ext cx="2432487" cy="909653"/>
           </a:xfrm>
           <a:prstGeom prst="roundRect">
@@ -4554,7 +5965,101 @@
         </p:style>
         <p:txBody>
           <a:bodyPr rtlCol="0" anchor="ctr"/>
-          <a:lstStyle/>
+          <a:lstStyle>
+            <a:defPPr>
+              <a:defRPr lang="en-US"/>
+            </a:defPPr>
+            <a:lvl1pPr marL="0" algn="l" defTabSz="914400" rtl="0" eaLnBrk="1" latinLnBrk="0" hangingPunct="1">
+              <a:defRPr sz="1800" kern="1200">
+                <a:solidFill>
+                  <a:schemeClr val="accent3"/>
+                </a:solidFill>
+                <a:latin typeface="+mn-lt"/>
+                <a:ea typeface="+mn-ea"/>
+                <a:cs typeface="+mn-cs"/>
+              </a:defRPr>
+            </a:lvl1pPr>
+            <a:lvl2pPr marL="457200" algn="l" defTabSz="914400" rtl="0" eaLnBrk="1" latinLnBrk="0" hangingPunct="1">
+              <a:defRPr sz="1800" kern="1200">
+                <a:solidFill>
+                  <a:schemeClr val="accent3"/>
+                </a:solidFill>
+                <a:latin typeface="+mn-lt"/>
+                <a:ea typeface="+mn-ea"/>
+                <a:cs typeface="+mn-cs"/>
+              </a:defRPr>
+            </a:lvl2pPr>
+            <a:lvl3pPr marL="914400" algn="l" defTabSz="914400" rtl="0" eaLnBrk="1" latinLnBrk="0" hangingPunct="1">
+              <a:defRPr sz="1800" kern="1200">
+                <a:solidFill>
+                  <a:schemeClr val="accent3"/>
+                </a:solidFill>
+                <a:latin typeface="+mn-lt"/>
+                <a:ea typeface="+mn-ea"/>
+                <a:cs typeface="+mn-cs"/>
+              </a:defRPr>
+            </a:lvl3pPr>
+            <a:lvl4pPr marL="1371600" algn="l" defTabSz="914400" rtl="0" eaLnBrk="1" latinLnBrk="0" hangingPunct="1">
+              <a:defRPr sz="1800" kern="1200">
+                <a:solidFill>
+                  <a:schemeClr val="accent3"/>
+                </a:solidFill>
+                <a:latin typeface="+mn-lt"/>
+                <a:ea typeface="+mn-ea"/>
+                <a:cs typeface="+mn-cs"/>
+              </a:defRPr>
+            </a:lvl4pPr>
+            <a:lvl5pPr marL="1828800" algn="l" defTabSz="914400" rtl="0" eaLnBrk="1" latinLnBrk="0" hangingPunct="1">
+              <a:defRPr sz="1800" kern="1200">
+                <a:solidFill>
+                  <a:schemeClr val="accent3"/>
+                </a:solidFill>
+                <a:latin typeface="+mn-lt"/>
+                <a:ea typeface="+mn-ea"/>
+                <a:cs typeface="+mn-cs"/>
+              </a:defRPr>
+            </a:lvl5pPr>
+            <a:lvl6pPr marL="2286000" algn="l" defTabSz="914400" rtl="0" eaLnBrk="1" latinLnBrk="0" hangingPunct="1">
+              <a:defRPr sz="1800" kern="1200">
+                <a:solidFill>
+                  <a:schemeClr val="accent3"/>
+                </a:solidFill>
+                <a:latin typeface="+mn-lt"/>
+                <a:ea typeface="+mn-ea"/>
+                <a:cs typeface="+mn-cs"/>
+              </a:defRPr>
+            </a:lvl6pPr>
+            <a:lvl7pPr marL="2743200" algn="l" defTabSz="914400" rtl="0" eaLnBrk="1" latinLnBrk="0" hangingPunct="1">
+              <a:defRPr sz="1800" kern="1200">
+                <a:solidFill>
+                  <a:schemeClr val="accent3"/>
+                </a:solidFill>
+                <a:latin typeface="+mn-lt"/>
+                <a:ea typeface="+mn-ea"/>
+                <a:cs typeface="+mn-cs"/>
+              </a:defRPr>
+            </a:lvl7pPr>
+            <a:lvl8pPr marL="3200400" algn="l" defTabSz="914400" rtl="0" eaLnBrk="1" latinLnBrk="0" hangingPunct="1">
+              <a:defRPr sz="1800" kern="1200">
+                <a:solidFill>
+                  <a:schemeClr val="accent3"/>
+                </a:solidFill>
+                <a:latin typeface="+mn-lt"/>
+                <a:ea typeface="+mn-ea"/>
+                <a:cs typeface="+mn-cs"/>
+              </a:defRPr>
+            </a:lvl8pPr>
+            <a:lvl9pPr marL="3657600" algn="l" defTabSz="914400" rtl="0" eaLnBrk="1" latinLnBrk="0" hangingPunct="1">
+              <a:defRPr sz="1800" kern="1200">
+                <a:solidFill>
+                  <a:schemeClr val="accent3"/>
+                </a:solidFill>
+                <a:latin typeface="+mn-lt"/>
+                <a:ea typeface="+mn-ea"/>
+                <a:cs typeface="+mn-cs"/>
+              </a:defRPr>
+            </a:lvl9pPr>
+          </a:lstStyle>
           <a:p>
             <a:pPr algn="ctr"/>
             <a:endParaRPr lang="en-US" sz="1400" b="1" dirty="0"/>
@@ -4563,10 +6068,10 @@
       </p:sp>
       <p:sp>
         <p:nvSpPr>
-          <p:cNvPr id="78" name="TextBox 77">
-            <a:extLst>
-              <a:ext uri="{FF2B5EF4-FFF2-40B4-BE49-F238E27FC236}">
-                <a16:creationId xmlns:a16="http://schemas.microsoft.com/office/drawing/2014/main" id="{AD57D451-409F-4D40-B467-F9B06BABFEB5}"/>
+          <p:cNvPr id="120" name="TextBox 20">
+            <a:extLst>
+              <a:ext uri="{FF2B5EF4-FFF2-40B4-BE49-F238E27FC236}">
+                <a16:creationId xmlns:a16="http://schemas.microsoft.com/office/drawing/2014/main" id="{0A2F9836-EEE7-4591-B172-704959D51AF2}"/>
               </a:ext>
             </a:extLst>
           </p:cNvPr>
@@ -4575,7 +6080,7 @@
         </p:nvSpPr>
         <p:spPr>
           <a:xfrm>
-            <a:off x="7440918" y="2219813"/>
+            <a:off x="7440918" y="2218839"/>
             <a:ext cx="1180131" cy="369332"/>
           </a:xfrm>
           <a:prstGeom prst="rect">
@@ -4587,7 +6092,101 @@
           <a:bodyPr wrap="none" rtlCol="0">
             <a:spAutoFit/>
           </a:bodyPr>
-          <a:lstStyle/>
+          <a:lstStyle>
+            <a:defPPr>
+              <a:defRPr lang="en-US"/>
+            </a:defPPr>
+            <a:lvl1pPr marL="0" algn="l" defTabSz="914400" rtl="0" eaLnBrk="1" latinLnBrk="0" hangingPunct="1">
+              <a:defRPr sz="1800" kern="1200">
+                <a:solidFill>
+                  <a:schemeClr val="tx1"/>
+                </a:solidFill>
+                <a:latin typeface="+mn-lt"/>
+                <a:ea typeface="+mn-ea"/>
+                <a:cs typeface="+mn-cs"/>
+              </a:defRPr>
+            </a:lvl1pPr>
+            <a:lvl2pPr marL="457200" algn="l" defTabSz="914400" rtl="0" eaLnBrk="1" latinLnBrk="0" hangingPunct="1">
+              <a:defRPr sz="1800" kern="1200">
+                <a:solidFill>
+                  <a:schemeClr val="tx1"/>
+                </a:solidFill>
+                <a:latin typeface="+mn-lt"/>
+                <a:ea typeface="+mn-ea"/>
+                <a:cs typeface="+mn-cs"/>
+              </a:defRPr>
+            </a:lvl2pPr>
+            <a:lvl3pPr marL="914400" algn="l" defTabSz="914400" rtl="0" eaLnBrk="1" latinLnBrk="0" hangingPunct="1">
+              <a:defRPr sz="1800" kern="1200">
+                <a:solidFill>
+                  <a:schemeClr val="tx1"/>
+                </a:solidFill>
+                <a:latin typeface="+mn-lt"/>
+                <a:ea typeface="+mn-ea"/>
+                <a:cs typeface="+mn-cs"/>
+              </a:defRPr>
+            </a:lvl3pPr>
+            <a:lvl4pPr marL="1371600" algn="l" defTabSz="914400" rtl="0" eaLnBrk="1" latinLnBrk="0" hangingPunct="1">
+              <a:defRPr sz="1800" kern="1200">
+                <a:solidFill>
+                  <a:schemeClr val="tx1"/>
+                </a:solidFill>
+                <a:latin typeface="+mn-lt"/>
+                <a:ea typeface="+mn-ea"/>
+                <a:cs typeface="+mn-cs"/>
+              </a:defRPr>
+            </a:lvl4pPr>
+            <a:lvl5pPr marL="1828800" algn="l" defTabSz="914400" rtl="0" eaLnBrk="1" latinLnBrk="0" hangingPunct="1">
+              <a:defRPr sz="1800" kern="1200">
+                <a:solidFill>
+                  <a:schemeClr val="tx1"/>
+                </a:solidFill>
+                <a:latin typeface="+mn-lt"/>
+                <a:ea typeface="+mn-ea"/>
+                <a:cs typeface="+mn-cs"/>
+              </a:defRPr>
+            </a:lvl5pPr>
+            <a:lvl6pPr marL="2286000" algn="l" defTabSz="914400" rtl="0" eaLnBrk="1" latinLnBrk="0" hangingPunct="1">
+              <a:defRPr sz="1800" kern="1200">
+                <a:solidFill>
+                  <a:schemeClr val="tx1"/>
+                </a:solidFill>
+                <a:latin typeface="+mn-lt"/>
+                <a:ea typeface="+mn-ea"/>
+                <a:cs typeface="+mn-cs"/>
+              </a:defRPr>
+            </a:lvl6pPr>
+            <a:lvl7pPr marL="2743200" algn="l" defTabSz="914400" rtl="0" eaLnBrk="1" latinLnBrk="0" hangingPunct="1">
+              <a:defRPr sz="1800" kern="1200">
+                <a:solidFill>
+                  <a:schemeClr val="tx1"/>
+                </a:solidFill>
+                <a:latin typeface="+mn-lt"/>
+                <a:ea typeface="+mn-ea"/>
+                <a:cs typeface="+mn-cs"/>
+              </a:defRPr>
+            </a:lvl7pPr>
+            <a:lvl8pPr marL="3200400" algn="l" defTabSz="914400" rtl="0" eaLnBrk="1" latinLnBrk="0" hangingPunct="1">
+              <a:defRPr sz="1800" kern="1200">
+                <a:solidFill>
+                  <a:schemeClr val="tx1"/>
+                </a:solidFill>
+                <a:latin typeface="+mn-lt"/>
+                <a:ea typeface="+mn-ea"/>
+                <a:cs typeface="+mn-cs"/>
+              </a:defRPr>
+            </a:lvl8pPr>
+            <a:lvl9pPr marL="3657600" algn="l" defTabSz="914400" rtl="0" eaLnBrk="1" latinLnBrk="0" hangingPunct="1">
+              <a:defRPr sz="1800" kern="1200">
+                <a:solidFill>
+                  <a:schemeClr val="tx1"/>
+                </a:solidFill>
+                <a:latin typeface="+mn-lt"/>
+                <a:ea typeface="+mn-ea"/>
+                <a:cs typeface="+mn-cs"/>
+              </a:defRPr>
+            </a:lvl9pPr>
+          </a:lstStyle>
           <a:p>
             <a:r>
               <a:rPr lang="en-US" b="1" dirty="0">
@@ -4602,10 +6201,10 @@
       </p:sp>
       <p:sp>
         <p:nvSpPr>
-          <p:cNvPr id="79" name="TextBox 78">
-            <a:extLst>
-              <a:ext uri="{FF2B5EF4-FFF2-40B4-BE49-F238E27FC236}">
-                <a16:creationId xmlns:a16="http://schemas.microsoft.com/office/drawing/2014/main" id="{DF0E859B-6692-4357-A7A2-87002815767C}"/>
+          <p:cNvPr id="121" name="TextBox 21">
+            <a:extLst>
+              <a:ext uri="{FF2B5EF4-FFF2-40B4-BE49-F238E27FC236}">
+                <a16:creationId xmlns:a16="http://schemas.microsoft.com/office/drawing/2014/main" id="{3471BF0A-C0E7-4915-B9C1-2507F357B8E7}"/>
               </a:ext>
             </a:extLst>
           </p:cNvPr>
@@ -4614,7 +6213,7 @@
         </p:nvSpPr>
         <p:spPr>
           <a:xfrm>
-            <a:off x="7536054" y="3344911"/>
+            <a:off x="7536054" y="3343937"/>
             <a:ext cx="1175322" cy="338554"/>
           </a:xfrm>
           <a:prstGeom prst="rect">
@@ -4626,7 +6225,101 @@
           <a:bodyPr wrap="none" rtlCol="0">
             <a:spAutoFit/>
           </a:bodyPr>
-          <a:lstStyle/>
+          <a:lstStyle>
+            <a:defPPr>
+              <a:defRPr lang="en-US"/>
+            </a:defPPr>
+            <a:lvl1pPr marL="0" algn="l" defTabSz="914400" rtl="0" eaLnBrk="1" latinLnBrk="0" hangingPunct="1">
+              <a:defRPr sz="1800" kern="1200">
+                <a:solidFill>
+                  <a:schemeClr val="tx1"/>
+                </a:solidFill>
+                <a:latin typeface="+mn-lt"/>
+                <a:ea typeface="+mn-ea"/>
+                <a:cs typeface="+mn-cs"/>
+              </a:defRPr>
+            </a:lvl1pPr>
+            <a:lvl2pPr marL="457200" algn="l" defTabSz="914400" rtl="0" eaLnBrk="1" latinLnBrk="0" hangingPunct="1">
+              <a:defRPr sz="1800" kern="1200">
+                <a:solidFill>
+                  <a:schemeClr val="tx1"/>
+                </a:solidFill>
+                <a:latin typeface="+mn-lt"/>
+                <a:ea typeface="+mn-ea"/>
+                <a:cs typeface="+mn-cs"/>
+              </a:defRPr>
+            </a:lvl2pPr>
+            <a:lvl3pPr marL="914400" algn="l" defTabSz="914400" rtl="0" eaLnBrk="1" latinLnBrk="0" hangingPunct="1">
+              <a:defRPr sz="1800" kern="1200">
+                <a:solidFill>
+                  <a:schemeClr val="tx1"/>
+                </a:solidFill>
+                <a:latin typeface="+mn-lt"/>
+                <a:ea typeface="+mn-ea"/>
+                <a:cs typeface="+mn-cs"/>
+              </a:defRPr>
+            </a:lvl3pPr>
+            <a:lvl4pPr marL="1371600" algn="l" defTabSz="914400" rtl="0" eaLnBrk="1" latinLnBrk="0" hangingPunct="1">
+              <a:defRPr sz="1800" kern="1200">
+                <a:solidFill>
+                  <a:schemeClr val="tx1"/>
+                </a:solidFill>
+                <a:latin typeface="+mn-lt"/>
+                <a:ea typeface="+mn-ea"/>
+                <a:cs typeface="+mn-cs"/>
+              </a:defRPr>
+            </a:lvl4pPr>
+            <a:lvl5pPr marL="1828800" algn="l" defTabSz="914400" rtl="0" eaLnBrk="1" latinLnBrk="0" hangingPunct="1">
+              <a:defRPr sz="1800" kern="1200">
+                <a:solidFill>
+                  <a:schemeClr val="tx1"/>
+                </a:solidFill>
+                <a:latin typeface="+mn-lt"/>
+                <a:ea typeface="+mn-ea"/>
+                <a:cs typeface="+mn-cs"/>
+              </a:defRPr>
+            </a:lvl5pPr>
+            <a:lvl6pPr marL="2286000" algn="l" defTabSz="914400" rtl="0" eaLnBrk="1" latinLnBrk="0" hangingPunct="1">
+              <a:defRPr sz="1800" kern="1200">
+                <a:solidFill>
+                  <a:schemeClr val="tx1"/>
+                </a:solidFill>
+                <a:latin typeface="+mn-lt"/>
+                <a:ea typeface="+mn-ea"/>
+                <a:cs typeface="+mn-cs"/>
+              </a:defRPr>
+            </a:lvl6pPr>
+            <a:lvl7pPr marL="2743200" algn="l" defTabSz="914400" rtl="0" eaLnBrk="1" latinLnBrk="0" hangingPunct="1">
+              <a:defRPr sz="1800" kern="1200">
+                <a:solidFill>
+                  <a:schemeClr val="tx1"/>
+                </a:solidFill>
+                <a:latin typeface="+mn-lt"/>
+                <a:ea typeface="+mn-ea"/>
+                <a:cs typeface="+mn-cs"/>
+              </a:defRPr>
+            </a:lvl7pPr>
+            <a:lvl8pPr marL="3200400" algn="l" defTabSz="914400" rtl="0" eaLnBrk="1" latinLnBrk="0" hangingPunct="1">
+              <a:defRPr sz="1800" kern="1200">
+                <a:solidFill>
+                  <a:schemeClr val="tx1"/>
+                </a:solidFill>
+                <a:latin typeface="+mn-lt"/>
+                <a:ea typeface="+mn-ea"/>
+                <a:cs typeface="+mn-cs"/>
+              </a:defRPr>
+            </a:lvl8pPr>
+            <a:lvl9pPr marL="3657600" algn="l" defTabSz="914400" rtl="0" eaLnBrk="1" latinLnBrk="0" hangingPunct="1">
+              <a:defRPr sz="1800" kern="1200">
+                <a:solidFill>
+                  <a:schemeClr val="tx1"/>
+                </a:solidFill>
+                <a:latin typeface="+mn-lt"/>
+                <a:ea typeface="+mn-ea"/>
+                <a:cs typeface="+mn-cs"/>
+              </a:defRPr>
+            </a:lvl9pPr>
+          </a:lstStyle>
           <a:p>
             <a:r>
               <a:rPr lang="en-US" sz="1100" b="1" dirty="0">
@@ -4648,10 +6341,10 @@
       </p:sp>
       <p:sp>
         <p:nvSpPr>
-          <p:cNvPr id="80" name="Rectangle: Rounded Corners 79">
-            <a:extLst>
-              <a:ext uri="{FF2B5EF4-FFF2-40B4-BE49-F238E27FC236}">
-                <a16:creationId xmlns:a16="http://schemas.microsoft.com/office/drawing/2014/main" id="{857F1680-D209-47E2-A427-477B1A80F6FB}"/>
+          <p:cNvPr id="122" name="Rectangle: Rounded Corners 121">
+            <a:extLst>
+              <a:ext uri="{FF2B5EF4-FFF2-40B4-BE49-F238E27FC236}">
+                <a16:creationId xmlns:a16="http://schemas.microsoft.com/office/drawing/2014/main" id="{39CCD6E2-3D8E-4408-8B7B-5434EB6AA1B3}"/>
               </a:ext>
             </a:extLst>
           </p:cNvPr>
@@ -4660,7 +6353,7 @@
         </p:nvSpPr>
         <p:spPr>
           <a:xfrm>
-            <a:off x="7595871" y="3608206"/>
+            <a:off x="7595871" y="3607232"/>
             <a:ext cx="655241" cy="615393"/>
           </a:xfrm>
           <a:prstGeom prst="roundRect">
@@ -4709,7 +6402,101 @@
         </p:style>
         <p:txBody>
           <a:bodyPr rtlCol="0" anchor="ctr"/>
-          <a:lstStyle/>
+          <a:lstStyle>
+            <a:defPPr>
+              <a:defRPr lang="en-US"/>
+            </a:defPPr>
+            <a:lvl1pPr marL="0" algn="l" defTabSz="914400" rtl="0" eaLnBrk="1" latinLnBrk="0" hangingPunct="1">
+              <a:defRPr sz="1800" kern="1200">
+                <a:solidFill>
+                  <a:schemeClr val="lt1"/>
+                </a:solidFill>
+                <a:latin typeface="+mn-lt"/>
+                <a:ea typeface="+mn-ea"/>
+                <a:cs typeface="+mn-cs"/>
+              </a:defRPr>
+            </a:lvl1pPr>
+            <a:lvl2pPr marL="457200" algn="l" defTabSz="914400" rtl="0" eaLnBrk="1" latinLnBrk="0" hangingPunct="1">
+              <a:defRPr sz="1800" kern="1200">
+                <a:solidFill>
+                  <a:schemeClr val="lt1"/>
+                </a:solidFill>
+                <a:latin typeface="+mn-lt"/>
+                <a:ea typeface="+mn-ea"/>
+                <a:cs typeface="+mn-cs"/>
+              </a:defRPr>
+            </a:lvl2pPr>
+            <a:lvl3pPr marL="914400" algn="l" defTabSz="914400" rtl="0" eaLnBrk="1" latinLnBrk="0" hangingPunct="1">
+              <a:defRPr sz="1800" kern="1200">
+                <a:solidFill>
+                  <a:schemeClr val="lt1"/>
+                </a:solidFill>
+                <a:latin typeface="+mn-lt"/>
+                <a:ea typeface="+mn-ea"/>
+                <a:cs typeface="+mn-cs"/>
+              </a:defRPr>
+            </a:lvl3pPr>
+            <a:lvl4pPr marL="1371600" algn="l" defTabSz="914400" rtl="0" eaLnBrk="1" latinLnBrk="0" hangingPunct="1">
+              <a:defRPr sz="1800" kern="1200">
+                <a:solidFill>
+                  <a:schemeClr val="lt1"/>
+                </a:solidFill>
+                <a:latin typeface="+mn-lt"/>
+                <a:ea typeface="+mn-ea"/>
+                <a:cs typeface="+mn-cs"/>
+              </a:defRPr>
+            </a:lvl4pPr>
+            <a:lvl5pPr marL="1828800" algn="l" defTabSz="914400" rtl="0" eaLnBrk="1" latinLnBrk="0" hangingPunct="1">
+              <a:defRPr sz="1800" kern="1200">
+                <a:solidFill>
+                  <a:schemeClr val="lt1"/>
+                </a:solidFill>
+                <a:latin typeface="+mn-lt"/>
+                <a:ea typeface="+mn-ea"/>
+                <a:cs typeface="+mn-cs"/>
+              </a:defRPr>
+            </a:lvl5pPr>
+            <a:lvl6pPr marL="2286000" algn="l" defTabSz="914400" rtl="0" eaLnBrk="1" latinLnBrk="0" hangingPunct="1">
+              <a:defRPr sz="1800" kern="1200">
+                <a:solidFill>
+                  <a:schemeClr val="lt1"/>
+                </a:solidFill>
+                <a:latin typeface="+mn-lt"/>
+                <a:ea typeface="+mn-ea"/>
+                <a:cs typeface="+mn-cs"/>
+              </a:defRPr>
+            </a:lvl6pPr>
+            <a:lvl7pPr marL="2743200" algn="l" defTabSz="914400" rtl="0" eaLnBrk="1" latinLnBrk="0" hangingPunct="1">
+              <a:defRPr sz="1800" kern="1200">
+                <a:solidFill>
+                  <a:schemeClr val="lt1"/>
+                </a:solidFill>
+                <a:latin typeface="+mn-lt"/>
+                <a:ea typeface="+mn-ea"/>
+                <a:cs typeface="+mn-cs"/>
+              </a:defRPr>
+            </a:lvl7pPr>
+            <a:lvl8pPr marL="3200400" algn="l" defTabSz="914400" rtl="0" eaLnBrk="1" latinLnBrk="0" hangingPunct="1">
+              <a:defRPr sz="1800" kern="1200">
+                <a:solidFill>
+                  <a:schemeClr val="lt1"/>
+                </a:solidFill>
+                <a:latin typeface="+mn-lt"/>
+                <a:ea typeface="+mn-ea"/>
+                <a:cs typeface="+mn-cs"/>
+              </a:defRPr>
+            </a:lvl8pPr>
+            <a:lvl9pPr marL="3657600" algn="l" defTabSz="914400" rtl="0" eaLnBrk="1" latinLnBrk="0" hangingPunct="1">
+              <a:defRPr sz="1800" kern="1200">
+                <a:solidFill>
+                  <a:schemeClr val="lt1"/>
+                </a:solidFill>
+                <a:latin typeface="+mn-lt"/>
+                <a:ea typeface="+mn-ea"/>
+                <a:cs typeface="+mn-cs"/>
+              </a:defRPr>
+            </a:lvl9pPr>
+          </a:lstStyle>
           <a:p>
             <a:pPr algn="ctr"/>
             <a:r>
@@ -4721,10 +6508,10 @@
       </p:sp>
       <p:sp>
         <p:nvSpPr>
-          <p:cNvPr id="81" name="Rectangle: Rounded Corners 80">
-            <a:extLst>
-              <a:ext uri="{FF2B5EF4-FFF2-40B4-BE49-F238E27FC236}">
-                <a16:creationId xmlns:a16="http://schemas.microsoft.com/office/drawing/2014/main" id="{E8978FF0-B517-4CDC-B742-0F686FCE12FB}"/>
+          <p:cNvPr id="123" name="Rectangle: Rounded Corners 122">
+            <a:extLst>
+              <a:ext uri="{FF2B5EF4-FFF2-40B4-BE49-F238E27FC236}">
+                <a16:creationId xmlns:a16="http://schemas.microsoft.com/office/drawing/2014/main" id="{670421F7-5BC8-4CE8-8B89-AE4A2191F801}"/>
               </a:ext>
             </a:extLst>
           </p:cNvPr>
@@ -4733,7 +6520,7 @@
         </p:nvSpPr>
         <p:spPr>
           <a:xfrm>
-            <a:off x="8372659" y="3617428"/>
+            <a:off x="8372659" y="3616454"/>
             <a:ext cx="655241" cy="609306"/>
           </a:xfrm>
           <a:prstGeom prst="roundRect">
@@ -4782,7 +6569,101 @@
         </p:style>
         <p:txBody>
           <a:bodyPr rtlCol="0" anchor="ctr"/>
-          <a:lstStyle/>
+          <a:lstStyle>
+            <a:defPPr>
+              <a:defRPr lang="en-US"/>
+            </a:defPPr>
+            <a:lvl1pPr marL="0" algn="l" defTabSz="914400" rtl="0" eaLnBrk="1" latinLnBrk="0" hangingPunct="1">
+              <a:defRPr sz="1800" kern="1200">
+                <a:solidFill>
+                  <a:schemeClr val="lt1"/>
+                </a:solidFill>
+                <a:latin typeface="+mn-lt"/>
+                <a:ea typeface="+mn-ea"/>
+                <a:cs typeface="+mn-cs"/>
+              </a:defRPr>
+            </a:lvl1pPr>
+            <a:lvl2pPr marL="457200" algn="l" defTabSz="914400" rtl="0" eaLnBrk="1" latinLnBrk="0" hangingPunct="1">
+              <a:defRPr sz="1800" kern="1200">
+                <a:solidFill>
+                  <a:schemeClr val="lt1"/>
+                </a:solidFill>
+                <a:latin typeface="+mn-lt"/>
+                <a:ea typeface="+mn-ea"/>
+                <a:cs typeface="+mn-cs"/>
+              </a:defRPr>
+            </a:lvl2pPr>
+            <a:lvl3pPr marL="914400" algn="l" defTabSz="914400" rtl="0" eaLnBrk="1" latinLnBrk="0" hangingPunct="1">
+              <a:defRPr sz="1800" kern="1200">
+                <a:solidFill>
+                  <a:schemeClr val="lt1"/>
+                </a:solidFill>
+                <a:latin typeface="+mn-lt"/>
+                <a:ea typeface="+mn-ea"/>
+                <a:cs typeface="+mn-cs"/>
+              </a:defRPr>
+            </a:lvl3pPr>
+            <a:lvl4pPr marL="1371600" algn="l" defTabSz="914400" rtl="0" eaLnBrk="1" latinLnBrk="0" hangingPunct="1">
+              <a:defRPr sz="1800" kern="1200">
+                <a:solidFill>
+                  <a:schemeClr val="lt1"/>
+                </a:solidFill>
+                <a:latin typeface="+mn-lt"/>
+                <a:ea typeface="+mn-ea"/>
+                <a:cs typeface="+mn-cs"/>
+              </a:defRPr>
+            </a:lvl4pPr>
+            <a:lvl5pPr marL="1828800" algn="l" defTabSz="914400" rtl="0" eaLnBrk="1" latinLnBrk="0" hangingPunct="1">
+              <a:defRPr sz="1800" kern="1200">
+                <a:solidFill>
+                  <a:schemeClr val="lt1"/>
+                </a:solidFill>
+                <a:latin typeface="+mn-lt"/>
+                <a:ea typeface="+mn-ea"/>
+                <a:cs typeface="+mn-cs"/>
+              </a:defRPr>
+            </a:lvl5pPr>
+            <a:lvl6pPr marL="2286000" algn="l" defTabSz="914400" rtl="0" eaLnBrk="1" latinLnBrk="0" hangingPunct="1">
+              <a:defRPr sz="1800" kern="1200">
+                <a:solidFill>
+                  <a:schemeClr val="lt1"/>
+                </a:solidFill>
+                <a:latin typeface="+mn-lt"/>
+                <a:ea typeface="+mn-ea"/>
+                <a:cs typeface="+mn-cs"/>
+              </a:defRPr>
+            </a:lvl6pPr>
+            <a:lvl7pPr marL="2743200" algn="l" defTabSz="914400" rtl="0" eaLnBrk="1" latinLnBrk="0" hangingPunct="1">
+              <a:defRPr sz="1800" kern="1200">
+                <a:solidFill>
+                  <a:schemeClr val="lt1"/>
+                </a:solidFill>
+                <a:latin typeface="+mn-lt"/>
+                <a:ea typeface="+mn-ea"/>
+                <a:cs typeface="+mn-cs"/>
+              </a:defRPr>
+            </a:lvl7pPr>
+            <a:lvl8pPr marL="3200400" algn="l" defTabSz="914400" rtl="0" eaLnBrk="1" latinLnBrk="0" hangingPunct="1">
+              <a:defRPr sz="1800" kern="1200">
+                <a:solidFill>
+                  <a:schemeClr val="lt1"/>
+                </a:solidFill>
+                <a:latin typeface="+mn-lt"/>
+                <a:ea typeface="+mn-ea"/>
+                <a:cs typeface="+mn-cs"/>
+              </a:defRPr>
+            </a:lvl8pPr>
+            <a:lvl9pPr marL="3657600" algn="l" defTabSz="914400" rtl="0" eaLnBrk="1" latinLnBrk="0" hangingPunct="1">
+              <a:defRPr sz="1800" kern="1200">
+                <a:solidFill>
+                  <a:schemeClr val="lt1"/>
+                </a:solidFill>
+                <a:latin typeface="+mn-lt"/>
+                <a:ea typeface="+mn-ea"/>
+                <a:cs typeface="+mn-cs"/>
+              </a:defRPr>
+            </a:lvl9pPr>
+          </a:lstStyle>
           <a:p>
             <a:pPr algn="ctr"/>
             <a:r>
@@ -4794,10 +6675,10 @@
       </p:sp>
       <p:sp>
         <p:nvSpPr>
-          <p:cNvPr id="82" name="Rectangle: Rounded Corners 81">
-            <a:extLst>
-              <a:ext uri="{FF2B5EF4-FFF2-40B4-BE49-F238E27FC236}">
-                <a16:creationId xmlns:a16="http://schemas.microsoft.com/office/drawing/2014/main" id="{803A02E0-7FE3-4BC8-97E8-E709F4F4591D}"/>
+          <p:cNvPr id="124" name="Rectangle: Rounded Corners 123">
+            <a:extLst>
+              <a:ext uri="{FF2B5EF4-FFF2-40B4-BE49-F238E27FC236}">
+                <a16:creationId xmlns:a16="http://schemas.microsoft.com/office/drawing/2014/main" id="{E8176A45-BB88-4350-B043-B7BCA85FBF4F}"/>
               </a:ext>
             </a:extLst>
           </p:cNvPr>
@@ -4806,7 +6687,7 @@
         </p:nvSpPr>
         <p:spPr>
           <a:xfrm>
-            <a:off x="9149447" y="3617427"/>
+            <a:off x="9149447" y="3616453"/>
             <a:ext cx="650427" cy="606171"/>
           </a:xfrm>
           <a:prstGeom prst="roundRect">
@@ -4855,7 +6736,101 @@
         </p:style>
         <p:txBody>
           <a:bodyPr rtlCol="0" anchor="ctr"/>
-          <a:lstStyle/>
+          <a:lstStyle>
+            <a:defPPr>
+              <a:defRPr lang="en-US"/>
+            </a:defPPr>
+            <a:lvl1pPr marL="0" algn="l" defTabSz="914400" rtl="0" eaLnBrk="1" latinLnBrk="0" hangingPunct="1">
+              <a:defRPr sz="1800" kern="1200">
+                <a:solidFill>
+                  <a:schemeClr val="lt1"/>
+                </a:solidFill>
+                <a:latin typeface="+mn-lt"/>
+                <a:ea typeface="+mn-ea"/>
+                <a:cs typeface="+mn-cs"/>
+              </a:defRPr>
+            </a:lvl1pPr>
+            <a:lvl2pPr marL="457200" algn="l" defTabSz="914400" rtl="0" eaLnBrk="1" latinLnBrk="0" hangingPunct="1">
+              <a:defRPr sz="1800" kern="1200">
+                <a:solidFill>
+                  <a:schemeClr val="lt1"/>
+                </a:solidFill>
+                <a:latin typeface="+mn-lt"/>
+                <a:ea typeface="+mn-ea"/>
+                <a:cs typeface="+mn-cs"/>
+              </a:defRPr>
+            </a:lvl2pPr>
+            <a:lvl3pPr marL="914400" algn="l" defTabSz="914400" rtl="0" eaLnBrk="1" latinLnBrk="0" hangingPunct="1">
+              <a:defRPr sz="1800" kern="1200">
+                <a:solidFill>
+                  <a:schemeClr val="lt1"/>
+                </a:solidFill>
+                <a:latin typeface="+mn-lt"/>
+                <a:ea typeface="+mn-ea"/>
+                <a:cs typeface="+mn-cs"/>
+              </a:defRPr>
+            </a:lvl3pPr>
+            <a:lvl4pPr marL="1371600" algn="l" defTabSz="914400" rtl="0" eaLnBrk="1" latinLnBrk="0" hangingPunct="1">
+              <a:defRPr sz="1800" kern="1200">
+                <a:solidFill>
+                  <a:schemeClr val="lt1"/>
+                </a:solidFill>
+                <a:latin typeface="+mn-lt"/>
+                <a:ea typeface="+mn-ea"/>
+                <a:cs typeface="+mn-cs"/>
+              </a:defRPr>
+            </a:lvl4pPr>
+            <a:lvl5pPr marL="1828800" algn="l" defTabSz="914400" rtl="0" eaLnBrk="1" latinLnBrk="0" hangingPunct="1">
+              <a:defRPr sz="1800" kern="1200">
+                <a:solidFill>
+                  <a:schemeClr val="lt1"/>
+                </a:solidFill>
+                <a:latin typeface="+mn-lt"/>
+                <a:ea typeface="+mn-ea"/>
+                <a:cs typeface="+mn-cs"/>
+              </a:defRPr>
+            </a:lvl5pPr>
+            <a:lvl6pPr marL="2286000" algn="l" defTabSz="914400" rtl="0" eaLnBrk="1" latinLnBrk="0" hangingPunct="1">
+              <a:defRPr sz="1800" kern="1200">
+                <a:solidFill>
+                  <a:schemeClr val="lt1"/>
+                </a:solidFill>
+                <a:latin typeface="+mn-lt"/>
+                <a:ea typeface="+mn-ea"/>
+                <a:cs typeface="+mn-cs"/>
+              </a:defRPr>
+            </a:lvl6pPr>
+            <a:lvl7pPr marL="2743200" algn="l" defTabSz="914400" rtl="0" eaLnBrk="1" latinLnBrk="0" hangingPunct="1">
+              <a:defRPr sz="1800" kern="1200">
+                <a:solidFill>
+                  <a:schemeClr val="lt1"/>
+                </a:solidFill>
+                <a:latin typeface="+mn-lt"/>
+                <a:ea typeface="+mn-ea"/>
+                <a:cs typeface="+mn-cs"/>
+              </a:defRPr>
+            </a:lvl7pPr>
+            <a:lvl8pPr marL="3200400" algn="l" defTabSz="914400" rtl="0" eaLnBrk="1" latinLnBrk="0" hangingPunct="1">
+              <a:defRPr sz="1800" kern="1200">
+                <a:solidFill>
+                  <a:schemeClr val="lt1"/>
+                </a:solidFill>
+                <a:latin typeface="+mn-lt"/>
+                <a:ea typeface="+mn-ea"/>
+                <a:cs typeface="+mn-cs"/>
+              </a:defRPr>
+            </a:lvl8pPr>
+            <a:lvl9pPr marL="3657600" algn="l" defTabSz="914400" rtl="0" eaLnBrk="1" latinLnBrk="0" hangingPunct="1">
+              <a:defRPr sz="1800" kern="1200">
+                <a:solidFill>
+                  <a:schemeClr val="lt1"/>
+                </a:solidFill>
+                <a:latin typeface="+mn-lt"/>
+                <a:ea typeface="+mn-ea"/>
+                <a:cs typeface="+mn-cs"/>
+              </a:defRPr>
+            </a:lvl9pPr>
+          </a:lstStyle>
           <a:p>
             <a:pPr algn="ctr"/>
             <a:r>
@@ -4867,10 +6842,10 @@
       </p:sp>
       <p:sp>
         <p:nvSpPr>
-          <p:cNvPr id="83" name="Rectangle: Rounded Corners 82">
-            <a:extLst>
-              <a:ext uri="{FF2B5EF4-FFF2-40B4-BE49-F238E27FC236}">
-                <a16:creationId xmlns:a16="http://schemas.microsoft.com/office/drawing/2014/main" id="{379FCDD3-22F0-4E3C-9BCF-A45C28B736AC}"/>
+          <p:cNvPr id="125" name="Rectangle: Rounded Corners 124">
+            <a:extLst>
+              <a:ext uri="{FF2B5EF4-FFF2-40B4-BE49-F238E27FC236}">
+                <a16:creationId xmlns:a16="http://schemas.microsoft.com/office/drawing/2014/main" id="{73468DE6-9A4B-49FA-9C8E-F5D59C0837B7}"/>
               </a:ext>
             </a:extLst>
           </p:cNvPr>
@@ -4879,7 +6854,7 @@
         </p:nvSpPr>
         <p:spPr>
           <a:xfrm>
-            <a:off x="979714" y="3187506"/>
+            <a:off x="979714" y="3186532"/>
             <a:ext cx="1983013" cy="1038860"/>
           </a:xfrm>
           <a:prstGeom prst="roundRect">
@@ -4928,7 +6903,101 @@
         </p:style>
         <p:txBody>
           <a:bodyPr rtlCol="0" anchor="ctr"/>
-          <a:lstStyle/>
+          <a:lstStyle>
+            <a:defPPr>
+              <a:defRPr lang="en-US"/>
+            </a:defPPr>
+            <a:lvl1pPr marL="0" algn="l" defTabSz="914400" rtl="0" eaLnBrk="1" latinLnBrk="0" hangingPunct="1">
+              <a:defRPr sz="1800" kern="1200">
+                <a:solidFill>
+                  <a:schemeClr val="lt1"/>
+                </a:solidFill>
+                <a:latin typeface="+mn-lt"/>
+                <a:ea typeface="+mn-ea"/>
+                <a:cs typeface="+mn-cs"/>
+              </a:defRPr>
+            </a:lvl1pPr>
+            <a:lvl2pPr marL="457200" algn="l" defTabSz="914400" rtl="0" eaLnBrk="1" latinLnBrk="0" hangingPunct="1">
+              <a:defRPr sz="1800" kern="1200">
+                <a:solidFill>
+                  <a:schemeClr val="lt1"/>
+                </a:solidFill>
+                <a:latin typeface="+mn-lt"/>
+                <a:ea typeface="+mn-ea"/>
+                <a:cs typeface="+mn-cs"/>
+              </a:defRPr>
+            </a:lvl2pPr>
+            <a:lvl3pPr marL="914400" algn="l" defTabSz="914400" rtl="0" eaLnBrk="1" latinLnBrk="0" hangingPunct="1">
+              <a:defRPr sz="1800" kern="1200">
+                <a:solidFill>
+                  <a:schemeClr val="lt1"/>
+                </a:solidFill>
+                <a:latin typeface="+mn-lt"/>
+                <a:ea typeface="+mn-ea"/>
+                <a:cs typeface="+mn-cs"/>
+              </a:defRPr>
+            </a:lvl3pPr>
+            <a:lvl4pPr marL="1371600" algn="l" defTabSz="914400" rtl="0" eaLnBrk="1" latinLnBrk="0" hangingPunct="1">
+              <a:defRPr sz="1800" kern="1200">
+                <a:solidFill>
+                  <a:schemeClr val="lt1"/>
+                </a:solidFill>
+                <a:latin typeface="+mn-lt"/>
+                <a:ea typeface="+mn-ea"/>
+                <a:cs typeface="+mn-cs"/>
+              </a:defRPr>
+            </a:lvl4pPr>
+            <a:lvl5pPr marL="1828800" algn="l" defTabSz="914400" rtl="0" eaLnBrk="1" latinLnBrk="0" hangingPunct="1">
+              <a:defRPr sz="1800" kern="1200">
+                <a:solidFill>
+                  <a:schemeClr val="lt1"/>
+                </a:solidFill>
+                <a:latin typeface="+mn-lt"/>
+                <a:ea typeface="+mn-ea"/>
+                <a:cs typeface="+mn-cs"/>
+              </a:defRPr>
+            </a:lvl5pPr>
+            <a:lvl6pPr marL="2286000" algn="l" defTabSz="914400" rtl="0" eaLnBrk="1" latinLnBrk="0" hangingPunct="1">
+              <a:defRPr sz="1800" kern="1200">
+                <a:solidFill>
+                  <a:schemeClr val="lt1"/>
+                </a:solidFill>
+                <a:latin typeface="+mn-lt"/>
+                <a:ea typeface="+mn-ea"/>
+                <a:cs typeface="+mn-cs"/>
+              </a:defRPr>
+            </a:lvl6pPr>
+            <a:lvl7pPr marL="2743200" algn="l" defTabSz="914400" rtl="0" eaLnBrk="1" latinLnBrk="0" hangingPunct="1">
+              <a:defRPr sz="1800" kern="1200">
+                <a:solidFill>
+                  <a:schemeClr val="lt1"/>
+                </a:solidFill>
+                <a:latin typeface="+mn-lt"/>
+                <a:ea typeface="+mn-ea"/>
+                <a:cs typeface="+mn-cs"/>
+              </a:defRPr>
+            </a:lvl7pPr>
+            <a:lvl8pPr marL="3200400" algn="l" defTabSz="914400" rtl="0" eaLnBrk="1" latinLnBrk="0" hangingPunct="1">
+              <a:defRPr sz="1800" kern="1200">
+                <a:solidFill>
+                  <a:schemeClr val="lt1"/>
+                </a:solidFill>
+                <a:latin typeface="+mn-lt"/>
+                <a:ea typeface="+mn-ea"/>
+                <a:cs typeface="+mn-cs"/>
+              </a:defRPr>
+            </a:lvl8pPr>
+            <a:lvl9pPr marL="3657600" algn="l" defTabSz="914400" rtl="0" eaLnBrk="1" latinLnBrk="0" hangingPunct="1">
+              <a:defRPr sz="1800" kern="1200">
+                <a:solidFill>
+                  <a:schemeClr val="lt1"/>
+                </a:solidFill>
+                <a:latin typeface="+mn-lt"/>
+                <a:ea typeface="+mn-ea"/>
+                <a:cs typeface="+mn-cs"/>
+              </a:defRPr>
+            </a:lvl9pPr>
+          </a:lstStyle>
           <a:p>
             <a:pPr algn="ctr"/>
             <a:r>
@@ -4940,10 +7009,10 @@
       </p:sp>
       <p:sp>
         <p:nvSpPr>
-          <p:cNvPr id="84" name="Rectangle: Rounded Corners 83">
-            <a:extLst>
-              <a:ext uri="{FF2B5EF4-FFF2-40B4-BE49-F238E27FC236}">
-                <a16:creationId xmlns:a16="http://schemas.microsoft.com/office/drawing/2014/main" id="{43C501E0-9095-4810-8F3C-8CAE031F5476}"/>
+          <p:cNvPr id="126" name="Rectangle: Rounded Corners 125">
+            <a:extLst>
+              <a:ext uri="{FF2B5EF4-FFF2-40B4-BE49-F238E27FC236}">
+                <a16:creationId xmlns:a16="http://schemas.microsoft.com/office/drawing/2014/main" id="{D31940CF-AB17-45EE-A211-C97529036FBF}"/>
               </a:ext>
             </a:extLst>
           </p:cNvPr>
@@ -4952,7 +7021,7 @@
         </p:nvSpPr>
         <p:spPr>
           <a:xfrm>
-            <a:off x="1153304" y="5241294"/>
+            <a:off x="1153304" y="5240320"/>
             <a:ext cx="2658372" cy="546155"/>
           </a:xfrm>
           <a:prstGeom prst="roundRect">
@@ -5001,7 +7070,101 @@
         </p:style>
         <p:txBody>
           <a:bodyPr rtlCol="0" anchor="ctr"/>
-          <a:lstStyle/>
+          <a:lstStyle>
+            <a:defPPr>
+              <a:defRPr lang="en-US"/>
+            </a:defPPr>
+            <a:lvl1pPr marL="0" algn="l" defTabSz="914400" rtl="0" eaLnBrk="1" latinLnBrk="0" hangingPunct="1">
+              <a:defRPr sz="1800" kern="1200">
+                <a:solidFill>
+                  <a:schemeClr val="lt1"/>
+                </a:solidFill>
+                <a:latin typeface="+mn-lt"/>
+                <a:ea typeface="+mn-ea"/>
+                <a:cs typeface="+mn-cs"/>
+              </a:defRPr>
+            </a:lvl1pPr>
+            <a:lvl2pPr marL="457200" algn="l" defTabSz="914400" rtl="0" eaLnBrk="1" latinLnBrk="0" hangingPunct="1">
+              <a:defRPr sz="1800" kern="1200">
+                <a:solidFill>
+                  <a:schemeClr val="lt1"/>
+                </a:solidFill>
+                <a:latin typeface="+mn-lt"/>
+                <a:ea typeface="+mn-ea"/>
+                <a:cs typeface="+mn-cs"/>
+              </a:defRPr>
+            </a:lvl2pPr>
+            <a:lvl3pPr marL="914400" algn="l" defTabSz="914400" rtl="0" eaLnBrk="1" latinLnBrk="0" hangingPunct="1">
+              <a:defRPr sz="1800" kern="1200">
+                <a:solidFill>
+                  <a:schemeClr val="lt1"/>
+                </a:solidFill>
+                <a:latin typeface="+mn-lt"/>
+                <a:ea typeface="+mn-ea"/>
+                <a:cs typeface="+mn-cs"/>
+              </a:defRPr>
+            </a:lvl3pPr>
+            <a:lvl4pPr marL="1371600" algn="l" defTabSz="914400" rtl="0" eaLnBrk="1" latinLnBrk="0" hangingPunct="1">
+              <a:defRPr sz="1800" kern="1200">
+                <a:solidFill>
+                  <a:schemeClr val="lt1"/>
+                </a:solidFill>
+                <a:latin typeface="+mn-lt"/>
+                <a:ea typeface="+mn-ea"/>
+                <a:cs typeface="+mn-cs"/>
+              </a:defRPr>
+            </a:lvl4pPr>
+            <a:lvl5pPr marL="1828800" algn="l" defTabSz="914400" rtl="0" eaLnBrk="1" latinLnBrk="0" hangingPunct="1">
+              <a:defRPr sz="1800" kern="1200">
+                <a:solidFill>
+                  <a:schemeClr val="lt1"/>
+                </a:solidFill>
+                <a:latin typeface="+mn-lt"/>
+                <a:ea typeface="+mn-ea"/>
+                <a:cs typeface="+mn-cs"/>
+              </a:defRPr>
+            </a:lvl5pPr>
+            <a:lvl6pPr marL="2286000" algn="l" defTabSz="914400" rtl="0" eaLnBrk="1" latinLnBrk="0" hangingPunct="1">
+              <a:defRPr sz="1800" kern="1200">
+                <a:solidFill>
+                  <a:schemeClr val="lt1"/>
+                </a:solidFill>
+                <a:latin typeface="+mn-lt"/>
+                <a:ea typeface="+mn-ea"/>
+                <a:cs typeface="+mn-cs"/>
+              </a:defRPr>
+            </a:lvl6pPr>
+            <a:lvl7pPr marL="2743200" algn="l" defTabSz="914400" rtl="0" eaLnBrk="1" latinLnBrk="0" hangingPunct="1">
+              <a:defRPr sz="1800" kern="1200">
+                <a:solidFill>
+                  <a:schemeClr val="lt1"/>
+                </a:solidFill>
+                <a:latin typeface="+mn-lt"/>
+                <a:ea typeface="+mn-ea"/>
+                <a:cs typeface="+mn-cs"/>
+              </a:defRPr>
+            </a:lvl7pPr>
+            <a:lvl8pPr marL="3200400" algn="l" defTabSz="914400" rtl="0" eaLnBrk="1" latinLnBrk="0" hangingPunct="1">
+              <a:defRPr sz="1800" kern="1200">
+                <a:solidFill>
+                  <a:schemeClr val="lt1"/>
+                </a:solidFill>
+                <a:latin typeface="+mn-lt"/>
+                <a:ea typeface="+mn-ea"/>
+                <a:cs typeface="+mn-cs"/>
+              </a:defRPr>
+            </a:lvl8pPr>
+            <a:lvl9pPr marL="3657600" algn="l" defTabSz="914400" rtl="0" eaLnBrk="1" latinLnBrk="0" hangingPunct="1">
+              <a:defRPr sz="1800" kern="1200">
+                <a:solidFill>
+                  <a:schemeClr val="lt1"/>
+                </a:solidFill>
+                <a:latin typeface="+mn-lt"/>
+                <a:ea typeface="+mn-ea"/>
+                <a:cs typeface="+mn-cs"/>
+              </a:defRPr>
+            </a:lvl9pPr>
+          </a:lstStyle>
           <a:p>
             <a:pPr algn="ctr"/>
             <a:r>
@@ -5013,10 +7176,10 @@
       </p:sp>
       <p:sp>
         <p:nvSpPr>
-          <p:cNvPr id="85" name="Rectangle: Rounded Corners 84">
-            <a:extLst>
-              <a:ext uri="{FF2B5EF4-FFF2-40B4-BE49-F238E27FC236}">
-                <a16:creationId xmlns:a16="http://schemas.microsoft.com/office/drawing/2014/main" id="{E912CCFD-6130-4707-B213-97560DEDB1EE}"/>
+          <p:cNvPr id="127" name="Rectangle: Rounded Corners 126">
+            <a:extLst>
+              <a:ext uri="{FF2B5EF4-FFF2-40B4-BE49-F238E27FC236}">
+                <a16:creationId xmlns:a16="http://schemas.microsoft.com/office/drawing/2014/main" id="{7DFA644F-AFCE-435E-8CFA-AFA3559B7A03}"/>
               </a:ext>
             </a:extLst>
           </p:cNvPr>
@@ -5025,7 +7188,7 @@
         </p:nvSpPr>
         <p:spPr>
           <a:xfrm>
-            <a:off x="4749285" y="5205955"/>
+            <a:off x="4749285" y="5204981"/>
             <a:ext cx="2658372" cy="546155"/>
           </a:xfrm>
           <a:prstGeom prst="roundRect">
@@ -5074,7 +7237,101 @@
         </p:style>
         <p:txBody>
           <a:bodyPr rtlCol="0" anchor="ctr"/>
-          <a:lstStyle/>
+          <a:lstStyle>
+            <a:defPPr>
+              <a:defRPr lang="en-US"/>
+            </a:defPPr>
+            <a:lvl1pPr marL="0" algn="l" defTabSz="914400" rtl="0" eaLnBrk="1" latinLnBrk="0" hangingPunct="1">
+              <a:defRPr sz="1800" kern="1200">
+                <a:solidFill>
+                  <a:schemeClr val="lt1"/>
+                </a:solidFill>
+                <a:latin typeface="+mn-lt"/>
+                <a:ea typeface="+mn-ea"/>
+                <a:cs typeface="+mn-cs"/>
+              </a:defRPr>
+            </a:lvl1pPr>
+            <a:lvl2pPr marL="457200" algn="l" defTabSz="914400" rtl="0" eaLnBrk="1" latinLnBrk="0" hangingPunct="1">
+              <a:defRPr sz="1800" kern="1200">
+                <a:solidFill>
+                  <a:schemeClr val="lt1"/>
+                </a:solidFill>
+                <a:latin typeface="+mn-lt"/>
+                <a:ea typeface="+mn-ea"/>
+                <a:cs typeface="+mn-cs"/>
+              </a:defRPr>
+            </a:lvl2pPr>
+            <a:lvl3pPr marL="914400" algn="l" defTabSz="914400" rtl="0" eaLnBrk="1" latinLnBrk="0" hangingPunct="1">
+              <a:defRPr sz="1800" kern="1200">
+                <a:solidFill>
+                  <a:schemeClr val="lt1"/>
+                </a:solidFill>
+                <a:latin typeface="+mn-lt"/>
+                <a:ea typeface="+mn-ea"/>
+                <a:cs typeface="+mn-cs"/>
+              </a:defRPr>
+            </a:lvl3pPr>
+            <a:lvl4pPr marL="1371600" algn="l" defTabSz="914400" rtl="0" eaLnBrk="1" latinLnBrk="0" hangingPunct="1">
+              <a:defRPr sz="1800" kern="1200">
+                <a:solidFill>
+                  <a:schemeClr val="lt1"/>
+                </a:solidFill>
+                <a:latin typeface="+mn-lt"/>
+                <a:ea typeface="+mn-ea"/>
+                <a:cs typeface="+mn-cs"/>
+              </a:defRPr>
+            </a:lvl4pPr>
+            <a:lvl5pPr marL="1828800" algn="l" defTabSz="914400" rtl="0" eaLnBrk="1" latinLnBrk="0" hangingPunct="1">
+              <a:defRPr sz="1800" kern="1200">
+                <a:solidFill>
+                  <a:schemeClr val="lt1"/>
+                </a:solidFill>
+                <a:latin typeface="+mn-lt"/>
+                <a:ea typeface="+mn-ea"/>
+                <a:cs typeface="+mn-cs"/>
+              </a:defRPr>
+            </a:lvl5pPr>
+            <a:lvl6pPr marL="2286000" algn="l" defTabSz="914400" rtl="0" eaLnBrk="1" latinLnBrk="0" hangingPunct="1">
+              <a:defRPr sz="1800" kern="1200">
+                <a:solidFill>
+                  <a:schemeClr val="lt1"/>
+                </a:solidFill>
+                <a:latin typeface="+mn-lt"/>
+                <a:ea typeface="+mn-ea"/>
+                <a:cs typeface="+mn-cs"/>
+              </a:defRPr>
+            </a:lvl6pPr>
+            <a:lvl7pPr marL="2743200" algn="l" defTabSz="914400" rtl="0" eaLnBrk="1" latinLnBrk="0" hangingPunct="1">
+              <a:defRPr sz="1800" kern="1200">
+                <a:solidFill>
+                  <a:schemeClr val="lt1"/>
+                </a:solidFill>
+                <a:latin typeface="+mn-lt"/>
+                <a:ea typeface="+mn-ea"/>
+                <a:cs typeface="+mn-cs"/>
+              </a:defRPr>
+            </a:lvl7pPr>
+            <a:lvl8pPr marL="3200400" algn="l" defTabSz="914400" rtl="0" eaLnBrk="1" latinLnBrk="0" hangingPunct="1">
+              <a:defRPr sz="1800" kern="1200">
+                <a:solidFill>
+                  <a:schemeClr val="lt1"/>
+                </a:solidFill>
+                <a:latin typeface="+mn-lt"/>
+                <a:ea typeface="+mn-ea"/>
+                <a:cs typeface="+mn-cs"/>
+              </a:defRPr>
+            </a:lvl8pPr>
+            <a:lvl9pPr marL="3657600" algn="l" defTabSz="914400" rtl="0" eaLnBrk="1" latinLnBrk="0" hangingPunct="1">
+              <a:defRPr sz="1800" kern="1200">
+                <a:solidFill>
+                  <a:schemeClr val="lt1"/>
+                </a:solidFill>
+                <a:latin typeface="+mn-lt"/>
+                <a:ea typeface="+mn-ea"/>
+                <a:cs typeface="+mn-cs"/>
+              </a:defRPr>
+            </a:lvl9pPr>
+          </a:lstStyle>
           <a:p>
             <a:pPr algn="ctr"/>
             <a:r>
@@ -5086,10 +7343,10 @@
       </p:sp>
       <p:sp>
         <p:nvSpPr>
-          <p:cNvPr id="86" name="Rectangle: Rounded Corners 85">
-            <a:extLst>
-              <a:ext uri="{FF2B5EF4-FFF2-40B4-BE49-F238E27FC236}">
-                <a16:creationId xmlns:a16="http://schemas.microsoft.com/office/drawing/2014/main" id="{8DA6E5B6-65C3-4F5B-B689-7487B8E2EB5C}"/>
+          <p:cNvPr id="128" name="Rectangle: Rounded Corners 127">
+            <a:extLst>
+              <a:ext uri="{FF2B5EF4-FFF2-40B4-BE49-F238E27FC236}">
+                <a16:creationId xmlns:a16="http://schemas.microsoft.com/office/drawing/2014/main" id="{20441466-90AC-4EC1-893D-96F007037A84}"/>
               </a:ext>
             </a:extLst>
           </p:cNvPr>
@@ -5098,7 +7355,7 @@
         </p:nvSpPr>
         <p:spPr>
           <a:xfrm>
-            <a:off x="8473974" y="5194353"/>
+            <a:off x="8473974" y="5193379"/>
             <a:ext cx="2658372" cy="546155"/>
           </a:xfrm>
           <a:prstGeom prst="roundRect">
@@ -5147,7 +7404,101 @@
         </p:style>
         <p:txBody>
           <a:bodyPr rtlCol="0" anchor="ctr"/>
-          <a:lstStyle/>
+          <a:lstStyle>
+            <a:defPPr>
+              <a:defRPr lang="en-US"/>
+            </a:defPPr>
+            <a:lvl1pPr marL="0" algn="l" defTabSz="914400" rtl="0" eaLnBrk="1" latinLnBrk="0" hangingPunct="1">
+              <a:defRPr sz="1800" kern="1200">
+                <a:solidFill>
+                  <a:schemeClr val="lt1"/>
+                </a:solidFill>
+                <a:latin typeface="+mn-lt"/>
+                <a:ea typeface="+mn-ea"/>
+                <a:cs typeface="+mn-cs"/>
+              </a:defRPr>
+            </a:lvl1pPr>
+            <a:lvl2pPr marL="457200" algn="l" defTabSz="914400" rtl="0" eaLnBrk="1" latinLnBrk="0" hangingPunct="1">
+              <a:defRPr sz="1800" kern="1200">
+                <a:solidFill>
+                  <a:schemeClr val="lt1"/>
+                </a:solidFill>
+                <a:latin typeface="+mn-lt"/>
+                <a:ea typeface="+mn-ea"/>
+                <a:cs typeface="+mn-cs"/>
+              </a:defRPr>
+            </a:lvl2pPr>
+            <a:lvl3pPr marL="914400" algn="l" defTabSz="914400" rtl="0" eaLnBrk="1" latinLnBrk="0" hangingPunct="1">
+              <a:defRPr sz="1800" kern="1200">
+                <a:solidFill>
+                  <a:schemeClr val="lt1"/>
+                </a:solidFill>
+                <a:latin typeface="+mn-lt"/>
+                <a:ea typeface="+mn-ea"/>
+                <a:cs typeface="+mn-cs"/>
+              </a:defRPr>
+            </a:lvl3pPr>
+            <a:lvl4pPr marL="1371600" algn="l" defTabSz="914400" rtl="0" eaLnBrk="1" latinLnBrk="0" hangingPunct="1">
+              <a:defRPr sz="1800" kern="1200">
+                <a:solidFill>
+                  <a:schemeClr val="lt1"/>
+                </a:solidFill>
+                <a:latin typeface="+mn-lt"/>
+                <a:ea typeface="+mn-ea"/>
+                <a:cs typeface="+mn-cs"/>
+              </a:defRPr>
+            </a:lvl4pPr>
+            <a:lvl5pPr marL="1828800" algn="l" defTabSz="914400" rtl="0" eaLnBrk="1" latinLnBrk="0" hangingPunct="1">
+              <a:defRPr sz="1800" kern="1200">
+                <a:solidFill>
+                  <a:schemeClr val="lt1"/>
+                </a:solidFill>
+                <a:latin typeface="+mn-lt"/>
+                <a:ea typeface="+mn-ea"/>
+                <a:cs typeface="+mn-cs"/>
+              </a:defRPr>
+            </a:lvl5pPr>
+            <a:lvl6pPr marL="2286000" algn="l" defTabSz="914400" rtl="0" eaLnBrk="1" latinLnBrk="0" hangingPunct="1">
+              <a:defRPr sz="1800" kern="1200">
+                <a:solidFill>
+                  <a:schemeClr val="lt1"/>
+                </a:solidFill>
+                <a:latin typeface="+mn-lt"/>
+                <a:ea typeface="+mn-ea"/>
+                <a:cs typeface="+mn-cs"/>
+              </a:defRPr>
+            </a:lvl6pPr>
+            <a:lvl7pPr marL="2743200" algn="l" defTabSz="914400" rtl="0" eaLnBrk="1" latinLnBrk="0" hangingPunct="1">
+              <a:defRPr sz="1800" kern="1200">
+                <a:solidFill>
+                  <a:schemeClr val="lt1"/>
+                </a:solidFill>
+                <a:latin typeface="+mn-lt"/>
+                <a:ea typeface="+mn-ea"/>
+                <a:cs typeface="+mn-cs"/>
+              </a:defRPr>
+            </a:lvl7pPr>
+            <a:lvl8pPr marL="3200400" algn="l" defTabSz="914400" rtl="0" eaLnBrk="1" latinLnBrk="0" hangingPunct="1">
+              <a:defRPr sz="1800" kern="1200">
+                <a:solidFill>
+                  <a:schemeClr val="lt1"/>
+                </a:solidFill>
+                <a:latin typeface="+mn-lt"/>
+                <a:ea typeface="+mn-ea"/>
+                <a:cs typeface="+mn-cs"/>
+              </a:defRPr>
+            </a:lvl8pPr>
+            <a:lvl9pPr marL="3657600" algn="l" defTabSz="914400" rtl="0" eaLnBrk="1" latinLnBrk="0" hangingPunct="1">
+              <a:defRPr sz="1800" kern="1200">
+                <a:solidFill>
+                  <a:schemeClr val="lt1"/>
+                </a:solidFill>
+                <a:latin typeface="+mn-lt"/>
+                <a:ea typeface="+mn-ea"/>
+                <a:cs typeface="+mn-cs"/>
+              </a:defRPr>
+            </a:lvl9pPr>
+          </a:lstStyle>
           <a:p>
             <a:pPr algn="ctr"/>
             <a:r>
@@ -5159,10 +7510,10 @@
       </p:sp>
       <p:sp>
         <p:nvSpPr>
-          <p:cNvPr id="87" name="Rectangle: Rounded Corners 86">
-            <a:extLst>
-              <a:ext uri="{FF2B5EF4-FFF2-40B4-BE49-F238E27FC236}">
-                <a16:creationId xmlns:a16="http://schemas.microsoft.com/office/drawing/2014/main" id="{EA24DB3D-B02D-45E4-91E2-B00EF2C6BDC5}"/>
+          <p:cNvPr id="129" name="Rectangle: Rounded Corners 128">
+            <a:extLst>
+              <a:ext uri="{FF2B5EF4-FFF2-40B4-BE49-F238E27FC236}">
+                <a16:creationId xmlns:a16="http://schemas.microsoft.com/office/drawing/2014/main" id="{8224E80C-56F9-4F9C-AE12-FFB01043ADEB}"/>
               </a:ext>
             </a:extLst>
           </p:cNvPr>
@@ -5171,40 +7522,128 @@
         </p:nvSpPr>
         <p:spPr>
           <a:xfrm>
-            <a:off x="926488" y="5890110"/>
+            <a:off x="926488" y="5889136"/>
             <a:ext cx="10372803" cy="894536"/>
           </a:xfrm>
           <a:prstGeom prst="roundRect">
             <a:avLst/>
           </a:prstGeom>
-          <a:noFill/>
-          <a:ln w="19050" cap="flat" cmpd="sng" algn="ctr">
-            <a:solidFill>
-              <a:schemeClr val="accent2"/>
-            </a:solidFill>
-            <a:prstDash val="solid"/>
-            <a:round/>
+          <a:ln>
             <a:headEnd type="none" w="med" len="med"/>
             <a:tailEnd type="none" w="med" len="med"/>
           </a:ln>
         </p:spPr>
         <p:style>
-          <a:lnRef idx="0">
-            <a:scrgbClr r="0" g="0" b="0"/>
+          <a:lnRef idx="1">
+            <a:schemeClr val="accent4"/>
           </a:lnRef>
-          <a:fillRef idx="0">
-            <a:scrgbClr r="0" g="0" b="0"/>
+          <a:fillRef idx="2">
+            <a:schemeClr val="accent4"/>
           </a:fillRef>
-          <a:effectRef idx="0">
-            <a:scrgbClr r="0" g="0" b="0"/>
+          <a:effectRef idx="1">
+            <a:schemeClr val="accent4"/>
           </a:effectRef>
           <a:fontRef idx="minor">
-            <a:schemeClr val="accent2"/>
+            <a:schemeClr val="dk1"/>
           </a:fontRef>
         </p:style>
         <p:txBody>
           <a:bodyPr rtlCol="0" anchor="ctr"/>
-          <a:lstStyle/>
+          <a:lstStyle>
+            <a:defPPr>
+              <a:defRPr lang="en-US"/>
+            </a:defPPr>
+            <a:lvl1pPr marL="0" algn="l" defTabSz="914400" rtl="0" eaLnBrk="1" latinLnBrk="0" hangingPunct="1">
+              <a:defRPr sz="1800" kern="1200">
+                <a:solidFill>
+                  <a:schemeClr val="dk1"/>
+                </a:solidFill>
+                <a:latin typeface="+mn-lt"/>
+                <a:ea typeface="+mn-ea"/>
+                <a:cs typeface="+mn-cs"/>
+              </a:defRPr>
+            </a:lvl1pPr>
+            <a:lvl2pPr marL="457200" algn="l" defTabSz="914400" rtl="0" eaLnBrk="1" latinLnBrk="0" hangingPunct="1">
+              <a:defRPr sz="1800" kern="1200">
+                <a:solidFill>
+                  <a:schemeClr val="dk1"/>
+                </a:solidFill>
+                <a:latin typeface="+mn-lt"/>
+                <a:ea typeface="+mn-ea"/>
+                <a:cs typeface="+mn-cs"/>
+              </a:defRPr>
+            </a:lvl2pPr>
+            <a:lvl3pPr marL="914400" algn="l" defTabSz="914400" rtl="0" eaLnBrk="1" latinLnBrk="0" hangingPunct="1">
+              <a:defRPr sz="1800" kern="1200">
+                <a:solidFill>
+                  <a:schemeClr val="dk1"/>
+                </a:solidFill>
+                <a:latin typeface="+mn-lt"/>
+                <a:ea typeface="+mn-ea"/>
+                <a:cs typeface="+mn-cs"/>
+              </a:defRPr>
+            </a:lvl3pPr>
+            <a:lvl4pPr marL="1371600" algn="l" defTabSz="914400" rtl="0" eaLnBrk="1" latinLnBrk="0" hangingPunct="1">
+              <a:defRPr sz="1800" kern="1200">
+                <a:solidFill>
+                  <a:schemeClr val="dk1"/>
+                </a:solidFill>
+                <a:latin typeface="+mn-lt"/>
+                <a:ea typeface="+mn-ea"/>
+                <a:cs typeface="+mn-cs"/>
+              </a:defRPr>
+            </a:lvl4pPr>
+            <a:lvl5pPr marL="1828800" algn="l" defTabSz="914400" rtl="0" eaLnBrk="1" latinLnBrk="0" hangingPunct="1">
+              <a:defRPr sz="1800" kern="1200">
+                <a:solidFill>
+                  <a:schemeClr val="dk1"/>
+                </a:solidFill>
+                <a:latin typeface="+mn-lt"/>
+                <a:ea typeface="+mn-ea"/>
+                <a:cs typeface="+mn-cs"/>
+              </a:defRPr>
+            </a:lvl5pPr>
+            <a:lvl6pPr marL="2286000" algn="l" defTabSz="914400" rtl="0" eaLnBrk="1" latinLnBrk="0" hangingPunct="1">
+              <a:defRPr sz="1800" kern="1200">
+                <a:solidFill>
+                  <a:schemeClr val="dk1"/>
+                </a:solidFill>
+                <a:latin typeface="+mn-lt"/>
+                <a:ea typeface="+mn-ea"/>
+                <a:cs typeface="+mn-cs"/>
+              </a:defRPr>
+            </a:lvl6pPr>
+            <a:lvl7pPr marL="2743200" algn="l" defTabSz="914400" rtl="0" eaLnBrk="1" latinLnBrk="0" hangingPunct="1">
+              <a:defRPr sz="1800" kern="1200">
+                <a:solidFill>
+                  <a:schemeClr val="dk1"/>
+                </a:solidFill>
+                <a:latin typeface="+mn-lt"/>
+                <a:ea typeface="+mn-ea"/>
+                <a:cs typeface="+mn-cs"/>
+              </a:defRPr>
+            </a:lvl7pPr>
+            <a:lvl8pPr marL="3200400" algn="l" defTabSz="914400" rtl="0" eaLnBrk="1" latinLnBrk="0" hangingPunct="1">
+              <a:defRPr sz="1800" kern="1200">
+                <a:solidFill>
+                  <a:schemeClr val="dk1"/>
+                </a:solidFill>
+                <a:latin typeface="+mn-lt"/>
+                <a:ea typeface="+mn-ea"/>
+                <a:cs typeface="+mn-cs"/>
+              </a:defRPr>
+            </a:lvl8pPr>
+            <a:lvl9pPr marL="3657600" algn="l" defTabSz="914400" rtl="0" eaLnBrk="1" latinLnBrk="0" hangingPunct="1">
+              <a:defRPr sz="1800" kern="1200">
+                <a:solidFill>
+                  <a:schemeClr val="dk1"/>
+                </a:solidFill>
+                <a:latin typeface="+mn-lt"/>
+                <a:ea typeface="+mn-ea"/>
+                <a:cs typeface="+mn-cs"/>
+              </a:defRPr>
+            </a:lvl9pPr>
+          </a:lstStyle>
           <a:p>
             <a:pPr algn="ctr"/>
             <a:endParaRPr lang="en-US" b="1"/>
@@ -5213,10 +7652,10 @@
       </p:sp>
       <p:sp>
         <p:nvSpPr>
-          <p:cNvPr id="88" name="TextBox 87">
-            <a:extLst>
-              <a:ext uri="{FF2B5EF4-FFF2-40B4-BE49-F238E27FC236}">
-                <a16:creationId xmlns:a16="http://schemas.microsoft.com/office/drawing/2014/main" id="{D74EC7A3-DAE9-469F-AEEF-F49D5779AB44}"/>
+          <p:cNvPr id="130" name="TextBox 31">
+            <a:extLst>
+              <a:ext uri="{FF2B5EF4-FFF2-40B4-BE49-F238E27FC236}">
+                <a16:creationId xmlns:a16="http://schemas.microsoft.com/office/drawing/2014/main" id="{358B8196-B949-4D50-9B4A-4407524D330D}"/>
               </a:ext>
             </a:extLst>
           </p:cNvPr>
@@ -5225,7 +7664,7 @@
         </p:nvSpPr>
         <p:spPr>
           <a:xfrm>
-            <a:off x="966947" y="5820352"/>
+            <a:off x="966947" y="5819378"/>
             <a:ext cx="595035" cy="369332"/>
           </a:xfrm>
           <a:prstGeom prst="rect">
@@ -5237,13 +7676,114 @@
           <a:bodyPr wrap="none" rtlCol="0">
             <a:spAutoFit/>
           </a:bodyPr>
-          <a:lstStyle/>
+          <a:lstStyle>
+            <a:defPPr>
+              <a:defRPr lang="en-US"/>
+            </a:defPPr>
+            <a:lvl1pPr marL="0" algn="l" defTabSz="914400" rtl="0" eaLnBrk="1" latinLnBrk="0" hangingPunct="1">
+              <a:defRPr sz="1800" kern="1200">
+                <a:solidFill>
+                  <a:schemeClr val="tx1"/>
+                </a:solidFill>
+                <a:latin typeface="+mn-lt"/>
+                <a:ea typeface="+mn-ea"/>
+                <a:cs typeface="+mn-cs"/>
+              </a:defRPr>
+            </a:lvl1pPr>
+            <a:lvl2pPr marL="457200" algn="l" defTabSz="914400" rtl="0" eaLnBrk="1" latinLnBrk="0" hangingPunct="1">
+              <a:defRPr sz="1800" kern="1200">
+                <a:solidFill>
+                  <a:schemeClr val="tx1"/>
+                </a:solidFill>
+                <a:latin typeface="+mn-lt"/>
+                <a:ea typeface="+mn-ea"/>
+                <a:cs typeface="+mn-cs"/>
+              </a:defRPr>
+            </a:lvl2pPr>
+            <a:lvl3pPr marL="914400" algn="l" defTabSz="914400" rtl="0" eaLnBrk="1" latinLnBrk="0" hangingPunct="1">
+              <a:defRPr sz="1800" kern="1200">
+                <a:solidFill>
+                  <a:schemeClr val="tx1"/>
+                </a:solidFill>
+                <a:latin typeface="+mn-lt"/>
+                <a:ea typeface="+mn-ea"/>
+                <a:cs typeface="+mn-cs"/>
+              </a:defRPr>
+            </a:lvl3pPr>
+            <a:lvl4pPr marL="1371600" algn="l" defTabSz="914400" rtl="0" eaLnBrk="1" latinLnBrk="0" hangingPunct="1">
+              <a:defRPr sz="1800" kern="1200">
+                <a:solidFill>
+                  <a:schemeClr val="tx1"/>
+                </a:solidFill>
+                <a:latin typeface="+mn-lt"/>
+                <a:ea typeface="+mn-ea"/>
+                <a:cs typeface="+mn-cs"/>
+              </a:defRPr>
+            </a:lvl4pPr>
+            <a:lvl5pPr marL="1828800" algn="l" defTabSz="914400" rtl="0" eaLnBrk="1" latinLnBrk="0" hangingPunct="1">
+              <a:defRPr sz="1800" kern="1200">
+                <a:solidFill>
+                  <a:schemeClr val="tx1"/>
+                </a:solidFill>
+                <a:latin typeface="+mn-lt"/>
+                <a:ea typeface="+mn-ea"/>
+                <a:cs typeface="+mn-cs"/>
+              </a:defRPr>
+            </a:lvl5pPr>
+            <a:lvl6pPr marL="2286000" algn="l" defTabSz="914400" rtl="0" eaLnBrk="1" latinLnBrk="0" hangingPunct="1">
+              <a:defRPr sz="1800" kern="1200">
+                <a:solidFill>
+                  <a:schemeClr val="tx1"/>
+                </a:solidFill>
+                <a:latin typeface="+mn-lt"/>
+                <a:ea typeface="+mn-ea"/>
+                <a:cs typeface="+mn-cs"/>
+              </a:defRPr>
+            </a:lvl6pPr>
+            <a:lvl7pPr marL="2743200" algn="l" defTabSz="914400" rtl="0" eaLnBrk="1" latinLnBrk="0" hangingPunct="1">
+              <a:defRPr sz="1800" kern="1200">
+                <a:solidFill>
+                  <a:schemeClr val="tx1"/>
+                </a:solidFill>
+                <a:latin typeface="+mn-lt"/>
+                <a:ea typeface="+mn-ea"/>
+                <a:cs typeface="+mn-cs"/>
+              </a:defRPr>
+            </a:lvl7pPr>
+            <a:lvl8pPr marL="3200400" algn="l" defTabSz="914400" rtl="0" eaLnBrk="1" latinLnBrk="0" hangingPunct="1">
+              <a:defRPr sz="1800" kern="1200">
+                <a:solidFill>
+                  <a:schemeClr val="tx1"/>
+                </a:solidFill>
+                <a:latin typeface="+mn-lt"/>
+                <a:ea typeface="+mn-ea"/>
+                <a:cs typeface="+mn-cs"/>
+              </a:defRPr>
+            </a:lvl8pPr>
+            <a:lvl9pPr marL="3657600" algn="l" defTabSz="914400" rtl="0" eaLnBrk="1" latinLnBrk="0" hangingPunct="1">
+              <a:defRPr sz="1800" kern="1200">
+                <a:solidFill>
+                  <a:schemeClr val="tx1"/>
+                </a:solidFill>
+                <a:latin typeface="+mn-lt"/>
+                <a:ea typeface="+mn-ea"/>
+                <a:cs typeface="+mn-cs"/>
+              </a:defRPr>
+            </a:lvl9pPr>
+          </a:lstStyle>
           <a:p>
             <a:r>
               <a:rPr lang="en-US" b="1" dirty="0">
                 <a:solidFill>
                   <a:srgbClr val="ED7D31"/>
                 </a:solidFill>
+                <a:effectLst>
+                  <a:outerShdw blurRad="38100" dist="38100" dir="2700000" algn="tl">
+                    <a:srgbClr val="000000">
+                      <a:alpha val="43137"/>
+                    </a:srgbClr>
+                  </a:outerShdw>
+                </a:effectLst>
               </a:rPr>
               <a:t>DUT</a:t>
             </a:r>
@@ -5252,10 +7792,10 @@
       </p:sp>
       <p:sp>
         <p:nvSpPr>
-          <p:cNvPr id="89" name="Rectangle: Rounded Corners 88">
-            <a:extLst>
-              <a:ext uri="{FF2B5EF4-FFF2-40B4-BE49-F238E27FC236}">
-                <a16:creationId xmlns:a16="http://schemas.microsoft.com/office/drawing/2014/main" id="{9F7EB154-D8C1-47B7-93D4-7B9516354131}"/>
+          <p:cNvPr id="131" name="Rectangle: Rounded Corners 130">
+            <a:extLst>
+              <a:ext uri="{FF2B5EF4-FFF2-40B4-BE49-F238E27FC236}">
+                <a16:creationId xmlns:a16="http://schemas.microsoft.com/office/drawing/2014/main" id="{5777DFA5-EDE4-417C-ADE4-179C981CFEF0}"/>
               </a:ext>
             </a:extLst>
           </p:cNvPr>
@@ -5264,7 +7804,7 @@
         </p:nvSpPr>
         <p:spPr>
           <a:xfrm>
-            <a:off x="1016000" y="6159861"/>
+            <a:off x="1016000" y="6158887"/>
             <a:ext cx="2658372" cy="546155"/>
           </a:xfrm>
           <a:prstGeom prst="roundRect">
@@ -5313,7 +7853,101 @@
         </p:style>
         <p:txBody>
           <a:bodyPr rtlCol="0" anchor="ctr"/>
-          <a:lstStyle/>
+          <a:lstStyle>
+            <a:defPPr>
+              <a:defRPr lang="en-US"/>
+            </a:defPPr>
+            <a:lvl1pPr marL="0" algn="l" defTabSz="914400" rtl="0" eaLnBrk="1" latinLnBrk="0" hangingPunct="1">
+              <a:defRPr sz="1800" kern="1200">
+                <a:solidFill>
+                  <a:schemeClr val="lt1"/>
+                </a:solidFill>
+                <a:latin typeface="+mn-lt"/>
+                <a:ea typeface="+mn-ea"/>
+                <a:cs typeface="+mn-cs"/>
+              </a:defRPr>
+            </a:lvl1pPr>
+            <a:lvl2pPr marL="457200" algn="l" defTabSz="914400" rtl="0" eaLnBrk="1" latinLnBrk="0" hangingPunct="1">
+              <a:defRPr sz="1800" kern="1200">
+                <a:solidFill>
+                  <a:schemeClr val="lt1"/>
+                </a:solidFill>
+                <a:latin typeface="+mn-lt"/>
+                <a:ea typeface="+mn-ea"/>
+                <a:cs typeface="+mn-cs"/>
+              </a:defRPr>
+            </a:lvl2pPr>
+            <a:lvl3pPr marL="914400" algn="l" defTabSz="914400" rtl="0" eaLnBrk="1" latinLnBrk="0" hangingPunct="1">
+              <a:defRPr sz="1800" kern="1200">
+                <a:solidFill>
+                  <a:schemeClr val="lt1"/>
+                </a:solidFill>
+                <a:latin typeface="+mn-lt"/>
+                <a:ea typeface="+mn-ea"/>
+                <a:cs typeface="+mn-cs"/>
+              </a:defRPr>
+            </a:lvl3pPr>
+            <a:lvl4pPr marL="1371600" algn="l" defTabSz="914400" rtl="0" eaLnBrk="1" latinLnBrk="0" hangingPunct="1">
+              <a:defRPr sz="1800" kern="1200">
+                <a:solidFill>
+                  <a:schemeClr val="lt1"/>
+                </a:solidFill>
+                <a:latin typeface="+mn-lt"/>
+                <a:ea typeface="+mn-ea"/>
+                <a:cs typeface="+mn-cs"/>
+              </a:defRPr>
+            </a:lvl4pPr>
+            <a:lvl5pPr marL="1828800" algn="l" defTabSz="914400" rtl="0" eaLnBrk="1" latinLnBrk="0" hangingPunct="1">
+              <a:defRPr sz="1800" kern="1200">
+                <a:solidFill>
+                  <a:schemeClr val="lt1"/>
+                </a:solidFill>
+                <a:latin typeface="+mn-lt"/>
+                <a:ea typeface="+mn-ea"/>
+                <a:cs typeface="+mn-cs"/>
+              </a:defRPr>
+            </a:lvl5pPr>
+            <a:lvl6pPr marL="2286000" algn="l" defTabSz="914400" rtl="0" eaLnBrk="1" latinLnBrk="0" hangingPunct="1">
+              <a:defRPr sz="1800" kern="1200">
+                <a:solidFill>
+                  <a:schemeClr val="lt1"/>
+                </a:solidFill>
+                <a:latin typeface="+mn-lt"/>
+                <a:ea typeface="+mn-ea"/>
+                <a:cs typeface="+mn-cs"/>
+              </a:defRPr>
+            </a:lvl6pPr>
+            <a:lvl7pPr marL="2743200" algn="l" defTabSz="914400" rtl="0" eaLnBrk="1" latinLnBrk="0" hangingPunct="1">
+              <a:defRPr sz="1800" kern="1200">
+                <a:solidFill>
+                  <a:schemeClr val="lt1"/>
+                </a:solidFill>
+                <a:latin typeface="+mn-lt"/>
+                <a:ea typeface="+mn-ea"/>
+                <a:cs typeface="+mn-cs"/>
+              </a:defRPr>
+            </a:lvl7pPr>
+            <a:lvl8pPr marL="3200400" algn="l" defTabSz="914400" rtl="0" eaLnBrk="1" latinLnBrk="0" hangingPunct="1">
+              <a:defRPr sz="1800" kern="1200">
+                <a:solidFill>
+                  <a:schemeClr val="lt1"/>
+                </a:solidFill>
+                <a:latin typeface="+mn-lt"/>
+                <a:ea typeface="+mn-ea"/>
+                <a:cs typeface="+mn-cs"/>
+              </a:defRPr>
+            </a:lvl8pPr>
+            <a:lvl9pPr marL="3657600" algn="l" defTabSz="914400" rtl="0" eaLnBrk="1" latinLnBrk="0" hangingPunct="1">
+              <a:defRPr sz="1800" kern="1200">
+                <a:solidFill>
+                  <a:schemeClr val="lt1"/>
+                </a:solidFill>
+                <a:latin typeface="+mn-lt"/>
+                <a:ea typeface="+mn-ea"/>
+                <a:cs typeface="+mn-cs"/>
+              </a:defRPr>
+            </a:lvl9pPr>
+          </a:lstStyle>
           <a:p>
             <a:pPr algn="ctr"/>
             <a:r>
@@ -5326,10 +7960,10 @@
       </p:sp>
       <p:sp>
         <p:nvSpPr>
-          <p:cNvPr id="90" name="Rectangle: Rounded Corners 89">
-            <a:extLst>
-              <a:ext uri="{FF2B5EF4-FFF2-40B4-BE49-F238E27FC236}">
-                <a16:creationId xmlns:a16="http://schemas.microsoft.com/office/drawing/2014/main" id="{8E147C67-A43F-493C-ADD8-AD3BCA27218E}"/>
+          <p:cNvPr id="132" name="Rectangle: Rounded Corners 131">
+            <a:extLst>
+              <a:ext uri="{FF2B5EF4-FFF2-40B4-BE49-F238E27FC236}">
+                <a16:creationId xmlns:a16="http://schemas.microsoft.com/office/drawing/2014/main" id="{AD6DBA4B-753D-4BCF-8E2D-E75A297FE25E}"/>
               </a:ext>
             </a:extLst>
           </p:cNvPr>
@@ -5338,7 +7972,7 @@
         </p:nvSpPr>
         <p:spPr>
           <a:xfrm>
-            <a:off x="4820683" y="6158512"/>
+            <a:off x="4820683" y="6157538"/>
             <a:ext cx="2658372" cy="546155"/>
           </a:xfrm>
           <a:prstGeom prst="roundRect">
@@ -5387,7 +8021,101 @@
         </p:style>
         <p:txBody>
           <a:bodyPr rtlCol="0" anchor="ctr"/>
-          <a:lstStyle/>
+          <a:lstStyle>
+            <a:defPPr>
+              <a:defRPr lang="en-US"/>
+            </a:defPPr>
+            <a:lvl1pPr marL="0" algn="l" defTabSz="914400" rtl="0" eaLnBrk="1" latinLnBrk="0" hangingPunct="1">
+              <a:defRPr sz="1800" kern="1200">
+                <a:solidFill>
+                  <a:schemeClr val="lt1"/>
+                </a:solidFill>
+                <a:latin typeface="+mn-lt"/>
+                <a:ea typeface="+mn-ea"/>
+                <a:cs typeface="+mn-cs"/>
+              </a:defRPr>
+            </a:lvl1pPr>
+            <a:lvl2pPr marL="457200" algn="l" defTabSz="914400" rtl="0" eaLnBrk="1" latinLnBrk="0" hangingPunct="1">
+              <a:defRPr sz="1800" kern="1200">
+                <a:solidFill>
+                  <a:schemeClr val="lt1"/>
+                </a:solidFill>
+                <a:latin typeface="+mn-lt"/>
+                <a:ea typeface="+mn-ea"/>
+                <a:cs typeface="+mn-cs"/>
+              </a:defRPr>
+            </a:lvl2pPr>
+            <a:lvl3pPr marL="914400" algn="l" defTabSz="914400" rtl="0" eaLnBrk="1" latinLnBrk="0" hangingPunct="1">
+              <a:defRPr sz="1800" kern="1200">
+                <a:solidFill>
+                  <a:schemeClr val="lt1"/>
+                </a:solidFill>
+                <a:latin typeface="+mn-lt"/>
+                <a:ea typeface="+mn-ea"/>
+                <a:cs typeface="+mn-cs"/>
+              </a:defRPr>
+            </a:lvl3pPr>
+            <a:lvl4pPr marL="1371600" algn="l" defTabSz="914400" rtl="0" eaLnBrk="1" latinLnBrk="0" hangingPunct="1">
+              <a:defRPr sz="1800" kern="1200">
+                <a:solidFill>
+                  <a:schemeClr val="lt1"/>
+                </a:solidFill>
+                <a:latin typeface="+mn-lt"/>
+                <a:ea typeface="+mn-ea"/>
+                <a:cs typeface="+mn-cs"/>
+              </a:defRPr>
+            </a:lvl4pPr>
+            <a:lvl5pPr marL="1828800" algn="l" defTabSz="914400" rtl="0" eaLnBrk="1" latinLnBrk="0" hangingPunct="1">
+              <a:defRPr sz="1800" kern="1200">
+                <a:solidFill>
+                  <a:schemeClr val="lt1"/>
+                </a:solidFill>
+                <a:latin typeface="+mn-lt"/>
+                <a:ea typeface="+mn-ea"/>
+                <a:cs typeface="+mn-cs"/>
+              </a:defRPr>
+            </a:lvl5pPr>
+            <a:lvl6pPr marL="2286000" algn="l" defTabSz="914400" rtl="0" eaLnBrk="1" latinLnBrk="0" hangingPunct="1">
+              <a:defRPr sz="1800" kern="1200">
+                <a:solidFill>
+                  <a:schemeClr val="lt1"/>
+                </a:solidFill>
+                <a:latin typeface="+mn-lt"/>
+                <a:ea typeface="+mn-ea"/>
+                <a:cs typeface="+mn-cs"/>
+              </a:defRPr>
+            </a:lvl6pPr>
+            <a:lvl7pPr marL="2743200" algn="l" defTabSz="914400" rtl="0" eaLnBrk="1" latinLnBrk="0" hangingPunct="1">
+              <a:defRPr sz="1800" kern="1200">
+                <a:solidFill>
+                  <a:schemeClr val="lt1"/>
+                </a:solidFill>
+                <a:latin typeface="+mn-lt"/>
+                <a:ea typeface="+mn-ea"/>
+                <a:cs typeface="+mn-cs"/>
+              </a:defRPr>
+            </a:lvl7pPr>
+            <a:lvl8pPr marL="3200400" algn="l" defTabSz="914400" rtl="0" eaLnBrk="1" latinLnBrk="0" hangingPunct="1">
+              <a:defRPr sz="1800" kern="1200">
+                <a:solidFill>
+                  <a:schemeClr val="lt1"/>
+                </a:solidFill>
+                <a:latin typeface="+mn-lt"/>
+                <a:ea typeface="+mn-ea"/>
+                <a:cs typeface="+mn-cs"/>
+              </a:defRPr>
+            </a:lvl8pPr>
+            <a:lvl9pPr marL="3657600" algn="l" defTabSz="914400" rtl="0" eaLnBrk="1" latinLnBrk="0" hangingPunct="1">
+              <a:defRPr sz="1800" kern="1200">
+                <a:solidFill>
+                  <a:schemeClr val="lt1"/>
+                </a:solidFill>
+                <a:latin typeface="+mn-lt"/>
+                <a:ea typeface="+mn-ea"/>
+                <a:cs typeface="+mn-cs"/>
+              </a:defRPr>
+            </a:lvl9pPr>
+          </a:lstStyle>
           <a:p>
             <a:pPr algn="ctr"/>
             <a:r>
@@ -5400,10 +8128,10 @@
       </p:sp>
       <p:sp>
         <p:nvSpPr>
-          <p:cNvPr id="91" name="Rectangle: Rounded Corners 90">
-            <a:extLst>
-              <a:ext uri="{FF2B5EF4-FFF2-40B4-BE49-F238E27FC236}">
-                <a16:creationId xmlns:a16="http://schemas.microsoft.com/office/drawing/2014/main" id="{4E87A75D-788C-4D98-A582-B1AC10191810}"/>
+          <p:cNvPr id="133" name="Rectangle: Rounded Corners 132">
+            <a:extLst>
+              <a:ext uri="{FF2B5EF4-FFF2-40B4-BE49-F238E27FC236}">
+                <a16:creationId xmlns:a16="http://schemas.microsoft.com/office/drawing/2014/main" id="{75284E74-6675-4055-BE10-69ACE9159557}"/>
               </a:ext>
             </a:extLst>
           </p:cNvPr>
@@ -5412,7 +8140,7 @@
         </p:nvSpPr>
         <p:spPr>
           <a:xfrm>
-            <a:off x="8569796" y="6158512"/>
+            <a:off x="8569796" y="6157538"/>
             <a:ext cx="2658372" cy="546155"/>
           </a:xfrm>
           <a:prstGeom prst="roundRect">
@@ -5461,7 +8189,101 @@
         </p:style>
         <p:txBody>
           <a:bodyPr rtlCol="0" anchor="ctr"/>
-          <a:lstStyle/>
+          <a:lstStyle>
+            <a:defPPr>
+              <a:defRPr lang="en-US"/>
+            </a:defPPr>
+            <a:lvl1pPr marL="0" algn="l" defTabSz="914400" rtl="0" eaLnBrk="1" latinLnBrk="0" hangingPunct="1">
+              <a:defRPr sz="1800" kern="1200">
+                <a:solidFill>
+                  <a:schemeClr val="lt1"/>
+                </a:solidFill>
+                <a:latin typeface="+mn-lt"/>
+                <a:ea typeface="+mn-ea"/>
+                <a:cs typeface="+mn-cs"/>
+              </a:defRPr>
+            </a:lvl1pPr>
+            <a:lvl2pPr marL="457200" algn="l" defTabSz="914400" rtl="0" eaLnBrk="1" latinLnBrk="0" hangingPunct="1">
+              <a:defRPr sz="1800" kern="1200">
+                <a:solidFill>
+                  <a:schemeClr val="lt1"/>
+                </a:solidFill>
+                <a:latin typeface="+mn-lt"/>
+                <a:ea typeface="+mn-ea"/>
+                <a:cs typeface="+mn-cs"/>
+              </a:defRPr>
+            </a:lvl2pPr>
+            <a:lvl3pPr marL="914400" algn="l" defTabSz="914400" rtl="0" eaLnBrk="1" latinLnBrk="0" hangingPunct="1">
+              <a:defRPr sz="1800" kern="1200">
+                <a:solidFill>
+                  <a:schemeClr val="lt1"/>
+                </a:solidFill>
+                <a:latin typeface="+mn-lt"/>
+                <a:ea typeface="+mn-ea"/>
+                <a:cs typeface="+mn-cs"/>
+              </a:defRPr>
+            </a:lvl3pPr>
+            <a:lvl4pPr marL="1371600" algn="l" defTabSz="914400" rtl="0" eaLnBrk="1" latinLnBrk="0" hangingPunct="1">
+              <a:defRPr sz="1800" kern="1200">
+                <a:solidFill>
+                  <a:schemeClr val="lt1"/>
+                </a:solidFill>
+                <a:latin typeface="+mn-lt"/>
+                <a:ea typeface="+mn-ea"/>
+                <a:cs typeface="+mn-cs"/>
+              </a:defRPr>
+            </a:lvl4pPr>
+            <a:lvl5pPr marL="1828800" algn="l" defTabSz="914400" rtl="0" eaLnBrk="1" latinLnBrk="0" hangingPunct="1">
+              <a:defRPr sz="1800" kern="1200">
+                <a:solidFill>
+                  <a:schemeClr val="lt1"/>
+                </a:solidFill>
+                <a:latin typeface="+mn-lt"/>
+                <a:ea typeface="+mn-ea"/>
+                <a:cs typeface="+mn-cs"/>
+              </a:defRPr>
+            </a:lvl5pPr>
+            <a:lvl6pPr marL="2286000" algn="l" defTabSz="914400" rtl="0" eaLnBrk="1" latinLnBrk="0" hangingPunct="1">
+              <a:defRPr sz="1800" kern="1200">
+                <a:solidFill>
+                  <a:schemeClr val="lt1"/>
+                </a:solidFill>
+                <a:latin typeface="+mn-lt"/>
+                <a:ea typeface="+mn-ea"/>
+                <a:cs typeface="+mn-cs"/>
+              </a:defRPr>
+            </a:lvl6pPr>
+            <a:lvl7pPr marL="2743200" algn="l" defTabSz="914400" rtl="0" eaLnBrk="1" latinLnBrk="0" hangingPunct="1">
+              <a:defRPr sz="1800" kern="1200">
+                <a:solidFill>
+                  <a:schemeClr val="lt1"/>
+                </a:solidFill>
+                <a:latin typeface="+mn-lt"/>
+                <a:ea typeface="+mn-ea"/>
+                <a:cs typeface="+mn-cs"/>
+              </a:defRPr>
+            </a:lvl7pPr>
+            <a:lvl8pPr marL="3200400" algn="l" defTabSz="914400" rtl="0" eaLnBrk="1" latinLnBrk="0" hangingPunct="1">
+              <a:defRPr sz="1800" kern="1200">
+                <a:solidFill>
+                  <a:schemeClr val="lt1"/>
+                </a:solidFill>
+                <a:latin typeface="+mn-lt"/>
+                <a:ea typeface="+mn-ea"/>
+                <a:cs typeface="+mn-cs"/>
+              </a:defRPr>
+            </a:lvl8pPr>
+            <a:lvl9pPr marL="3657600" algn="l" defTabSz="914400" rtl="0" eaLnBrk="1" latinLnBrk="0" hangingPunct="1">
+              <a:defRPr sz="1800" kern="1200">
+                <a:solidFill>
+                  <a:schemeClr val="lt1"/>
+                </a:solidFill>
+                <a:latin typeface="+mn-lt"/>
+                <a:ea typeface="+mn-ea"/>
+                <a:cs typeface="+mn-cs"/>
+              </a:defRPr>
+            </a:lvl9pPr>
+          </a:lstStyle>
           <a:p>
             <a:pPr algn="ctr"/>
             <a:r>
@@ -5472,12 +8294,56 @@
           </a:p>
         </p:txBody>
       </p:sp>
-      <p:sp>
-        <p:nvSpPr>
-          <p:cNvPr id="92" name="Flowchart: Connector 91">
-            <a:extLst>
-              <a:ext uri="{FF2B5EF4-FFF2-40B4-BE49-F238E27FC236}">
-                <a16:creationId xmlns:a16="http://schemas.microsoft.com/office/drawing/2014/main" id="{46C6ED13-CACD-4EBF-BD2E-921A3BA5C307}"/>
+      <p:cxnSp>
+        <p:nvCxnSpPr>
+          <p:cNvPr id="134" name="Connector: Elbow 133">
+            <a:extLst>
+              <a:ext uri="{FF2B5EF4-FFF2-40B4-BE49-F238E27FC236}">
+                <a16:creationId xmlns:a16="http://schemas.microsoft.com/office/drawing/2014/main" id="{10D35428-AE32-4506-9F2B-47F6DF3E6CC3}"/>
+              </a:ext>
+            </a:extLst>
+          </p:cNvPr>
+          <p:cNvCxnSpPr>
+            <a:cxnSpLocks/>
+            <a:stCxn id="152" idx="1"/>
+          </p:cNvCxnSpPr>
+          <p:nvPr/>
+        </p:nvCxnSpPr>
+        <p:spPr>
+          <a:xfrm rot="10800000" flipV="1">
+            <a:off x="4704543" y="2792611"/>
+            <a:ext cx="2431523" cy="328440"/>
+          </a:xfrm>
+          <a:prstGeom prst="bentConnector3">
+            <a:avLst>
+              <a:gd name="adj1" fmla="val 100350"/>
+            </a:avLst>
+          </a:prstGeom>
+          <a:ln>
+            <a:tailEnd type="triangle"/>
+          </a:ln>
+        </p:spPr>
+        <p:style>
+          <a:lnRef idx="3">
+            <a:schemeClr val="dk1"/>
+          </a:lnRef>
+          <a:fillRef idx="0">
+            <a:schemeClr val="dk1"/>
+          </a:fillRef>
+          <a:effectRef idx="2">
+            <a:schemeClr val="dk1"/>
+          </a:effectRef>
+          <a:fontRef idx="minor">
+            <a:schemeClr val="tx1"/>
+          </a:fontRef>
+        </p:style>
+      </p:cxnSp>
+      <p:sp>
+        <p:nvSpPr>
+          <p:cNvPr id="135" name="Rectangle: Rounded Corners 134">
+            <a:extLst>
+              <a:ext uri="{FF2B5EF4-FFF2-40B4-BE49-F238E27FC236}">
+                <a16:creationId xmlns:a16="http://schemas.microsoft.com/office/drawing/2014/main" id="{A9DA5731-50F2-46D4-AAD9-3B5E26862172}"/>
               </a:ext>
             </a:extLst>
           </p:cNvPr>
@@ -5486,7 +8352,254 @@
         </p:nvSpPr>
         <p:spPr>
           <a:xfrm>
-            <a:off x="7110307" y="2694719"/>
+            <a:off x="4609316" y="3117763"/>
+            <a:ext cx="186695" cy="126758"/>
+          </a:xfrm>
+          <a:prstGeom prst="roundRect">
+            <a:avLst/>
+          </a:prstGeom>
+          <a:gradFill flip="none" rotWithShape="1">
+            <a:gsLst>
+              <a:gs pos="0">
+                <a:schemeClr val="dk1">
+                  <a:lumMod val="67000"/>
+                </a:schemeClr>
+              </a:gs>
+              <a:gs pos="48000">
+                <a:schemeClr val="dk1">
+                  <a:lumMod val="97000"/>
+                  <a:lumOff val="3000"/>
+                </a:schemeClr>
+              </a:gs>
+              <a:gs pos="100000">
+                <a:schemeClr val="dk1">
+                  <a:lumMod val="60000"/>
+                  <a:lumOff val="40000"/>
+                </a:schemeClr>
+              </a:gs>
+            </a:gsLst>
+            <a:lin ang="16200000" scaled="1"/>
+            <a:tileRect/>
+          </a:gradFill>
+          <a:ln>
+            <a:noFill/>
+          </a:ln>
+        </p:spPr>
+        <p:style>
+          <a:lnRef idx="0">
+            <a:scrgbClr r="0" g="0" b="0"/>
+          </a:lnRef>
+          <a:fillRef idx="0">
+            <a:scrgbClr r="0" g="0" b="0"/>
+          </a:fillRef>
+          <a:effectRef idx="0">
+            <a:scrgbClr r="0" g="0" b="0"/>
+          </a:effectRef>
+          <a:fontRef idx="minor">
+            <a:schemeClr val="lt1"/>
+          </a:fontRef>
+        </p:style>
+        <p:txBody>
+          <a:bodyPr rtlCol="0" anchor="ctr"/>
+          <a:lstStyle>
+            <a:defPPr>
+              <a:defRPr lang="en-US"/>
+            </a:defPPr>
+            <a:lvl1pPr marL="0" algn="l" defTabSz="914400" rtl="0" eaLnBrk="1" latinLnBrk="0" hangingPunct="1">
+              <a:defRPr sz="1800" kern="1200">
+                <a:solidFill>
+                  <a:schemeClr val="lt1"/>
+                </a:solidFill>
+                <a:latin typeface="+mn-lt"/>
+                <a:ea typeface="+mn-ea"/>
+                <a:cs typeface="+mn-cs"/>
+              </a:defRPr>
+            </a:lvl1pPr>
+            <a:lvl2pPr marL="457200" algn="l" defTabSz="914400" rtl="0" eaLnBrk="1" latinLnBrk="0" hangingPunct="1">
+              <a:defRPr sz="1800" kern="1200">
+                <a:solidFill>
+                  <a:schemeClr val="lt1"/>
+                </a:solidFill>
+                <a:latin typeface="+mn-lt"/>
+                <a:ea typeface="+mn-ea"/>
+                <a:cs typeface="+mn-cs"/>
+              </a:defRPr>
+            </a:lvl2pPr>
+            <a:lvl3pPr marL="914400" algn="l" defTabSz="914400" rtl="0" eaLnBrk="1" latinLnBrk="0" hangingPunct="1">
+              <a:defRPr sz="1800" kern="1200">
+                <a:solidFill>
+                  <a:schemeClr val="lt1"/>
+                </a:solidFill>
+                <a:latin typeface="+mn-lt"/>
+                <a:ea typeface="+mn-ea"/>
+                <a:cs typeface="+mn-cs"/>
+              </a:defRPr>
+            </a:lvl3pPr>
+            <a:lvl4pPr marL="1371600" algn="l" defTabSz="914400" rtl="0" eaLnBrk="1" latinLnBrk="0" hangingPunct="1">
+              <a:defRPr sz="1800" kern="1200">
+                <a:solidFill>
+                  <a:schemeClr val="lt1"/>
+                </a:solidFill>
+                <a:latin typeface="+mn-lt"/>
+                <a:ea typeface="+mn-ea"/>
+                <a:cs typeface="+mn-cs"/>
+              </a:defRPr>
+            </a:lvl4pPr>
+            <a:lvl5pPr marL="1828800" algn="l" defTabSz="914400" rtl="0" eaLnBrk="1" latinLnBrk="0" hangingPunct="1">
+              <a:defRPr sz="1800" kern="1200">
+                <a:solidFill>
+                  <a:schemeClr val="lt1"/>
+                </a:solidFill>
+                <a:latin typeface="+mn-lt"/>
+                <a:ea typeface="+mn-ea"/>
+                <a:cs typeface="+mn-cs"/>
+              </a:defRPr>
+            </a:lvl5pPr>
+            <a:lvl6pPr marL="2286000" algn="l" defTabSz="914400" rtl="0" eaLnBrk="1" latinLnBrk="0" hangingPunct="1">
+              <a:defRPr sz="1800" kern="1200">
+                <a:solidFill>
+                  <a:schemeClr val="lt1"/>
+                </a:solidFill>
+                <a:latin typeface="+mn-lt"/>
+                <a:ea typeface="+mn-ea"/>
+                <a:cs typeface="+mn-cs"/>
+              </a:defRPr>
+            </a:lvl6pPr>
+            <a:lvl7pPr marL="2743200" algn="l" defTabSz="914400" rtl="0" eaLnBrk="1" latinLnBrk="0" hangingPunct="1">
+              <a:defRPr sz="1800" kern="1200">
+                <a:solidFill>
+                  <a:schemeClr val="lt1"/>
+                </a:solidFill>
+                <a:latin typeface="+mn-lt"/>
+                <a:ea typeface="+mn-ea"/>
+                <a:cs typeface="+mn-cs"/>
+              </a:defRPr>
+            </a:lvl7pPr>
+            <a:lvl8pPr marL="3200400" algn="l" defTabSz="914400" rtl="0" eaLnBrk="1" latinLnBrk="0" hangingPunct="1">
+              <a:defRPr sz="1800" kern="1200">
+                <a:solidFill>
+                  <a:schemeClr val="lt1"/>
+                </a:solidFill>
+                <a:latin typeface="+mn-lt"/>
+                <a:ea typeface="+mn-ea"/>
+                <a:cs typeface="+mn-cs"/>
+              </a:defRPr>
+            </a:lvl8pPr>
+            <a:lvl9pPr marL="3657600" algn="l" defTabSz="914400" rtl="0" eaLnBrk="1" latinLnBrk="0" hangingPunct="1">
+              <a:defRPr sz="1800" kern="1200">
+                <a:solidFill>
+                  <a:schemeClr val="lt1"/>
+                </a:solidFill>
+                <a:latin typeface="+mn-lt"/>
+                <a:ea typeface="+mn-ea"/>
+                <a:cs typeface="+mn-cs"/>
+              </a:defRPr>
+            </a:lvl9pPr>
+          </a:lstStyle>
+          <a:p>
+            <a:pPr algn="ctr"/>
+            <a:endParaRPr lang="en-US" b="1"/>
+          </a:p>
+        </p:txBody>
+      </p:sp>
+      <p:cxnSp>
+        <p:nvCxnSpPr>
+          <p:cNvPr id="136" name="Straight Arrow Connector 135">
+            <a:extLst>
+              <a:ext uri="{FF2B5EF4-FFF2-40B4-BE49-F238E27FC236}">
+                <a16:creationId xmlns:a16="http://schemas.microsoft.com/office/drawing/2014/main" id="{DE0E4E1A-62A3-45EF-9262-898BC2E0798C}"/>
+              </a:ext>
+            </a:extLst>
+          </p:cNvPr>
+          <p:cNvCxnSpPr>
+            <a:cxnSpLocks/>
+          </p:cNvCxnSpPr>
+          <p:nvPr/>
+        </p:nvCxnSpPr>
+        <p:spPr>
+          <a:xfrm>
+            <a:off x="4737560" y="4209745"/>
+            <a:ext cx="0" cy="692175"/>
+          </a:xfrm>
+          <a:prstGeom prst="straightConnector1">
+            <a:avLst/>
+          </a:prstGeom>
+          <a:ln>
+            <a:headEnd type="triangle"/>
+            <a:tailEnd type="triangle"/>
+          </a:ln>
+        </p:spPr>
+        <p:style>
+          <a:lnRef idx="3">
+            <a:schemeClr val="dk1"/>
+          </a:lnRef>
+          <a:fillRef idx="0">
+            <a:schemeClr val="dk1"/>
+          </a:fillRef>
+          <a:effectRef idx="2">
+            <a:schemeClr val="dk1"/>
+          </a:effectRef>
+          <a:fontRef idx="minor">
+            <a:schemeClr val="tx1"/>
+          </a:fontRef>
+        </p:style>
+      </p:cxnSp>
+      <p:cxnSp>
+        <p:nvCxnSpPr>
+          <p:cNvPr id="137" name="Straight Arrow Connector 136">
+            <a:extLst>
+              <a:ext uri="{FF2B5EF4-FFF2-40B4-BE49-F238E27FC236}">
+                <a16:creationId xmlns:a16="http://schemas.microsoft.com/office/drawing/2014/main" id="{89BF9FE4-2C2D-4DF1-BACC-502B3D839B4F}"/>
+              </a:ext>
+            </a:extLst>
+          </p:cNvPr>
+          <p:cNvCxnSpPr>
+            <a:cxnSpLocks/>
+          </p:cNvCxnSpPr>
+          <p:nvPr/>
+        </p:nvCxnSpPr>
+        <p:spPr>
+          <a:xfrm flipV="1">
+            <a:off x="2664765" y="4225392"/>
+            <a:ext cx="3467" cy="704861"/>
+          </a:xfrm>
+          <a:prstGeom prst="straightConnector1">
+            <a:avLst/>
+          </a:prstGeom>
+          <a:ln>
+            <a:tailEnd type="triangle"/>
+          </a:ln>
+        </p:spPr>
+        <p:style>
+          <a:lnRef idx="3">
+            <a:schemeClr val="dk1"/>
+          </a:lnRef>
+          <a:fillRef idx="0">
+            <a:schemeClr val="dk1"/>
+          </a:fillRef>
+          <a:effectRef idx="2">
+            <a:schemeClr val="dk1"/>
+          </a:effectRef>
+          <a:fontRef idx="minor">
+            <a:schemeClr val="tx1"/>
+          </a:fontRef>
+        </p:style>
+      </p:cxnSp>
+      <p:sp>
+        <p:nvSpPr>
+          <p:cNvPr id="138" name="Flowchart: Connector 137">
+            <a:extLst>
+              <a:ext uri="{FF2B5EF4-FFF2-40B4-BE49-F238E27FC236}">
+                <a16:creationId xmlns:a16="http://schemas.microsoft.com/office/drawing/2014/main" id="{FF9FFA4A-78EB-46DB-A0E7-18EDAF0A82F9}"/>
+              </a:ext>
+            </a:extLst>
+          </p:cNvPr>
+          <p:cNvSpPr/>
+          <p:nvPr/>
+        </p:nvSpPr>
+        <p:spPr>
+          <a:xfrm>
+            <a:off x="1892302" y="1763636"/>
             <a:ext cx="217460" cy="208391"/>
           </a:xfrm>
           <a:prstGeom prst="flowChartConnector">
@@ -5535,7 +8648,101 @@
         </p:style>
         <p:txBody>
           <a:bodyPr rtlCol="0" anchor="ctr"/>
-          <a:lstStyle/>
+          <a:lstStyle>
+            <a:defPPr>
+              <a:defRPr lang="en-US"/>
+            </a:defPPr>
+            <a:lvl1pPr marL="0" algn="l" defTabSz="914400" rtl="0" eaLnBrk="1" latinLnBrk="0" hangingPunct="1">
+              <a:defRPr sz="1800" kern="1200">
+                <a:solidFill>
+                  <a:schemeClr val="lt1"/>
+                </a:solidFill>
+                <a:latin typeface="+mn-lt"/>
+                <a:ea typeface="+mn-ea"/>
+                <a:cs typeface="+mn-cs"/>
+              </a:defRPr>
+            </a:lvl1pPr>
+            <a:lvl2pPr marL="457200" algn="l" defTabSz="914400" rtl="0" eaLnBrk="1" latinLnBrk="0" hangingPunct="1">
+              <a:defRPr sz="1800" kern="1200">
+                <a:solidFill>
+                  <a:schemeClr val="lt1"/>
+                </a:solidFill>
+                <a:latin typeface="+mn-lt"/>
+                <a:ea typeface="+mn-ea"/>
+                <a:cs typeface="+mn-cs"/>
+              </a:defRPr>
+            </a:lvl2pPr>
+            <a:lvl3pPr marL="914400" algn="l" defTabSz="914400" rtl="0" eaLnBrk="1" latinLnBrk="0" hangingPunct="1">
+              <a:defRPr sz="1800" kern="1200">
+                <a:solidFill>
+                  <a:schemeClr val="lt1"/>
+                </a:solidFill>
+                <a:latin typeface="+mn-lt"/>
+                <a:ea typeface="+mn-ea"/>
+                <a:cs typeface="+mn-cs"/>
+              </a:defRPr>
+            </a:lvl3pPr>
+            <a:lvl4pPr marL="1371600" algn="l" defTabSz="914400" rtl="0" eaLnBrk="1" latinLnBrk="0" hangingPunct="1">
+              <a:defRPr sz="1800" kern="1200">
+                <a:solidFill>
+                  <a:schemeClr val="lt1"/>
+                </a:solidFill>
+                <a:latin typeface="+mn-lt"/>
+                <a:ea typeface="+mn-ea"/>
+                <a:cs typeface="+mn-cs"/>
+              </a:defRPr>
+            </a:lvl4pPr>
+            <a:lvl5pPr marL="1828800" algn="l" defTabSz="914400" rtl="0" eaLnBrk="1" latinLnBrk="0" hangingPunct="1">
+              <a:defRPr sz="1800" kern="1200">
+                <a:solidFill>
+                  <a:schemeClr val="lt1"/>
+                </a:solidFill>
+                <a:latin typeface="+mn-lt"/>
+                <a:ea typeface="+mn-ea"/>
+                <a:cs typeface="+mn-cs"/>
+              </a:defRPr>
+            </a:lvl5pPr>
+            <a:lvl6pPr marL="2286000" algn="l" defTabSz="914400" rtl="0" eaLnBrk="1" latinLnBrk="0" hangingPunct="1">
+              <a:defRPr sz="1800" kern="1200">
+                <a:solidFill>
+                  <a:schemeClr val="lt1"/>
+                </a:solidFill>
+                <a:latin typeface="+mn-lt"/>
+                <a:ea typeface="+mn-ea"/>
+                <a:cs typeface="+mn-cs"/>
+              </a:defRPr>
+            </a:lvl6pPr>
+            <a:lvl7pPr marL="2743200" algn="l" defTabSz="914400" rtl="0" eaLnBrk="1" latinLnBrk="0" hangingPunct="1">
+              <a:defRPr sz="1800" kern="1200">
+                <a:solidFill>
+                  <a:schemeClr val="lt1"/>
+                </a:solidFill>
+                <a:latin typeface="+mn-lt"/>
+                <a:ea typeface="+mn-ea"/>
+                <a:cs typeface="+mn-cs"/>
+              </a:defRPr>
+            </a:lvl7pPr>
+            <a:lvl8pPr marL="3200400" algn="l" defTabSz="914400" rtl="0" eaLnBrk="1" latinLnBrk="0" hangingPunct="1">
+              <a:defRPr sz="1800" kern="1200">
+                <a:solidFill>
+                  <a:schemeClr val="lt1"/>
+                </a:solidFill>
+                <a:latin typeface="+mn-lt"/>
+                <a:ea typeface="+mn-ea"/>
+                <a:cs typeface="+mn-cs"/>
+              </a:defRPr>
+            </a:lvl8pPr>
+            <a:lvl9pPr marL="3657600" algn="l" defTabSz="914400" rtl="0" eaLnBrk="1" latinLnBrk="0" hangingPunct="1">
+              <a:defRPr sz="1800" kern="1200">
+                <a:solidFill>
+                  <a:schemeClr val="lt1"/>
+                </a:solidFill>
+                <a:latin typeface="+mn-lt"/>
+                <a:ea typeface="+mn-ea"/>
+                <a:cs typeface="+mn-cs"/>
+              </a:defRPr>
+            </a:lvl9pPr>
+          </a:lstStyle>
           <a:p>
             <a:pPr algn="ctr"/>
             <a:endParaRPr lang="en-US" b="1"/>
@@ -5544,28 +8751,26 @@
       </p:sp>
       <p:cxnSp>
         <p:nvCxnSpPr>
-          <p:cNvPr id="93" name="Connector: Elbow 92">
-            <a:extLst>
-              <a:ext uri="{FF2B5EF4-FFF2-40B4-BE49-F238E27FC236}">
-                <a16:creationId xmlns:a16="http://schemas.microsoft.com/office/drawing/2014/main" id="{6233D8AB-5399-43C7-BDCC-1C8861DD422B}"/>
+          <p:cNvPr id="139" name="Straight Arrow Connector 138">
+            <a:extLst>
+              <a:ext uri="{FF2B5EF4-FFF2-40B4-BE49-F238E27FC236}">
+                <a16:creationId xmlns:a16="http://schemas.microsoft.com/office/drawing/2014/main" id="{C5C4E147-05DD-4FEF-A8BF-20A3CC2DB56F}"/>
               </a:ext>
             </a:extLst>
           </p:cNvPr>
           <p:cNvCxnSpPr>
             <a:cxnSpLocks/>
-            <a:stCxn id="92" idx="2"/>
+            <a:endCxn id="138" idx="4"/>
           </p:cNvCxnSpPr>
           <p:nvPr/>
         </p:nvCxnSpPr>
         <p:spPr>
-          <a:xfrm rot="10800000" flipV="1">
-            <a:off x="4704539" y="2798915"/>
-            <a:ext cx="2405769" cy="323110"/>
+          <a:xfrm flipV="1">
+            <a:off x="2001032" y="1972027"/>
+            <a:ext cx="0" cy="1258094"/>
           </a:xfrm>
-          <a:prstGeom prst="bentConnector3">
-            <a:avLst>
-              <a:gd name="adj1" fmla="val 100045"/>
-            </a:avLst>
+          <a:prstGeom prst="straightConnector1">
+            <a:avLst/>
           </a:prstGeom>
           <a:ln>
             <a:tailEnd type="triangle"/>
@@ -5588,10 +8793,10 @@
       </p:cxnSp>
       <p:sp>
         <p:nvSpPr>
-          <p:cNvPr id="94" name="Rectangle: Rounded Corners 93">
-            <a:extLst>
-              <a:ext uri="{FF2B5EF4-FFF2-40B4-BE49-F238E27FC236}">
-                <a16:creationId xmlns:a16="http://schemas.microsoft.com/office/drawing/2014/main" id="{D7F258CA-859E-40B1-80B5-BF752AFFF912}"/>
+          <p:cNvPr id="140" name="Diamond 139">
+            <a:extLst>
+              <a:ext uri="{FF2B5EF4-FFF2-40B4-BE49-F238E27FC236}">
+                <a16:creationId xmlns:a16="http://schemas.microsoft.com/office/drawing/2014/main" id="{E65ADC04-23A7-4FAB-AD54-2169513BDB61}"/>
               </a:ext>
             </a:extLst>
           </p:cNvPr>
@@ -5600,7 +8805,1562 @@
         </p:nvSpPr>
         <p:spPr>
           <a:xfrm>
-            <a:off x="4609316" y="3118737"/>
+            <a:off x="4256631" y="3100615"/>
+            <a:ext cx="162040" cy="177418"/>
+          </a:xfrm>
+          <a:prstGeom prst="diamond">
+            <a:avLst/>
+          </a:prstGeom>
+          <a:gradFill flip="none" rotWithShape="1">
+            <a:gsLst>
+              <a:gs pos="0">
+                <a:schemeClr val="dk1">
+                  <a:lumMod val="67000"/>
+                </a:schemeClr>
+              </a:gs>
+              <a:gs pos="48000">
+                <a:schemeClr val="dk1">
+                  <a:lumMod val="97000"/>
+                  <a:lumOff val="3000"/>
+                </a:schemeClr>
+              </a:gs>
+              <a:gs pos="100000">
+                <a:schemeClr val="dk1">
+                  <a:lumMod val="60000"/>
+                  <a:lumOff val="40000"/>
+                </a:schemeClr>
+              </a:gs>
+            </a:gsLst>
+            <a:lin ang="16200000" scaled="1"/>
+            <a:tileRect/>
+          </a:gradFill>
+          <a:ln>
+            <a:noFill/>
+          </a:ln>
+        </p:spPr>
+        <p:style>
+          <a:lnRef idx="0">
+            <a:scrgbClr r="0" g="0" b="0"/>
+          </a:lnRef>
+          <a:fillRef idx="0">
+            <a:scrgbClr r="0" g="0" b="0"/>
+          </a:fillRef>
+          <a:effectRef idx="0">
+            <a:scrgbClr r="0" g="0" b="0"/>
+          </a:effectRef>
+          <a:fontRef idx="minor">
+            <a:schemeClr val="lt1"/>
+          </a:fontRef>
+        </p:style>
+        <p:txBody>
+          <a:bodyPr rtlCol="0" anchor="ctr"/>
+          <a:lstStyle>
+            <a:defPPr>
+              <a:defRPr lang="en-US"/>
+            </a:defPPr>
+            <a:lvl1pPr marL="0" algn="l" defTabSz="914400" rtl="0" eaLnBrk="1" latinLnBrk="0" hangingPunct="1">
+              <a:defRPr sz="1800" kern="1200">
+                <a:solidFill>
+                  <a:schemeClr val="lt1"/>
+                </a:solidFill>
+                <a:latin typeface="+mn-lt"/>
+                <a:ea typeface="+mn-ea"/>
+                <a:cs typeface="+mn-cs"/>
+              </a:defRPr>
+            </a:lvl1pPr>
+            <a:lvl2pPr marL="457200" algn="l" defTabSz="914400" rtl="0" eaLnBrk="1" latinLnBrk="0" hangingPunct="1">
+              <a:defRPr sz="1800" kern="1200">
+                <a:solidFill>
+                  <a:schemeClr val="lt1"/>
+                </a:solidFill>
+                <a:latin typeface="+mn-lt"/>
+                <a:ea typeface="+mn-ea"/>
+                <a:cs typeface="+mn-cs"/>
+              </a:defRPr>
+            </a:lvl2pPr>
+            <a:lvl3pPr marL="914400" algn="l" defTabSz="914400" rtl="0" eaLnBrk="1" latinLnBrk="0" hangingPunct="1">
+              <a:defRPr sz="1800" kern="1200">
+                <a:solidFill>
+                  <a:schemeClr val="lt1"/>
+                </a:solidFill>
+                <a:latin typeface="+mn-lt"/>
+                <a:ea typeface="+mn-ea"/>
+                <a:cs typeface="+mn-cs"/>
+              </a:defRPr>
+            </a:lvl3pPr>
+            <a:lvl4pPr marL="1371600" algn="l" defTabSz="914400" rtl="0" eaLnBrk="1" latinLnBrk="0" hangingPunct="1">
+              <a:defRPr sz="1800" kern="1200">
+                <a:solidFill>
+                  <a:schemeClr val="lt1"/>
+                </a:solidFill>
+                <a:latin typeface="+mn-lt"/>
+                <a:ea typeface="+mn-ea"/>
+                <a:cs typeface="+mn-cs"/>
+              </a:defRPr>
+            </a:lvl4pPr>
+            <a:lvl5pPr marL="1828800" algn="l" defTabSz="914400" rtl="0" eaLnBrk="1" latinLnBrk="0" hangingPunct="1">
+              <a:defRPr sz="1800" kern="1200">
+                <a:solidFill>
+                  <a:schemeClr val="lt1"/>
+                </a:solidFill>
+                <a:latin typeface="+mn-lt"/>
+                <a:ea typeface="+mn-ea"/>
+                <a:cs typeface="+mn-cs"/>
+              </a:defRPr>
+            </a:lvl5pPr>
+            <a:lvl6pPr marL="2286000" algn="l" defTabSz="914400" rtl="0" eaLnBrk="1" latinLnBrk="0" hangingPunct="1">
+              <a:defRPr sz="1800" kern="1200">
+                <a:solidFill>
+                  <a:schemeClr val="lt1"/>
+                </a:solidFill>
+                <a:latin typeface="+mn-lt"/>
+                <a:ea typeface="+mn-ea"/>
+                <a:cs typeface="+mn-cs"/>
+              </a:defRPr>
+            </a:lvl6pPr>
+            <a:lvl7pPr marL="2743200" algn="l" defTabSz="914400" rtl="0" eaLnBrk="1" latinLnBrk="0" hangingPunct="1">
+              <a:defRPr sz="1800" kern="1200">
+                <a:solidFill>
+                  <a:schemeClr val="lt1"/>
+                </a:solidFill>
+                <a:latin typeface="+mn-lt"/>
+                <a:ea typeface="+mn-ea"/>
+                <a:cs typeface="+mn-cs"/>
+              </a:defRPr>
+            </a:lvl7pPr>
+            <a:lvl8pPr marL="3200400" algn="l" defTabSz="914400" rtl="0" eaLnBrk="1" latinLnBrk="0" hangingPunct="1">
+              <a:defRPr sz="1800" kern="1200">
+                <a:solidFill>
+                  <a:schemeClr val="lt1"/>
+                </a:solidFill>
+                <a:latin typeface="+mn-lt"/>
+                <a:ea typeface="+mn-ea"/>
+                <a:cs typeface="+mn-cs"/>
+              </a:defRPr>
+            </a:lvl8pPr>
+            <a:lvl9pPr marL="3657600" algn="l" defTabSz="914400" rtl="0" eaLnBrk="1" latinLnBrk="0" hangingPunct="1">
+              <a:defRPr sz="1800" kern="1200">
+                <a:solidFill>
+                  <a:schemeClr val="lt1"/>
+                </a:solidFill>
+                <a:latin typeface="+mn-lt"/>
+                <a:ea typeface="+mn-ea"/>
+                <a:cs typeface="+mn-cs"/>
+              </a:defRPr>
+            </a:lvl9pPr>
+          </a:lstStyle>
+          <a:p>
+            <a:pPr algn="ctr"/>
+            <a:endParaRPr lang="en-US" b="1"/>
+          </a:p>
+        </p:txBody>
+      </p:sp>
+      <p:cxnSp>
+        <p:nvCxnSpPr>
+          <p:cNvPr id="141" name="Straight Arrow Connector 140">
+            <a:extLst>
+              <a:ext uri="{FF2B5EF4-FFF2-40B4-BE49-F238E27FC236}">
+                <a16:creationId xmlns:a16="http://schemas.microsoft.com/office/drawing/2014/main" id="{AB263499-601D-49FB-8439-5C664F7B1EE3}"/>
+              </a:ext>
+            </a:extLst>
+          </p:cNvPr>
+          <p:cNvCxnSpPr>
+            <a:cxnSpLocks/>
+          </p:cNvCxnSpPr>
+          <p:nvPr/>
+        </p:nvCxnSpPr>
+        <p:spPr>
+          <a:xfrm flipV="1">
+            <a:off x="4341713" y="1981722"/>
+            <a:ext cx="4296" cy="1222399"/>
+          </a:xfrm>
+          <a:prstGeom prst="straightConnector1">
+            <a:avLst/>
+          </a:prstGeom>
+          <a:ln>
+            <a:tailEnd type="triangle"/>
+          </a:ln>
+        </p:spPr>
+        <p:style>
+          <a:lnRef idx="3">
+            <a:schemeClr val="dk1"/>
+          </a:lnRef>
+          <a:fillRef idx="0">
+            <a:schemeClr val="dk1"/>
+          </a:fillRef>
+          <a:effectRef idx="2">
+            <a:schemeClr val="dk1"/>
+          </a:effectRef>
+          <a:fontRef idx="minor">
+            <a:schemeClr val="tx1"/>
+          </a:fontRef>
+        </p:style>
+      </p:cxnSp>
+      <p:sp>
+        <p:nvSpPr>
+          <p:cNvPr id="142" name="Rectangle 141">
+            <a:extLst>
+              <a:ext uri="{FF2B5EF4-FFF2-40B4-BE49-F238E27FC236}">
+                <a16:creationId xmlns:a16="http://schemas.microsoft.com/office/drawing/2014/main" id="{3AA82073-77D6-4F67-8739-0D3EF11E8B1F}"/>
+              </a:ext>
+            </a:extLst>
+          </p:cNvPr>
+          <p:cNvSpPr/>
+          <p:nvPr/>
+        </p:nvSpPr>
+        <p:spPr>
+          <a:xfrm>
+            <a:off x="2484537" y="4388738"/>
+            <a:ext cx="378158" cy="213479"/>
+          </a:xfrm>
+          <a:prstGeom prst="rect">
+            <a:avLst/>
+          </a:prstGeom>
+          <a:solidFill>
+            <a:srgbClr val="FF0000"/>
+          </a:solidFill>
+        </p:spPr>
+        <p:style>
+          <a:lnRef idx="2">
+            <a:schemeClr val="accent1">
+              <a:shade val="50000"/>
+            </a:schemeClr>
+          </a:lnRef>
+          <a:fillRef idx="1">
+            <a:schemeClr val="accent1"/>
+          </a:fillRef>
+          <a:effectRef idx="0">
+            <a:schemeClr val="accent1"/>
+          </a:effectRef>
+          <a:fontRef idx="minor">
+            <a:schemeClr val="lt1"/>
+          </a:fontRef>
+        </p:style>
+        <p:txBody>
+          <a:bodyPr rtlCol="0" anchor="ctr"/>
+          <a:lstStyle>
+            <a:defPPr>
+              <a:defRPr lang="en-US"/>
+            </a:defPPr>
+            <a:lvl1pPr marL="0" algn="l" defTabSz="914400" rtl="0" eaLnBrk="1" latinLnBrk="0" hangingPunct="1">
+              <a:defRPr sz="1800" kern="1200">
+                <a:solidFill>
+                  <a:schemeClr val="lt1"/>
+                </a:solidFill>
+                <a:latin typeface="+mn-lt"/>
+                <a:ea typeface="+mn-ea"/>
+                <a:cs typeface="+mn-cs"/>
+              </a:defRPr>
+            </a:lvl1pPr>
+            <a:lvl2pPr marL="457200" algn="l" defTabSz="914400" rtl="0" eaLnBrk="1" latinLnBrk="0" hangingPunct="1">
+              <a:defRPr sz="1800" kern="1200">
+                <a:solidFill>
+                  <a:schemeClr val="lt1"/>
+                </a:solidFill>
+                <a:latin typeface="+mn-lt"/>
+                <a:ea typeface="+mn-ea"/>
+                <a:cs typeface="+mn-cs"/>
+              </a:defRPr>
+            </a:lvl2pPr>
+            <a:lvl3pPr marL="914400" algn="l" defTabSz="914400" rtl="0" eaLnBrk="1" latinLnBrk="0" hangingPunct="1">
+              <a:defRPr sz="1800" kern="1200">
+                <a:solidFill>
+                  <a:schemeClr val="lt1"/>
+                </a:solidFill>
+                <a:latin typeface="+mn-lt"/>
+                <a:ea typeface="+mn-ea"/>
+                <a:cs typeface="+mn-cs"/>
+              </a:defRPr>
+            </a:lvl3pPr>
+            <a:lvl4pPr marL="1371600" algn="l" defTabSz="914400" rtl="0" eaLnBrk="1" latinLnBrk="0" hangingPunct="1">
+              <a:defRPr sz="1800" kern="1200">
+                <a:solidFill>
+                  <a:schemeClr val="lt1"/>
+                </a:solidFill>
+                <a:latin typeface="+mn-lt"/>
+                <a:ea typeface="+mn-ea"/>
+                <a:cs typeface="+mn-cs"/>
+              </a:defRPr>
+            </a:lvl4pPr>
+            <a:lvl5pPr marL="1828800" algn="l" defTabSz="914400" rtl="0" eaLnBrk="1" latinLnBrk="0" hangingPunct="1">
+              <a:defRPr sz="1800" kern="1200">
+                <a:solidFill>
+                  <a:schemeClr val="lt1"/>
+                </a:solidFill>
+                <a:latin typeface="+mn-lt"/>
+                <a:ea typeface="+mn-ea"/>
+                <a:cs typeface="+mn-cs"/>
+              </a:defRPr>
+            </a:lvl5pPr>
+            <a:lvl6pPr marL="2286000" algn="l" defTabSz="914400" rtl="0" eaLnBrk="1" latinLnBrk="0" hangingPunct="1">
+              <a:defRPr sz="1800" kern="1200">
+                <a:solidFill>
+                  <a:schemeClr val="lt1"/>
+                </a:solidFill>
+                <a:latin typeface="+mn-lt"/>
+                <a:ea typeface="+mn-ea"/>
+                <a:cs typeface="+mn-cs"/>
+              </a:defRPr>
+            </a:lvl6pPr>
+            <a:lvl7pPr marL="2743200" algn="l" defTabSz="914400" rtl="0" eaLnBrk="1" latinLnBrk="0" hangingPunct="1">
+              <a:defRPr sz="1800" kern="1200">
+                <a:solidFill>
+                  <a:schemeClr val="lt1"/>
+                </a:solidFill>
+                <a:latin typeface="+mn-lt"/>
+                <a:ea typeface="+mn-ea"/>
+                <a:cs typeface="+mn-cs"/>
+              </a:defRPr>
+            </a:lvl7pPr>
+            <a:lvl8pPr marL="3200400" algn="l" defTabSz="914400" rtl="0" eaLnBrk="1" latinLnBrk="0" hangingPunct="1">
+              <a:defRPr sz="1800" kern="1200">
+                <a:solidFill>
+                  <a:schemeClr val="lt1"/>
+                </a:solidFill>
+                <a:latin typeface="+mn-lt"/>
+                <a:ea typeface="+mn-ea"/>
+                <a:cs typeface="+mn-cs"/>
+              </a:defRPr>
+            </a:lvl8pPr>
+            <a:lvl9pPr marL="3657600" algn="l" defTabSz="914400" rtl="0" eaLnBrk="1" latinLnBrk="0" hangingPunct="1">
+              <a:defRPr sz="1800" kern="1200">
+                <a:solidFill>
+                  <a:schemeClr val="lt1"/>
+                </a:solidFill>
+                <a:latin typeface="+mn-lt"/>
+                <a:ea typeface="+mn-ea"/>
+                <a:cs typeface="+mn-cs"/>
+              </a:defRPr>
+            </a:lvl9pPr>
+          </a:lstStyle>
+          <a:p>
+            <a:pPr algn="ctr"/>
+            <a:endParaRPr lang="en-US" b="1"/>
+          </a:p>
+        </p:txBody>
+      </p:sp>
+      <p:sp>
+        <p:nvSpPr>
+          <p:cNvPr id="143" name="TextBox 2">
+            <a:extLst>
+              <a:ext uri="{FF2B5EF4-FFF2-40B4-BE49-F238E27FC236}">
+                <a16:creationId xmlns:a16="http://schemas.microsoft.com/office/drawing/2014/main" id="{1809CC05-9DBB-435F-B02E-755E6A43F394}"/>
+              </a:ext>
+            </a:extLst>
+          </p:cNvPr>
+          <p:cNvSpPr txBox="1"/>
+          <p:nvPr/>
+        </p:nvSpPr>
+        <p:spPr>
+          <a:xfrm>
+            <a:off x="1479593" y="4380156"/>
+            <a:ext cx="1286052" cy="307777"/>
+          </a:xfrm>
+          <a:prstGeom prst="rect">
+            <a:avLst/>
+          </a:prstGeom>
+          <a:noFill/>
+        </p:spPr>
+        <p:txBody>
+          <a:bodyPr wrap="square" rtlCol="0">
+            <a:spAutoFit/>
+          </a:bodyPr>
+          <a:lstStyle>
+            <a:defPPr>
+              <a:defRPr lang="en-US"/>
+            </a:defPPr>
+            <a:lvl1pPr marL="0" algn="l" defTabSz="914400" rtl="0" eaLnBrk="1" latinLnBrk="0" hangingPunct="1">
+              <a:defRPr sz="1800" kern="1200">
+                <a:solidFill>
+                  <a:schemeClr val="tx1"/>
+                </a:solidFill>
+                <a:latin typeface="+mn-lt"/>
+                <a:ea typeface="+mn-ea"/>
+                <a:cs typeface="+mn-cs"/>
+              </a:defRPr>
+            </a:lvl1pPr>
+            <a:lvl2pPr marL="457200" algn="l" defTabSz="914400" rtl="0" eaLnBrk="1" latinLnBrk="0" hangingPunct="1">
+              <a:defRPr sz="1800" kern="1200">
+                <a:solidFill>
+                  <a:schemeClr val="tx1"/>
+                </a:solidFill>
+                <a:latin typeface="+mn-lt"/>
+                <a:ea typeface="+mn-ea"/>
+                <a:cs typeface="+mn-cs"/>
+              </a:defRPr>
+            </a:lvl2pPr>
+            <a:lvl3pPr marL="914400" algn="l" defTabSz="914400" rtl="0" eaLnBrk="1" latinLnBrk="0" hangingPunct="1">
+              <a:defRPr sz="1800" kern="1200">
+                <a:solidFill>
+                  <a:schemeClr val="tx1"/>
+                </a:solidFill>
+                <a:latin typeface="+mn-lt"/>
+                <a:ea typeface="+mn-ea"/>
+                <a:cs typeface="+mn-cs"/>
+              </a:defRPr>
+            </a:lvl3pPr>
+            <a:lvl4pPr marL="1371600" algn="l" defTabSz="914400" rtl="0" eaLnBrk="1" latinLnBrk="0" hangingPunct="1">
+              <a:defRPr sz="1800" kern="1200">
+                <a:solidFill>
+                  <a:schemeClr val="tx1"/>
+                </a:solidFill>
+                <a:latin typeface="+mn-lt"/>
+                <a:ea typeface="+mn-ea"/>
+                <a:cs typeface="+mn-cs"/>
+              </a:defRPr>
+            </a:lvl4pPr>
+            <a:lvl5pPr marL="1828800" algn="l" defTabSz="914400" rtl="0" eaLnBrk="1" latinLnBrk="0" hangingPunct="1">
+              <a:defRPr sz="1800" kern="1200">
+                <a:solidFill>
+                  <a:schemeClr val="tx1"/>
+                </a:solidFill>
+                <a:latin typeface="+mn-lt"/>
+                <a:ea typeface="+mn-ea"/>
+                <a:cs typeface="+mn-cs"/>
+              </a:defRPr>
+            </a:lvl5pPr>
+            <a:lvl6pPr marL="2286000" algn="l" defTabSz="914400" rtl="0" eaLnBrk="1" latinLnBrk="0" hangingPunct="1">
+              <a:defRPr sz="1800" kern="1200">
+                <a:solidFill>
+                  <a:schemeClr val="tx1"/>
+                </a:solidFill>
+                <a:latin typeface="+mn-lt"/>
+                <a:ea typeface="+mn-ea"/>
+                <a:cs typeface="+mn-cs"/>
+              </a:defRPr>
+            </a:lvl6pPr>
+            <a:lvl7pPr marL="2743200" algn="l" defTabSz="914400" rtl="0" eaLnBrk="1" latinLnBrk="0" hangingPunct="1">
+              <a:defRPr sz="1800" kern="1200">
+                <a:solidFill>
+                  <a:schemeClr val="tx1"/>
+                </a:solidFill>
+                <a:latin typeface="+mn-lt"/>
+                <a:ea typeface="+mn-ea"/>
+                <a:cs typeface="+mn-cs"/>
+              </a:defRPr>
+            </a:lvl7pPr>
+            <a:lvl8pPr marL="3200400" algn="l" defTabSz="914400" rtl="0" eaLnBrk="1" latinLnBrk="0" hangingPunct="1">
+              <a:defRPr sz="1800" kern="1200">
+                <a:solidFill>
+                  <a:schemeClr val="tx1"/>
+                </a:solidFill>
+                <a:latin typeface="+mn-lt"/>
+                <a:ea typeface="+mn-ea"/>
+                <a:cs typeface="+mn-cs"/>
+              </a:defRPr>
+            </a:lvl8pPr>
+            <a:lvl9pPr marL="3657600" algn="l" defTabSz="914400" rtl="0" eaLnBrk="1" latinLnBrk="0" hangingPunct="1">
+              <a:defRPr sz="1800" kern="1200">
+                <a:solidFill>
+                  <a:schemeClr val="tx1"/>
+                </a:solidFill>
+                <a:latin typeface="+mn-lt"/>
+                <a:ea typeface="+mn-ea"/>
+                <a:cs typeface="+mn-cs"/>
+              </a:defRPr>
+            </a:lvl9pPr>
+          </a:lstStyle>
+          <a:p>
+            <a:r>
+              <a:rPr lang="en-US" sz="1400" b="1" dirty="0"/>
+              <a:t>Transaction</a:t>
+            </a:r>
+          </a:p>
+        </p:txBody>
+      </p:sp>
+      <p:sp>
+        <p:nvSpPr>
+          <p:cNvPr id="144" name="Rectangle 143">
+            <a:extLst>
+              <a:ext uri="{FF2B5EF4-FFF2-40B4-BE49-F238E27FC236}">
+                <a16:creationId xmlns:a16="http://schemas.microsoft.com/office/drawing/2014/main" id="{69BE614E-5706-4C35-A105-1315C9BA2A6C}"/>
+              </a:ext>
+            </a:extLst>
+          </p:cNvPr>
+          <p:cNvSpPr/>
+          <p:nvPr/>
+        </p:nvSpPr>
+        <p:spPr>
+          <a:xfrm>
+            <a:off x="4536831" y="4328983"/>
+            <a:ext cx="378158" cy="213479"/>
+          </a:xfrm>
+          <a:prstGeom prst="rect">
+            <a:avLst/>
+          </a:prstGeom>
+          <a:solidFill>
+            <a:srgbClr val="FF0000"/>
+          </a:solidFill>
+        </p:spPr>
+        <p:style>
+          <a:lnRef idx="2">
+            <a:schemeClr val="accent1">
+              <a:shade val="50000"/>
+            </a:schemeClr>
+          </a:lnRef>
+          <a:fillRef idx="1">
+            <a:schemeClr val="accent1"/>
+          </a:fillRef>
+          <a:effectRef idx="0">
+            <a:schemeClr val="accent1"/>
+          </a:effectRef>
+          <a:fontRef idx="minor">
+            <a:schemeClr val="lt1"/>
+          </a:fontRef>
+        </p:style>
+        <p:txBody>
+          <a:bodyPr rtlCol="0" anchor="ctr"/>
+          <a:lstStyle>
+            <a:defPPr>
+              <a:defRPr lang="en-US"/>
+            </a:defPPr>
+            <a:lvl1pPr marL="0" algn="l" defTabSz="914400" rtl="0" eaLnBrk="1" latinLnBrk="0" hangingPunct="1">
+              <a:defRPr sz="1800" kern="1200">
+                <a:solidFill>
+                  <a:schemeClr val="lt1"/>
+                </a:solidFill>
+                <a:latin typeface="+mn-lt"/>
+                <a:ea typeface="+mn-ea"/>
+                <a:cs typeface="+mn-cs"/>
+              </a:defRPr>
+            </a:lvl1pPr>
+            <a:lvl2pPr marL="457200" algn="l" defTabSz="914400" rtl="0" eaLnBrk="1" latinLnBrk="0" hangingPunct="1">
+              <a:defRPr sz="1800" kern="1200">
+                <a:solidFill>
+                  <a:schemeClr val="lt1"/>
+                </a:solidFill>
+                <a:latin typeface="+mn-lt"/>
+                <a:ea typeface="+mn-ea"/>
+                <a:cs typeface="+mn-cs"/>
+              </a:defRPr>
+            </a:lvl2pPr>
+            <a:lvl3pPr marL="914400" algn="l" defTabSz="914400" rtl="0" eaLnBrk="1" latinLnBrk="0" hangingPunct="1">
+              <a:defRPr sz="1800" kern="1200">
+                <a:solidFill>
+                  <a:schemeClr val="lt1"/>
+                </a:solidFill>
+                <a:latin typeface="+mn-lt"/>
+                <a:ea typeface="+mn-ea"/>
+                <a:cs typeface="+mn-cs"/>
+              </a:defRPr>
+            </a:lvl3pPr>
+            <a:lvl4pPr marL="1371600" algn="l" defTabSz="914400" rtl="0" eaLnBrk="1" latinLnBrk="0" hangingPunct="1">
+              <a:defRPr sz="1800" kern="1200">
+                <a:solidFill>
+                  <a:schemeClr val="lt1"/>
+                </a:solidFill>
+                <a:latin typeface="+mn-lt"/>
+                <a:ea typeface="+mn-ea"/>
+                <a:cs typeface="+mn-cs"/>
+              </a:defRPr>
+            </a:lvl4pPr>
+            <a:lvl5pPr marL="1828800" algn="l" defTabSz="914400" rtl="0" eaLnBrk="1" latinLnBrk="0" hangingPunct="1">
+              <a:defRPr sz="1800" kern="1200">
+                <a:solidFill>
+                  <a:schemeClr val="lt1"/>
+                </a:solidFill>
+                <a:latin typeface="+mn-lt"/>
+                <a:ea typeface="+mn-ea"/>
+                <a:cs typeface="+mn-cs"/>
+              </a:defRPr>
+            </a:lvl5pPr>
+            <a:lvl6pPr marL="2286000" algn="l" defTabSz="914400" rtl="0" eaLnBrk="1" latinLnBrk="0" hangingPunct="1">
+              <a:defRPr sz="1800" kern="1200">
+                <a:solidFill>
+                  <a:schemeClr val="lt1"/>
+                </a:solidFill>
+                <a:latin typeface="+mn-lt"/>
+                <a:ea typeface="+mn-ea"/>
+                <a:cs typeface="+mn-cs"/>
+              </a:defRPr>
+            </a:lvl6pPr>
+            <a:lvl7pPr marL="2743200" algn="l" defTabSz="914400" rtl="0" eaLnBrk="1" latinLnBrk="0" hangingPunct="1">
+              <a:defRPr sz="1800" kern="1200">
+                <a:solidFill>
+                  <a:schemeClr val="lt1"/>
+                </a:solidFill>
+                <a:latin typeface="+mn-lt"/>
+                <a:ea typeface="+mn-ea"/>
+                <a:cs typeface="+mn-cs"/>
+              </a:defRPr>
+            </a:lvl7pPr>
+            <a:lvl8pPr marL="3200400" algn="l" defTabSz="914400" rtl="0" eaLnBrk="1" latinLnBrk="0" hangingPunct="1">
+              <a:defRPr sz="1800" kern="1200">
+                <a:solidFill>
+                  <a:schemeClr val="lt1"/>
+                </a:solidFill>
+                <a:latin typeface="+mn-lt"/>
+                <a:ea typeface="+mn-ea"/>
+                <a:cs typeface="+mn-cs"/>
+              </a:defRPr>
+            </a:lvl8pPr>
+            <a:lvl9pPr marL="3657600" algn="l" defTabSz="914400" rtl="0" eaLnBrk="1" latinLnBrk="0" hangingPunct="1">
+              <a:defRPr sz="1800" kern="1200">
+                <a:solidFill>
+                  <a:schemeClr val="lt1"/>
+                </a:solidFill>
+                <a:latin typeface="+mn-lt"/>
+                <a:ea typeface="+mn-ea"/>
+                <a:cs typeface="+mn-cs"/>
+              </a:defRPr>
+            </a:lvl9pPr>
+          </a:lstStyle>
+          <a:p>
+            <a:pPr algn="ctr"/>
+            <a:endParaRPr lang="en-US" b="1"/>
+          </a:p>
+        </p:txBody>
+      </p:sp>
+      <p:sp>
+        <p:nvSpPr>
+          <p:cNvPr id="145" name="TextBox 45">
+            <a:extLst>
+              <a:ext uri="{FF2B5EF4-FFF2-40B4-BE49-F238E27FC236}">
+                <a16:creationId xmlns:a16="http://schemas.microsoft.com/office/drawing/2014/main" id="{6F11598B-D1B1-43D1-BFAD-725368648FFB}"/>
+              </a:ext>
+            </a:extLst>
+          </p:cNvPr>
+          <p:cNvSpPr txBox="1"/>
+          <p:nvPr/>
+        </p:nvSpPr>
+        <p:spPr>
+          <a:xfrm>
+            <a:off x="4878831" y="4304408"/>
+            <a:ext cx="1508924" cy="307777"/>
+          </a:xfrm>
+          <a:prstGeom prst="rect">
+            <a:avLst/>
+          </a:prstGeom>
+          <a:noFill/>
+        </p:spPr>
+        <p:txBody>
+          <a:bodyPr wrap="square" rtlCol="0">
+            <a:spAutoFit/>
+          </a:bodyPr>
+          <a:lstStyle>
+            <a:defPPr>
+              <a:defRPr lang="en-US"/>
+            </a:defPPr>
+            <a:lvl1pPr marL="0" algn="l" defTabSz="914400" rtl="0" eaLnBrk="1" latinLnBrk="0" hangingPunct="1">
+              <a:defRPr sz="1800" kern="1200">
+                <a:solidFill>
+                  <a:schemeClr val="tx1"/>
+                </a:solidFill>
+                <a:latin typeface="+mn-lt"/>
+                <a:ea typeface="+mn-ea"/>
+                <a:cs typeface="+mn-cs"/>
+              </a:defRPr>
+            </a:lvl1pPr>
+            <a:lvl2pPr marL="457200" algn="l" defTabSz="914400" rtl="0" eaLnBrk="1" latinLnBrk="0" hangingPunct="1">
+              <a:defRPr sz="1800" kern="1200">
+                <a:solidFill>
+                  <a:schemeClr val="tx1"/>
+                </a:solidFill>
+                <a:latin typeface="+mn-lt"/>
+                <a:ea typeface="+mn-ea"/>
+                <a:cs typeface="+mn-cs"/>
+              </a:defRPr>
+            </a:lvl2pPr>
+            <a:lvl3pPr marL="914400" algn="l" defTabSz="914400" rtl="0" eaLnBrk="1" latinLnBrk="0" hangingPunct="1">
+              <a:defRPr sz="1800" kern="1200">
+                <a:solidFill>
+                  <a:schemeClr val="tx1"/>
+                </a:solidFill>
+                <a:latin typeface="+mn-lt"/>
+                <a:ea typeface="+mn-ea"/>
+                <a:cs typeface="+mn-cs"/>
+              </a:defRPr>
+            </a:lvl3pPr>
+            <a:lvl4pPr marL="1371600" algn="l" defTabSz="914400" rtl="0" eaLnBrk="1" latinLnBrk="0" hangingPunct="1">
+              <a:defRPr sz="1800" kern="1200">
+                <a:solidFill>
+                  <a:schemeClr val="tx1"/>
+                </a:solidFill>
+                <a:latin typeface="+mn-lt"/>
+                <a:ea typeface="+mn-ea"/>
+                <a:cs typeface="+mn-cs"/>
+              </a:defRPr>
+            </a:lvl4pPr>
+            <a:lvl5pPr marL="1828800" algn="l" defTabSz="914400" rtl="0" eaLnBrk="1" latinLnBrk="0" hangingPunct="1">
+              <a:defRPr sz="1800" kern="1200">
+                <a:solidFill>
+                  <a:schemeClr val="tx1"/>
+                </a:solidFill>
+                <a:latin typeface="+mn-lt"/>
+                <a:ea typeface="+mn-ea"/>
+                <a:cs typeface="+mn-cs"/>
+              </a:defRPr>
+            </a:lvl5pPr>
+            <a:lvl6pPr marL="2286000" algn="l" defTabSz="914400" rtl="0" eaLnBrk="1" latinLnBrk="0" hangingPunct="1">
+              <a:defRPr sz="1800" kern="1200">
+                <a:solidFill>
+                  <a:schemeClr val="tx1"/>
+                </a:solidFill>
+                <a:latin typeface="+mn-lt"/>
+                <a:ea typeface="+mn-ea"/>
+                <a:cs typeface="+mn-cs"/>
+              </a:defRPr>
+            </a:lvl6pPr>
+            <a:lvl7pPr marL="2743200" algn="l" defTabSz="914400" rtl="0" eaLnBrk="1" latinLnBrk="0" hangingPunct="1">
+              <a:defRPr sz="1800" kern="1200">
+                <a:solidFill>
+                  <a:schemeClr val="tx1"/>
+                </a:solidFill>
+                <a:latin typeface="+mn-lt"/>
+                <a:ea typeface="+mn-ea"/>
+                <a:cs typeface="+mn-cs"/>
+              </a:defRPr>
+            </a:lvl7pPr>
+            <a:lvl8pPr marL="3200400" algn="l" defTabSz="914400" rtl="0" eaLnBrk="1" latinLnBrk="0" hangingPunct="1">
+              <a:defRPr sz="1800" kern="1200">
+                <a:solidFill>
+                  <a:schemeClr val="tx1"/>
+                </a:solidFill>
+                <a:latin typeface="+mn-lt"/>
+                <a:ea typeface="+mn-ea"/>
+                <a:cs typeface="+mn-cs"/>
+              </a:defRPr>
+            </a:lvl8pPr>
+            <a:lvl9pPr marL="3657600" algn="l" defTabSz="914400" rtl="0" eaLnBrk="1" latinLnBrk="0" hangingPunct="1">
+              <a:defRPr sz="1800" kern="1200">
+                <a:solidFill>
+                  <a:schemeClr val="tx1"/>
+                </a:solidFill>
+                <a:latin typeface="+mn-lt"/>
+                <a:ea typeface="+mn-ea"/>
+                <a:cs typeface="+mn-cs"/>
+              </a:defRPr>
+            </a:lvl9pPr>
+          </a:lstStyle>
+          <a:p>
+            <a:r>
+              <a:rPr lang="en-US" sz="1400" b="1" dirty="0" err="1"/>
+              <a:t>GUVM_seq_item</a:t>
+            </a:r>
+            <a:endParaRPr lang="en-US" sz="1400" b="1" dirty="0"/>
+          </a:p>
+        </p:txBody>
+      </p:sp>
+      <p:sp>
+        <p:nvSpPr>
+          <p:cNvPr id="146" name="TextBox 47">
+            <a:extLst>
+              <a:ext uri="{FF2B5EF4-FFF2-40B4-BE49-F238E27FC236}">
+                <a16:creationId xmlns:a16="http://schemas.microsoft.com/office/drawing/2014/main" id="{344AFC43-E19E-47B7-A45F-7FF4007F3629}"/>
+              </a:ext>
+            </a:extLst>
+          </p:cNvPr>
+          <p:cNvSpPr txBox="1"/>
+          <p:nvPr/>
+        </p:nvSpPr>
+        <p:spPr>
+          <a:xfrm>
+            <a:off x="2017143" y="4917640"/>
+            <a:ext cx="2320508" cy="307777"/>
+          </a:xfrm>
+          <a:prstGeom prst="rect">
+            <a:avLst/>
+          </a:prstGeom>
+          <a:noFill/>
+        </p:spPr>
+        <p:txBody>
+          <a:bodyPr wrap="square" rtlCol="0">
+            <a:spAutoFit/>
+          </a:bodyPr>
+          <a:lstStyle>
+            <a:defPPr>
+              <a:defRPr lang="en-US"/>
+            </a:defPPr>
+            <a:lvl1pPr marL="0" algn="l" defTabSz="914400" rtl="0" eaLnBrk="1" latinLnBrk="0" hangingPunct="1">
+              <a:defRPr sz="1800" kern="1200">
+                <a:solidFill>
+                  <a:schemeClr val="tx1"/>
+                </a:solidFill>
+                <a:latin typeface="+mn-lt"/>
+                <a:ea typeface="+mn-ea"/>
+                <a:cs typeface="+mn-cs"/>
+              </a:defRPr>
+            </a:lvl1pPr>
+            <a:lvl2pPr marL="457200" algn="l" defTabSz="914400" rtl="0" eaLnBrk="1" latinLnBrk="0" hangingPunct="1">
+              <a:defRPr sz="1800" kern="1200">
+                <a:solidFill>
+                  <a:schemeClr val="tx1"/>
+                </a:solidFill>
+                <a:latin typeface="+mn-lt"/>
+                <a:ea typeface="+mn-ea"/>
+                <a:cs typeface="+mn-cs"/>
+              </a:defRPr>
+            </a:lvl2pPr>
+            <a:lvl3pPr marL="914400" algn="l" defTabSz="914400" rtl="0" eaLnBrk="1" latinLnBrk="0" hangingPunct="1">
+              <a:defRPr sz="1800" kern="1200">
+                <a:solidFill>
+                  <a:schemeClr val="tx1"/>
+                </a:solidFill>
+                <a:latin typeface="+mn-lt"/>
+                <a:ea typeface="+mn-ea"/>
+                <a:cs typeface="+mn-cs"/>
+              </a:defRPr>
+            </a:lvl3pPr>
+            <a:lvl4pPr marL="1371600" algn="l" defTabSz="914400" rtl="0" eaLnBrk="1" latinLnBrk="0" hangingPunct="1">
+              <a:defRPr sz="1800" kern="1200">
+                <a:solidFill>
+                  <a:schemeClr val="tx1"/>
+                </a:solidFill>
+                <a:latin typeface="+mn-lt"/>
+                <a:ea typeface="+mn-ea"/>
+                <a:cs typeface="+mn-cs"/>
+              </a:defRPr>
+            </a:lvl4pPr>
+            <a:lvl5pPr marL="1828800" algn="l" defTabSz="914400" rtl="0" eaLnBrk="1" latinLnBrk="0" hangingPunct="1">
+              <a:defRPr sz="1800" kern="1200">
+                <a:solidFill>
+                  <a:schemeClr val="tx1"/>
+                </a:solidFill>
+                <a:latin typeface="+mn-lt"/>
+                <a:ea typeface="+mn-ea"/>
+                <a:cs typeface="+mn-cs"/>
+              </a:defRPr>
+            </a:lvl5pPr>
+            <a:lvl6pPr marL="2286000" algn="l" defTabSz="914400" rtl="0" eaLnBrk="1" latinLnBrk="0" hangingPunct="1">
+              <a:defRPr sz="1800" kern="1200">
+                <a:solidFill>
+                  <a:schemeClr val="tx1"/>
+                </a:solidFill>
+                <a:latin typeface="+mn-lt"/>
+                <a:ea typeface="+mn-ea"/>
+                <a:cs typeface="+mn-cs"/>
+              </a:defRPr>
+            </a:lvl6pPr>
+            <a:lvl7pPr marL="2743200" algn="l" defTabSz="914400" rtl="0" eaLnBrk="1" latinLnBrk="0" hangingPunct="1">
+              <a:defRPr sz="1800" kern="1200">
+                <a:solidFill>
+                  <a:schemeClr val="tx1"/>
+                </a:solidFill>
+                <a:latin typeface="+mn-lt"/>
+                <a:ea typeface="+mn-ea"/>
+                <a:cs typeface="+mn-cs"/>
+              </a:defRPr>
+            </a:lvl7pPr>
+            <a:lvl8pPr marL="3200400" algn="l" defTabSz="914400" rtl="0" eaLnBrk="1" latinLnBrk="0" hangingPunct="1">
+              <a:defRPr sz="1800" kern="1200">
+                <a:solidFill>
+                  <a:schemeClr val="tx1"/>
+                </a:solidFill>
+                <a:latin typeface="+mn-lt"/>
+                <a:ea typeface="+mn-ea"/>
+                <a:cs typeface="+mn-cs"/>
+              </a:defRPr>
+            </a:lvl8pPr>
+            <a:lvl9pPr marL="3657600" algn="l" defTabSz="914400" rtl="0" eaLnBrk="1" latinLnBrk="0" hangingPunct="1">
+              <a:defRPr sz="1800" kern="1200">
+                <a:solidFill>
+                  <a:schemeClr val="tx1"/>
+                </a:solidFill>
+                <a:latin typeface="+mn-lt"/>
+                <a:ea typeface="+mn-ea"/>
+                <a:cs typeface="+mn-cs"/>
+              </a:defRPr>
+            </a:lvl9pPr>
+          </a:lstStyle>
+          <a:p>
+            <a:r>
+              <a:rPr lang="en-US" sz="1400" b="1" dirty="0"/>
+              <a:t>Write_to_monitor_function</a:t>
+            </a:r>
+          </a:p>
+        </p:txBody>
+      </p:sp>
+      <p:sp>
+        <p:nvSpPr>
+          <p:cNvPr id="147" name="Rectangle 146">
+            <a:extLst>
+              <a:ext uri="{FF2B5EF4-FFF2-40B4-BE49-F238E27FC236}">
+                <a16:creationId xmlns:a16="http://schemas.microsoft.com/office/drawing/2014/main" id="{CAACF158-AC6E-4BCA-86D3-8C8EDAA96C71}"/>
+              </a:ext>
+            </a:extLst>
+          </p:cNvPr>
+          <p:cNvSpPr/>
+          <p:nvPr/>
+        </p:nvSpPr>
+        <p:spPr>
+          <a:xfrm>
+            <a:off x="6233700" y="2685822"/>
+            <a:ext cx="378158" cy="213479"/>
+          </a:xfrm>
+          <a:prstGeom prst="rect">
+            <a:avLst/>
+          </a:prstGeom>
+          <a:solidFill>
+            <a:srgbClr val="FF0000"/>
+          </a:solidFill>
+        </p:spPr>
+        <p:style>
+          <a:lnRef idx="2">
+            <a:schemeClr val="accent1">
+              <a:shade val="50000"/>
+            </a:schemeClr>
+          </a:lnRef>
+          <a:fillRef idx="1">
+            <a:schemeClr val="accent1"/>
+          </a:fillRef>
+          <a:effectRef idx="0">
+            <a:schemeClr val="accent1"/>
+          </a:effectRef>
+          <a:fontRef idx="minor">
+            <a:schemeClr val="lt1"/>
+          </a:fontRef>
+        </p:style>
+        <p:txBody>
+          <a:bodyPr rtlCol="0" anchor="ctr"/>
+          <a:lstStyle>
+            <a:defPPr>
+              <a:defRPr lang="en-US"/>
+            </a:defPPr>
+            <a:lvl1pPr marL="0" algn="l" defTabSz="914400" rtl="0" eaLnBrk="1" latinLnBrk="0" hangingPunct="1">
+              <a:defRPr sz="1800" kern="1200">
+                <a:solidFill>
+                  <a:schemeClr val="lt1"/>
+                </a:solidFill>
+                <a:latin typeface="+mn-lt"/>
+                <a:ea typeface="+mn-ea"/>
+                <a:cs typeface="+mn-cs"/>
+              </a:defRPr>
+            </a:lvl1pPr>
+            <a:lvl2pPr marL="457200" algn="l" defTabSz="914400" rtl="0" eaLnBrk="1" latinLnBrk="0" hangingPunct="1">
+              <a:defRPr sz="1800" kern="1200">
+                <a:solidFill>
+                  <a:schemeClr val="lt1"/>
+                </a:solidFill>
+                <a:latin typeface="+mn-lt"/>
+                <a:ea typeface="+mn-ea"/>
+                <a:cs typeface="+mn-cs"/>
+              </a:defRPr>
+            </a:lvl2pPr>
+            <a:lvl3pPr marL="914400" algn="l" defTabSz="914400" rtl="0" eaLnBrk="1" latinLnBrk="0" hangingPunct="1">
+              <a:defRPr sz="1800" kern="1200">
+                <a:solidFill>
+                  <a:schemeClr val="lt1"/>
+                </a:solidFill>
+                <a:latin typeface="+mn-lt"/>
+                <a:ea typeface="+mn-ea"/>
+                <a:cs typeface="+mn-cs"/>
+              </a:defRPr>
+            </a:lvl3pPr>
+            <a:lvl4pPr marL="1371600" algn="l" defTabSz="914400" rtl="0" eaLnBrk="1" latinLnBrk="0" hangingPunct="1">
+              <a:defRPr sz="1800" kern="1200">
+                <a:solidFill>
+                  <a:schemeClr val="lt1"/>
+                </a:solidFill>
+                <a:latin typeface="+mn-lt"/>
+                <a:ea typeface="+mn-ea"/>
+                <a:cs typeface="+mn-cs"/>
+              </a:defRPr>
+            </a:lvl4pPr>
+            <a:lvl5pPr marL="1828800" algn="l" defTabSz="914400" rtl="0" eaLnBrk="1" latinLnBrk="0" hangingPunct="1">
+              <a:defRPr sz="1800" kern="1200">
+                <a:solidFill>
+                  <a:schemeClr val="lt1"/>
+                </a:solidFill>
+                <a:latin typeface="+mn-lt"/>
+                <a:ea typeface="+mn-ea"/>
+                <a:cs typeface="+mn-cs"/>
+              </a:defRPr>
+            </a:lvl5pPr>
+            <a:lvl6pPr marL="2286000" algn="l" defTabSz="914400" rtl="0" eaLnBrk="1" latinLnBrk="0" hangingPunct="1">
+              <a:defRPr sz="1800" kern="1200">
+                <a:solidFill>
+                  <a:schemeClr val="lt1"/>
+                </a:solidFill>
+                <a:latin typeface="+mn-lt"/>
+                <a:ea typeface="+mn-ea"/>
+                <a:cs typeface="+mn-cs"/>
+              </a:defRPr>
+            </a:lvl6pPr>
+            <a:lvl7pPr marL="2743200" algn="l" defTabSz="914400" rtl="0" eaLnBrk="1" latinLnBrk="0" hangingPunct="1">
+              <a:defRPr sz="1800" kern="1200">
+                <a:solidFill>
+                  <a:schemeClr val="lt1"/>
+                </a:solidFill>
+                <a:latin typeface="+mn-lt"/>
+                <a:ea typeface="+mn-ea"/>
+                <a:cs typeface="+mn-cs"/>
+              </a:defRPr>
+            </a:lvl7pPr>
+            <a:lvl8pPr marL="3200400" algn="l" defTabSz="914400" rtl="0" eaLnBrk="1" latinLnBrk="0" hangingPunct="1">
+              <a:defRPr sz="1800" kern="1200">
+                <a:solidFill>
+                  <a:schemeClr val="lt1"/>
+                </a:solidFill>
+                <a:latin typeface="+mn-lt"/>
+                <a:ea typeface="+mn-ea"/>
+                <a:cs typeface="+mn-cs"/>
+              </a:defRPr>
+            </a:lvl8pPr>
+            <a:lvl9pPr marL="3657600" algn="l" defTabSz="914400" rtl="0" eaLnBrk="1" latinLnBrk="0" hangingPunct="1">
+              <a:defRPr sz="1800" kern="1200">
+                <a:solidFill>
+                  <a:schemeClr val="lt1"/>
+                </a:solidFill>
+                <a:latin typeface="+mn-lt"/>
+                <a:ea typeface="+mn-ea"/>
+                <a:cs typeface="+mn-cs"/>
+              </a:defRPr>
+            </a:lvl9pPr>
+          </a:lstStyle>
+          <a:p>
+            <a:pPr algn="ctr"/>
+            <a:endParaRPr lang="en-US" b="1"/>
+          </a:p>
+        </p:txBody>
+      </p:sp>
+      <p:sp>
+        <p:nvSpPr>
+          <p:cNvPr id="148" name="Rectangle 147">
+            <a:extLst>
+              <a:ext uri="{FF2B5EF4-FFF2-40B4-BE49-F238E27FC236}">
+                <a16:creationId xmlns:a16="http://schemas.microsoft.com/office/drawing/2014/main" id="{B3A55292-4456-41D8-9323-96FA4F082283}"/>
+              </a:ext>
+            </a:extLst>
+          </p:cNvPr>
+          <p:cNvSpPr/>
+          <p:nvPr/>
+        </p:nvSpPr>
+        <p:spPr>
+          <a:xfrm>
+            <a:off x="4156930" y="2359573"/>
+            <a:ext cx="378158" cy="213479"/>
+          </a:xfrm>
+          <a:prstGeom prst="rect">
+            <a:avLst/>
+          </a:prstGeom>
+          <a:solidFill>
+            <a:srgbClr val="FF0000"/>
+          </a:solidFill>
+        </p:spPr>
+        <p:style>
+          <a:lnRef idx="2">
+            <a:schemeClr val="accent1">
+              <a:shade val="50000"/>
+            </a:schemeClr>
+          </a:lnRef>
+          <a:fillRef idx="1">
+            <a:schemeClr val="accent1"/>
+          </a:fillRef>
+          <a:effectRef idx="0">
+            <a:schemeClr val="accent1"/>
+          </a:effectRef>
+          <a:fontRef idx="minor">
+            <a:schemeClr val="lt1"/>
+          </a:fontRef>
+        </p:style>
+        <p:txBody>
+          <a:bodyPr rtlCol="0" anchor="ctr"/>
+          <a:lstStyle>
+            <a:defPPr>
+              <a:defRPr lang="en-US"/>
+            </a:defPPr>
+            <a:lvl1pPr marL="0" algn="l" defTabSz="914400" rtl="0" eaLnBrk="1" latinLnBrk="0" hangingPunct="1">
+              <a:defRPr sz="1800" kern="1200">
+                <a:solidFill>
+                  <a:schemeClr val="lt1"/>
+                </a:solidFill>
+                <a:latin typeface="+mn-lt"/>
+                <a:ea typeface="+mn-ea"/>
+                <a:cs typeface="+mn-cs"/>
+              </a:defRPr>
+            </a:lvl1pPr>
+            <a:lvl2pPr marL="457200" algn="l" defTabSz="914400" rtl="0" eaLnBrk="1" latinLnBrk="0" hangingPunct="1">
+              <a:defRPr sz="1800" kern="1200">
+                <a:solidFill>
+                  <a:schemeClr val="lt1"/>
+                </a:solidFill>
+                <a:latin typeface="+mn-lt"/>
+                <a:ea typeface="+mn-ea"/>
+                <a:cs typeface="+mn-cs"/>
+              </a:defRPr>
+            </a:lvl2pPr>
+            <a:lvl3pPr marL="914400" algn="l" defTabSz="914400" rtl="0" eaLnBrk="1" latinLnBrk="0" hangingPunct="1">
+              <a:defRPr sz="1800" kern="1200">
+                <a:solidFill>
+                  <a:schemeClr val="lt1"/>
+                </a:solidFill>
+                <a:latin typeface="+mn-lt"/>
+                <a:ea typeface="+mn-ea"/>
+                <a:cs typeface="+mn-cs"/>
+              </a:defRPr>
+            </a:lvl3pPr>
+            <a:lvl4pPr marL="1371600" algn="l" defTabSz="914400" rtl="0" eaLnBrk="1" latinLnBrk="0" hangingPunct="1">
+              <a:defRPr sz="1800" kern="1200">
+                <a:solidFill>
+                  <a:schemeClr val="lt1"/>
+                </a:solidFill>
+                <a:latin typeface="+mn-lt"/>
+                <a:ea typeface="+mn-ea"/>
+                <a:cs typeface="+mn-cs"/>
+              </a:defRPr>
+            </a:lvl4pPr>
+            <a:lvl5pPr marL="1828800" algn="l" defTabSz="914400" rtl="0" eaLnBrk="1" latinLnBrk="0" hangingPunct="1">
+              <a:defRPr sz="1800" kern="1200">
+                <a:solidFill>
+                  <a:schemeClr val="lt1"/>
+                </a:solidFill>
+                <a:latin typeface="+mn-lt"/>
+                <a:ea typeface="+mn-ea"/>
+                <a:cs typeface="+mn-cs"/>
+              </a:defRPr>
+            </a:lvl5pPr>
+            <a:lvl6pPr marL="2286000" algn="l" defTabSz="914400" rtl="0" eaLnBrk="1" latinLnBrk="0" hangingPunct="1">
+              <a:defRPr sz="1800" kern="1200">
+                <a:solidFill>
+                  <a:schemeClr val="lt1"/>
+                </a:solidFill>
+                <a:latin typeface="+mn-lt"/>
+                <a:ea typeface="+mn-ea"/>
+                <a:cs typeface="+mn-cs"/>
+              </a:defRPr>
+            </a:lvl6pPr>
+            <a:lvl7pPr marL="2743200" algn="l" defTabSz="914400" rtl="0" eaLnBrk="1" latinLnBrk="0" hangingPunct="1">
+              <a:defRPr sz="1800" kern="1200">
+                <a:solidFill>
+                  <a:schemeClr val="lt1"/>
+                </a:solidFill>
+                <a:latin typeface="+mn-lt"/>
+                <a:ea typeface="+mn-ea"/>
+                <a:cs typeface="+mn-cs"/>
+              </a:defRPr>
+            </a:lvl7pPr>
+            <a:lvl8pPr marL="3200400" algn="l" defTabSz="914400" rtl="0" eaLnBrk="1" latinLnBrk="0" hangingPunct="1">
+              <a:defRPr sz="1800" kern="1200">
+                <a:solidFill>
+                  <a:schemeClr val="lt1"/>
+                </a:solidFill>
+                <a:latin typeface="+mn-lt"/>
+                <a:ea typeface="+mn-ea"/>
+                <a:cs typeface="+mn-cs"/>
+              </a:defRPr>
+            </a:lvl8pPr>
+            <a:lvl9pPr marL="3657600" algn="l" defTabSz="914400" rtl="0" eaLnBrk="1" latinLnBrk="0" hangingPunct="1">
+              <a:defRPr sz="1800" kern="1200">
+                <a:solidFill>
+                  <a:schemeClr val="lt1"/>
+                </a:solidFill>
+                <a:latin typeface="+mn-lt"/>
+                <a:ea typeface="+mn-ea"/>
+                <a:cs typeface="+mn-cs"/>
+              </a:defRPr>
+            </a:lvl9pPr>
+          </a:lstStyle>
+          <a:p>
+            <a:pPr algn="ctr"/>
+            <a:endParaRPr lang="en-US" b="1"/>
+          </a:p>
+        </p:txBody>
+      </p:sp>
+      <p:sp>
+        <p:nvSpPr>
+          <p:cNvPr id="149" name="TextBox 56">
+            <a:extLst>
+              <a:ext uri="{FF2B5EF4-FFF2-40B4-BE49-F238E27FC236}">
+                <a16:creationId xmlns:a16="http://schemas.microsoft.com/office/drawing/2014/main" id="{B68974B3-B0BC-489E-B5FF-70F9F820D826}"/>
+              </a:ext>
+            </a:extLst>
+          </p:cNvPr>
+          <p:cNvSpPr txBox="1"/>
+          <p:nvPr/>
+        </p:nvSpPr>
+        <p:spPr>
+          <a:xfrm>
+            <a:off x="5573264" y="2887778"/>
+            <a:ext cx="1508924" cy="307777"/>
+          </a:xfrm>
+          <a:prstGeom prst="rect">
+            <a:avLst/>
+          </a:prstGeom>
+          <a:noFill/>
+        </p:spPr>
+        <p:txBody>
+          <a:bodyPr wrap="square" rtlCol="0">
+            <a:spAutoFit/>
+          </a:bodyPr>
+          <a:lstStyle>
+            <a:defPPr>
+              <a:defRPr lang="en-US"/>
+            </a:defPPr>
+            <a:lvl1pPr marL="0" algn="l" defTabSz="914400" rtl="0" eaLnBrk="1" latinLnBrk="0" hangingPunct="1">
+              <a:defRPr sz="1800" kern="1200">
+                <a:solidFill>
+                  <a:schemeClr val="tx1"/>
+                </a:solidFill>
+                <a:latin typeface="+mn-lt"/>
+                <a:ea typeface="+mn-ea"/>
+                <a:cs typeface="+mn-cs"/>
+              </a:defRPr>
+            </a:lvl1pPr>
+            <a:lvl2pPr marL="457200" algn="l" defTabSz="914400" rtl="0" eaLnBrk="1" latinLnBrk="0" hangingPunct="1">
+              <a:defRPr sz="1800" kern="1200">
+                <a:solidFill>
+                  <a:schemeClr val="tx1"/>
+                </a:solidFill>
+                <a:latin typeface="+mn-lt"/>
+                <a:ea typeface="+mn-ea"/>
+                <a:cs typeface="+mn-cs"/>
+              </a:defRPr>
+            </a:lvl2pPr>
+            <a:lvl3pPr marL="914400" algn="l" defTabSz="914400" rtl="0" eaLnBrk="1" latinLnBrk="0" hangingPunct="1">
+              <a:defRPr sz="1800" kern="1200">
+                <a:solidFill>
+                  <a:schemeClr val="tx1"/>
+                </a:solidFill>
+                <a:latin typeface="+mn-lt"/>
+                <a:ea typeface="+mn-ea"/>
+                <a:cs typeface="+mn-cs"/>
+              </a:defRPr>
+            </a:lvl3pPr>
+            <a:lvl4pPr marL="1371600" algn="l" defTabSz="914400" rtl="0" eaLnBrk="1" latinLnBrk="0" hangingPunct="1">
+              <a:defRPr sz="1800" kern="1200">
+                <a:solidFill>
+                  <a:schemeClr val="tx1"/>
+                </a:solidFill>
+                <a:latin typeface="+mn-lt"/>
+                <a:ea typeface="+mn-ea"/>
+                <a:cs typeface="+mn-cs"/>
+              </a:defRPr>
+            </a:lvl4pPr>
+            <a:lvl5pPr marL="1828800" algn="l" defTabSz="914400" rtl="0" eaLnBrk="1" latinLnBrk="0" hangingPunct="1">
+              <a:defRPr sz="1800" kern="1200">
+                <a:solidFill>
+                  <a:schemeClr val="tx1"/>
+                </a:solidFill>
+                <a:latin typeface="+mn-lt"/>
+                <a:ea typeface="+mn-ea"/>
+                <a:cs typeface="+mn-cs"/>
+              </a:defRPr>
+            </a:lvl5pPr>
+            <a:lvl6pPr marL="2286000" algn="l" defTabSz="914400" rtl="0" eaLnBrk="1" latinLnBrk="0" hangingPunct="1">
+              <a:defRPr sz="1800" kern="1200">
+                <a:solidFill>
+                  <a:schemeClr val="tx1"/>
+                </a:solidFill>
+                <a:latin typeface="+mn-lt"/>
+                <a:ea typeface="+mn-ea"/>
+                <a:cs typeface="+mn-cs"/>
+              </a:defRPr>
+            </a:lvl6pPr>
+            <a:lvl7pPr marL="2743200" algn="l" defTabSz="914400" rtl="0" eaLnBrk="1" latinLnBrk="0" hangingPunct="1">
+              <a:defRPr sz="1800" kern="1200">
+                <a:solidFill>
+                  <a:schemeClr val="tx1"/>
+                </a:solidFill>
+                <a:latin typeface="+mn-lt"/>
+                <a:ea typeface="+mn-ea"/>
+                <a:cs typeface="+mn-cs"/>
+              </a:defRPr>
+            </a:lvl7pPr>
+            <a:lvl8pPr marL="3200400" algn="l" defTabSz="914400" rtl="0" eaLnBrk="1" latinLnBrk="0" hangingPunct="1">
+              <a:defRPr sz="1800" kern="1200">
+                <a:solidFill>
+                  <a:schemeClr val="tx1"/>
+                </a:solidFill>
+                <a:latin typeface="+mn-lt"/>
+                <a:ea typeface="+mn-ea"/>
+                <a:cs typeface="+mn-cs"/>
+              </a:defRPr>
+            </a:lvl8pPr>
+            <a:lvl9pPr marL="3657600" algn="l" defTabSz="914400" rtl="0" eaLnBrk="1" latinLnBrk="0" hangingPunct="1">
+              <a:defRPr sz="1800" kern="1200">
+                <a:solidFill>
+                  <a:schemeClr val="tx1"/>
+                </a:solidFill>
+                <a:latin typeface="+mn-lt"/>
+                <a:ea typeface="+mn-ea"/>
+                <a:cs typeface="+mn-cs"/>
+              </a:defRPr>
+            </a:lvl9pPr>
+          </a:lstStyle>
+          <a:p>
+            <a:r>
+              <a:rPr lang="en-US" sz="1400" b="1" dirty="0" err="1"/>
+              <a:t>GUVM_seq_item</a:t>
+            </a:r>
+            <a:endParaRPr lang="en-US" sz="1400" b="1" dirty="0"/>
+          </a:p>
+        </p:txBody>
+      </p:sp>
+      <p:sp>
+        <p:nvSpPr>
+          <p:cNvPr id="150" name="TextBox 60">
+            <a:extLst>
+              <a:ext uri="{FF2B5EF4-FFF2-40B4-BE49-F238E27FC236}">
+                <a16:creationId xmlns:a16="http://schemas.microsoft.com/office/drawing/2014/main" id="{3EF67936-8B7B-4446-891C-8335100188DE}"/>
+              </a:ext>
+            </a:extLst>
+          </p:cNvPr>
+          <p:cNvSpPr txBox="1"/>
+          <p:nvPr/>
+        </p:nvSpPr>
+        <p:spPr>
+          <a:xfrm>
+            <a:off x="4502598" y="2301134"/>
+            <a:ext cx="1508924" cy="307777"/>
+          </a:xfrm>
+          <a:prstGeom prst="rect">
+            <a:avLst/>
+          </a:prstGeom>
+          <a:noFill/>
+        </p:spPr>
+        <p:txBody>
+          <a:bodyPr wrap="square" rtlCol="0">
+            <a:spAutoFit/>
+          </a:bodyPr>
+          <a:lstStyle>
+            <a:defPPr>
+              <a:defRPr lang="en-US"/>
+            </a:defPPr>
+            <a:lvl1pPr marL="0" algn="l" defTabSz="914400" rtl="0" eaLnBrk="1" latinLnBrk="0" hangingPunct="1">
+              <a:defRPr sz="1800" kern="1200">
+                <a:solidFill>
+                  <a:schemeClr val="tx1"/>
+                </a:solidFill>
+                <a:latin typeface="+mn-lt"/>
+                <a:ea typeface="+mn-ea"/>
+                <a:cs typeface="+mn-cs"/>
+              </a:defRPr>
+            </a:lvl1pPr>
+            <a:lvl2pPr marL="457200" algn="l" defTabSz="914400" rtl="0" eaLnBrk="1" latinLnBrk="0" hangingPunct="1">
+              <a:defRPr sz="1800" kern="1200">
+                <a:solidFill>
+                  <a:schemeClr val="tx1"/>
+                </a:solidFill>
+                <a:latin typeface="+mn-lt"/>
+                <a:ea typeface="+mn-ea"/>
+                <a:cs typeface="+mn-cs"/>
+              </a:defRPr>
+            </a:lvl2pPr>
+            <a:lvl3pPr marL="914400" algn="l" defTabSz="914400" rtl="0" eaLnBrk="1" latinLnBrk="0" hangingPunct="1">
+              <a:defRPr sz="1800" kern="1200">
+                <a:solidFill>
+                  <a:schemeClr val="tx1"/>
+                </a:solidFill>
+                <a:latin typeface="+mn-lt"/>
+                <a:ea typeface="+mn-ea"/>
+                <a:cs typeface="+mn-cs"/>
+              </a:defRPr>
+            </a:lvl3pPr>
+            <a:lvl4pPr marL="1371600" algn="l" defTabSz="914400" rtl="0" eaLnBrk="1" latinLnBrk="0" hangingPunct="1">
+              <a:defRPr sz="1800" kern="1200">
+                <a:solidFill>
+                  <a:schemeClr val="tx1"/>
+                </a:solidFill>
+                <a:latin typeface="+mn-lt"/>
+                <a:ea typeface="+mn-ea"/>
+                <a:cs typeface="+mn-cs"/>
+              </a:defRPr>
+            </a:lvl4pPr>
+            <a:lvl5pPr marL="1828800" algn="l" defTabSz="914400" rtl="0" eaLnBrk="1" latinLnBrk="0" hangingPunct="1">
+              <a:defRPr sz="1800" kern="1200">
+                <a:solidFill>
+                  <a:schemeClr val="tx1"/>
+                </a:solidFill>
+                <a:latin typeface="+mn-lt"/>
+                <a:ea typeface="+mn-ea"/>
+                <a:cs typeface="+mn-cs"/>
+              </a:defRPr>
+            </a:lvl5pPr>
+            <a:lvl6pPr marL="2286000" algn="l" defTabSz="914400" rtl="0" eaLnBrk="1" latinLnBrk="0" hangingPunct="1">
+              <a:defRPr sz="1800" kern="1200">
+                <a:solidFill>
+                  <a:schemeClr val="tx1"/>
+                </a:solidFill>
+                <a:latin typeface="+mn-lt"/>
+                <a:ea typeface="+mn-ea"/>
+                <a:cs typeface="+mn-cs"/>
+              </a:defRPr>
+            </a:lvl6pPr>
+            <a:lvl7pPr marL="2743200" algn="l" defTabSz="914400" rtl="0" eaLnBrk="1" latinLnBrk="0" hangingPunct="1">
+              <a:defRPr sz="1800" kern="1200">
+                <a:solidFill>
+                  <a:schemeClr val="tx1"/>
+                </a:solidFill>
+                <a:latin typeface="+mn-lt"/>
+                <a:ea typeface="+mn-ea"/>
+                <a:cs typeface="+mn-cs"/>
+              </a:defRPr>
+            </a:lvl7pPr>
+            <a:lvl8pPr marL="3200400" algn="l" defTabSz="914400" rtl="0" eaLnBrk="1" latinLnBrk="0" hangingPunct="1">
+              <a:defRPr sz="1800" kern="1200">
+                <a:solidFill>
+                  <a:schemeClr val="tx1"/>
+                </a:solidFill>
+                <a:latin typeface="+mn-lt"/>
+                <a:ea typeface="+mn-ea"/>
+                <a:cs typeface="+mn-cs"/>
+              </a:defRPr>
+            </a:lvl8pPr>
+            <a:lvl9pPr marL="3657600" algn="l" defTabSz="914400" rtl="0" eaLnBrk="1" latinLnBrk="0" hangingPunct="1">
+              <a:defRPr sz="1800" kern="1200">
+                <a:solidFill>
+                  <a:schemeClr val="tx1"/>
+                </a:solidFill>
+                <a:latin typeface="+mn-lt"/>
+                <a:ea typeface="+mn-ea"/>
+                <a:cs typeface="+mn-cs"/>
+              </a:defRPr>
+            </a:lvl9pPr>
+          </a:lstStyle>
+          <a:p>
+            <a:r>
+              <a:rPr lang="en-US" sz="1400" b="1" dirty="0" err="1"/>
+              <a:t>GUVM_seq_item</a:t>
+            </a:r>
+            <a:endParaRPr lang="en-US" sz="1400" b="1" dirty="0"/>
+          </a:p>
+        </p:txBody>
+      </p:sp>
+      <p:sp>
+        <p:nvSpPr>
+          <p:cNvPr id="151" name="TextBox 62">
+            <a:extLst>
+              <a:ext uri="{FF2B5EF4-FFF2-40B4-BE49-F238E27FC236}">
+                <a16:creationId xmlns:a16="http://schemas.microsoft.com/office/drawing/2014/main" id="{61C05A65-720D-4FF6-9BD3-51495EB5E3D8}"/>
+              </a:ext>
+            </a:extLst>
+          </p:cNvPr>
+          <p:cNvSpPr txBox="1"/>
+          <p:nvPr/>
+        </p:nvSpPr>
+        <p:spPr>
+          <a:xfrm>
+            <a:off x="3818250" y="975"/>
+            <a:ext cx="4386544" cy="369332"/>
+          </a:xfrm>
+          <a:prstGeom prst="rect">
+            <a:avLst/>
+          </a:prstGeom>
+          <a:noFill/>
+        </p:spPr>
+        <p:txBody>
+          <a:bodyPr wrap="square" rtlCol="0">
+            <a:spAutoFit/>
+          </a:bodyPr>
+          <a:lstStyle>
+            <a:defPPr>
+              <a:defRPr lang="en-US"/>
+            </a:defPPr>
+            <a:lvl1pPr marL="0" algn="l" defTabSz="914400" rtl="0" eaLnBrk="1" latinLnBrk="0" hangingPunct="1">
+              <a:defRPr sz="1800" kern="1200">
+                <a:solidFill>
+                  <a:schemeClr val="tx1"/>
+                </a:solidFill>
+                <a:latin typeface="+mn-lt"/>
+                <a:ea typeface="+mn-ea"/>
+                <a:cs typeface="+mn-cs"/>
+              </a:defRPr>
+            </a:lvl1pPr>
+            <a:lvl2pPr marL="457200" algn="l" defTabSz="914400" rtl="0" eaLnBrk="1" latinLnBrk="0" hangingPunct="1">
+              <a:defRPr sz="1800" kern="1200">
+                <a:solidFill>
+                  <a:schemeClr val="tx1"/>
+                </a:solidFill>
+                <a:latin typeface="+mn-lt"/>
+                <a:ea typeface="+mn-ea"/>
+                <a:cs typeface="+mn-cs"/>
+              </a:defRPr>
+            </a:lvl2pPr>
+            <a:lvl3pPr marL="914400" algn="l" defTabSz="914400" rtl="0" eaLnBrk="1" latinLnBrk="0" hangingPunct="1">
+              <a:defRPr sz="1800" kern="1200">
+                <a:solidFill>
+                  <a:schemeClr val="tx1"/>
+                </a:solidFill>
+                <a:latin typeface="+mn-lt"/>
+                <a:ea typeface="+mn-ea"/>
+                <a:cs typeface="+mn-cs"/>
+              </a:defRPr>
+            </a:lvl3pPr>
+            <a:lvl4pPr marL="1371600" algn="l" defTabSz="914400" rtl="0" eaLnBrk="1" latinLnBrk="0" hangingPunct="1">
+              <a:defRPr sz="1800" kern="1200">
+                <a:solidFill>
+                  <a:schemeClr val="tx1"/>
+                </a:solidFill>
+                <a:latin typeface="+mn-lt"/>
+                <a:ea typeface="+mn-ea"/>
+                <a:cs typeface="+mn-cs"/>
+              </a:defRPr>
+            </a:lvl4pPr>
+            <a:lvl5pPr marL="1828800" algn="l" defTabSz="914400" rtl="0" eaLnBrk="1" latinLnBrk="0" hangingPunct="1">
+              <a:defRPr sz="1800" kern="1200">
+                <a:solidFill>
+                  <a:schemeClr val="tx1"/>
+                </a:solidFill>
+                <a:latin typeface="+mn-lt"/>
+                <a:ea typeface="+mn-ea"/>
+                <a:cs typeface="+mn-cs"/>
+              </a:defRPr>
+            </a:lvl5pPr>
+            <a:lvl6pPr marL="2286000" algn="l" defTabSz="914400" rtl="0" eaLnBrk="1" latinLnBrk="0" hangingPunct="1">
+              <a:defRPr sz="1800" kern="1200">
+                <a:solidFill>
+                  <a:schemeClr val="tx1"/>
+                </a:solidFill>
+                <a:latin typeface="+mn-lt"/>
+                <a:ea typeface="+mn-ea"/>
+                <a:cs typeface="+mn-cs"/>
+              </a:defRPr>
+            </a:lvl6pPr>
+            <a:lvl7pPr marL="2743200" algn="l" defTabSz="914400" rtl="0" eaLnBrk="1" latinLnBrk="0" hangingPunct="1">
+              <a:defRPr sz="1800" kern="1200">
+                <a:solidFill>
+                  <a:schemeClr val="tx1"/>
+                </a:solidFill>
+                <a:latin typeface="+mn-lt"/>
+                <a:ea typeface="+mn-ea"/>
+                <a:cs typeface="+mn-cs"/>
+              </a:defRPr>
+            </a:lvl7pPr>
+            <a:lvl8pPr marL="3200400" algn="l" defTabSz="914400" rtl="0" eaLnBrk="1" latinLnBrk="0" hangingPunct="1">
+              <a:defRPr sz="1800" kern="1200">
+                <a:solidFill>
+                  <a:schemeClr val="tx1"/>
+                </a:solidFill>
+                <a:latin typeface="+mn-lt"/>
+                <a:ea typeface="+mn-ea"/>
+                <a:cs typeface="+mn-cs"/>
+              </a:defRPr>
+            </a:lvl8pPr>
+            <a:lvl9pPr marL="3657600" algn="l" defTabSz="914400" rtl="0" eaLnBrk="1" latinLnBrk="0" hangingPunct="1">
+              <a:defRPr sz="1800" kern="1200">
+                <a:solidFill>
+                  <a:schemeClr val="tx1"/>
+                </a:solidFill>
+                <a:latin typeface="+mn-lt"/>
+                <a:ea typeface="+mn-ea"/>
+                <a:cs typeface="+mn-cs"/>
+              </a:defRPr>
+            </a:lvl9pPr>
+          </a:lstStyle>
+          <a:p>
+            <a:pPr algn="ctr"/>
+            <a:r>
+              <a:rPr lang="en-US" b="1" dirty="0"/>
+              <a:t>Generic UVM for Soft Processors</a:t>
+            </a:r>
+          </a:p>
+        </p:txBody>
+      </p:sp>
+      <p:sp>
+        <p:nvSpPr>
+          <p:cNvPr id="152" name="Rectangle: Rounded Corners 151">
+            <a:extLst>
+              <a:ext uri="{FF2B5EF4-FFF2-40B4-BE49-F238E27FC236}">
+                <a16:creationId xmlns:a16="http://schemas.microsoft.com/office/drawing/2014/main" id="{C8B7B364-791C-47FE-B83F-19B09ED7E6EF}"/>
+              </a:ext>
+            </a:extLst>
+          </p:cNvPr>
+          <p:cNvSpPr/>
+          <p:nvPr/>
+        </p:nvSpPr>
+        <p:spPr>
+          <a:xfrm>
+            <a:off x="7136065" y="2729232"/>
             <a:ext cx="186695" cy="126758"/>
           </a:xfrm>
           <a:prstGeom prst="roundRect">
@@ -5649,111 +10409,122 @@
         </p:style>
         <p:txBody>
           <a:bodyPr rtlCol="0" anchor="ctr"/>
-          <a:lstStyle/>
+          <a:lstStyle>
+            <a:defPPr>
+              <a:defRPr lang="en-US"/>
+            </a:defPPr>
+            <a:lvl1pPr marL="0" algn="l" defTabSz="914400" rtl="0" eaLnBrk="1" latinLnBrk="0" hangingPunct="1">
+              <a:defRPr sz="1800" kern="1200">
+                <a:solidFill>
+                  <a:schemeClr val="lt1"/>
+                </a:solidFill>
+                <a:latin typeface="+mn-lt"/>
+                <a:ea typeface="+mn-ea"/>
+                <a:cs typeface="+mn-cs"/>
+              </a:defRPr>
+            </a:lvl1pPr>
+            <a:lvl2pPr marL="457200" algn="l" defTabSz="914400" rtl="0" eaLnBrk="1" latinLnBrk="0" hangingPunct="1">
+              <a:defRPr sz="1800" kern="1200">
+                <a:solidFill>
+                  <a:schemeClr val="lt1"/>
+                </a:solidFill>
+                <a:latin typeface="+mn-lt"/>
+                <a:ea typeface="+mn-ea"/>
+                <a:cs typeface="+mn-cs"/>
+              </a:defRPr>
+            </a:lvl2pPr>
+            <a:lvl3pPr marL="914400" algn="l" defTabSz="914400" rtl="0" eaLnBrk="1" latinLnBrk="0" hangingPunct="1">
+              <a:defRPr sz="1800" kern="1200">
+                <a:solidFill>
+                  <a:schemeClr val="lt1"/>
+                </a:solidFill>
+                <a:latin typeface="+mn-lt"/>
+                <a:ea typeface="+mn-ea"/>
+                <a:cs typeface="+mn-cs"/>
+              </a:defRPr>
+            </a:lvl3pPr>
+            <a:lvl4pPr marL="1371600" algn="l" defTabSz="914400" rtl="0" eaLnBrk="1" latinLnBrk="0" hangingPunct="1">
+              <a:defRPr sz="1800" kern="1200">
+                <a:solidFill>
+                  <a:schemeClr val="lt1"/>
+                </a:solidFill>
+                <a:latin typeface="+mn-lt"/>
+                <a:ea typeface="+mn-ea"/>
+                <a:cs typeface="+mn-cs"/>
+              </a:defRPr>
+            </a:lvl4pPr>
+            <a:lvl5pPr marL="1828800" algn="l" defTabSz="914400" rtl="0" eaLnBrk="1" latinLnBrk="0" hangingPunct="1">
+              <a:defRPr sz="1800" kern="1200">
+                <a:solidFill>
+                  <a:schemeClr val="lt1"/>
+                </a:solidFill>
+                <a:latin typeface="+mn-lt"/>
+                <a:ea typeface="+mn-ea"/>
+                <a:cs typeface="+mn-cs"/>
+              </a:defRPr>
+            </a:lvl5pPr>
+            <a:lvl6pPr marL="2286000" algn="l" defTabSz="914400" rtl="0" eaLnBrk="1" latinLnBrk="0" hangingPunct="1">
+              <a:defRPr sz="1800" kern="1200">
+                <a:solidFill>
+                  <a:schemeClr val="lt1"/>
+                </a:solidFill>
+                <a:latin typeface="+mn-lt"/>
+                <a:ea typeface="+mn-ea"/>
+                <a:cs typeface="+mn-cs"/>
+              </a:defRPr>
+            </a:lvl6pPr>
+            <a:lvl7pPr marL="2743200" algn="l" defTabSz="914400" rtl="0" eaLnBrk="1" latinLnBrk="0" hangingPunct="1">
+              <a:defRPr sz="1800" kern="1200">
+                <a:solidFill>
+                  <a:schemeClr val="lt1"/>
+                </a:solidFill>
+                <a:latin typeface="+mn-lt"/>
+                <a:ea typeface="+mn-ea"/>
+                <a:cs typeface="+mn-cs"/>
+              </a:defRPr>
+            </a:lvl7pPr>
+            <a:lvl8pPr marL="3200400" algn="l" defTabSz="914400" rtl="0" eaLnBrk="1" latinLnBrk="0" hangingPunct="1">
+              <a:defRPr sz="1800" kern="1200">
+                <a:solidFill>
+                  <a:schemeClr val="lt1"/>
+                </a:solidFill>
+                <a:latin typeface="+mn-lt"/>
+                <a:ea typeface="+mn-ea"/>
+                <a:cs typeface="+mn-cs"/>
+              </a:defRPr>
+            </a:lvl8pPr>
+            <a:lvl9pPr marL="3657600" algn="l" defTabSz="914400" rtl="0" eaLnBrk="1" latinLnBrk="0" hangingPunct="1">
+              <a:defRPr sz="1800" kern="1200">
+                <a:solidFill>
+                  <a:schemeClr val="lt1"/>
+                </a:solidFill>
+                <a:latin typeface="+mn-lt"/>
+                <a:ea typeface="+mn-ea"/>
+                <a:cs typeface="+mn-cs"/>
+              </a:defRPr>
+            </a:lvl9pPr>
+          </a:lstStyle>
           <a:p>
             <a:pPr algn="ctr"/>
             <a:endParaRPr lang="en-US" b="1"/>
           </a:p>
         </p:txBody>
       </p:sp>
-      <p:cxnSp>
-        <p:nvCxnSpPr>
-          <p:cNvPr id="95" name="Straight Arrow Connector 94">
-            <a:extLst>
-              <a:ext uri="{FF2B5EF4-FFF2-40B4-BE49-F238E27FC236}">
-                <a16:creationId xmlns:a16="http://schemas.microsoft.com/office/drawing/2014/main" id="{FB61DDF7-34BD-4436-B4A1-614B53D57FD2}"/>
-              </a:ext>
-            </a:extLst>
-          </p:cNvPr>
-          <p:cNvCxnSpPr>
-            <a:cxnSpLocks/>
-          </p:cNvCxnSpPr>
+      <p:sp>
+        <p:nvSpPr>
+          <p:cNvPr id="153" name="Diamond 152">
+            <a:extLst>
+              <a:ext uri="{FF2B5EF4-FFF2-40B4-BE49-F238E27FC236}">
+                <a16:creationId xmlns:a16="http://schemas.microsoft.com/office/drawing/2014/main" id="{E5510C85-712D-48FE-BB18-87D5ECCA3F82}"/>
+              </a:ext>
+            </a:extLst>
+          </p:cNvPr>
+          <p:cNvSpPr/>
           <p:nvPr/>
-        </p:nvCxnSpPr>
+        </p:nvSpPr>
         <p:spPr>
           <a:xfrm>
-            <a:off x="4737560" y="4210719"/>
-            <a:ext cx="0" cy="692175"/>
-          </a:xfrm>
-          <a:prstGeom prst="straightConnector1">
-            <a:avLst/>
-          </a:prstGeom>
-          <a:ln>
-            <a:headEnd type="triangle"/>
-            <a:tailEnd type="triangle"/>
-          </a:ln>
-        </p:spPr>
-        <p:style>
-          <a:lnRef idx="3">
-            <a:schemeClr val="dk1"/>
-          </a:lnRef>
-          <a:fillRef idx="0">
-            <a:schemeClr val="dk1"/>
-          </a:fillRef>
-          <a:effectRef idx="2">
-            <a:schemeClr val="dk1"/>
-          </a:effectRef>
-          <a:fontRef idx="minor">
-            <a:schemeClr val="tx1"/>
-          </a:fontRef>
-        </p:style>
-      </p:cxnSp>
-      <p:cxnSp>
-        <p:nvCxnSpPr>
-          <p:cNvPr id="96" name="Straight Arrow Connector 95">
-            <a:extLst>
-              <a:ext uri="{FF2B5EF4-FFF2-40B4-BE49-F238E27FC236}">
-                <a16:creationId xmlns:a16="http://schemas.microsoft.com/office/drawing/2014/main" id="{C3658588-3192-405C-96D1-7794D4ED0279}"/>
-              </a:ext>
-            </a:extLst>
-          </p:cNvPr>
-          <p:cNvCxnSpPr>
-            <a:cxnSpLocks/>
-          </p:cNvCxnSpPr>
-          <p:nvPr/>
-        </p:nvCxnSpPr>
-        <p:spPr>
-          <a:xfrm flipV="1">
-            <a:off x="2664765" y="4226366"/>
-            <a:ext cx="3467" cy="704861"/>
-          </a:xfrm>
-          <a:prstGeom prst="straightConnector1">
-            <a:avLst/>
-          </a:prstGeom>
-          <a:ln>
-            <a:tailEnd type="triangle"/>
-          </a:ln>
-        </p:spPr>
-        <p:style>
-          <a:lnRef idx="3">
-            <a:schemeClr val="dk1"/>
-          </a:lnRef>
-          <a:fillRef idx="0">
-            <a:schemeClr val="dk1"/>
-          </a:fillRef>
-          <a:effectRef idx="2">
-            <a:schemeClr val="dk1"/>
-          </a:effectRef>
-          <a:fontRef idx="minor">
-            <a:schemeClr val="tx1"/>
-          </a:fontRef>
-        </p:style>
-      </p:cxnSp>
-      <p:sp>
-        <p:nvSpPr>
-          <p:cNvPr id="97" name="Diamond 96">
-            <a:extLst>
-              <a:ext uri="{FF2B5EF4-FFF2-40B4-BE49-F238E27FC236}">
-                <a16:creationId xmlns:a16="http://schemas.microsoft.com/office/drawing/2014/main" id="{BFB6D7DB-0ACF-461A-AB32-5B8256639D13}"/>
-              </a:ext>
-            </a:extLst>
-          </p:cNvPr>
-          <p:cNvSpPr/>
-          <p:nvPr/>
-        </p:nvSpPr>
-        <p:spPr>
-          <a:xfrm>
-            <a:off x="1920012" y="3101589"/>
+            <a:off x="4264989" y="1810376"/>
             <a:ext cx="162040" cy="177418"/>
           </a:xfrm>
           <a:prstGeom prst="diamond">
@@ -5802,7 +10573,101 @@
         </p:style>
         <p:txBody>
           <a:bodyPr rtlCol="0" anchor="ctr"/>
-          <a:lstStyle/>
+          <a:lstStyle>
+            <a:defPPr>
+              <a:defRPr lang="en-US"/>
+            </a:defPPr>
+            <a:lvl1pPr marL="0" algn="l" defTabSz="914400" rtl="0" eaLnBrk="1" latinLnBrk="0" hangingPunct="1">
+              <a:defRPr sz="1800" kern="1200">
+                <a:solidFill>
+                  <a:schemeClr val="lt1"/>
+                </a:solidFill>
+                <a:latin typeface="+mn-lt"/>
+                <a:ea typeface="+mn-ea"/>
+                <a:cs typeface="+mn-cs"/>
+              </a:defRPr>
+            </a:lvl1pPr>
+            <a:lvl2pPr marL="457200" algn="l" defTabSz="914400" rtl="0" eaLnBrk="1" latinLnBrk="0" hangingPunct="1">
+              <a:defRPr sz="1800" kern="1200">
+                <a:solidFill>
+                  <a:schemeClr val="lt1"/>
+                </a:solidFill>
+                <a:latin typeface="+mn-lt"/>
+                <a:ea typeface="+mn-ea"/>
+                <a:cs typeface="+mn-cs"/>
+              </a:defRPr>
+            </a:lvl2pPr>
+            <a:lvl3pPr marL="914400" algn="l" defTabSz="914400" rtl="0" eaLnBrk="1" latinLnBrk="0" hangingPunct="1">
+              <a:defRPr sz="1800" kern="1200">
+                <a:solidFill>
+                  <a:schemeClr val="lt1"/>
+                </a:solidFill>
+                <a:latin typeface="+mn-lt"/>
+                <a:ea typeface="+mn-ea"/>
+                <a:cs typeface="+mn-cs"/>
+              </a:defRPr>
+            </a:lvl3pPr>
+            <a:lvl4pPr marL="1371600" algn="l" defTabSz="914400" rtl="0" eaLnBrk="1" latinLnBrk="0" hangingPunct="1">
+              <a:defRPr sz="1800" kern="1200">
+                <a:solidFill>
+                  <a:schemeClr val="lt1"/>
+                </a:solidFill>
+                <a:latin typeface="+mn-lt"/>
+                <a:ea typeface="+mn-ea"/>
+                <a:cs typeface="+mn-cs"/>
+              </a:defRPr>
+            </a:lvl4pPr>
+            <a:lvl5pPr marL="1828800" algn="l" defTabSz="914400" rtl="0" eaLnBrk="1" latinLnBrk="0" hangingPunct="1">
+              <a:defRPr sz="1800" kern="1200">
+                <a:solidFill>
+                  <a:schemeClr val="lt1"/>
+                </a:solidFill>
+                <a:latin typeface="+mn-lt"/>
+                <a:ea typeface="+mn-ea"/>
+                <a:cs typeface="+mn-cs"/>
+              </a:defRPr>
+            </a:lvl5pPr>
+            <a:lvl6pPr marL="2286000" algn="l" defTabSz="914400" rtl="0" eaLnBrk="1" latinLnBrk="0" hangingPunct="1">
+              <a:defRPr sz="1800" kern="1200">
+                <a:solidFill>
+                  <a:schemeClr val="lt1"/>
+                </a:solidFill>
+                <a:latin typeface="+mn-lt"/>
+                <a:ea typeface="+mn-ea"/>
+                <a:cs typeface="+mn-cs"/>
+              </a:defRPr>
+            </a:lvl6pPr>
+            <a:lvl7pPr marL="2743200" algn="l" defTabSz="914400" rtl="0" eaLnBrk="1" latinLnBrk="0" hangingPunct="1">
+              <a:defRPr sz="1800" kern="1200">
+                <a:solidFill>
+                  <a:schemeClr val="lt1"/>
+                </a:solidFill>
+                <a:latin typeface="+mn-lt"/>
+                <a:ea typeface="+mn-ea"/>
+                <a:cs typeface="+mn-cs"/>
+              </a:defRPr>
+            </a:lvl7pPr>
+            <a:lvl8pPr marL="3200400" algn="l" defTabSz="914400" rtl="0" eaLnBrk="1" latinLnBrk="0" hangingPunct="1">
+              <a:defRPr sz="1800" kern="1200">
+                <a:solidFill>
+                  <a:schemeClr val="lt1"/>
+                </a:solidFill>
+                <a:latin typeface="+mn-lt"/>
+                <a:ea typeface="+mn-ea"/>
+                <a:cs typeface="+mn-cs"/>
+              </a:defRPr>
+            </a:lvl8pPr>
+            <a:lvl9pPr marL="3657600" algn="l" defTabSz="914400" rtl="0" eaLnBrk="1" latinLnBrk="0" hangingPunct="1">
+              <a:defRPr sz="1800" kern="1200">
+                <a:solidFill>
+                  <a:schemeClr val="lt1"/>
+                </a:solidFill>
+                <a:latin typeface="+mn-lt"/>
+                <a:ea typeface="+mn-ea"/>
+                <a:cs typeface="+mn-cs"/>
+              </a:defRPr>
+            </a:lvl9pPr>
+          </a:lstStyle>
           <a:p>
             <a:pPr algn="ctr"/>
             <a:endParaRPr lang="en-US" b="1"/>
@@ -5811,10 +10676,10 @@
       </p:sp>
       <p:sp>
         <p:nvSpPr>
-          <p:cNvPr id="98" name="Flowchart: Connector 97">
-            <a:extLst>
-              <a:ext uri="{FF2B5EF4-FFF2-40B4-BE49-F238E27FC236}">
-                <a16:creationId xmlns:a16="http://schemas.microsoft.com/office/drawing/2014/main" id="{D5741648-46A4-4223-B7A0-FFC13F142B2D}"/>
+          <p:cNvPr id="154" name="Flowchart: Connector 153">
+            <a:extLst>
+              <a:ext uri="{FF2B5EF4-FFF2-40B4-BE49-F238E27FC236}">
+                <a16:creationId xmlns:a16="http://schemas.microsoft.com/office/drawing/2014/main" id="{2C37E03F-48BB-4054-A90A-7556E716AC21}"/>
               </a:ext>
             </a:extLst>
           </p:cNvPr>
@@ -5823,7 +10688,7 @@
         </p:nvSpPr>
         <p:spPr>
           <a:xfrm>
-            <a:off x="1892302" y="1764610"/>
+            <a:off x="1892302" y="3067463"/>
             <a:ext cx="217460" cy="208391"/>
           </a:xfrm>
           <a:prstGeom prst="flowChartConnector">
@@ -5872,643 +10737,104 @@
         </p:style>
         <p:txBody>
           <a:bodyPr rtlCol="0" anchor="ctr"/>
-          <a:lstStyle/>
+          <a:lstStyle>
+            <a:defPPr>
+              <a:defRPr lang="en-US"/>
+            </a:defPPr>
+            <a:lvl1pPr marL="0" algn="l" defTabSz="914400" rtl="0" eaLnBrk="1" latinLnBrk="0" hangingPunct="1">
+              <a:defRPr sz="1800" kern="1200">
+                <a:solidFill>
+                  <a:schemeClr val="lt1"/>
+                </a:solidFill>
+                <a:latin typeface="+mn-lt"/>
+                <a:ea typeface="+mn-ea"/>
+                <a:cs typeface="+mn-cs"/>
+              </a:defRPr>
+            </a:lvl1pPr>
+            <a:lvl2pPr marL="457200" algn="l" defTabSz="914400" rtl="0" eaLnBrk="1" latinLnBrk="0" hangingPunct="1">
+              <a:defRPr sz="1800" kern="1200">
+                <a:solidFill>
+                  <a:schemeClr val="lt1"/>
+                </a:solidFill>
+                <a:latin typeface="+mn-lt"/>
+                <a:ea typeface="+mn-ea"/>
+                <a:cs typeface="+mn-cs"/>
+              </a:defRPr>
+            </a:lvl2pPr>
+            <a:lvl3pPr marL="914400" algn="l" defTabSz="914400" rtl="0" eaLnBrk="1" latinLnBrk="0" hangingPunct="1">
+              <a:defRPr sz="1800" kern="1200">
+                <a:solidFill>
+                  <a:schemeClr val="lt1"/>
+                </a:solidFill>
+                <a:latin typeface="+mn-lt"/>
+                <a:ea typeface="+mn-ea"/>
+                <a:cs typeface="+mn-cs"/>
+              </a:defRPr>
+            </a:lvl3pPr>
+            <a:lvl4pPr marL="1371600" algn="l" defTabSz="914400" rtl="0" eaLnBrk="1" latinLnBrk="0" hangingPunct="1">
+              <a:defRPr sz="1800" kern="1200">
+                <a:solidFill>
+                  <a:schemeClr val="lt1"/>
+                </a:solidFill>
+                <a:latin typeface="+mn-lt"/>
+                <a:ea typeface="+mn-ea"/>
+                <a:cs typeface="+mn-cs"/>
+              </a:defRPr>
+            </a:lvl4pPr>
+            <a:lvl5pPr marL="1828800" algn="l" defTabSz="914400" rtl="0" eaLnBrk="1" latinLnBrk="0" hangingPunct="1">
+              <a:defRPr sz="1800" kern="1200">
+                <a:solidFill>
+                  <a:schemeClr val="lt1"/>
+                </a:solidFill>
+                <a:latin typeface="+mn-lt"/>
+                <a:ea typeface="+mn-ea"/>
+                <a:cs typeface="+mn-cs"/>
+              </a:defRPr>
+            </a:lvl5pPr>
+            <a:lvl6pPr marL="2286000" algn="l" defTabSz="914400" rtl="0" eaLnBrk="1" latinLnBrk="0" hangingPunct="1">
+              <a:defRPr sz="1800" kern="1200">
+                <a:solidFill>
+                  <a:schemeClr val="lt1"/>
+                </a:solidFill>
+                <a:latin typeface="+mn-lt"/>
+                <a:ea typeface="+mn-ea"/>
+                <a:cs typeface="+mn-cs"/>
+              </a:defRPr>
+            </a:lvl6pPr>
+            <a:lvl7pPr marL="2743200" algn="l" defTabSz="914400" rtl="0" eaLnBrk="1" latinLnBrk="0" hangingPunct="1">
+              <a:defRPr sz="1800" kern="1200">
+                <a:solidFill>
+                  <a:schemeClr val="lt1"/>
+                </a:solidFill>
+                <a:latin typeface="+mn-lt"/>
+                <a:ea typeface="+mn-ea"/>
+                <a:cs typeface="+mn-cs"/>
+              </a:defRPr>
+            </a:lvl7pPr>
+            <a:lvl8pPr marL="3200400" algn="l" defTabSz="914400" rtl="0" eaLnBrk="1" latinLnBrk="0" hangingPunct="1">
+              <a:defRPr sz="1800" kern="1200">
+                <a:solidFill>
+                  <a:schemeClr val="lt1"/>
+                </a:solidFill>
+                <a:latin typeface="+mn-lt"/>
+                <a:ea typeface="+mn-ea"/>
+                <a:cs typeface="+mn-cs"/>
+              </a:defRPr>
+            </a:lvl8pPr>
+            <a:lvl9pPr marL="3657600" algn="l" defTabSz="914400" rtl="0" eaLnBrk="1" latinLnBrk="0" hangingPunct="1">
+              <a:defRPr sz="1800" kern="1200">
+                <a:solidFill>
+                  <a:schemeClr val="lt1"/>
+                </a:solidFill>
+                <a:latin typeface="+mn-lt"/>
+                <a:ea typeface="+mn-ea"/>
+                <a:cs typeface="+mn-cs"/>
+              </a:defRPr>
+            </a:lvl9pPr>
+          </a:lstStyle>
           <a:p>
             <a:pPr algn="ctr"/>
             <a:endParaRPr lang="en-US" b="1"/>
-          </a:p>
-        </p:txBody>
-      </p:sp>
-      <p:cxnSp>
-        <p:nvCxnSpPr>
-          <p:cNvPr id="99" name="Straight Arrow Connector 98">
-            <a:extLst>
-              <a:ext uri="{FF2B5EF4-FFF2-40B4-BE49-F238E27FC236}">
-                <a16:creationId xmlns:a16="http://schemas.microsoft.com/office/drawing/2014/main" id="{B88B0A71-A014-48A7-A85C-513594EB2B2C}"/>
-              </a:ext>
-            </a:extLst>
-          </p:cNvPr>
-          <p:cNvCxnSpPr>
-            <a:cxnSpLocks/>
-            <a:endCxn id="98" idx="4"/>
-          </p:cNvCxnSpPr>
-          <p:nvPr/>
-        </p:nvCxnSpPr>
-        <p:spPr>
-          <a:xfrm flipV="1">
-            <a:off x="2001032" y="1973001"/>
-            <a:ext cx="0" cy="1258094"/>
-          </a:xfrm>
-          <a:prstGeom prst="straightConnector1">
-            <a:avLst/>
-          </a:prstGeom>
-          <a:ln>
-            <a:tailEnd type="triangle"/>
-          </a:ln>
-        </p:spPr>
-        <p:style>
-          <a:lnRef idx="3">
-            <a:schemeClr val="dk1"/>
-          </a:lnRef>
-          <a:fillRef idx="0">
-            <a:schemeClr val="dk1"/>
-          </a:fillRef>
-          <a:effectRef idx="2">
-            <a:schemeClr val="dk1"/>
-          </a:effectRef>
-          <a:fontRef idx="minor">
-            <a:schemeClr val="tx1"/>
-          </a:fontRef>
-        </p:style>
-      </p:cxnSp>
-      <p:sp>
-        <p:nvSpPr>
-          <p:cNvPr id="100" name="Diamond 99">
-            <a:extLst>
-              <a:ext uri="{FF2B5EF4-FFF2-40B4-BE49-F238E27FC236}">
-                <a16:creationId xmlns:a16="http://schemas.microsoft.com/office/drawing/2014/main" id="{A90AD2B0-25D1-4091-AC04-3642AFD41833}"/>
-              </a:ext>
-            </a:extLst>
-          </p:cNvPr>
-          <p:cNvSpPr/>
-          <p:nvPr/>
-        </p:nvSpPr>
-        <p:spPr>
-          <a:xfrm>
-            <a:off x="4256631" y="3101589"/>
-            <a:ext cx="162040" cy="177418"/>
-          </a:xfrm>
-          <a:prstGeom prst="diamond">
-            <a:avLst/>
-          </a:prstGeom>
-          <a:gradFill flip="none" rotWithShape="1">
-            <a:gsLst>
-              <a:gs pos="0">
-                <a:schemeClr val="dk1">
-                  <a:lumMod val="67000"/>
-                </a:schemeClr>
-              </a:gs>
-              <a:gs pos="48000">
-                <a:schemeClr val="dk1">
-                  <a:lumMod val="97000"/>
-                  <a:lumOff val="3000"/>
-                </a:schemeClr>
-              </a:gs>
-              <a:gs pos="100000">
-                <a:schemeClr val="dk1">
-                  <a:lumMod val="60000"/>
-                  <a:lumOff val="40000"/>
-                </a:schemeClr>
-              </a:gs>
-            </a:gsLst>
-            <a:lin ang="16200000" scaled="1"/>
-            <a:tileRect/>
-          </a:gradFill>
-          <a:ln>
-            <a:noFill/>
-          </a:ln>
-        </p:spPr>
-        <p:style>
-          <a:lnRef idx="0">
-            <a:scrgbClr r="0" g="0" b="0"/>
-          </a:lnRef>
-          <a:fillRef idx="0">
-            <a:scrgbClr r="0" g="0" b="0"/>
-          </a:fillRef>
-          <a:effectRef idx="0">
-            <a:scrgbClr r="0" g="0" b="0"/>
-          </a:effectRef>
-          <a:fontRef idx="minor">
-            <a:schemeClr val="lt1"/>
-          </a:fontRef>
-        </p:style>
-        <p:txBody>
-          <a:bodyPr rtlCol="0" anchor="ctr"/>
-          <a:lstStyle/>
-          <a:p>
-            <a:pPr algn="ctr"/>
-            <a:endParaRPr lang="en-US" b="1"/>
-          </a:p>
-        </p:txBody>
-      </p:sp>
-      <p:sp>
-        <p:nvSpPr>
-          <p:cNvPr id="101" name="Flowchart: Connector 100">
-            <a:extLst>
-              <a:ext uri="{FF2B5EF4-FFF2-40B4-BE49-F238E27FC236}">
-                <a16:creationId xmlns:a16="http://schemas.microsoft.com/office/drawing/2014/main" id="{98C059AE-972D-4D00-8C86-93C1179E193D}"/>
-              </a:ext>
-            </a:extLst>
-          </p:cNvPr>
-          <p:cNvSpPr/>
-          <p:nvPr/>
-        </p:nvSpPr>
-        <p:spPr>
-          <a:xfrm>
-            <a:off x="4238620" y="1779177"/>
-            <a:ext cx="217460" cy="208391"/>
-          </a:xfrm>
-          <a:prstGeom prst="flowChartConnector">
-            <a:avLst/>
-          </a:prstGeom>
-          <a:gradFill flip="none" rotWithShape="1">
-            <a:gsLst>
-              <a:gs pos="0">
-                <a:schemeClr val="dk1">
-                  <a:lumMod val="67000"/>
-                </a:schemeClr>
-              </a:gs>
-              <a:gs pos="48000">
-                <a:schemeClr val="dk1">
-                  <a:lumMod val="97000"/>
-                  <a:lumOff val="3000"/>
-                </a:schemeClr>
-              </a:gs>
-              <a:gs pos="100000">
-                <a:schemeClr val="dk1">
-                  <a:lumMod val="60000"/>
-                  <a:lumOff val="40000"/>
-                </a:schemeClr>
-              </a:gs>
-            </a:gsLst>
-            <a:lin ang="16200000" scaled="1"/>
-            <a:tileRect/>
-          </a:gradFill>
-          <a:ln>
-            <a:noFill/>
-          </a:ln>
-        </p:spPr>
-        <p:style>
-          <a:lnRef idx="0">
-            <a:scrgbClr r="0" g="0" b="0"/>
-          </a:lnRef>
-          <a:fillRef idx="0">
-            <a:scrgbClr r="0" g="0" b="0"/>
-          </a:fillRef>
-          <a:effectRef idx="0">
-            <a:scrgbClr r="0" g="0" b="0"/>
-          </a:effectRef>
-          <a:fontRef idx="minor">
-            <a:schemeClr val="lt1"/>
-          </a:fontRef>
-        </p:style>
-        <p:txBody>
-          <a:bodyPr rtlCol="0" anchor="ctr"/>
-          <a:lstStyle/>
-          <a:p>
-            <a:pPr algn="ctr"/>
-            <a:endParaRPr lang="en-US" b="1"/>
-          </a:p>
-        </p:txBody>
-      </p:sp>
-      <p:cxnSp>
-        <p:nvCxnSpPr>
-          <p:cNvPr id="102" name="Straight Arrow Connector 101">
-            <a:extLst>
-              <a:ext uri="{FF2B5EF4-FFF2-40B4-BE49-F238E27FC236}">
-                <a16:creationId xmlns:a16="http://schemas.microsoft.com/office/drawing/2014/main" id="{2497EB18-BCB4-46B8-A495-D2787E543848}"/>
-              </a:ext>
-            </a:extLst>
-          </p:cNvPr>
-          <p:cNvCxnSpPr>
-            <a:cxnSpLocks/>
-          </p:cNvCxnSpPr>
-          <p:nvPr/>
-        </p:nvCxnSpPr>
-        <p:spPr>
-          <a:xfrm flipV="1">
-            <a:off x="4341713" y="1982696"/>
-            <a:ext cx="4296" cy="1222399"/>
-          </a:xfrm>
-          <a:prstGeom prst="straightConnector1">
-            <a:avLst/>
-          </a:prstGeom>
-          <a:ln>
-            <a:tailEnd type="triangle"/>
-          </a:ln>
-        </p:spPr>
-        <p:style>
-          <a:lnRef idx="3">
-            <a:schemeClr val="dk1"/>
-          </a:lnRef>
-          <a:fillRef idx="0">
-            <a:schemeClr val="dk1"/>
-          </a:fillRef>
-          <a:effectRef idx="2">
-            <a:schemeClr val="dk1"/>
-          </a:effectRef>
-          <a:fontRef idx="minor">
-            <a:schemeClr val="tx1"/>
-          </a:fontRef>
-        </p:style>
-      </p:cxnSp>
-      <p:sp>
-        <p:nvSpPr>
-          <p:cNvPr id="103" name="Rectangle 102">
-            <a:extLst>
-              <a:ext uri="{FF2B5EF4-FFF2-40B4-BE49-F238E27FC236}">
-                <a16:creationId xmlns:a16="http://schemas.microsoft.com/office/drawing/2014/main" id="{DBE67841-6B52-4437-A417-8D41CBA167CF}"/>
-              </a:ext>
-            </a:extLst>
-          </p:cNvPr>
-          <p:cNvSpPr/>
-          <p:nvPr/>
-        </p:nvSpPr>
-        <p:spPr>
-          <a:xfrm>
-            <a:off x="2484537" y="4389712"/>
-            <a:ext cx="378158" cy="213479"/>
-          </a:xfrm>
-          <a:prstGeom prst="rect">
-            <a:avLst/>
-          </a:prstGeom>
-          <a:solidFill>
-            <a:srgbClr val="FF0000"/>
-          </a:solidFill>
-        </p:spPr>
-        <p:style>
-          <a:lnRef idx="2">
-            <a:schemeClr val="accent1">
-              <a:shade val="50000"/>
-            </a:schemeClr>
-          </a:lnRef>
-          <a:fillRef idx="1">
-            <a:schemeClr val="accent1"/>
-          </a:fillRef>
-          <a:effectRef idx="0">
-            <a:schemeClr val="accent1"/>
-          </a:effectRef>
-          <a:fontRef idx="minor">
-            <a:schemeClr val="lt1"/>
-          </a:fontRef>
-        </p:style>
-        <p:txBody>
-          <a:bodyPr rtlCol="0" anchor="ctr"/>
-          <a:lstStyle/>
-          <a:p>
-            <a:pPr algn="ctr"/>
-            <a:endParaRPr lang="en-US" b="1"/>
-          </a:p>
-        </p:txBody>
-      </p:sp>
-      <p:sp>
-        <p:nvSpPr>
-          <p:cNvPr id="104" name="TextBox 103">
-            <a:extLst>
-              <a:ext uri="{FF2B5EF4-FFF2-40B4-BE49-F238E27FC236}">
-                <a16:creationId xmlns:a16="http://schemas.microsoft.com/office/drawing/2014/main" id="{4C4A62BA-E50B-4469-A168-73A3FC7A7349}"/>
-              </a:ext>
-            </a:extLst>
-          </p:cNvPr>
-          <p:cNvSpPr txBox="1"/>
-          <p:nvPr/>
-        </p:nvSpPr>
-        <p:spPr>
-          <a:xfrm>
-            <a:off x="1479593" y="4381130"/>
-            <a:ext cx="1286052" cy="307777"/>
-          </a:xfrm>
-          <a:prstGeom prst="rect">
-            <a:avLst/>
-          </a:prstGeom>
-          <a:noFill/>
-        </p:spPr>
-        <p:txBody>
-          <a:bodyPr wrap="square" rtlCol="0">
-            <a:spAutoFit/>
-          </a:bodyPr>
-          <a:lstStyle/>
-          <a:p>
-            <a:r>
-              <a:rPr lang="en-US" sz="1400" b="1" dirty="0"/>
-              <a:t>Transaction</a:t>
-            </a:r>
-          </a:p>
-        </p:txBody>
-      </p:sp>
-      <p:sp>
-        <p:nvSpPr>
-          <p:cNvPr id="105" name="Rectangle 104">
-            <a:extLst>
-              <a:ext uri="{FF2B5EF4-FFF2-40B4-BE49-F238E27FC236}">
-                <a16:creationId xmlns:a16="http://schemas.microsoft.com/office/drawing/2014/main" id="{2F80DCB2-B7B0-4BB4-B631-E44F5B36BFB2}"/>
-              </a:ext>
-            </a:extLst>
-          </p:cNvPr>
-          <p:cNvSpPr/>
-          <p:nvPr/>
-        </p:nvSpPr>
-        <p:spPr>
-          <a:xfrm>
-            <a:off x="4536831" y="4329957"/>
-            <a:ext cx="378158" cy="213479"/>
-          </a:xfrm>
-          <a:prstGeom prst="rect">
-            <a:avLst/>
-          </a:prstGeom>
-          <a:solidFill>
-            <a:srgbClr val="FF0000"/>
-          </a:solidFill>
-        </p:spPr>
-        <p:style>
-          <a:lnRef idx="2">
-            <a:schemeClr val="accent1">
-              <a:shade val="50000"/>
-            </a:schemeClr>
-          </a:lnRef>
-          <a:fillRef idx="1">
-            <a:schemeClr val="accent1"/>
-          </a:fillRef>
-          <a:effectRef idx="0">
-            <a:schemeClr val="accent1"/>
-          </a:effectRef>
-          <a:fontRef idx="minor">
-            <a:schemeClr val="lt1"/>
-          </a:fontRef>
-        </p:style>
-        <p:txBody>
-          <a:bodyPr rtlCol="0" anchor="ctr"/>
-          <a:lstStyle/>
-          <a:p>
-            <a:pPr algn="ctr"/>
-            <a:endParaRPr lang="en-US" b="1"/>
-          </a:p>
-        </p:txBody>
-      </p:sp>
-      <p:sp>
-        <p:nvSpPr>
-          <p:cNvPr id="106" name="TextBox 105">
-            <a:extLst>
-              <a:ext uri="{FF2B5EF4-FFF2-40B4-BE49-F238E27FC236}">
-                <a16:creationId xmlns:a16="http://schemas.microsoft.com/office/drawing/2014/main" id="{7CBF0A3C-2ABB-485A-9AB9-19B82E0DB49E}"/>
-              </a:ext>
-            </a:extLst>
-          </p:cNvPr>
-          <p:cNvSpPr txBox="1"/>
-          <p:nvPr/>
-        </p:nvSpPr>
-        <p:spPr>
-          <a:xfrm>
-            <a:off x="4878831" y="4305382"/>
-            <a:ext cx="1508924" cy="307777"/>
-          </a:xfrm>
-          <a:prstGeom prst="rect">
-            <a:avLst/>
-          </a:prstGeom>
-          <a:noFill/>
-        </p:spPr>
-        <p:txBody>
-          <a:bodyPr wrap="square" rtlCol="0">
-            <a:spAutoFit/>
-          </a:bodyPr>
-          <a:lstStyle/>
-          <a:p>
-            <a:r>
-              <a:rPr lang="en-US" sz="1400" b="1" dirty="0" err="1"/>
-              <a:t>GUVM_seq_item</a:t>
-            </a:r>
-            <a:endParaRPr lang="en-US" sz="1400" b="1" dirty="0"/>
-          </a:p>
-        </p:txBody>
-      </p:sp>
-      <p:sp>
-        <p:nvSpPr>
-          <p:cNvPr id="107" name="TextBox 106">
-            <a:extLst>
-              <a:ext uri="{FF2B5EF4-FFF2-40B4-BE49-F238E27FC236}">
-                <a16:creationId xmlns:a16="http://schemas.microsoft.com/office/drawing/2014/main" id="{22E44B12-2F1E-457C-ADBF-A62E79ED46EC}"/>
-              </a:ext>
-            </a:extLst>
-          </p:cNvPr>
-          <p:cNvSpPr txBox="1"/>
-          <p:nvPr/>
-        </p:nvSpPr>
-        <p:spPr>
-          <a:xfrm>
-            <a:off x="2017143" y="4918614"/>
-            <a:ext cx="2320508" cy="307777"/>
-          </a:xfrm>
-          <a:prstGeom prst="rect">
-            <a:avLst/>
-          </a:prstGeom>
-          <a:noFill/>
-        </p:spPr>
-        <p:txBody>
-          <a:bodyPr wrap="square" rtlCol="0">
-            <a:spAutoFit/>
-          </a:bodyPr>
-          <a:lstStyle/>
-          <a:p>
-            <a:r>
-              <a:rPr lang="en-US" sz="1400" b="1" dirty="0"/>
-              <a:t>Write_to_monitor_function</a:t>
-            </a:r>
-          </a:p>
-        </p:txBody>
-      </p:sp>
-      <p:sp>
-        <p:nvSpPr>
-          <p:cNvPr id="108" name="Rectangle 107">
-            <a:extLst>
-              <a:ext uri="{FF2B5EF4-FFF2-40B4-BE49-F238E27FC236}">
-                <a16:creationId xmlns:a16="http://schemas.microsoft.com/office/drawing/2014/main" id="{C0AA2776-BCC7-430A-A79B-A5DC1E9991F1}"/>
-              </a:ext>
-            </a:extLst>
-          </p:cNvPr>
-          <p:cNvSpPr/>
-          <p:nvPr/>
-        </p:nvSpPr>
-        <p:spPr>
-          <a:xfrm>
-            <a:off x="6233700" y="2686796"/>
-            <a:ext cx="378158" cy="213479"/>
-          </a:xfrm>
-          <a:prstGeom prst="rect">
-            <a:avLst/>
-          </a:prstGeom>
-          <a:solidFill>
-            <a:srgbClr val="FF0000"/>
-          </a:solidFill>
-        </p:spPr>
-        <p:style>
-          <a:lnRef idx="2">
-            <a:schemeClr val="accent1">
-              <a:shade val="50000"/>
-            </a:schemeClr>
-          </a:lnRef>
-          <a:fillRef idx="1">
-            <a:schemeClr val="accent1"/>
-          </a:fillRef>
-          <a:effectRef idx="0">
-            <a:schemeClr val="accent1"/>
-          </a:effectRef>
-          <a:fontRef idx="minor">
-            <a:schemeClr val="lt1"/>
-          </a:fontRef>
-        </p:style>
-        <p:txBody>
-          <a:bodyPr rtlCol="0" anchor="ctr"/>
-          <a:lstStyle/>
-          <a:p>
-            <a:pPr algn="ctr"/>
-            <a:endParaRPr lang="en-US" b="1"/>
-          </a:p>
-        </p:txBody>
-      </p:sp>
-      <p:sp>
-        <p:nvSpPr>
-          <p:cNvPr id="109" name="Rectangle 108">
-            <a:extLst>
-              <a:ext uri="{FF2B5EF4-FFF2-40B4-BE49-F238E27FC236}">
-                <a16:creationId xmlns:a16="http://schemas.microsoft.com/office/drawing/2014/main" id="{101EB5CD-9165-4E8E-BED3-B2A60515DBAF}"/>
-              </a:ext>
-            </a:extLst>
-          </p:cNvPr>
-          <p:cNvSpPr/>
-          <p:nvPr/>
-        </p:nvSpPr>
-        <p:spPr>
-          <a:xfrm>
-            <a:off x="4156930" y="2360547"/>
-            <a:ext cx="378158" cy="213479"/>
-          </a:xfrm>
-          <a:prstGeom prst="rect">
-            <a:avLst/>
-          </a:prstGeom>
-          <a:solidFill>
-            <a:srgbClr val="FF0000"/>
-          </a:solidFill>
-        </p:spPr>
-        <p:style>
-          <a:lnRef idx="2">
-            <a:schemeClr val="accent1">
-              <a:shade val="50000"/>
-            </a:schemeClr>
-          </a:lnRef>
-          <a:fillRef idx="1">
-            <a:schemeClr val="accent1"/>
-          </a:fillRef>
-          <a:effectRef idx="0">
-            <a:schemeClr val="accent1"/>
-          </a:effectRef>
-          <a:fontRef idx="minor">
-            <a:schemeClr val="lt1"/>
-          </a:fontRef>
-        </p:style>
-        <p:txBody>
-          <a:bodyPr rtlCol="0" anchor="ctr"/>
-          <a:lstStyle/>
-          <a:p>
-            <a:pPr algn="ctr"/>
-            <a:endParaRPr lang="en-US" b="1"/>
-          </a:p>
-        </p:txBody>
-      </p:sp>
-      <p:sp>
-        <p:nvSpPr>
-          <p:cNvPr id="110" name="TextBox 109">
-            <a:extLst>
-              <a:ext uri="{FF2B5EF4-FFF2-40B4-BE49-F238E27FC236}">
-                <a16:creationId xmlns:a16="http://schemas.microsoft.com/office/drawing/2014/main" id="{E885AA97-396A-4024-BA1B-6BC2328BABFB}"/>
-              </a:ext>
-            </a:extLst>
-          </p:cNvPr>
-          <p:cNvSpPr txBox="1"/>
-          <p:nvPr/>
-        </p:nvSpPr>
-        <p:spPr>
-          <a:xfrm>
-            <a:off x="5573264" y="2888752"/>
-            <a:ext cx="1508924" cy="307777"/>
-          </a:xfrm>
-          <a:prstGeom prst="rect">
-            <a:avLst/>
-          </a:prstGeom>
-          <a:noFill/>
-        </p:spPr>
-        <p:txBody>
-          <a:bodyPr wrap="square" rtlCol="0">
-            <a:spAutoFit/>
-          </a:bodyPr>
-          <a:lstStyle/>
-          <a:p>
-            <a:r>
-              <a:rPr lang="en-US" sz="1400" b="1" dirty="0" err="1"/>
-              <a:t>GUVM_seq_item</a:t>
-            </a:r>
-            <a:endParaRPr lang="en-US" sz="1400" b="1" dirty="0"/>
-          </a:p>
-        </p:txBody>
-      </p:sp>
-      <p:sp>
-        <p:nvSpPr>
-          <p:cNvPr id="111" name="TextBox 110">
-            <a:extLst>
-              <a:ext uri="{FF2B5EF4-FFF2-40B4-BE49-F238E27FC236}">
-                <a16:creationId xmlns:a16="http://schemas.microsoft.com/office/drawing/2014/main" id="{C14FA416-9CFD-43A6-BD23-C4A86344279E}"/>
-              </a:ext>
-            </a:extLst>
-          </p:cNvPr>
-          <p:cNvSpPr txBox="1"/>
-          <p:nvPr/>
-        </p:nvSpPr>
-        <p:spPr>
-          <a:xfrm>
-            <a:off x="4502598" y="2302108"/>
-            <a:ext cx="1508924" cy="307777"/>
-          </a:xfrm>
-          <a:prstGeom prst="rect">
-            <a:avLst/>
-          </a:prstGeom>
-          <a:noFill/>
-        </p:spPr>
-        <p:txBody>
-          <a:bodyPr wrap="square" rtlCol="0">
-            <a:spAutoFit/>
-          </a:bodyPr>
-          <a:lstStyle/>
-          <a:p>
-            <a:r>
-              <a:rPr lang="en-US" sz="1400" b="1" dirty="0" err="1"/>
-              <a:t>GUVM_seq_item</a:t>
-            </a:r>
-            <a:endParaRPr lang="en-US" sz="1400" b="1" dirty="0"/>
-          </a:p>
-        </p:txBody>
-      </p:sp>
-      <p:sp>
-        <p:nvSpPr>
-          <p:cNvPr id="112" name="TextBox 111">
-            <a:extLst>
-              <a:ext uri="{FF2B5EF4-FFF2-40B4-BE49-F238E27FC236}">
-                <a16:creationId xmlns:a16="http://schemas.microsoft.com/office/drawing/2014/main" id="{A5D9A50F-42CB-4483-859A-6CBDA325FD62}"/>
-              </a:ext>
-            </a:extLst>
-          </p:cNvPr>
-          <p:cNvSpPr txBox="1"/>
-          <p:nvPr/>
-        </p:nvSpPr>
-        <p:spPr>
-          <a:xfrm>
-            <a:off x="3818250" y="1949"/>
-            <a:ext cx="4386544" cy="369332"/>
-          </a:xfrm>
-          <a:prstGeom prst="rect">
-            <a:avLst/>
-          </a:prstGeom>
-          <a:noFill/>
-        </p:spPr>
-        <p:txBody>
-          <a:bodyPr wrap="square" rtlCol="0">
-            <a:spAutoFit/>
-          </a:bodyPr>
-          <a:lstStyle/>
-          <a:p>
-            <a:pPr algn="ctr"/>
-            <a:r>
-              <a:rPr lang="en-US" b="1" dirty="0"/>
-              <a:t>Generic UVM for Soft Processors</a:t>
-            </a:r>
           </a:p>
         </p:txBody>
       </p:sp>

--- a/Block Diagram_edited.pptx
+++ b/Block Diagram_edited.pptx
@@ -3861,9 +3861,10 @@
           <a:p>
             <a:pPr algn="ctr"/>
             <a:r>
-              <a:rPr lang="en-US" b="1" dirty="0"/>
-              <a:t>GUVM_Driver</a:t>
-            </a:r>
+              <a:rPr lang="en-US" b="1" dirty="0" err="1"/>
+              <a:t>GUVM_driver</a:t>
+            </a:r>
+            <a:endParaRPr lang="en-US" b="1" dirty="0"/>
           </a:p>
         </p:txBody>
       </p:sp>
@@ -4331,19 +4332,19 @@
           <a:prstGeom prst="roundRect">
             <a:avLst/>
           </a:prstGeom>
-          <a:ln>
+          <a:ln w="19050">
             <a:headEnd type="none" w="med" len="med"/>
             <a:tailEnd type="none" w="med" len="med"/>
           </a:ln>
         </p:spPr>
         <p:style>
-          <a:lnRef idx="1">
+          <a:lnRef idx="2">
             <a:schemeClr val="accent2"/>
           </a:lnRef>
-          <a:fillRef idx="2">
-            <a:schemeClr val="accent2"/>
+          <a:fillRef idx="1">
+            <a:schemeClr val="lt1"/>
           </a:fillRef>
-          <a:effectRef idx="1">
+          <a:effectRef idx="0">
             <a:schemeClr val="accent2"/>
           </a:effectRef>
           <a:fontRef idx="minor">
@@ -5290,9 +5291,10 @@
           <a:p>
             <a:pPr algn="ctr"/>
             <a:r>
-              <a:rPr lang="en-US" sz="2000" b="1" dirty="0"/>
-              <a:t>GUVM_Scoreboard</a:t>
-            </a:r>
+              <a:rPr lang="en-US" sz="2000" b="1" dirty="0" err="1"/>
+              <a:t>GUVM_scoreboard</a:t>
+            </a:r>
+            <a:endParaRPr lang="en-US" sz="2000" b="1" dirty="0"/>
           </a:p>
         </p:txBody>
       </p:sp>
@@ -5423,13 +5425,6 @@
                 <a:solidFill>
                   <a:srgbClr val="ED7D31"/>
                 </a:solidFill>
-                <a:effectLst>
-                  <a:outerShdw blurRad="38100" dist="38100" dir="2700000" algn="tl">
-                    <a:srgbClr val="000000">
-                      <a:alpha val="43137"/>
-                    </a:srgbClr>
-                  </a:outerShdw>
-                </a:effectLst>
               </a:rPr>
               <a:t>GUVM_Interface</a:t>
             </a:r>
@@ -5745,9 +5740,10 @@
           <a:p>
             <a:pPr algn="ctr"/>
             <a:r>
-              <a:rPr lang="en-US" b="1" dirty="0"/>
-              <a:t>GUVM_Sequence</a:t>
-            </a:r>
+              <a:rPr lang="en-US" b="1" dirty="0" err="1"/>
+              <a:t>GUVM_sequence</a:t>
+            </a:r>
+            <a:endParaRPr lang="en-US" b="1" dirty="0"/>
           </a:p>
         </p:txBody>
       </p:sp>
@@ -6500,9 +6496,10 @@
           <a:p>
             <a:pPr algn="ctr"/>
             <a:r>
-              <a:rPr lang="en-US" sz="800" b="1" dirty="0"/>
-              <a:t>Leon_seq_item</a:t>
-            </a:r>
+              <a:rPr lang="en-US" sz="800" b="1" dirty="0" err="1"/>
+              <a:t>leon_seq_item</a:t>
+            </a:r>
+            <a:endParaRPr lang="en-US" sz="800" b="1" dirty="0"/>
           </a:p>
         </p:txBody>
       </p:sp>
@@ -6667,9 +6664,10 @@
           <a:p>
             <a:pPr algn="ctr"/>
             <a:r>
-              <a:rPr lang="en-US" sz="800" b="1" dirty="0"/>
-              <a:t>Amber_seq_item</a:t>
-            </a:r>
+              <a:rPr lang="en-US" sz="800" b="1" dirty="0" err="1"/>
+              <a:t>amber_seq_item</a:t>
+            </a:r>
+            <a:endParaRPr lang="en-US" sz="800" b="1" dirty="0"/>
           </a:p>
         </p:txBody>
       </p:sp>
@@ -6834,9 +6832,10 @@
           <a:p>
             <a:pPr algn="ctr"/>
             <a:r>
-              <a:rPr lang="en-US" sz="800" b="1" dirty="0"/>
-              <a:t>Riscy_seq_item</a:t>
-            </a:r>
+              <a:rPr lang="en-US" sz="800" b="1" dirty="0" err="1"/>
+              <a:t>riscy_seq_item</a:t>
+            </a:r>
+            <a:endParaRPr lang="en-US" sz="800" b="1" dirty="0"/>
           </a:p>
         </p:txBody>
       </p:sp>
@@ -6854,8 +6853,8 @@
         </p:nvSpPr>
         <p:spPr>
           <a:xfrm>
-            <a:off x="979714" y="3186532"/>
-            <a:ext cx="1983013" cy="1038860"/>
+            <a:off x="1017148" y="2869008"/>
+            <a:ext cx="1983013" cy="1057902"/>
           </a:xfrm>
           <a:prstGeom prst="roundRect">
             <a:avLst/>
@@ -7001,9 +7000,10 @@
           <a:p>
             <a:pPr algn="ctr"/>
             <a:r>
-              <a:rPr lang="en-US" b="1" dirty="0"/>
-              <a:t>GUVM_Monitor</a:t>
-            </a:r>
+              <a:rPr lang="en-US" b="1" dirty="0" err="1"/>
+              <a:t>GUVM_monitor</a:t>
+            </a:r>
+            <a:endParaRPr lang="en-US" b="1" dirty="0"/>
           </a:p>
         </p:txBody>
       </p:sp>
@@ -7168,9 +7168,10 @@
           <a:p>
             <a:pPr algn="ctr"/>
             <a:r>
-              <a:rPr lang="en-US" b="1" dirty="0"/>
-              <a:t>Leon_Interface</a:t>
-            </a:r>
+              <a:rPr lang="en-US" b="1" dirty="0" err="1"/>
+              <a:t>Leon_interface</a:t>
+            </a:r>
+            <a:endParaRPr lang="en-US" b="1" dirty="0"/>
           </a:p>
         </p:txBody>
       </p:sp>
@@ -7335,9 +7336,10 @@
           <a:p>
             <a:pPr algn="ctr"/>
             <a:r>
-              <a:rPr lang="en-US" b="1" dirty="0"/>
-              <a:t>Amber_Interface</a:t>
-            </a:r>
+              <a:rPr lang="en-US" b="1" dirty="0" err="1"/>
+              <a:t>Amber_interface</a:t>
+            </a:r>
+            <a:endParaRPr lang="en-US" b="1" dirty="0"/>
           </a:p>
         </p:txBody>
       </p:sp>
@@ -7502,9 +7504,10 @@
           <a:p>
             <a:pPr algn="ctr"/>
             <a:r>
-              <a:rPr lang="en-US" b="1" dirty="0"/>
-              <a:t>Riscy_Interface</a:t>
-            </a:r>
+              <a:rPr lang="en-US" b="1" dirty="0" err="1"/>
+              <a:t>Riscy_interface</a:t>
+            </a:r>
+            <a:endParaRPr lang="en-US" b="1" dirty="0"/>
           </a:p>
         </p:txBody>
       </p:sp>
@@ -8519,7 +8522,7 @@
         <p:spPr>
           <a:xfrm>
             <a:off x="4737560" y="4209745"/>
-            <a:ext cx="0" cy="692175"/>
+            <a:ext cx="11725" cy="720509"/>
           </a:xfrm>
           <a:prstGeom prst="straightConnector1">
             <a:avLst/>
@@ -8560,8 +8563,8 @@
         </p:nvCxnSpPr>
         <p:spPr>
           <a:xfrm flipV="1">
-            <a:off x="2664765" y="4225392"/>
-            <a:ext cx="3467" cy="704861"/>
+            <a:off x="2664765" y="3926910"/>
+            <a:ext cx="0" cy="1003344"/>
           </a:xfrm>
           <a:prstGeom prst="straightConnector1">
             <a:avLst/>
@@ -8760,6 +8763,7 @@
           </p:cNvPr>
           <p:cNvCxnSpPr>
             <a:cxnSpLocks/>
+            <a:stCxn id="154" idx="4"/>
             <a:endCxn id="138" idx="4"/>
           </p:cNvCxnSpPr>
           <p:nvPr/>
@@ -8767,7 +8771,7 @@
         <p:spPr>
           <a:xfrm flipV="1">
             <a:off x="2001032" y="1972027"/>
-            <a:ext cx="0" cy="1258094"/>
+            <a:ext cx="0" cy="1001920"/>
           </a:xfrm>
           <a:prstGeom prst="straightConnector1">
             <a:avLst/>
@@ -9010,7 +9014,7 @@
         </p:nvSpPr>
         <p:spPr>
           <a:xfrm>
-            <a:off x="2484537" y="4388738"/>
+            <a:off x="2478716" y="4109773"/>
             <a:ext cx="378158" cy="213479"/>
           </a:xfrm>
           <a:prstGeom prst="rect">
@@ -9153,8 +9157,8 @@
         </p:nvSpPr>
         <p:spPr>
           <a:xfrm>
-            <a:off x="1479593" y="4380156"/>
-            <a:ext cx="1286052" cy="307777"/>
+            <a:off x="1187524" y="4054914"/>
+            <a:ext cx="1309984" cy="518671"/>
           </a:xfrm>
           <a:prstGeom prst="rect">
             <a:avLst/>
@@ -9262,9 +9266,10 @@
           </a:lstStyle>
           <a:p>
             <a:r>
-              <a:rPr lang="en-US" sz="1400" b="1" dirty="0"/>
-              <a:t>Transaction</a:t>
-            </a:r>
+              <a:rPr lang="en-US" sz="1400" b="1" dirty="0" err="1"/>
+              <a:t>GUVM_result_transaction</a:t>
+            </a:r>
+            <a:endParaRPr lang="en-US" sz="1400" b="1" dirty="0"/>
           </a:p>
         </p:txBody>
       </p:sp>
@@ -9664,9 +9669,10 @@
           </a:lstStyle>
           <a:p>
             <a:r>
-              <a:rPr lang="en-US" sz="1400" b="1" dirty="0"/>
-              <a:t>Write_to_monitor_function</a:t>
-            </a:r>
+              <a:rPr lang="en-US" sz="1400" b="1" dirty="0" err="1"/>
+              <a:t>write_to_monitor</a:t>
+            </a:r>
+            <a:endParaRPr lang="en-US" sz="1400" b="1" dirty="0"/>
           </a:p>
         </p:txBody>
       </p:sp>
@@ -10688,7 +10694,7 @@
         </p:nvSpPr>
         <p:spPr>
           <a:xfrm>
-            <a:off x="1892302" y="3067463"/>
+            <a:off x="1892302" y="2765556"/>
             <a:ext cx="217460" cy="208391"/>
           </a:xfrm>
           <a:prstGeom prst="flowChartConnector">

--- a/Block Diagram_edited.pptx
+++ b/Block Diagram_edited.pptx
@@ -7,16 +7,18 @@
   <p:sldIdLst>
     <p:sldId id="256" r:id="rId2"/>
     <p:sldId id="257" r:id="rId3"/>
-    <p:sldId id="258" r:id="rId4"/>
-    <p:sldId id="259" r:id="rId5"/>
-    <p:sldId id="260" r:id="rId6"/>
-    <p:sldId id="261" r:id="rId7"/>
-    <p:sldId id="262" r:id="rId8"/>
-    <p:sldId id="263" r:id="rId9"/>
-    <p:sldId id="264" r:id="rId10"/>
-    <p:sldId id="265" r:id="rId11"/>
-    <p:sldId id="266" r:id="rId12"/>
-    <p:sldId id="267" r:id="rId13"/>
+    <p:sldId id="268" r:id="rId4"/>
+    <p:sldId id="258" r:id="rId5"/>
+    <p:sldId id="259" r:id="rId6"/>
+    <p:sldId id="260" r:id="rId7"/>
+    <p:sldId id="261" r:id="rId8"/>
+    <p:sldId id="262" r:id="rId9"/>
+    <p:sldId id="263" r:id="rId10"/>
+    <p:sldId id="264" r:id="rId11"/>
+    <p:sldId id="265" r:id="rId12"/>
+    <p:sldId id="266" r:id="rId13"/>
+    <p:sldId id="267" r:id="rId14"/>
+    <p:sldId id="269" r:id="rId15"/>
   </p:sldIdLst>
   <p:sldSz cx="12192000" cy="6858000"/>
   <p:notesSz cx="6858000" cy="9144000"/>
@@ -270,7 +272,7 @@
           <a:p>
             <a:fld id="{C0F70495-36A0-443F-8916-32C5B1CCA509}" type="datetimeFigureOut">
               <a:rPr lang="en-US" smtClean="0"/>
-              <a:t>31-Mar-20</a:t>
+              <a:t>3/30/2020</a:t>
             </a:fld>
             <a:endParaRPr lang="en-US"/>
           </a:p>
@@ -468,7 +470,7 @@
           <a:p>
             <a:fld id="{C0F70495-36A0-443F-8916-32C5B1CCA509}" type="datetimeFigureOut">
               <a:rPr lang="en-US" smtClean="0"/>
-              <a:t>31-Mar-20</a:t>
+              <a:t>3/30/2020</a:t>
             </a:fld>
             <a:endParaRPr lang="en-US"/>
           </a:p>
@@ -676,7 +678,7 @@
           <a:p>
             <a:fld id="{C0F70495-36A0-443F-8916-32C5B1CCA509}" type="datetimeFigureOut">
               <a:rPr lang="en-US" smtClean="0"/>
-              <a:t>31-Mar-20</a:t>
+              <a:t>3/30/2020</a:t>
             </a:fld>
             <a:endParaRPr lang="en-US"/>
           </a:p>
@@ -874,7 +876,7 @@
           <a:p>
             <a:fld id="{C0F70495-36A0-443F-8916-32C5B1CCA509}" type="datetimeFigureOut">
               <a:rPr lang="en-US" smtClean="0"/>
-              <a:t>31-Mar-20</a:t>
+              <a:t>3/30/2020</a:t>
             </a:fld>
             <a:endParaRPr lang="en-US"/>
           </a:p>
@@ -1149,7 +1151,7 @@
           <a:p>
             <a:fld id="{C0F70495-36A0-443F-8916-32C5B1CCA509}" type="datetimeFigureOut">
               <a:rPr lang="en-US" smtClean="0"/>
-              <a:t>31-Mar-20</a:t>
+              <a:t>3/30/2020</a:t>
             </a:fld>
             <a:endParaRPr lang="en-US"/>
           </a:p>
@@ -1414,7 +1416,7 @@
           <a:p>
             <a:fld id="{C0F70495-36A0-443F-8916-32C5B1CCA509}" type="datetimeFigureOut">
               <a:rPr lang="en-US" smtClean="0"/>
-              <a:t>31-Mar-20</a:t>
+              <a:t>3/30/2020</a:t>
             </a:fld>
             <a:endParaRPr lang="en-US"/>
           </a:p>
@@ -1826,7 +1828,7 @@
           <a:p>
             <a:fld id="{C0F70495-36A0-443F-8916-32C5B1CCA509}" type="datetimeFigureOut">
               <a:rPr lang="en-US" smtClean="0"/>
-              <a:t>31-Mar-20</a:t>
+              <a:t>3/30/2020</a:t>
             </a:fld>
             <a:endParaRPr lang="en-US"/>
           </a:p>
@@ -1967,7 +1969,7 @@
           <a:p>
             <a:fld id="{C0F70495-36A0-443F-8916-32C5B1CCA509}" type="datetimeFigureOut">
               <a:rPr lang="en-US" smtClean="0"/>
-              <a:t>31-Mar-20</a:t>
+              <a:t>3/30/2020</a:t>
             </a:fld>
             <a:endParaRPr lang="en-US"/>
           </a:p>
@@ -2080,7 +2082,7 @@
           <a:p>
             <a:fld id="{C0F70495-36A0-443F-8916-32C5B1CCA509}" type="datetimeFigureOut">
               <a:rPr lang="en-US" smtClean="0"/>
-              <a:t>31-Mar-20</a:t>
+              <a:t>3/30/2020</a:t>
             </a:fld>
             <a:endParaRPr lang="en-US"/>
           </a:p>
@@ -2391,7 +2393,7 @@
           <a:p>
             <a:fld id="{C0F70495-36A0-443F-8916-32C5B1CCA509}" type="datetimeFigureOut">
               <a:rPr lang="en-US" smtClean="0"/>
-              <a:t>31-Mar-20</a:t>
+              <a:t>3/30/2020</a:t>
             </a:fld>
             <a:endParaRPr lang="en-US"/>
           </a:p>
@@ -2679,7 +2681,7 @@
           <a:p>
             <a:fld id="{C0F70495-36A0-443F-8916-32C5B1CCA509}" type="datetimeFigureOut">
               <a:rPr lang="en-US" smtClean="0"/>
-              <a:t>31-Mar-20</a:t>
+              <a:t>3/30/2020</a:t>
             </a:fld>
             <a:endParaRPr lang="en-US"/>
           </a:p>
@@ -2920,7 +2922,7 @@
           <a:p>
             <a:fld id="{C0F70495-36A0-443F-8916-32C5B1CCA509}" type="datetimeFigureOut">
               <a:rPr lang="en-US" smtClean="0"/>
-              <a:t>31-Mar-20</a:t>
+              <a:t>3/30/2020</a:t>
             </a:fld>
             <a:endParaRPr lang="en-US"/>
           </a:p>
@@ -3400,7 +3402,7 @@
           <p:cNvPr id="2" name="Title 1">
             <a:extLst>
               <a:ext uri="{FF2B5EF4-FFF2-40B4-BE49-F238E27FC236}">
-                <a16:creationId xmlns:a16="http://schemas.microsoft.com/office/drawing/2014/main" id="{195172D6-D89F-4D31-9AC1-7A65B7B18903}"/>
+                <a16:creationId xmlns:a16="http://schemas.microsoft.com/office/drawing/2014/main" id="{6D982C78-3C9A-4AC8-95F4-18514C19EEB6}"/>
               </a:ext>
             </a:extLst>
           </p:cNvPr>
@@ -3424,8 +3426,11 @@
             </a:br>
             <a:r>
               <a:rPr lang="en-US" b="1" dirty="0"/>
-              <a:t>GUVM Driver </a:t>
-            </a:r>
+              <a:t>GUVM Sequence  And GUVM Transaction</a:t>
+            </a:r>
+            <a:br>
+              <a:rPr lang="en-US" dirty="0"/>
+            </a:br>
             <a:br>
               <a:rPr lang="en-US" dirty="0"/>
             </a:br>
@@ -3438,7 +3443,7 @@
           <p:cNvPr id="3" name="Content Placeholder 2">
             <a:extLst>
               <a:ext uri="{FF2B5EF4-FFF2-40B4-BE49-F238E27FC236}">
-                <a16:creationId xmlns:a16="http://schemas.microsoft.com/office/drawing/2014/main" id="{47653A3E-0884-4C09-BE0E-70B0939A2120}"/>
+                <a16:creationId xmlns:a16="http://schemas.microsoft.com/office/drawing/2014/main" id="{CC0D6B76-ABBF-4DDA-AD90-CE86A4580AD3}"/>
               </a:ext>
             </a:extLst>
           </p:cNvPr>
@@ -3455,22 +3460,44 @@
           <a:lstStyle/>
           <a:p>
             <a:r>
+              <a:rPr lang="en-US" b="1" dirty="0"/>
+              <a:t>GUVM Sequence</a:t>
+            </a:r>
+            <a:r>
               <a:rPr lang="en-US" dirty="0"/>
-              <a:t>The GUVM Driver receives the sequence Item transactions from the GUVM Sequencer and applies it on the DUT processor Interface.</a:t>
-            </a:r>
-          </a:p>
-          <a:p>
+              <a:t> is the base transaction object being sent around from the Sequencer to the Driver, from the Driver to the Scoreboard --This object holds all the instruction and the generated data.</a:t>
+            </a:r>
+          </a:p>
+          <a:p>
+            <a:endParaRPr lang="en-US" dirty="0"/>
+          </a:p>
+          <a:p>
+            <a:r>
+              <a:rPr lang="en-US" b="1" dirty="0"/>
+              <a:t>GUVM Transaction </a:t>
+            </a:r>
             <a:r>
               <a:rPr lang="en-US" dirty="0"/>
-              <a:t>GUVM Driver first resets the DUT processor then sends the data and the instruction to the DUT processor, as it converts the transaction-level stimulus into pin-level stimulus. It also has a TLM port to receive transactions from the Sequencer and send them to the DUT processor. </a:t>
-            </a:r>
+              <a:t>is being sent around and from </a:t>
+            </a:r>
+            <a:r>
+              <a:rPr lang="en-US" dirty="0" err="1"/>
+              <a:t>from</a:t>
+            </a:r>
+            <a:r>
+              <a:rPr lang="en-US" dirty="0"/>
+              <a:t> the Sequencer to the Monitor to the Scoreboard. It holds all the output related data.</a:t>
+            </a:r>
+          </a:p>
+          <a:p>
+            <a:endParaRPr lang="en-US" dirty="0"/>
           </a:p>
         </p:txBody>
       </p:sp>
     </p:spTree>
     <p:extLst>
       <p:ext uri="{BB962C8B-B14F-4D97-AF65-F5344CB8AC3E}">
-        <p14:creationId xmlns:p14="http://schemas.microsoft.com/office/powerpoint/2010/main" val="3153737002"/>
+        <p14:creationId xmlns:p14="http://schemas.microsoft.com/office/powerpoint/2010/main" val="1483422952"/>
       </p:ext>
     </p:extLst>
   </p:cSld>
@@ -3502,7 +3529,7 @@
           <p:cNvPr id="2" name="Title 1">
             <a:extLst>
               <a:ext uri="{FF2B5EF4-FFF2-40B4-BE49-F238E27FC236}">
-                <a16:creationId xmlns:a16="http://schemas.microsoft.com/office/drawing/2014/main" id="{0349EF27-C88E-4AB9-BE96-E9B0E75BCB71}"/>
+                <a16:creationId xmlns:a16="http://schemas.microsoft.com/office/drawing/2014/main" id="{195172D6-D89F-4D31-9AC1-7A65B7B18903}"/>
               </a:ext>
             </a:extLst>
           </p:cNvPr>
@@ -3526,7 +3553,7 @@
             </a:br>
             <a:r>
               <a:rPr lang="en-US" b="1" dirty="0"/>
-              <a:t>GUVM Monitor </a:t>
+              <a:t>GUVM Driver </a:t>
             </a:r>
             <a:br>
               <a:rPr lang="en-US" dirty="0"/>
@@ -3540,7 +3567,7 @@
           <p:cNvPr id="3" name="Content Placeholder 2">
             <a:extLst>
               <a:ext uri="{FF2B5EF4-FFF2-40B4-BE49-F238E27FC236}">
-                <a16:creationId xmlns:a16="http://schemas.microsoft.com/office/drawing/2014/main" id="{577E6F1A-B3F3-4484-8605-DB34BC4BC21A}"/>
+                <a16:creationId xmlns:a16="http://schemas.microsoft.com/office/drawing/2014/main" id="{47653A3E-0884-4C09-BE0E-70B0939A2120}"/>
               </a:ext>
             </a:extLst>
           </p:cNvPr>
@@ -3556,14 +3583,23 @@
           <a:bodyPr/>
           <a:lstStyle/>
           <a:p>
-            <a:endParaRPr lang="en-US" dirty="0"/>
+            <a:r>
+              <a:rPr lang="en-US" dirty="0"/>
+              <a:t>The GUVM Driver receives the sequence Item transactions from the GUVM Sequencer and applies it on the DUT processor Interface.</a:t>
+            </a:r>
+          </a:p>
+          <a:p>
+            <a:r>
+              <a:rPr lang="en-US" dirty="0"/>
+              <a:t>GUVM Driver first resets the DUT processor then sends the data and the instruction to the DUT processor, as it converts the transaction-level stimulus into pin-level stimulus. It also has a TLM port to receive transactions from the Sequencer and send them to the DUT processor. </a:t>
+            </a:r>
           </a:p>
         </p:txBody>
       </p:sp>
     </p:spTree>
     <p:extLst>
       <p:ext uri="{BB962C8B-B14F-4D97-AF65-F5344CB8AC3E}">
-        <p14:creationId xmlns:p14="http://schemas.microsoft.com/office/powerpoint/2010/main" val="2363942070"/>
+        <p14:creationId xmlns:p14="http://schemas.microsoft.com/office/powerpoint/2010/main" val="3153737002"/>
       </p:ext>
     </p:extLst>
   </p:cSld>
@@ -3595,7 +3631,7 @@
           <p:cNvPr id="2" name="Title 1">
             <a:extLst>
               <a:ext uri="{FF2B5EF4-FFF2-40B4-BE49-F238E27FC236}">
-                <a16:creationId xmlns:a16="http://schemas.microsoft.com/office/drawing/2014/main" id="{6D0773B5-968A-423C-8CD0-FAADF7E3DE8B}"/>
+                <a16:creationId xmlns:a16="http://schemas.microsoft.com/office/drawing/2014/main" id="{0349EF27-C88E-4AB9-BE96-E9B0E75BCB71}"/>
               </a:ext>
             </a:extLst>
           </p:cNvPr>
@@ -3619,7 +3655,7 @@
             </a:br>
             <a:r>
               <a:rPr lang="en-US" b="1" dirty="0"/>
-              <a:t>GUVM Scoreboard</a:t>
+              <a:t>GUVM Monitor </a:t>
             </a:r>
             <a:br>
               <a:rPr lang="en-US" dirty="0"/>
@@ -3633,7 +3669,7 @@
           <p:cNvPr id="3" name="Content Placeholder 2">
             <a:extLst>
               <a:ext uri="{FF2B5EF4-FFF2-40B4-BE49-F238E27FC236}">
-                <a16:creationId xmlns:a16="http://schemas.microsoft.com/office/drawing/2014/main" id="{B91914CF-3013-4BD9-A488-B965D0C4EF3E}"/>
+                <a16:creationId xmlns:a16="http://schemas.microsoft.com/office/drawing/2014/main" id="{577E6F1A-B3F3-4484-8605-DB34BC4BC21A}"/>
               </a:ext>
             </a:extLst>
           </p:cNvPr>
@@ -3646,6 +3682,102 @@
         </p:nvSpPr>
         <p:spPr/>
         <p:txBody>
+          <a:bodyPr/>
+          <a:lstStyle/>
+          <a:p>
+            <a:r>
+              <a:rPr lang="en-US" dirty="0"/>
+              <a:t>The GUVM Monitor samples the DUT interface and captures the information there in transactions that are sent out to the rest of the UVM test bench for analysis. It also extends abstraction levels by converting pin-level activity to transactions. In order to achieve that, the UVM Monitor access the DUT processor interface and also has a TLM analysis port to broadcast the created transactions through. The UVM Monitor delegate the transactions produced to the scoreboard connected to the monitor's analysis port.</a:t>
+            </a:r>
+          </a:p>
+        </p:txBody>
+      </p:sp>
+    </p:spTree>
+    <p:extLst>
+      <p:ext uri="{BB962C8B-B14F-4D97-AF65-F5344CB8AC3E}">
+        <p14:creationId xmlns:p14="http://schemas.microsoft.com/office/powerpoint/2010/main" val="2363942070"/>
+      </p:ext>
+    </p:extLst>
+  </p:cSld>
+  <p:clrMapOvr>
+    <a:masterClrMapping/>
+  </p:clrMapOvr>
+</p:sld>
+</file>
+
+<file path=ppt/slides/slide13.xml><?xml version="1.0" encoding="utf-8"?>
+<p:sld xmlns:a="http://schemas.openxmlformats.org/drawingml/2006/main" xmlns:r="http://schemas.openxmlformats.org/officeDocument/2006/relationships" xmlns:p="http://schemas.openxmlformats.org/presentationml/2006/main">
+  <p:cSld>
+    <p:spTree>
+      <p:nvGrpSpPr>
+        <p:cNvPr id="1" name=""/>
+        <p:cNvGrpSpPr/>
+        <p:nvPr/>
+      </p:nvGrpSpPr>
+      <p:grpSpPr>
+        <a:xfrm>
+          <a:off x="0" y="0"/>
+          <a:ext cx="0" cy="0"/>
+          <a:chOff x="0" y="0"/>
+          <a:chExt cx="0" cy="0"/>
+        </a:xfrm>
+      </p:grpSpPr>
+      <p:sp>
+        <p:nvSpPr>
+          <p:cNvPr id="2" name="Title 1">
+            <a:extLst>
+              <a:ext uri="{FF2B5EF4-FFF2-40B4-BE49-F238E27FC236}">
+                <a16:creationId xmlns:a16="http://schemas.microsoft.com/office/drawing/2014/main" id="{6D0773B5-968A-423C-8CD0-FAADF7E3DE8B}"/>
+              </a:ext>
+            </a:extLst>
+          </p:cNvPr>
+          <p:cNvSpPr>
+            <a:spLocks noGrp="1"/>
+          </p:cNvSpPr>
+          <p:nvPr>
+            <p:ph type="title"/>
+          </p:nvPr>
+        </p:nvSpPr>
+        <p:spPr/>
+        <p:txBody>
+          <a:bodyPr>
+            <a:normAutofit fontScale="90000"/>
+          </a:bodyPr>
+          <a:lstStyle/>
+          <a:p>
+            <a:pPr algn="ctr"/>
+            <a:br>
+              <a:rPr lang="en-US" dirty="0"/>
+            </a:br>
+            <a:r>
+              <a:rPr lang="en-US" b="1" dirty="0"/>
+              <a:t>GUVM Scoreboard</a:t>
+            </a:r>
+            <a:br>
+              <a:rPr lang="en-US" dirty="0"/>
+            </a:br>
+            <a:endParaRPr lang="en-US" dirty="0"/>
+          </a:p>
+        </p:txBody>
+      </p:sp>
+      <p:sp>
+        <p:nvSpPr>
+          <p:cNvPr id="3" name="Content Placeholder 2">
+            <a:extLst>
+              <a:ext uri="{FF2B5EF4-FFF2-40B4-BE49-F238E27FC236}">
+                <a16:creationId xmlns:a16="http://schemas.microsoft.com/office/drawing/2014/main" id="{B91914CF-3013-4BD9-A488-B965D0C4EF3E}"/>
+              </a:ext>
+            </a:extLst>
+          </p:cNvPr>
+          <p:cNvSpPr>
+            <a:spLocks noGrp="1"/>
+          </p:cNvSpPr>
+          <p:nvPr>
+            <p:ph idx="1"/>
+          </p:nvPr>
+        </p:nvSpPr>
+        <p:spPr/>
+        <p:txBody>
           <a:bodyPr>
             <a:noAutofit/>
           </a:bodyPr>
@@ -3674,6 +3806,104 @@
     <p:extLst>
       <p:ext uri="{BB962C8B-B14F-4D97-AF65-F5344CB8AC3E}">
         <p14:creationId xmlns:p14="http://schemas.microsoft.com/office/powerpoint/2010/main" val="2987011563"/>
+      </p:ext>
+    </p:extLst>
+  </p:cSld>
+  <p:clrMapOvr>
+    <a:masterClrMapping/>
+  </p:clrMapOvr>
+</p:sld>
+</file>
+
+<file path=ppt/slides/slide14.xml><?xml version="1.0" encoding="utf-8"?>
+<p:sld xmlns:a="http://schemas.openxmlformats.org/drawingml/2006/main" xmlns:r="http://schemas.openxmlformats.org/officeDocument/2006/relationships" xmlns:p="http://schemas.openxmlformats.org/presentationml/2006/main">
+  <p:cSld>
+    <p:spTree>
+      <p:nvGrpSpPr>
+        <p:cNvPr id="1" name=""/>
+        <p:cNvGrpSpPr/>
+        <p:nvPr/>
+      </p:nvGrpSpPr>
+      <p:grpSpPr>
+        <a:xfrm>
+          <a:off x="0" y="0"/>
+          <a:ext cx="0" cy="0"/>
+          <a:chOff x="0" y="0"/>
+          <a:chExt cx="0" cy="0"/>
+        </a:xfrm>
+      </p:grpSpPr>
+      <p:sp>
+        <p:nvSpPr>
+          <p:cNvPr id="4" name="Title 1">
+            <a:extLst>
+              <a:ext uri="{FF2B5EF4-FFF2-40B4-BE49-F238E27FC236}">
+                <a16:creationId xmlns:a16="http://schemas.microsoft.com/office/drawing/2014/main" id="{B117BB5F-57D6-48A2-983B-87174FB117B5}"/>
+              </a:ext>
+            </a:extLst>
+          </p:cNvPr>
+          <p:cNvSpPr>
+            <a:spLocks noGrp="1"/>
+          </p:cNvSpPr>
+          <p:nvPr>
+            <p:ph idx="1"/>
+          </p:nvPr>
+        </p:nvSpPr>
+        <p:spPr>
+          <a:xfrm>
+            <a:off x="838200" y="212377"/>
+            <a:ext cx="10515600" cy="5964586"/>
+          </a:xfrm>
+        </p:spPr>
+        <p:txBody>
+          <a:bodyPr>
+            <a:normAutofit/>
+          </a:bodyPr>
+          <a:lstStyle/>
+          <a:p>
+            <a:r>
+              <a:rPr lang="en-US" dirty="0"/>
+              <a:t>This project milestone covers basic testing and understanding of the design. </a:t>
+            </a:r>
+          </a:p>
+          <a:p>
+            <a:r>
+              <a:rPr lang="en-US" dirty="0"/>
+              <a:t>It provides a roadmap to be followed for the future work.</a:t>
+            </a:r>
+          </a:p>
+          <a:p>
+            <a:r>
+              <a:rPr lang="en-US" dirty="0"/>
+              <a:t>At this stage, The ADD instruction is tested for the three processors. </a:t>
+            </a:r>
+          </a:p>
+          <a:p>
+            <a:r>
+              <a:rPr lang="en-US" dirty="0"/>
+              <a:t>The process of verification has been divided into: testing of individual DUT processor, detailed testing of the instruction for the three DUT processors.</a:t>
+            </a:r>
+          </a:p>
+          <a:p>
+            <a:r>
+              <a:rPr lang="en-US" dirty="0"/>
+              <a:t>Constrained random verification is used for instruction testing and data generation. Also specifically timing for the pipeline stages was considered.</a:t>
+            </a:r>
+          </a:p>
+          <a:p>
+            <a:r>
+              <a:rPr lang="en-US" dirty="0"/>
+              <a:t>Then the verification results have been displayed by the scoreboard.</a:t>
+            </a:r>
+          </a:p>
+          <a:p>
+            <a:endParaRPr lang="en-US" dirty="0"/>
+          </a:p>
+        </p:txBody>
+      </p:sp>
+    </p:spTree>
+    <p:extLst>
+      <p:ext uri="{BB962C8B-B14F-4D97-AF65-F5344CB8AC3E}">
+        <p14:creationId xmlns:p14="http://schemas.microsoft.com/office/powerpoint/2010/main" val="138130271"/>
       </p:ext>
     </p:extLst>
   </p:cSld>
@@ -10879,7 +11109,7 @@
           <p:cNvPr id="2" name="Title 1">
             <a:extLst>
               <a:ext uri="{FF2B5EF4-FFF2-40B4-BE49-F238E27FC236}">
-                <a16:creationId xmlns:a16="http://schemas.microsoft.com/office/drawing/2014/main" id="{C963C051-2F8C-45DC-A15C-53110D29ABBD}"/>
+                <a16:creationId xmlns:a16="http://schemas.microsoft.com/office/drawing/2014/main" id="{7DE7CF70-F16E-45CD-980A-CF0AB29BDA11}"/>
               </a:ext>
             </a:extLst>
           </p:cNvPr>
@@ -10895,6 +11125,101 @@
           <a:bodyPr/>
           <a:lstStyle/>
           <a:p>
+            <a:pPr algn="ctr"/>
+            <a:r>
+              <a:rPr lang="en-US" b="1" dirty="0"/>
+              <a:t>GUVM Test bench Packages</a:t>
+            </a:r>
+            <a:endParaRPr lang="en-US" dirty="0"/>
+          </a:p>
+        </p:txBody>
+      </p:sp>
+      <p:sp>
+        <p:nvSpPr>
+          <p:cNvPr id="3" name="Content Placeholder 2">
+            <a:extLst>
+              <a:ext uri="{FF2B5EF4-FFF2-40B4-BE49-F238E27FC236}">
+                <a16:creationId xmlns:a16="http://schemas.microsoft.com/office/drawing/2014/main" id="{938BCF12-D436-412A-9A97-739879E09E2F}"/>
+              </a:ext>
+            </a:extLst>
+          </p:cNvPr>
+          <p:cNvSpPr>
+            <a:spLocks noGrp="1"/>
+          </p:cNvSpPr>
+          <p:nvPr>
+            <p:ph idx="1"/>
+          </p:nvPr>
+        </p:nvSpPr>
+        <p:spPr/>
+        <p:txBody>
+          <a:bodyPr/>
+          <a:lstStyle/>
+          <a:p>
+            <a:r>
+              <a:rPr lang="en-US" dirty="0"/>
+              <a:t>The full Packages file consists of the three DUT processor packages, such that each package includes all the processor instructions and its format mapping. Then each package is included in the target package to grantee the test bench reusability .</a:t>
+            </a:r>
+          </a:p>
+          <a:p>
+            <a:pPr marL="0" indent="0">
+              <a:buNone/>
+            </a:pPr>
+            <a:endParaRPr lang="en-US" dirty="0"/>
+          </a:p>
+        </p:txBody>
+      </p:sp>
+    </p:spTree>
+    <p:extLst>
+      <p:ext uri="{BB962C8B-B14F-4D97-AF65-F5344CB8AC3E}">
+        <p14:creationId xmlns:p14="http://schemas.microsoft.com/office/powerpoint/2010/main" val="2962762011"/>
+      </p:ext>
+    </p:extLst>
+  </p:cSld>
+  <p:clrMapOvr>
+    <a:masterClrMapping/>
+  </p:clrMapOvr>
+</p:sld>
+</file>
+
+<file path=ppt/slides/slide4.xml><?xml version="1.0" encoding="utf-8"?>
+<p:sld xmlns:a="http://schemas.openxmlformats.org/drawingml/2006/main" xmlns:r="http://schemas.openxmlformats.org/officeDocument/2006/relationships" xmlns:p="http://schemas.openxmlformats.org/presentationml/2006/main">
+  <p:cSld>
+    <p:spTree>
+      <p:nvGrpSpPr>
+        <p:cNvPr id="1" name=""/>
+        <p:cNvGrpSpPr/>
+        <p:nvPr/>
+      </p:nvGrpSpPr>
+      <p:grpSpPr>
+        <a:xfrm>
+          <a:off x="0" y="0"/>
+          <a:ext cx="0" cy="0"/>
+          <a:chOff x="0" y="0"/>
+          <a:chExt cx="0" cy="0"/>
+        </a:xfrm>
+      </p:grpSpPr>
+      <p:sp>
+        <p:nvSpPr>
+          <p:cNvPr id="2" name="Title 1">
+            <a:extLst>
+              <a:ext uri="{FF2B5EF4-FFF2-40B4-BE49-F238E27FC236}">
+                <a16:creationId xmlns:a16="http://schemas.microsoft.com/office/drawing/2014/main" id="{C963C051-2F8C-45DC-A15C-53110D29ABBD}"/>
+              </a:ext>
+            </a:extLst>
+          </p:cNvPr>
+          <p:cNvSpPr>
+            <a:spLocks noGrp="1"/>
+          </p:cNvSpPr>
+          <p:nvPr>
+            <p:ph type="title"/>
+          </p:nvPr>
+        </p:nvSpPr>
+        <p:spPr/>
+        <p:txBody>
+          <a:bodyPr/>
+          <a:lstStyle/>
+          <a:p>
+            <a:pPr algn="ctr"/>
             <a:r>
               <a:rPr lang="en-US" b="1" dirty="0"/>
               <a:t>Packages</a:t>
@@ -11710,74 +12035,6 @@
 </p:sld>
 </file>
 
-<file path=ppt/slides/slide4.xml><?xml version="1.0" encoding="utf-8"?>
-<p:sld xmlns:a="http://schemas.openxmlformats.org/drawingml/2006/main" xmlns:r="http://schemas.openxmlformats.org/officeDocument/2006/relationships" xmlns:p="http://schemas.openxmlformats.org/presentationml/2006/main">
-  <p:cSld>
-    <p:spTree>
-      <p:nvGrpSpPr>
-        <p:cNvPr id="1" name=""/>
-        <p:cNvGrpSpPr/>
-        <p:nvPr/>
-      </p:nvGrpSpPr>
-      <p:grpSpPr>
-        <a:xfrm>
-          <a:off x="0" y="0"/>
-          <a:ext cx="0" cy="0"/>
-          <a:chOff x="0" y="0"/>
-          <a:chExt cx="0" cy="0"/>
-        </a:xfrm>
-      </p:grpSpPr>
-      <p:sp>
-        <p:nvSpPr>
-          <p:cNvPr id="2" name="Title 1">
-            <a:extLst>
-              <a:ext uri="{FF2B5EF4-FFF2-40B4-BE49-F238E27FC236}">
-                <a16:creationId xmlns:a16="http://schemas.microsoft.com/office/drawing/2014/main" id="{FCCEA308-3857-4803-B255-725D0C2B5032}"/>
-              </a:ext>
-            </a:extLst>
-          </p:cNvPr>
-          <p:cNvSpPr>
-            <a:spLocks noGrp="1"/>
-          </p:cNvSpPr>
-          <p:nvPr>
-            <p:ph type="title"/>
-          </p:nvPr>
-        </p:nvSpPr>
-        <p:spPr>
-          <a:xfrm>
-            <a:off x="838200" y="365125"/>
-            <a:ext cx="10515600" cy="5616821"/>
-          </a:xfrm>
-        </p:spPr>
-        <p:txBody>
-          <a:bodyPr/>
-          <a:lstStyle/>
-          <a:p>
-            <a:pPr algn="ctr"/>
-            <a:r>
-              <a:rPr lang="en-US" dirty="0"/>
-              <a:t> </a:t>
-            </a:r>
-            <a:r>
-              <a:rPr lang="en-US" b="1" dirty="0"/>
-              <a:t>GUVM components</a:t>
-            </a:r>
-          </a:p>
-        </p:txBody>
-      </p:sp>
-    </p:spTree>
-    <p:extLst>
-      <p:ext uri="{BB962C8B-B14F-4D97-AF65-F5344CB8AC3E}">
-        <p14:creationId xmlns:p14="http://schemas.microsoft.com/office/powerpoint/2010/main" val="3377248323"/>
-      </p:ext>
-    </p:extLst>
-  </p:cSld>
-  <p:clrMapOvr>
-    <a:masterClrMapping/>
-  </p:clrMapOvr>
-</p:sld>
-</file>
-
 <file path=ppt/slides/slide5.xml><?xml version="1.0" encoding="utf-8"?>
 <p:sld xmlns:a="http://schemas.openxmlformats.org/drawingml/2006/main" xmlns:r="http://schemas.openxmlformats.org/officeDocument/2006/relationships" xmlns:p="http://schemas.openxmlformats.org/presentationml/2006/main">
   <p:cSld>
@@ -11800,7 +12057,7 @@
           <p:cNvPr id="2" name="Title 1">
             <a:extLst>
               <a:ext uri="{FF2B5EF4-FFF2-40B4-BE49-F238E27FC236}">
-                <a16:creationId xmlns:a16="http://schemas.microsoft.com/office/drawing/2014/main" id="{C375E870-CE85-4D49-947B-B2B793095FAA}"/>
+                <a16:creationId xmlns:a16="http://schemas.microsoft.com/office/drawing/2014/main" id="{FCCEA308-3857-4803-B255-725D0C2B5032}"/>
               </a:ext>
             </a:extLst>
           </p:cNvPr>
@@ -11811,58 +12068,24 @@
             <p:ph type="title"/>
           </p:nvPr>
         </p:nvSpPr>
-        <p:spPr/>
-        <p:txBody>
-          <a:bodyPr>
-            <a:normAutofit fontScale="90000"/>
-          </a:bodyPr>
-          <a:lstStyle/>
-          <a:p>
-            <a:pPr algn="ctr"/>
-            <a:br>
-              <a:rPr lang="en-US" dirty="0"/>
-            </a:br>
-            <a:r>
-              <a:rPr lang="en-US" b="1" dirty="0"/>
-              <a:t>GUVM Test</a:t>
-            </a:r>
-            <a:br>
-              <a:rPr lang="en-US" dirty="0"/>
-            </a:br>
-            <a:endParaRPr lang="en-US" dirty="0"/>
-          </a:p>
-        </p:txBody>
-      </p:sp>
-      <p:sp>
-        <p:nvSpPr>
-          <p:cNvPr id="3" name="Content Placeholder 2">
-            <a:extLst>
-              <a:ext uri="{FF2B5EF4-FFF2-40B4-BE49-F238E27FC236}">
-                <a16:creationId xmlns:a16="http://schemas.microsoft.com/office/drawing/2014/main" id="{D5B64787-8C0A-4552-BDDF-2BF88B985B0D}"/>
-              </a:ext>
-            </a:extLst>
-          </p:cNvPr>
-          <p:cNvSpPr>
-            <a:spLocks noGrp="1"/>
-          </p:cNvSpPr>
-          <p:nvPr>
-            <p:ph idx="1"/>
-          </p:nvPr>
-        </p:nvSpPr>
-        <p:spPr/>
+        <p:spPr>
+          <a:xfrm>
+            <a:off x="838200" y="365125"/>
+            <a:ext cx="10515600" cy="5616821"/>
+          </a:xfrm>
+        </p:spPr>
         <p:txBody>
           <a:bodyPr/>
           <a:lstStyle/>
           <a:p>
+            <a:pPr algn="ctr"/>
             <a:r>
               <a:rPr lang="en-US" dirty="0"/>
-              <a:t>The GUVM Test is the top-level UVM Component in the UVM Test bench. </a:t>
-            </a:r>
-          </a:p>
-          <a:p>
-            <a:r>
-              <a:rPr lang="en-US" dirty="0"/>
-              <a:t>The GUVM Test Instantiates the top-level environment, configures the environment (via factory overrides or the configuration database), and applies stimulus by invoking GUVM Sequences through the environment to the DUT processor. </a:t>
+              <a:t> </a:t>
+            </a:r>
+            <a:r>
+              <a:rPr lang="en-US" b="1" dirty="0"/>
+              <a:t>GUVM components</a:t>
             </a:r>
           </a:p>
         </p:txBody>
@@ -11870,7 +12093,7 @@
     </p:spTree>
     <p:extLst>
       <p:ext uri="{BB962C8B-B14F-4D97-AF65-F5344CB8AC3E}">
-        <p14:creationId xmlns:p14="http://schemas.microsoft.com/office/powerpoint/2010/main" val="3413498388"/>
+        <p14:creationId xmlns:p14="http://schemas.microsoft.com/office/powerpoint/2010/main" val="3377248323"/>
       </p:ext>
     </p:extLst>
   </p:cSld>
@@ -11902,7 +12125,7 @@
           <p:cNvPr id="2" name="Title 1">
             <a:extLst>
               <a:ext uri="{FF2B5EF4-FFF2-40B4-BE49-F238E27FC236}">
-                <a16:creationId xmlns:a16="http://schemas.microsoft.com/office/drawing/2014/main" id="{05184C99-6FFB-4A01-8242-0242705FB5EE}"/>
+                <a16:creationId xmlns:a16="http://schemas.microsoft.com/office/drawing/2014/main" id="{C375E870-CE85-4D49-947B-B2B793095FAA}"/>
               </a:ext>
             </a:extLst>
           </p:cNvPr>
@@ -11926,7 +12149,7 @@
             </a:br>
             <a:r>
               <a:rPr lang="en-US" b="1" dirty="0"/>
-              <a:t>GUVM Environment</a:t>
+              <a:t>GUVM Test</a:t>
             </a:r>
             <a:br>
               <a:rPr lang="en-US" dirty="0"/>
@@ -11940,7 +12163,7 @@
           <p:cNvPr id="3" name="Content Placeholder 2">
             <a:extLst>
               <a:ext uri="{FF2B5EF4-FFF2-40B4-BE49-F238E27FC236}">
-                <a16:creationId xmlns:a16="http://schemas.microsoft.com/office/drawing/2014/main" id="{B77690C1-00DB-463F-B461-071C9B0FF166}"/>
+                <a16:creationId xmlns:a16="http://schemas.microsoft.com/office/drawing/2014/main" id="{D5B64787-8C0A-4552-BDDF-2BF88B985B0D}"/>
               </a:ext>
             </a:extLst>
           </p:cNvPr>
@@ -11953,26 +12176,18 @@
         </p:nvSpPr>
         <p:spPr/>
         <p:txBody>
-          <a:bodyPr>
-            <a:normAutofit/>
-          </a:bodyPr>
+          <a:bodyPr/>
           <a:lstStyle/>
           <a:p>
             <a:r>
               <a:rPr lang="en-US" dirty="0"/>
-              <a:t>The UVM Environment is the higher-level verification and hierarchical component that groups together other verification components that are interrelated. It consists of  GUVM Agent, GUVM Scoreboard and GUVM Monitor. </a:t>
+              <a:t>The GUVM Test is the top-level UVM Component in the UVM Test bench. </a:t>
             </a:r>
           </a:p>
           <a:p>
             <a:r>
               <a:rPr lang="en-US" dirty="0"/>
-              <a:t>The top-level UVM Environment encapsulates all the verification components targeting the DUT processor. The configuration of the environment enables customization of its topology and behavior. </a:t>
-            </a:r>
-          </a:p>
-          <a:p>
-            <a:r>
-              <a:rPr lang="en-US" dirty="0"/>
-              <a:t>The GUVM environment is the generation of the constrained random traffic to stimulate the DUT processor, monitoring of the DUT processor response and checking of the ongoing traffic. </a:t>
+              <a:t>The GUVM Test Instantiates the top-level environment, configures the environment (via factory overrides or the configuration database), and applies stimulus by invoking GUVM Sequences through the environment to the DUT processor. </a:t>
             </a:r>
           </a:p>
         </p:txBody>
@@ -11980,7 +12195,7 @@
     </p:spTree>
     <p:extLst>
       <p:ext uri="{BB962C8B-B14F-4D97-AF65-F5344CB8AC3E}">
-        <p14:creationId xmlns:p14="http://schemas.microsoft.com/office/powerpoint/2010/main" val="78873664"/>
+        <p14:creationId xmlns:p14="http://schemas.microsoft.com/office/powerpoint/2010/main" val="3413498388"/>
       </p:ext>
     </p:extLst>
   </p:cSld>
@@ -12012,7 +12227,7 @@
           <p:cNvPr id="2" name="Title 1">
             <a:extLst>
               <a:ext uri="{FF2B5EF4-FFF2-40B4-BE49-F238E27FC236}">
-                <a16:creationId xmlns:a16="http://schemas.microsoft.com/office/drawing/2014/main" id="{21C21730-B520-49CD-A8CB-23F0C6199009}"/>
+                <a16:creationId xmlns:a16="http://schemas.microsoft.com/office/drawing/2014/main" id="{05184C99-6FFB-4A01-8242-0242705FB5EE}"/>
               </a:ext>
             </a:extLst>
           </p:cNvPr>
@@ -12025,14 +12240,22 @@
         </p:nvSpPr>
         <p:spPr/>
         <p:txBody>
-          <a:bodyPr/>
+          <a:bodyPr>
+            <a:normAutofit fontScale="90000"/>
+          </a:bodyPr>
           <a:lstStyle/>
           <a:p>
             <a:pPr algn="ctr"/>
+            <a:br>
+              <a:rPr lang="en-US" dirty="0"/>
+            </a:br>
             <a:r>
               <a:rPr lang="en-US" b="1" dirty="0"/>
-              <a:t>GUVM Agent</a:t>
-            </a:r>
+              <a:t>GUVM Environment</a:t>
+            </a:r>
+            <a:br>
+              <a:rPr lang="en-US" dirty="0"/>
+            </a:br>
             <a:endParaRPr lang="en-US" dirty="0"/>
           </a:p>
         </p:txBody>
@@ -12042,7 +12265,7 @@
           <p:cNvPr id="3" name="Content Placeholder 2">
             <a:extLst>
               <a:ext uri="{FF2B5EF4-FFF2-40B4-BE49-F238E27FC236}">
-                <a16:creationId xmlns:a16="http://schemas.microsoft.com/office/drawing/2014/main" id="{CC1788E6-A189-4F75-87A2-E233F8CD42BA}"/>
+                <a16:creationId xmlns:a16="http://schemas.microsoft.com/office/drawing/2014/main" id="{B77690C1-00DB-463F-B461-071C9B0FF166}"/>
               </a:ext>
             </a:extLst>
           </p:cNvPr>
@@ -12060,27 +12283,21 @@
           </a:bodyPr>
           <a:lstStyle/>
           <a:p>
-            <a:pPr marL="0" indent="0">
-              <a:buNone/>
-            </a:pPr>
-            <a:endParaRPr lang="en-US" dirty="0"/>
-          </a:p>
-          <a:p>
             <a:r>
               <a:rPr lang="en-US" dirty="0"/>
-              <a:t>The GUVM agent is the hierarchical component that contains other verification components that are dealing with the DUT interface.</a:t>
+              <a:t>The UVM Environment is the higher-level verification and hierarchical component that groups together other verification components that are interrelated. It consists of  GUVM Agent, GUVM Scoreboard and GUVM Monitor. </a:t>
             </a:r>
           </a:p>
           <a:p>
             <a:r>
               <a:rPr lang="en-US" dirty="0"/>
-              <a:t>UVM Agent includes the GUVM Sequencer and GUVM Driver. </a:t>
+              <a:t>The top-level UVM Environment encapsulates all the verification components targeting the DUT processor. The configuration of the environment enables customization of its topology and behavior. </a:t>
             </a:r>
           </a:p>
           <a:p>
             <a:r>
               <a:rPr lang="en-US" dirty="0"/>
-              <a:t>The GUVM agent is an active agent, such that it stimulates the DUT processor by driving transactions according to the specified test scenario. </a:t>
+              <a:t>The GUVM environment is the generation of the constrained random traffic to stimulate the DUT processor, monitoring of the DUT processor response and checking of the ongoing traffic. </a:t>
             </a:r>
           </a:p>
         </p:txBody>
@@ -12088,7 +12305,7 @@
     </p:spTree>
     <p:extLst>
       <p:ext uri="{BB962C8B-B14F-4D97-AF65-F5344CB8AC3E}">
-        <p14:creationId xmlns:p14="http://schemas.microsoft.com/office/powerpoint/2010/main" val="991904861"/>
+        <p14:creationId xmlns:p14="http://schemas.microsoft.com/office/powerpoint/2010/main" val="78873664"/>
       </p:ext>
     </p:extLst>
   </p:cSld>
@@ -12120,7 +12337,7 @@
           <p:cNvPr id="2" name="Title 1">
             <a:extLst>
               <a:ext uri="{FF2B5EF4-FFF2-40B4-BE49-F238E27FC236}">
-                <a16:creationId xmlns:a16="http://schemas.microsoft.com/office/drawing/2014/main" id="{6F371AB6-ADFE-4118-B617-A750C51CDFFC}"/>
+                <a16:creationId xmlns:a16="http://schemas.microsoft.com/office/drawing/2014/main" id="{21C21730-B520-49CD-A8CB-23F0C6199009}"/>
               </a:ext>
             </a:extLst>
           </p:cNvPr>
@@ -12133,22 +12350,14 @@
         </p:nvSpPr>
         <p:spPr/>
         <p:txBody>
-          <a:bodyPr>
-            <a:normAutofit fontScale="90000"/>
-          </a:bodyPr>
+          <a:bodyPr/>
           <a:lstStyle/>
           <a:p>
             <a:pPr algn="ctr"/>
-            <a:br>
-              <a:rPr lang="en-US" dirty="0"/>
-            </a:br>
             <a:r>
               <a:rPr lang="en-US" b="1" dirty="0"/>
-              <a:t>GUVM Sequencer</a:t>
-            </a:r>
-            <a:br>
-              <a:rPr lang="en-US" dirty="0"/>
-            </a:br>
+              <a:t>GUVM Agent</a:t>
+            </a:r>
             <a:endParaRPr lang="en-US" dirty="0"/>
           </a:p>
         </p:txBody>
@@ -12158,7 +12367,7 @@
           <p:cNvPr id="3" name="Content Placeholder 2">
             <a:extLst>
               <a:ext uri="{FF2B5EF4-FFF2-40B4-BE49-F238E27FC236}">
-                <a16:creationId xmlns:a16="http://schemas.microsoft.com/office/drawing/2014/main" id="{727D3EAA-D11E-4685-BC0D-6CC0D047AE1D}"/>
+                <a16:creationId xmlns:a16="http://schemas.microsoft.com/office/drawing/2014/main" id="{CC1788E6-A189-4F75-87A2-E233F8CD42BA}"/>
               </a:ext>
             </a:extLst>
           </p:cNvPr>
@@ -12169,19 +12378,34 @@
             <p:ph idx="1"/>
           </p:nvPr>
         </p:nvSpPr>
-        <p:spPr>
-          <a:xfrm>
-            <a:off x="838200" y="1825625"/>
-            <a:ext cx="10515600" cy="1088656"/>
-          </a:xfrm>
-        </p:spPr>
-        <p:txBody>
-          <a:bodyPr/>
+        <p:spPr/>
+        <p:txBody>
+          <a:bodyPr>
+            <a:normAutofit/>
+          </a:bodyPr>
           <a:lstStyle/>
           <a:p>
+            <a:pPr marL="0" indent="0">
+              <a:buNone/>
+            </a:pPr>
+            <a:endParaRPr lang="en-US" dirty="0"/>
+          </a:p>
+          <a:p>
             <a:r>
               <a:rPr lang="en-US" dirty="0"/>
-              <a:t>The GUVM sequencer controls the flow of UVM Sequence Items transactions generated by the GUVM Sequences.</a:t>
+              <a:t>The GUVM agent is the hierarchical component that contains other verification components that are dealing with the DUT interface.</a:t>
+            </a:r>
+          </a:p>
+          <a:p>
+            <a:r>
+              <a:rPr lang="en-US" dirty="0"/>
+              <a:t>UVM Agent includes the GUVM Sequencer and GUVM Driver. </a:t>
+            </a:r>
+          </a:p>
+          <a:p>
+            <a:r>
+              <a:rPr lang="en-US" dirty="0"/>
+              <a:t>The GUVM agent is an active agent, such that it stimulates the DUT processor by driving transactions according to the specified test scenario. </a:t>
             </a:r>
           </a:p>
         </p:txBody>
@@ -12189,7 +12413,7 @@
     </p:spTree>
     <p:extLst>
       <p:ext uri="{BB962C8B-B14F-4D97-AF65-F5344CB8AC3E}">
-        <p14:creationId xmlns:p14="http://schemas.microsoft.com/office/powerpoint/2010/main" val="1446282469"/>
+        <p14:creationId xmlns:p14="http://schemas.microsoft.com/office/powerpoint/2010/main" val="991904861"/>
       </p:ext>
     </p:extLst>
   </p:cSld>
@@ -12221,7 +12445,7 @@
           <p:cNvPr id="2" name="Title 1">
             <a:extLst>
               <a:ext uri="{FF2B5EF4-FFF2-40B4-BE49-F238E27FC236}">
-                <a16:creationId xmlns:a16="http://schemas.microsoft.com/office/drawing/2014/main" id="{6D982C78-3C9A-4AC8-95F4-18514C19EEB6}"/>
+                <a16:creationId xmlns:a16="http://schemas.microsoft.com/office/drawing/2014/main" id="{6F371AB6-ADFE-4118-B617-A750C51CDFFC}"/>
               </a:ext>
             </a:extLst>
           </p:cNvPr>
@@ -12245,7 +12469,7 @@
             </a:br>
             <a:r>
               <a:rPr lang="en-US" b="1" dirty="0"/>
-              <a:t>GUVM Sequence </a:t>
+              <a:t>GUVM Sequencer</a:t>
             </a:r>
             <a:br>
               <a:rPr lang="en-US" dirty="0"/>
@@ -12259,7 +12483,7 @@
           <p:cNvPr id="3" name="Content Placeholder 2">
             <a:extLst>
               <a:ext uri="{FF2B5EF4-FFF2-40B4-BE49-F238E27FC236}">
-                <a16:creationId xmlns:a16="http://schemas.microsoft.com/office/drawing/2014/main" id="{CC0D6B76-ABBF-4DDA-AD90-CE86A4580AD3}"/>
+                <a16:creationId xmlns:a16="http://schemas.microsoft.com/office/drawing/2014/main" id="{727D3EAA-D11E-4685-BC0D-6CC0D047AE1D}"/>
               </a:ext>
             </a:extLst>
           </p:cNvPr>
@@ -12270,19 +12494,27 @@
             <p:ph idx="1"/>
           </p:nvPr>
         </p:nvSpPr>
-        <p:spPr/>
+        <p:spPr>
+          <a:xfrm>
+            <a:off x="838200" y="1825625"/>
+            <a:ext cx="10515600" cy="1088656"/>
+          </a:xfrm>
+        </p:spPr>
         <p:txBody>
           <a:bodyPr/>
           <a:lstStyle/>
           <a:p>
-            <a:endParaRPr lang="en-US" dirty="0"/>
+            <a:r>
+              <a:rPr lang="en-US" dirty="0"/>
+              <a:t>The GUVM sequencer controls the flow of UVM Sequence Items transactions generated by the GUVM Sequences.</a:t>
+            </a:r>
           </a:p>
         </p:txBody>
       </p:sp>
     </p:spTree>
     <p:extLst>
       <p:ext uri="{BB962C8B-B14F-4D97-AF65-F5344CB8AC3E}">
-        <p14:creationId xmlns:p14="http://schemas.microsoft.com/office/powerpoint/2010/main" val="1483422952"/>
+        <p14:creationId xmlns:p14="http://schemas.microsoft.com/office/powerpoint/2010/main" val="1446282469"/>
       </p:ext>
     </p:extLst>
   </p:cSld>

--- a/Block Diagram_edited.pptx
+++ b/Block Diagram_edited.pptx
@@ -13,12 +13,17 @@
     <p:sldId id="260" r:id="rId7"/>
     <p:sldId id="261" r:id="rId8"/>
     <p:sldId id="262" r:id="rId9"/>
-    <p:sldId id="263" r:id="rId10"/>
-    <p:sldId id="264" r:id="rId11"/>
-    <p:sldId id="265" r:id="rId12"/>
-    <p:sldId id="266" r:id="rId13"/>
-    <p:sldId id="267" r:id="rId14"/>
-    <p:sldId id="269" r:id="rId15"/>
+    <p:sldId id="270" r:id="rId10"/>
+    <p:sldId id="271" r:id="rId11"/>
+    <p:sldId id="272" r:id="rId12"/>
+    <p:sldId id="263" r:id="rId13"/>
+    <p:sldId id="265" r:id="rId14"/>
+    <p:sldId id="273" r:id="rId15"/>
+    <p:sldId id="266" r:id="rId16"/>
+    <p:sldId id="274" r:id="rId17"/>
+    <p:sldId id="267" r:id="rId18"/>
+    <p:sldId id="269" r:id="rId19"/>
+    <p:sldId id="264" r:id="rId20"/>
   </p:sldIdLst>
   <p:sldSz cx="12192000" cy="6858000"/>
   <p:notesSz cx="6858000" cy="9144000"/>
@@ -272,7 +277,7 @@
           <a:p>
             <a:fld id="{C0F70495-36A0-443F-8916-32C5B1CCA509}" type="datetimeFigureOut">
               <a:rPr lang="en-US" smtClean="0"/>
-              <a:t>3/30/2020</a:t>
+              <a:t>3/31/2020</a:t>
             </a:fld>
             <a:endParaRPr lang="en-US"/>
           </a:p>
@@ -470,7 +475,7 @@
           <a:p>
             <a:fld id="{C0F70495-36A0-443F-8916-32C5B1CCA509}" type="datetimeFigureOut">
               <a:rPr lang="en-US" smtClean="0"/>
-              <a:t>3/30/2020</a:t>
+              <a:t>3/31/2020</a:t>
             </a:fld>
             <a:endParaRPr lang="en-US"/>
           </a:p>
@@ -678,7 +683,7 @@
           <a:p>
             <a:fld id="{C0F70495-36A0-443F-8916-32C5B1CCA509}" type="datetimeFigureOut">
               <a:rPr lang="en-US" smtClean="0"/>
-              <a:t>3/30/2020</a:t>
+              <a:t>3/31/2020</a:t>
             </a:fld>
             <a:endParaRPr lang="en-US"/>
           </a:p>
@@ -876,7 +881,7 @@
           <a:p>
             <a:fld id="{C0F70495-36A0-443F-8916-32C5B1CCA509}" type="datetimeFigureOut">
               <a:rPr lang="en-US" smtClean="0"/>
-              <a:t>3/30/2020</a:t>
+              <a:t>3/31/2020</a:t>
             </a:fld>
             <a:endParaRPr lang="en-US"/>
           </a:p>
@@ -1151,7 +1156,7 @@
           <a:p>
             <a:fld id="{C0F70495-36A0-443F-8916-32C5B1CCA509}" type="datetimeFigureOut">
               <a:rPr lang="en-US" smtClean="0"/>
-              <a:t>3/30/2020</a:t>
+              <a:t>3/31/2020</a:t>
             </a:fld>
             <a:endParaRPr lang="en-US"/>
           </a:p>
@@ -1416,7 +1421,7 @@
           <a:p>
             <a:fld id="{C0F70495-36A0-443F-8916-32C5B1CCA509}" type="datetimeFigureOut">
               <a:rPr lang="en-US" smtClean="0"/>
-              <a:t>3/30/2020</a:t>
+              <a:t>3/31/2020</a:t>
             </a:fld>
             <a:endParaRPr lang="en-US"/>
           </a:p>
@@ -1828,7 +1833,7 @@
           <a:p>
             <a:fld id="{C0F70495-36A0-443F-8916-32C5B1CCA509}" type="datetimeFigureOut">
               <a:rPr lang="en-US" smtClean="0"/>
-              <a:t>3/30/2020</a:t>
+              <a:t>3/31/2020</a:t>
             </a:fld>
             <a:endParaRPr lang="en-US"/>
           </a:p>
@@ -1969,7 +1974,7 @@
           <a:p>
             <a:fld id="{C0F70495-36A0-443F-8916-32C5B1CCA509}" type="datetimeFigureOut">
               <a:rPr lang="en-US" smtClean="0"/>
-              <a:t>3/30/2020</a:t>
+              <a:t>3/31/2020</a:t>
             </a:fld>
             <a:endParaRPr lang="en-US"/>
           </a:p>
@@ -2082,7 +2087,7 @@
           <a:p>
             <a:fld id="{C0F70495-36A0-443F-8916-32C5B1CCA509}" type="datetimeFigureOut">
               <a:rPr lang="en-US" smtClean="0"/>
-              <a:t>3/30/2020</a:t>
+              <a:t>3/31/2020</a:t>
             </a:fld>
             <a:endParaRPr lang="en-US"/>
           </a:p>
@@ -2393,7 +2398,7 @@
           <a:p>
             <a:fld id="{C0F70495-36A0-443F-8916-32C5B1CCA509}" type="datetimeFigureOut">
               <a:rPr lang="en-US" smtClean="0"/>
-              <a:t>3/30/2020</a:t>
+              <a:t>3/31/2020</a:t>
             </a:fld>
             <a:endParaRPr lang="en-US"/>
           </a:p>
@@ -2681,7 +2686,7 @@
           <a:p>
             <a:fld id="{C0F70495-36A0-443F-8916-32C5B1CCA509}" type="datetimeFigureOut">
               <a:rPr lang="en-US" smtClean="0"/>
-              <a:t>3/30/2020</a:t>
+              <a:t>3/31/2020</a:t>
             </a:fld>
             <a:endParaRPr lang="en-US"/>
           </a:p>
@@ -2922,7 +2927,7 @@
           <a:p>
             <a:fld id="{C0F70495-36A0-443F-8916-32C5B1CCA509}" type="datetimeFigureOut">
               <a:rPr lang="en-US" smtClean="0"/>
-              <a:t>3/30/2020</a:t>
+              <a:t>3/31/2020</a:t>
             </a:fld>
             <a:endParaRPr lang="en-US"/>
           </a:p>
@@ -3402,7 +3407,7 @@
           <p:cNvPr id="2" name="Title 1">
             <a:extLst>
               <a:ext uri="{FF2B5EF4-FFF2-40B4-BE49-F238E27FC236}">
-                <a16:creationId xmlns:a16="http://schemas.microsoft.com/office/drawing/2014/main" id="{6D982C78-3C9A-4AC8-95F4-18514C19EEB6}"/>
+                <a16:creationId xmlns:a16="http://schemas.microsoft.com/office/drawing/2014/main" id="{4077768F-EF78-4E15-AF4C-8A7346C347F1}"/>
               </a:ext>
             </a:extLst>
           </p:cNvPr>
@@ -3415,26 +3420,14 @@
         </p:nvSpPr>
         <p:spPr/>
         <p:txBody>
-          <a:bodyPr>
-            <a:normAutofit fontScale="90000"/>
-          </a:bodyPr>
+          <a:bodyPr/>
           <a:lstStyle/>
           <a:p>
             <a:pPr algn="ctr"/>
-            <a:br>
+            <a:r>
               <a:rPr lang="en-US" dirty="0"/>
-            </a:br>
-            <a:r>
-              <a:rPr lang="en-US" b="1" dirty="0"/>
-              <a:t>GUVM Sequence  And GUVM Transaction</a:t>
-            </a:r>
-            <a:br>
-              <a:rPr lang="en-US" dirty="0"/>
-            </a:br>
-            <a:br>
-              <a:rPr lang="en-US" dirty="0"/>
-            </a:br>
-            <a:endParaRPr lang="en-US" dirty="0"/>
+              <a:t>Target Sequence Item</a:t>
+            </a:r>
           </a:p>
         </p:txBody>
       </p:sp>
@@ -3443,7 +3436,7 @@
           <p:cNvPr id="3" name="Content Placeholder 2">
             <a:extLst>
               <a:ext uri="{FF2B5EF4-FFF2-40B4-BE49-F238E27FC236}">
-                <a16:creationId xmlns:a16="http://schemas.microsoft.com/office/drawing/2014/main" id="{CC0D6B76-ABBF-4DDA-AD90-CE86A4580AD3}"/>
+                <a16:creationId xmlns:a16="http://schemas.microsoft.com/office/drawing/2014/main" id="{7676CCBC-900C-4ED0-B38F-1869EDA7C4C2}"/>
               </a:ext>
             </a:extLst>
           </p:cNvPr>
@@ -3460,44 +3453,28 @@
           <a:lstStyle/>
           <a:p>
             <a:r>
-              <a:rPr lang="en-US" b="1" dirty="0"/>
-              <a:t>GUVM Sequence</a:t>
-            </a:r>
-            <a:r>
               <a:rPr lang="en-US" dirty="0"/>
-              <a:t> is the base transaction object being sent around from the Sequencer to the Driver, from the Driver to the Scoreboard --This object holds all the instruction and the generated data.</a:t>
-            </a:r>
-          </a:p>
-          <a:p>
-            <a:endParaRPr lang="en-US" dirty="0"/>
-          </a:p>
-          <a:p>
-            <a:r>
-              <a:rPr lang="en-US" b="1" dirty="0"/>
-              <a:t>GUVM Transaction </a:t>
-            </a:r>
+              <a:t>There are three target sequence items one for each processor but only one of them will be compiled in the simulation </a:t>
+            </a:r>
+          </a:p>
+          <a:p>
             <a:r>
               <a:rPr lang="en-US" dirty="0"/>
-              <a:t>is being sent around and from </a:t>
-            </a:r>
-            <a:r>
-              <a:rPr lang="en-US" dirty="0" err="1"/>
-              <a:t>from</a:t>
-            </a:r>
+              <a:t>Each one has processors instruction format variables </a:t>
+            </a:r>
+          </a:p>
+          <a:p>
             <a:r>
               <a:rPr lang="en-US" dirty="0"/>
-              <a:t> the Sequencer to the Monitor to the Scoreboard. It holds all the output related data.</a:t>
-            </a:r>
-          </a:p>
-          <a:p>
-            <a:endParaRPr lang="en-US" dirty="0"/>
+              <a:t>Each one helps to construct loads and store instructions which needed to deal with instruction data</a:t>
+            </a:r>
           </a:p>
         </p:txBody>
       </p:sp>
     </p:spTree>
     <p:extLst>
       <p:ext uri="{BB962C8B-B14F-4D97-AF65-F5344CB8AC3E}">
-        <p14:creationId xmlns:p14="http://schemas.microsoft.com/office/powerpoint/2010/main" val="1483422952"/>
+        <p14:creationId xmlns:p14="http://schemas.microsoft.com/office/powerpoint/2010/main" val="669223222"/>
       </p:ext>
     </p:extLst>
   </p:cSld>
@@ -3529,7 +3506,7 @@
           <p:cNvPr id="2" name="Title 1">
             <a:extLst>
               <a:ext uri="{FF2B5EF4-FFF2-40B4-BE49-F238E27FC236}">
-                <a16:creationId xmlns:a16="http://schemas.microsoft.com/office/drawing/2014/main" id="{195172D6-D89F-4D31-9AC1-7A65B7B18903}"/>
+                <a16:creationId xmlns:a16="http://schemas.microsoft.com/office/drawing/2014/main" id="{3287E60B-BFE9-4CF6-AE06-7780133A1068}"/>
               </a:ext>
             </a:extLst>
           </p:cNvPr>
@@ -3542,23 +3519,14 @@
         </p:nvSpPr>
         <p:spPr/>
         <p:txBody>
-          <a:bodyPr>
-            <a:normAutofit fontScale="90000"/>
-          </a:bodyPr>
+          <a:bodyPr/>
           <a:lstStyle/>
           <a:p>
             <a:pPr algn="ctr"/>
-            <a:br>
+            <a:r>
               <a:rPr lang="en-US" dirty="0"/>
-            </a:br>
-            <a:r>
-              <a:rPr lang="en-US" b="1" dirty="0"/>
-              <a:t>GUVM Driver </a:t>
-            </a:r>
-            <a:br>
-              <a:rPr lang="en-US" dirty="0"/>
-            </a:br>
-            <a:endParaRPr lang="en-US" dirty="0"/>
+              <a:t>GUVM Sequence</a:t>
+            </a:r>
           </a:p>
         </p:txBody>
       </p:sp>
@@ -3567,7 +3535,7 @@
           <p:cNvPr id="3" name="Content Placeholder 2">
             <a:extLst>
               <a:ext uri="{FF2B5EF4-FFF2-40B4-BE49-F238E27FC236}">
-                <a16:creationId xmlns:a16="http://schemas.microsoft.com/office/drawing/2014/main" id="{47653A3E-0884-4C09-BE0E-70B0939A2120}"/>
+                <a16:creationId xmlns:a16="http://schemas.microsoft.com/office/drawing/2014/main" id="{6560685B-93E2-4483-BBB5-0D2E4B188DD6}"/>
               </a:ext>
             </a:extLst>
           </p:cNvPr>
@@ -3585,21 +3553,21 @@
           <a:p>
             <a:r>
               <a:rPr lang="en-US" dirty="0"/>
-              <a:t>The GUVM Driver receives the sequence Item transactions from the GUVM Sequencer and applies it on the DUT processor Interface.</a:t>
-            </a:r>
-          </a:p>
-          <a:p>
-            <a:r>
-              <a:rPr lang="en-US" dirty="0"/>
-              <a:t>GUVM Driver first resets the DUT processor then sends the data and the instruction to the DUT processor, as it converts the transaction-level stimulus into pin-level stimulus. It also has a TLM port to receive transactions from the Sequencer and send them to the DUT processor. </a:t>
-            </a:r>
+              <a:t>A simple sequence was made to test arithmetic instructions , first the instruction is randomized then the sequence starts sending load instructions to fill the source registers .after loading the registers the sequence sends the instruction under test then sends a store instruction to get the result to the memory pins which the monitor can read from.</a:t>
+            </a:r>
+          </a:p>
+          <a:p>
+            <a:pPr marL="0" indent="0">
+              <a:buNone/>
+            </a:pPr>
+            <a:endParaRPr lang="en-US" dirty="0"/>
           </a:p>
         </p:txBody>
       </p:sp>
     </p:spTree>
     <p:extLst>
       <p:ext uri="{BB962C8B-B14F-4D97-AF65-F5344CB8AC3E}">
-        <p14:creationId xmlns:p14="http://schemas.microsoft.com/office/powerpoint/2010/main" val="3153737002"/>
+        <p14:creationId xmlns:p14="http://schemas.microsoft.com/office/powerpoint/2010/main" val="2770691524"/>
       </p:ext>
     </p:extLst>
   </p:cSld>
@@ -3631,7 +3599,7 @@
           <p:cNvPr id="2" name="Title 1">
             <a:extLst>
               <a:ext uri="{FF2B5EF4-FFF2-40B4-BE49-F238E27FC236}">
-                <a16:creationId xmlns:a16="http://schemas.microsoft.com/office/drawing/2014/main" id="{0349EF27-C88E-4AB9-BE96-E9B0E75BCB71}"/>
+                <a16:creationId xmlns:a16="http://schemas.microsoft.com/office/drawing/2014/main" id="{6F371AB6-ADFE-4118-B617-A750C51CDFFC}"/>
               </a:ext>
             </a:extLst>
           </p:cNvPr>
@@ -3655,7 +3623,7 @@
             </a:br>
             <a:r>
               <a:rPr lang="en-US" b="1" dirty="0"/>
-              <a:t>GUVM Monitor </a:t>
+              <a:t>GUVM Sequencer</a:t>
             </a:r>
             <a:br>
               <a:rPr lang="en-US" dirty="0"/>
@@ -3669,7 +3637,7 @@
           <p:cNvPr id="3" name="Content Placeholder 2">
             <a:extLst>
               <a:ext uri="{FF2B5EF4-FFF2-40B4-BE49-F238E27FC236}">
-                <a16:creationId xmlns:a16="http://schemas.microsoft.com/office/drawing/2014/main" id="{577E6F1A-B3F3-4484-8605-DB34BC4BC21A}"/>
+                <a16:creationId xmlns:a16="http://schemas.microsoft.com/office/drawing/2014/main" id="{727D3EAA-D11E-4685-BC0D-6CC0D047AE1D}"/>
               </a:ext>
             </a:extLst>
           </p:cNvPr>
@@ -3680,14 +3648,19 @@
             <p:ph idx="1"/>
           </p:nvPr>
         </p:nvSpPr>
-        <p:spPr/>
+        <p:spPr>
+          <a:xfrm>
+            <a:off x="838200" y="1825625"/>
+            <a:ext cx="10515600" cy="1088656"/>
+          </a:xfrm>
+        </p:spPr>
         <p:txBody>
           <a:bodyPr/>
           <a:lstStyle/>
           <a:p>
             <a:r>
               <a:rPr lang="en-US" dirty="0"/>
-              <a:t>The GUVM Monitor samples the DUT interface and captures the information there in transactions that are sent out to the rest of the UVM test bench for analysis. It also extends abstraction levels by converting pin-level activity to transactions. In order to achieve that, the UVM Monitor access the DUT processor interface and also has a TLM analysis port to broadcast the created transactions through. The UVM Monitor delegate the transactions produced to the scoreboard connected to the monitor's analysis port.</a:t>
+              <a:t>The GUVM sequencer controls the flow of UVM Sequence Items transactions generated by the GUVM Sequences.</a:t>
             </a:r>
           </a:p>
         </p:txBody>
@@ -3695,7 +3668,7 @@
     </p:spTree>
     <p:extLst>
       <p:ext uri="{BB962C8B-B14F-4D97-AF65-F5344CB8AC3E}">
-        <p14:creationId xmlns:p14="http://schemas.microsoft.com/office/powerpoint/2010/main" val="2363942070"/>
+        <p14:creationId xmlns:p14="http://schemas.microsoft.com/office/powerpoint/2010/main" val="1446282469"/>
       </p:ext>
     </p:extLst>
   </p:cSld>
@@ -3727,7 +3700,7 @@
           <p:cNvPr id="2" name="Title 1">
             <a:extLst>
               <a:ext uri="{FF2B5EF4-FFF2-40B4-BE49-F238E27FC236}">
-                <a16:creationId xmlns:a16="http://schemas.microsoft.com/office/drawing/2014/main" id="{6D0773B5-968A-423C-8CD0-FAADF7E3DE8B}"/>
+                <a16:creationId xmlns:a16="http://schemas.microsoft.com/office/drawing/2014/main" id="{195172D6-D89F-4D31-9AC1-7A65B7B18903}"/>
               </a:ext>
             </a:extLst>
           </p:cNvPr>
@@ -3751,7 +3724,7 @@
             </a:br>
             <a:r>
               <a:rPr lang="en-US" b="1" dirty="0"/>
-              <a:t>GUVM Scoreboard</a:t>
+              <a:t>GUVM Driver </a:t>
             </a:r>
             <a:br>
               <a:rPr lang="en-US" dirty="0"/>
@@ -3765,7 +3738,7 @@
           <p:cNvPr id="3" name="Content Placeholder 2">
             <a:extLst>
               <a:ext uri="{FF2B5EF4-FFF2-40B4-BE49-F238E27FC236}">
-                <a16:creationId xmlns:a16="http://schemas.microsoft.com/office/drawing/2014/main" id="{B91914CF-3013-4BD9-A488-B965D0C4EF3E}"/>
+                <a16:creationId xmlns:a16="http://schemas.microsoft.com/office/drawing/2014/main" id="{47653A3E-0884-4C09-BE0E-70B0939A2120}"/>
               </a:ext>
             </a:extLst>
           </p:cNvPr>
@@ -3778,26 +3751,18 @@
         </p:nvSpPr>
         <p:spPr/>
         <p:txBody>
-          <a:bodyPr>
-            <a:noAutofit/>
-          </a:bodyPr>
+          <a:bodyPr/>
           <a:lstStyle/>
           <a:p>
             <a:r>
-              <a:rPr lang="en-US" sz="2400" dirty="0"/>
-              <a:t>The GUVM Scoreboard checks the behavior of the DUT processor. It receives the transactions that carries inputs and outputs of the DUT processor through GUVM Driver and GUVM Monitor analysis ports, such that it checks the signals and reports the verification.</a:t>
-            </a:r>
-          </a:p>
-          <a:p>
-            <a:r>
-              <a:rPr lang="en-US" sz="2400" dirty="0"/>
-              <a:t>GUVM Scoreboard gets only from the driver the data about what instruction was sent to the DUT and the generated data from the sequencer, and from monitor it gets the output signals from the DUT processor as well. </a:t>
-            </a:r>
-          </a:p>
-          <a:p>
-            <a:r>
-              <a:rPr lang="en-US" sz="2400" dirty="0"/>
-              <a:t>The input instruction is decoded and processed in the DUT processor and then the output signals from the monitor are compared to the expected output signals.</a:t>
+              <a:rPr lang="en-US" dirty="0"/>
+              <a:t>The GUVM Driver receives the sequence Item transactions from the GUVM Sequencer and applies it on the DUT processor Interface.</a:t>
+            </a:r>
+          </a:p>
+          <a:p>
+            <a:r>
+              <a:rPr lang="en-US" dirty="0"/>
+              <a:t>GUVM Driver first resets the DUT processor then sends the data and the instruction to the DUT processor, as it converts the transaction-level stimulus into pin-level stimulus. It also has a TLM port to receive transactions from the Sequencer and send them to the DUT processor. </a:t>
             </a:r>
           </a:p>
         </p:txBody>
@@ -3805,7 +3770,7 @@
     </p:spTree>
     <p:extLst>
       <p:ext uri="{BB962C8B-B14F-4D97-AF65-F5344CB8AC3E}">
-        <p14:creationId xmlns:p14="http://schemas.microsoft.com/office/powerpoint/2010/main" val="2987011563"/>
+        <p14:creationId xmlns:p14="http://schemas.microsoft.com/office/powerpoint/2010/main" val="3153737002"/>
       </p:ext>
     </p:extLst>
   </p:cSld>
@@ -3834,10 +3799,39 @@
       </p:grpSpPr>
       <p:sp>
         <p:nvSpPr>
-          <p:cNvPr id="4" name="Title 1">
-            <a:extLst>
-              <a:ext uri="{FF2B5EF4-FFF2-40B4-BE49-F238E27FC236}">
-                <a16:creationId xmlns:a16="http://schemas.microsoft.com/office/drawing/2014/main" id="{B117BB5F-57D6-48A2-983B-87174FB117B5}"/>
+          <p:cNvPr id="2" name="Title 1">
+            <a:extLst>
+              <a:ext uri="{FF2B5EF4-FFF2-40B4-BE49-F238E27FC236}">
+                <a16:creationId xmlns:a16="http://schemas.microsoft.com/office/drawing/2014/main" id="{86B3B17B-E383-49BE-B9BC-89CE550C98BF}"/>
+              </a:ext>
+            </a:extLst>
+          </p:cNvPr>
+          <p:cNvSpPr>
+            <a:spLocks noGrp="1"/>
+          </p:cNvSpPr>
+          <p:nvPr>
+            <p:ph type="title"/>
+          </p:nvPr>
+        </p:nvSpPr>
+        <p:spPr/>
+        <p:txBody>
+          <a:bodyPr/>
+          <a:lstStyle/>
+          <a:p>
+            <a:pPr algn="ctr"/>
+            <a:r>
+              <a:rPr lang="en-US" dirty="0"/>
+              <a:t>GUVM Interface</a:t>
+            </a:r>
+          </a:p>
+        </p:txBody>
+      </p:sp>
+      <p:sp>
+        <p:nvSpPr>
+          <p:cNvPr id="3" name="Content Placeholder 2">
+            <a:extLst>
+              <a:ext uri="{FF2B5EF4-FFF2-40B4-BE49-F238E27FC236}">
+                <a16:creationId xmlns:a16="http://schemas.microsoft.com/office/drawing/2014/main" id="{F34AB098-FB8B-41D0-A7D7-BD19426756DB}"/>
               </a:ext>
             </a:extLst>
           </p:cNvPr>
@@ -3848,6 +3842,398 @@
             <p:ph idx="1"/>
           </p:nvPr>
         </p:nvSpPr>
+        <p:spPr/>
+        <p:txBody>
+          <a:bodyPr/>
+          <a:lstStyle/>
+          <a:p>
+            <a:r>
+              <a:rPr lang="en-US" dirty="0"/>
+              <a:t>There are three GUVM interfaces one for each processor but only one of them will be compiled in the simulation </a:t>
+            </a:r>
+          </a:p>
+          <a:p>
+            <a:r>
+              <a:rPr lang="en-US" dirty="0"/>
+              <a:t>Each interface has pins of its processor</a:t>
+            </a:r>
+          </a:p>
+          <a:p>
+            <a:r>
+              <a:rPr lang="en-US" dirty="0"/>
+              <a:t>Each interface has functions that driver use to drive instructions or data to dut </a:t>
+            </a:r>
+          </a:p>
+          <a:p>
+            <a:r>
+              <a:rPr lang="en-US" dirty="0"/>
+              <a:t>Interfaces deals with </a:t>
+            </a:r>
+            <a:r>
+              <a:rPr lang="en-US" dirty="0" err="1"/>
+              <a:t>clk</a:t>
+            </a:r>
+            <a:r>
+              <a:rPr lang="en-US" dirty="0"/>
+              <a:t> and timing to deal with each processor with his timing constraints </a:t>
+            </a:r>
+          </a:p>
+          <a:p>
+            <a:endParaRPr lang="en-US" dirty="0"/>
+          </a:p>
+        </p:txBody>
+      </p:sp>
+    </p:spTree>
+    <p:extLst>
+      <p:ext uri="{BB962C8B-B14F-4D97-AF65-F5344CB8AC3E}">
+        <p14:creationId xmlns:p14="http://schemas.microsoft.com/office/powerpoint/2010/main" val="259919804"/>
+      </p:ext>
+    </p:extLst>
+  </p:cSld>
+  <p:clrMapOvr>
+    <a:masterClrMapping/>
+  </p:clrMapOvr>
+</p:sld>
+</file>
+
+<file path=ppt/slides/slide15.xml><?xml version="1.0" encoding="utf-8"?>
+<p:sld xmlns:a="http://schemas.openxmlformats.org/drawingml/2006/main" xmlns:r="http://schemas.openxmlformats.org/officeDocument/2006/relationships" xmlns:p="http://schemas.openxmlformats.org/presentationml/2006/main">
+  <p:cSld>
+    <p:spTree>
+      <p:nvGrpSpPr>
+        <p:cNvPr id="1" name=""/>
+        <p:cNvGrpSpPr/>
+        <p:nvPr/>
+      </p:nvGrpSpPr>
+      <p:grpSpPr>
+        <a:xfrm>
+          <a:off x="0" y="0"/>
+          <a:ext cx="0" cy="0"/>
+          <a:chOff x="0" y="0"/>
+          <a:chExt cx="0" cy="0"/>
+        </a:xfrm>
+      </p:grpSpPr>
+      <p:sp>
+        <p:nvSpPr>
+          <p:cNvPr id="2" name="Title 1">
+            <a:extLst>
+              <a:ext uri="{FF2B5EF4-FFF2-40B4-BE49-F238E27FC236}">
+                <a16:creationId xmlns:a16="http://schemas.microsoft.com/office/drawing/2014/main" id="{0349EF27-C88E-4AB9-BE96-E9B0E75BCB71}"/>
+              </a:ext>
+            </a:extLst>
+          </p:cNvPr>
+          <p:cNvSpPr>
+            <a:spLocks noGrp="1"/>
+          </p:cNvSpPr>
+          <p:nvPr>
+            <p:ph type="title"/>
+          </p:nvPr>
+        </p:nvSpPr>
+        <p:spPr/>
+        <p:txBody>
+          <a:bodyPr>
+            <a:normAutofit fontScale="90000"/>
+          </a:bodyPr>
+          <a:lstStyle/>
+          <a:p>
+            <a:pPr algn="ctr"/>
+            <a:br>
+              <a:rPr lang="en-US" dirty="0"/>
+            </a:br>
+            <a:r>
+              <a:rPr lang="en-US" b="1" dirty="0"/>
+              <a:t>GUVM Monitor </a:t>
+            </a:r>
+            <a:br>
+              <a:rPr lang="en-US" dirty="0"/>
+            </a:br>
+            <a:endParaRPr lang="en-US" dirty="0"/>
+          </a:p>
+        </p:txBody>
+      </p:sp>
+      <p:sp>
+        <p:nvSpPr>
+          <p:cNvPr id="3" name="Content Placeholder 2">
+            <a:extLst>
+              <a:ext uri="{FF2B5EF4-FFF2-40B4-BE49-F238E27FC236}">
+                <a16:creationId xmlns:a16="http://schemas.microsoft.com/office/drawing/2014/main" id="{577E6F1A-B3F3-4484-8605-DB34BC4BC21A}"/>
+              </a:ext>
+            </a:extLst>
+          </p:cNvPr>
+          <p:cNvSpPr>
+            <a:spLocks noGrp="1"/>
+          </p:cNvSpPr>
+          <p:nvPr>
+            <p:ph idx="1"/>
+          </p:nvPr>
+        </p:nvSpPr>
+        <p:spPr/>
+        <p:txBody>
+          <a:bodyPr/>
+          <a:lstStyle/>
+          <a:p>
+            <a:r>
+              <a:rPr lang="en-US" dirty="0"/>
+              <a:t>The GUVM Monitor samples the DUT interface and captures the information there in transactions that are sent out to the rest of the UVM test bench for analysis. It also extends abstraction levels by converting pin-level activity to transactions. In order to achieve that, the UVM Monitor access the DUT processor interface and also has a TLM analysis port to broadcast the created transactions through. The UVM Monitor delegate the transactions produced to the scoreboard connected to the monitor's analysis port.</a:t>
+            </a:r>
+          </a:p>
+        </p:txBody>
+      </p:sp>
+    </p:spTree>
+    <p:extLst>
+      <p:ext uri="{BB962C8B-B14F-4D97-AF65-F5344CB8AC3E}">
+        <p14:creationId xmlns:p14="http://schemas.microsoft.com/office/powerpoint/2010/main" val="2363942070"/>
+      </p:ext>
+    </p:extLst>
+  </p:cSld>
+  <p:clrMapOvr>
+    <a:masterClrMapping/>
+  </p:clrMapOvr>
+</p:sld>
+</file>
+
+<file path=ppt/slides/slide16.xml><?xml version="1.0" encoding="utf-8"?>
+<p:sld xmlns:a="http://schemas.openxmlformats.org/drawingml/2006/main" xmlns:r="http://schemas.openxmlformats.org/officeDocument/2006/relationships" xmlns:p="http://schemas.openxmlformats.org/presentationml/2006/main">
+  <p:cSld>
+    <p:spTree>
+      <p:nvGrpSpPr>
+        <p:cNvPr id="1" name=""/>
+        <p:cNvGrpSpPr/>
+        <p:nvPr/>
+      </p:nvGrpSpPr>
+      <p:grpSpPr>
+        <a:xfrm>
+          <a:off x="0" y="0"/>
+          <a:ext cx="0" cy="0"/>
+          <a:chOff x="0" y="0"/>
+          <a:chExt cx="0" cy="0"/>
+        </a:xfrm>
+      </p:grpSpPr>
+      <p:sp>
+        <p:nvSpPr>
+          <p:cNvPr id="2" name="Title 1">
+            <a:extLst>
+              <a:ext uri="{FF2B5EF4-FFF2-40B4-BE49-F238E27FC236}">
+                <a16:creationId xmlns:a16="http://schemas.microsoft.com/office/drawing/2014/main" id="{646A33A1-CE0B-4264-B220-28E87EECF05A}"/>
+              </a:ext>
+            </a:extLst>
+          </p:cNvPr>
+          <p:cNvSpPr>
+            <a:spLocks noGrp="1"/>
+          </p:cNvSpPr>
+          <p:nvPr>
+            <p:ph type="title"/>
+          </p:nvPr>
+        </p:nvSpPr>
+        <p:spPr/>
+        <p:txBody>
+          <a:bodyPr/>
+          <a:lstStyle/>
+          <a:p>
+            <a:pPr algn="ctr"/>
+            <a:r>
+              <a:rPr lang="en-US" dirty="0"/>
+              <a:t>GUVM Result Transaction </a:t>
+            </a:r>
+          </a:p>
+        </p:txBody>
+      </p:sp>
+      <p:sp>
+        <p:nvSpPr>
+          <p:cNvPr id="3" name="Content Placeholder 2">
+            <a:extLst>
+              <a:ext uri="{FF2B5EF4-FFF2-40B4-BE49-F238E27FC236}">
+                <a16:creationId xmlns:a16="http://schemas.microsoft.com/office/drawing/2014/main" id="{4751214E-F394-41BF-8336-874F5996C0CD}"/>
+              </a:ext>
+            </a:extLst>
+          </p:cNvPr>
+          <p:cNvSpPr>
+            <a:spLocks noGrp="1"/>
+          </p:cNvSpPr>
+          <p:nvPr>
+            <p:ph idx="1"/>
+          </p:nvPr>
+        </p:nvSpPr>
+        <p:spPr/>
+        <p:txBody>
+          <a:bodyPr/>
+          <a:lstStyle/>
+          <a:p>
+            <a:r>
+              <a:rPr lang="en-US" dirty="0"/>
+              <a:t>It has variables to save the data of instruction’s output operands </a:t>
+            </a:r>
+          </a:p>
+          <a:p>
+            <a:r>
+              <a:rPr lang="en-US" dirty="0"/>
+              <a:t>This is the transactions which sent from monitor to scoreboard</a:t>
+            </a:r>
+          </a:p>
+          <a:p>
+            <a:r>
+              <a:rPr lang="en-US" dirty="0"/>
+              <a:t>Its variables assigned with instruction output in write to monitor function which called in interface</a:t>
+            </a:r>
+          </a:p>
+        </p:txBody>
+      </p:sp>
+    </p:spTree>
+    <p:extLst>
+      <p:ext uri="{BB962C8B-B14F-4D97-AF65-F5344CB8AC3E}">
+        <p14:creationId xmlns:p14="http://schemas.microsoft.com/office/powerpoint/2010/main" val="687780631"/>
+      </p:ext>
+    </p:extLst>
+  </p:cSld>
+  <p:clrMapOvr>
+    <a:masterClrMapping/>
+  </p:clrMapOvr>
+</p:sld>
+</file>
+
+<file path=ppt/slides/slide17.xml><?xml version="1.0" encoding="utf-8"?>
+<p:sld xmlns:a="http://schemas.openxmlformats.org/drawingml/2006/main" xmlns:r="http://schemas.openxmlformats.org/officeDocument/2006/relationships" xmlns:p="http://schemas.openxmlformats.org/presentationml/2006/main">
+  <p:cSld>
+    <p:spTree>
+      <p:nvGrpSpPr>
+        <p:cNvPr id="1" name=""/>
+        <p:cNvGrpSpPr/>
+        <p:nvPr/>
+      </p:nvGrpSpPr>
+      <p:grpSpPr>
+        <a:xfrm>
+          <a:off x="0" y="0"/>
+          <a:ext cx="0" cy="0"/>
+          <a:chOff x="0" y="0"/>
+          <a:chExt cx="0" cy="0"/>
+        </a:xfrm>
+      </p:grpSpPr>
+      <p:sp>
+        <p:nvSpPr>
+          <p:cNvPr id="2" name="Title 1">
+            <a:extLst>
+              <a:ext uri="{FF2B5EF4-FFF2-40B4-BE49-F238E27FC236}">
+                <a16:creationId xmlns:a16="http://schemas.microsoft.com/office/drawing/2014/main" id="{6D0773B5-968A-423C-8CD0-FAADF7E3DE8B}"/>
+              </a:ext>
+            </a:extLst>
+          </p:cNvPr>
+          <p:cNvSpPr>
+            <a:spLocks noGrp="1"/>
+          </p:cNvSpPr>
+          <p:nvPr>
+            <p:ph type="title"/>
+          </p:nvPr>
+        </p:nvSpPr>
+        <p:spPr/>
+        <p:txBody>
+          <a:bodyPr>
+            <a:normAutofit fontScale="90000"/>
+          </a:bodyPr>
+          <a:lstStyle/>
+          <a:p>
+            <a:pPr algn="ctr"/>
+            <a:br>
+              <a:rPr lang="en-US" dirty="0"/>
+            </a:br>
+            <a:r>
+              <a:rPr lang="en-US" b="1" dirty="0"/>
+              <a:t>GUVM Scoreboard</a:t>
+            </a:r>
+            <a:br>
+              <a:rPr lang="en-US" dirty="0"/>
+            </a:br>
+            <a:endParaRPr lang="en-US" dirty="0"/>
+          </a:p>
+        </p:txBody>
+      </p:sp>
+      <p:sp>
+        <p:nvSpPr>
+          <p:cNvPr id="3" name="Content Placeholder 2">
+            <a:extLst>
+              <a:ext uri="{FF2B5EF4-FFF2-40B4-BE49-F238E27FC236}">
+                <a16:creationId xmlns:a16="http://schemas.microsoft.com/office/drawing/2014/main" id="{B91914CF-3013-4BD9-A488-B965D0C4EF3E}"/>
+              </a:ext>
+            </a:extLst>
+          </p:cNvPr>
+          <p:cNvSpPr>
+            <a:spLocks noGrp="1"/>
+          </p:cNvSpPr>
+          <p:nvPr>
+            <p:ph idx="1"/>
+          </p:nvPr>
+        </p:nvSpPr>
+        <p:spPr/>
+        <p:txBody>
+          <a:bodyPr>
+            <a:noAutofit/>
+          </a:bodyPr>
+          <a:lstStyle/>
+          <a:p>
+            <a:r>
+              <a:rPr lang="en-US" sz="2400" dirty="0"/>
+              <a:t>The GUVM Scoreboard checks the behavior of the DUT processor. It receives the transactions that carries inputs and outputs of the DUT processor through GUVM Driver and GUVM Monitor analysis ports, such that it checks the signals and reports the verification.</a:t>
+            </a:r>
+          </a:p>
+          <a:p>
+            <a:r>
+              <a:rPr lang="en-US" sz="2400" dirty="0"/>
+              <a:t>GUVM Scoreboard gets only from the driver the data about what instruction was sent to the DUT and the generated data from the sequencer, and from monitor it gets the output signals from the DUT processor as well. </a:t>
+            </a:r>
+          </a:p>
+          <a:p>
+            <a:r>
+              <a:rPr lang="en-US" sz="2400" dirty="0"/>
+              <a:t>The input instruction is decoded and processed in the DUT processor and then the output signals from the monitor are compared to the expected output signals.</a:t>
+            </a:r>
+          </a:p>
+        </p:txBody>
+      </p:sp>
+    </p:spTree>
+    <p:extLst>
+      <p:ext uri="{BB962C8B-B14F-4D97-AF65-F5344CB8AC3E}">
+        <p14:creationId xmlns:p14="http://schemas.microsoft.com/office/powerpoint/2010/main" val="2987011563"/>
+      </p:ext>
+    </p:extLst>
+  </p:cSld>
+  <p:clrMapOvr>
+    <a:masterClrMapping/>
+  </p:clrMapOvr>
+</p:sld>
+</file>
+
+<file path=ppt/slides/slide18.xml><?xml version="1.0" encoding="utf-8"?>
+<p:sld xmlns:a="http://schemas.openxmlformats.org/drawingml/2006/main" xmlns:r="http://schemas.openxmlformats.org/officeDocument/2006/relationships" xmlns:p="http://schemas.openxmlformats.org/presentationml/2006/main">
+  <p:cSld>
+    <p:spTree>
+      <p:nvGrpSpPr>
+        <p:cNvPr id="1" name=""/>
+        <p:cNvGrpSpPr/>
+        <p:nvPr/>
+      </p:nvGrpSpPr>
+      <p:grpSpPr>
+        <a:xfrm>
+          <a:off x="0" y="0"/>
+          <a:ext cx="0" cy="0"/>
+          <a:chOff x="0" y="0"/>
+          <a:chExt cx="0" cy="0"/>
+        </a:xfrm>
+      </p:grpSpPr>
+      <p:sp>
+        <p:nvSpPr>
+          <p:cNvPr id="4" name="Title 1">
+            <a:extLst>
+              <a:ext uri="{FF2B5EF4-FFF2-40B4-BE49-F238E27FC236}">
+                <a16:creationId xmlns:a16="http://schemas.microsoft.com/office/drawing/2014/main" id="{B117BB5F-57D6-48A2-983B-87174FB117B5}"/>
+              </a:ext>
+            </a:extLst>
+          </p:cNvPr>
+          <p:cNvSpPr>
+            <a:spLocks noGrp="1"/>
+          </p:cNvSpPr>
+          <p:nvPr>
+            <p:ph idx="1"/>
+          </p:nvPr>
+        </p:nvSpPr>
         <p:spPr>
           <a:xfrm>
             <a:off x="838200" y="212377"/>
@@ -3904,6 +4290,133 @@
     <p:extLst>
       <p:ext uri="{BB962C8B-B14F-4D97-AF65-F5344CB8AC3E}">
         <p14:creationId xmlns:p14="http://schemas.microsoft.com/office/powerpoint/2010/main" val="138130271"/>
+      </p:ext>
+    </p:extLst>
+  </p:cSld>
+  <p:clrMapOvr>
+    <a:masterClrMapping/>
+  </p:clrMapOvr>
+</p:sld>
+</file>
+
+<file path=ppt/slides/slide19.xml><?xml version="1.0" encoding="utf-8"?>
+<p:sld xmlns:a="http://schemas.openxmlformats.org/drawingml/2006/main" xmlns:r="http://schemas.openxmlformats.org/officeDocument/2006/relationships" xmlns:p="http://schemas.openxmlformats.org/presentationml/2006/main">
+  <p:cSld>
+    <p:spTree>
+      <p:nvGrpSpPr>
+        <p:cNvPr id="1" name=""/>
+        <p:cNvGrpSpPr/>
+        <p:nvPr/>
+      </p:nvGrpSpPr>
+      <p:grpSpPr>
+        <a:xfrm>
+          <a:off x="0" y="0"/>
+          <a:ext cx="0" cy="0"/>
+          <a:chOff x="0" y="0"/>
+          <a:chExt cx="0" cy="0"/>
+        </a:xfrm>
+      </p:grpSpPr>
+      <p:sp>
+        <p:nvSpPr>
+          <p:cNvPr id="2" name="Title 1">
+            <a:extLst>
+              <a:ext uri="{FF2B5EF4-FFF2-40B4-BE49-F238E27FC236}">
+                <a16:creationId xmlns:a16="http://schemas.microsoft.com/office/drawing/2014/main" id="{6D982C78-3C9A-4AC8-95F4-18514C19EEB6}"/>
+              </a:ext>
+            </a:extLst>
+          </p:cNvPr>
+          <p:cNvSpPr>
+            <a:spLocks noGrp="1"/>
+          </p:cNvSpPr>
+          <p:nvPr>
+            <p:ph type="title"/>
+          </p:nvPr>
+        </p:nvSpPr>
+        <p:spPr/>
+        <p:txBody>
+          <a:bodyPr>
+            <a:normAutofit fontScale="90000"/>
+          </a:bodyPr>
+          <a:lstStyle/>
+          <a:p>
+            <a:pPr algn="ctr"/>
+            <a:br>
+              <a:rPr lang="en-US" dirty="0"/>
+            </a:br>
+            <a:r>
+              <a:rPr lang="en-US" b="1" dirty="0"/>
+              <a:t>GUVM Sequence  And GUVM Transaction</a:t>
+            </a:r>
+            <a:br>
+              <a:rPr lang="en-US" dirty="0"/>
+            </a:br>
+            <a:br>
+              <a:rPr lang="en-US" dirty="0"/>
+            </a:br>
+            <a:endParaRPr lang="en-US" dirty="0"/>
+          </a:p>
+        </p:txBody>
+      </p:sp>
+      <p:sp>
+        <p:nvSpPr>
+          <p:cNvPr id="3" name="Content Placeholder 2">
+            <a:extLst>
+              <a:ext uri="{FF2B5EF4-FFF2-40B4-BE49-F238E27FC236}">
+                <a16:creationId xmlns:a16="http://schemas.microsoft.com/office/drawing/2014/main" id="{CC0D6B76-ABBF-4DDA-AD90-CE86A4580AD3}"/>
+              </a:ext>
+            </a:extLst>
+          </p:cNvPr>
+          <p:cNvSpPr>
+            <a:spLocks noGrp="1"/>
+          </p:cNvSpPr>
+          <p:nvPr>
+            <p:ph idx="1"/>
+          </p:nvPr>
+        </p:nvSpPr>
+        <p:spPr/>
+        <p:txBody>
+          <a:bodyPr/>
+          <a:lstStyle/>
+          <a:p>
+            <a:r>
+              <a:rPr lang="en-US" b="1" dirty="0"/>
+              <a:t>GUVM Sequence</a:t>
+            </a:r>
+            <a:r>
+              <a:rPr lang="en-US" dirty="0"/>
+              <a:t> is the base transaction object being sent around from the Sequencer to the Driver, from the Driver to the Scoreboard --This object holds all the instruction and the generated data.</a:t>
+            </a:r>
+          </a:p>
+          <a:p>
+            <a:endParaRPr lang="en-US" dirty="0"/>
+          </a:p>
+          <a:p>
+            <a:r>
+              <a:rPr lang="en-US" b="1" dirty="0"/>
+              <a:t>GUVM Transaction </a:t>
+            </a:r>
+            <a:r>
+              <a:rPr lang="en-US" dirty="0"/>
+              <a:t>is being sent around and from </a:t>
+            </a:r>
+            <a:r>
+              <a:rPr lang="en-US" dirty="0" err="1"/>
+              <a:t>from</a:t>
+            </a:r>
+            <a:r>
+              <a:rPr lang="en-US" dirty="0"/>
+              <a:t> the Sequencer to the Monitor to the Scoreboard. It holds all the output related data.</a:t>
+            </a:r>
+          </a:p>
+          <a:p>
+            <a:endParaRPr lang="en-US" dirty="0"/>
+          </a:p>
+        </p:txBody>
+      </p:sp>
+    </p:spTree>
+    <p:extLst>
+      <p:ext uri="{BB962C8B-B14F-4D97-AF65-F5344CB8AC3E}">
+        <p14:creationId xmlns:p14="http://schemas.microsoft.com/office/powerpoint/2010/main" val="1483422952"/>
       </p:ext>
     </p:extLst>
   </p:cSld>
@@ -9244,7 +9757,7 @@
         </p:nvSpPr>
         <p:spPr>
           <a:xfrm>
-            <a:off x="2478716" y="4109773"/>
+            <a:off x="1815112" y="2166984"/>
             <a:ext cx="378158" cy="213479"/>
           </a:xfrm>
           <a:prstGeom prst="rect">
@@ -9387,7 +9900,7 @@
         </p:nvSpPr>
         <p:spPr>
           <a:xfrm>
-            <a:off x="1187524" y="4054914"/>
+            <a:off x="573114" y="2029739"/>
             <a:ext cx="1309984" cy="518671"/>
           </a:xfrm>
           <a:prstGeom prst="rect">
@@ -9496,10 +10009,9 @@
           </a:lstStyle>
           <a:p>
             <a:r>
-              <a:rPr lang="en-US" sz="1400" b="1" dirty="0" err="1"/>
+              <a:rPr lang="en-US" sz="1400" b="1" dirty="0"/>
               <a:t>GUVM_result_transaction</a:t>
             </a:r>
-            <a:endParaRPr lang="en-US" sz="1400" b="1" dirty="0"/>
           </a:p>
         </p:txBody>
       </p:sp>
@@ -9769,10 +10281,9 @@
           </a:lstStyle>
           <a:p>
             <a:r>
-              <a:rPr lang="en-US" sz="1400" b="1" dirty="0" err="1"/>
-              <a:t>GUVM_seq_item</a:t>
-            </a:r>
-            <a:endParaRPr lang="en-US" sz="1400" b="1" dirty="0"/>
+              <a:rPr lang="en-US" sz="1400" b="1" dirty="0"/>
+              <a:t>target_seq_item</a:t>
+            </a:r>
           </a:p>
         </p:txBody>
       </p:sp>
@@ -9899,10 +10410,9 @@
           </a:lstStyle>
           <a:p>
             <a:r>
-              <a:rPr lang="en-US" sz="1400" b="1" dirty="0" err="1"/>
-              <a:t>write_to_monitor</a:t>
-            </a:r>
-            <a:endParaRPr lang="en-US" sz="1400" b="1" dirty="0"/>
+              <a:rPr lang="en-US" sz="1400" b="1" dirty="0"/>
+              <a:t>write_to_monitor_function</a:t>
+            </a:r>
           </a:p>
         </p:txBody>
       </p:sp>
@@ -10315,10 +10825,9 @@
           </a:lstStyle>
           <a:p>
             <a:r>
-              <a:rPr lang="en-US" sz="1400" b="1" dirty="0" err="1"/>
-              <a:t>GUVM_seq_item</a:t>
-            </a:r>
-            <a:endParaRPr lang="en-US" sz="1400" b="1" dirty="0"/>
+              <a:rPr lang="en-US" sz="1400" b="1" dirty="0"/>
+              <a:t>target_seq_item</a:t>
+            </a:r>
           </a:p>
         </p:txBody>
       </p:sp>
@@ -10445,10 +10954,9 @@
           </a:lstStyle>
           <a:p>
             <a:r>
-              <a:rPr lang="en-US" sz="1400" b="1" dirty="0" err="1"/>
-              <a:t>GUVM_seq_item</a:t>
-            </a:r>
-            <a:endParaRPr lang="en-US" sz="1400" b="1" dirty="0"/>
+              <a:rPr lang="en-US" sz="1400" b="1" dirty="0"/>
+              <a:t>target_seq_item</a:t>
+            </a:r>
           </a:p>
         </p:txBody>
       </p:sp>
@@ -11157,7 +11665,7 @@
           <a:p>
             <a:r>
               <a:rPr lang="en-US" dirty="0"/>
-              <a:t>The full Packages file consists of the three DUT processor packages, such that each package includes all the processor instructions and its format mapping. Then each package is included in the target package to grantee the test bench reusability .</a:t>
+              <a:t>The full Packages file consists of the three DUT processor packages, such that each package includes all the processor instructions, GUVM components classes and its format mapping. Then each package is included in the target package to grantee the test bench reusability .</a:t>
             </a:r>
           </a:p>
           <a:p>
@@ -12445,7 +12953,7 @@
           <p:cNvPr id="2" name="Title 1">
             <a:extLst>
               <a:ext uri="{FF2B5EF4-FFF2-40B4-BE49-F238E27FC236}">
-                <a16:creationId xmlns:a16="http://schemas.microsoft.com/office/drawing/2014/main" id="{6F371AB6-ADFE-4118-B617-A750C51CDFFC}"/>
+                <a16:creationId xmlns:a16="http://schemas.microsoft.com/office/drawing/2014/main" id="{1C863FBB-35AD-4BFB-8DBA-810F188DCA0F}"/>
               </a:ext>
             </a:extLst>
           </p:cNvPr>
@@ -12458,23 +12966,14 @@
         </p:nvSpPr>
         <p:spPr/>
         <p:txBody>
-          <a:bodyPr>
-            <a:normAutofit fontScale="90000"/>
-          </a:bodyPr>
+          <a:bodyPr/>
           <a:lstStyle/>
           <a:p>
             <a:pPr algn="ctr"/>
-            <a:br>
+            <a:r>
               <a:rPr lang="en-US" dirty="0"/>
-            </a:br>
-            <a:r>
-              <a:rPr lang="en-US" b="1" dirty="0"/>
-              <a:t>GUVM Sequencer</a:t>
-            </a:r>
-            <a:br>
-              <a:rPr lang="en-US" dirty="0"/>
-            </a:br>
-            <a:endParaRPr lang="en-US" dirty="0"/>
+              <a:t>GUVM Sequence Item</a:t>
+            </a:r>
           </a:p>
         </p:txBody>
       </p:sp>
@@ -12483,7 +12982,7 @@
           <p:cNvPr id="3" name="Content Placeholder 2">
             <a:extLst>
               <a:ext uri="{FF2B5EF4-FFF2-40B4-BE49-F238E27FC236}">
-                <a16:creationId xmlns:a16="http://schemas.microsoft.com/office/drawing/2014/main" id="{727D3EAA-D11E-4685-BC0D-6CC0D047AE1D}"/>
+                <a16:creationId xmlns:a16="http://schemas.microsoft.com/office/drawing/2014/main" id="{7C8516A8-B585-478E-8445-4AF507041C06}"/>
               </a:ext>
             </a:extLst>
           </p:cNvPr>
@@ -12494,19 +12993,26 @@
             <p:ph idx="1"/>
           </p:nvPr>
         </p:nvSpPr>
-        <p:spPr>
-          <a:xfrm>
-            <a:off x="838200" y="1825625"/>
-            <a:ext cx="10515600" cy="1088656"/>
-          </a:xfrm>
-        </p:spPr>
+        <p:spPr/>
         <p:txBody>
           <a:bodyPr/>
           <a:lstStyle/>
           <a:p>
             <a:r>
               <a:rPr lang="en-US" dirty="0"/>
-              <a:t>The GUVM sequencer controls the flow of UVM Sequence Items transactions generated by the GUVM Sequences.</a:t>
+              <a:t>It handles the randomization of instruction and data </a:t>
+            </a:r>
+          </a:p>
+          <a:p>
+            <a:r>
+              <a:rPr lang="en-US" dirty="0"/>
+              <a:t>It has variables to save the data of instruction’s input operands </a:t>
+            </a:r>
+          </a:p>
+          <a:p>
+            <a:r>
+              <a:rPr lang="en-US" dirty="0"/>
+              <a:t>It has randomization functions</a:t>
             </a:r>
           </a:p>
         </p:txBody>
@@ -12514,7 +13020,7 @@
     </p:spTree>
     <p:extLst>
       <p:ext uri="{BB962C8B-B14F-4D97-AF65-F5344CB8AC3E}">
-        <p14:creationId xmlns:p14="http://schemas.microsoft.com/office/powerpoint/2010/main" val="1446282469"/>
+        <p14:creationId xmlns:p14="http://schemas.microsoft.com/office/powerpoint/2010/main" val="658024417"/>
       </p:ext>
     </p:extLst>
   </p:cSld>
